--- a/slides/CSFG8.pptx
+++ b/slides/CSFG8.pptx
@@ -598,7 +598,7 @@
             <a:tailEnd/>
           </a:ln>
           <a:extLst>
-            <a:ext uri="{909E8E84-426E-40DD-AFC4-6F175D3DCCD1}">
+            <a:ext uri="{909E8E84-426E-40dd-AFC4-6F175D3DCCD1}">
               <a14:hiddenFill xmlns:a14="http://schemas.microsoft.com/office/drawing/2010/main">
                 <a:solidFill>
                   <a:srgbClr val="FFFFFF"/>
@@ -1060,14 +1060,14 @@
           <a:noFill/>
           <a:ln/>
           <a:extLst>
-            <a:ext uri="{909E8E84-426E-40DD-AFC4-6F175D3DCCD1}">
+            <a:ext uri="{909E8E84-426E-40dd-AFC4-6F175D3DCCD1}">
               <a14:hiddenFill xmlns:a14="http://schemas.microsoft.com/office/drawing/2010/main">
                 <a:solidFill>
                   <a:srgbClr val="FFFFFF"/>
                 </a:solidFill>
               </a14:hiddenFill>
             </a:ext>
-            <a:ext uri="{91240B29-F687-4F45-9708-019B960494DF}">
+            <a:ext uri="{91240B29-F687-4f45-9708-019B960494DF}">
               <a14:hiddenLine xmlns:a14="http://schemas.microsoft.com/office/drawing/2010/main" w="9525">
                 <a:solidFill>
                   <a:srgbClr val="000000"/>
@@ -1111,14 +1111,14 @@
             <a:noFill/>
           </a:ln>
           <a:extLst>
-            <a:ext uri="{909E8E84-426E-40DD-AFC4-6F175D3DCCD1}">
+            <a:ext uri="{909E8E84-426E-40dd-AFC4-6F175D3DCCD1}">
               <a14:hiddenFill xmlns:a14="http://schemas.microsoft.com/office/drawing/2010/main">
                 <a:solidFill>
                   <a:srgbClr val="FFFFFF"/>
                 </a:solidFill>
               </a14:hiddenFill>
             </a:ext>
-            <a:ext uri="{91240B29-F687-4F45-9708-019B960494DF}">
+            <a:ext uri="{91240B29-F687-4f45-9708-019B960494DF}">
               <a14:hiddenLine xmlns:a14="http://schemas.microsoft.com/office/drawing/2010/main" w="9525">
                 <a:solidFill>
                   <a:srgbClr val="000000"/>
@@ -1284,14 +1284,14 @@
           <a:noFill/>
           <a:ln/>
           <a:extLst>
-            <a:ext uri="{909E8E84-426E-40DD-AFC4-6F175D3DCCD1}">
+            <a:ext uri="{909E8E84-426E-40dd-AFC4-6F175D3DCCD1}">
               <a14:hiddenFill xmlns:a14="http://schemas.microsoft.com/office/drawing/2010/main">
                 <a:solidFill>
                   <a:srgbClr val="FFFFFF"/>
                 </a:solidFill>
               </a14:hiddenFill>
             </a:ext>
-            <a:ext uri="{91240B29-F687-4F45-9708-019B960494DF}">
+            <a:ext uri="{91240B29-F687-4f45-9708-019B960494DF}">
               <a14:hiddenLine xmlns:a14="http://schemas.microsoft.com/office/drawing/2010/main" w="9525">
                 <a:solidFill>
                   <a:srgbClr val="000000"/>
@@ -1335,14 +1335,14 @@
             <a:noFill/>
           </a:ln>
           <a:extLst>
-            <a:ext uri="{909E8E84-426E-40DD-AFC4-6F175D3DCCD1}">
+            <a:ext uri="{909E8E84-426E-40dd-AFC4-6F175D3DCCD1}">
               <a14:hiddenFill xmlns:a14="http://schemas.microsoft.com/office/drawing/2010/main">
                 <a:solidFill>
                   <a:srgbClr val="FFFFFF"/>
                 </a:solidFill>
               </a14:hiddenFill>
             </a:ext>
-            <a:ext uri="{91240B29-F687-4F45-9708-019B960494DF}">
+            <a:ext uri="{91240B29-F687-4f45-9708-019B960494DF}">
               <a14:hiddenLine xmlns:a14="http://schemas.microsoft.com/office/drawing/2010/main" w="9525">
                 <a:solidFill>
                   <a:srgbClr val="000000"/>
@@ -1508,14 +1508,14 @@
           <a:noFill/>
           <a:ln/>
           <a:extLst>
-            <a:ext uri="{909E8E84-426E-40DD-AFC4-6F175D3DCCD1}">
+            <a:ext uri="{909E8E84-426E-40dd-AFC4-6F175D3DCCD1}">
               <a14:hiddenFill xmlns:a14="http://schemas.microsoft.com/office/drawing/2010/main">
                 <a:solidFill>
                   <a:srgbClr val="FFFFFF"/>
                 </a:solidFill>
               </a14:hiddenFill>
             </a:ext>
-            <a:ext uri="{91240B29-F687-4F45-9708-019B960494DF}">
+            <a:ext uri="{91240B29-F687-4f45-9708-019B960494DF}">
               <a14:hiddenLine xmlns:a14="http://schemas.microsoft.com/office/drawing/2010/main" w="9525">
                 <a:solidFill>
                   <a:srgbClr val="000000"/>
@@ -1559,14 +1559,14 @@
             <a:noFill/>
           </a:ln>
           <a:extLst>
-            <a:ext uri="{909E8E84-426E-40DD-AFC4-6F175D3DCCD1}">
+            <a:ext uri="{909E8E84-426E-40dd-AFC4-6F175D3DCCD1}">
               <a14:hiddenFill xmlns:a14="http://schemas.microsoft.com/office/drawing/2010/main">
                 <a:solidFill>
                   <a:srgbClr val="FFFFFF"/>
                 </a:solidFill>
               </a14:hiddenFill>
             </a:ext>
-            <a:ext uri="{91240B29-F687-4F45-9708-019B960494DF}">
+            <a:ext uri="{91240B29-F687-4f45-9708-019B960494DF}">
               <a14:hiddenLine xmlns:a14="http://schemas.microsoft.com/office/drawing/2010/main" w="9525">
                 <a:solidFill>
                   <a:srgbClr val="000000"/>
@@ -1732,14 +1732,14 @@
           <a:noFill/>
           <a:ln/>
           <a:extLst>
-            <a:ext uri="{909E8E84-426E-40DD-AFC4-6F175D3DCCD1}">
+            <a:ext uri="{909E8E84-426E-40dd-AFC4-6F175D3DCCD1}">
               <a14:hiddenFill xmlns:a14="http://schemas.microsoft.com/office/drawing/2010/main">
                 <a:solidFill>
                   <a:srgbClr val="FFFFFF"/>
                 </a:solidFill>
               </a14:hiddenFill>
             </a:ext>
-            <a:ext uri="{91240B29-F687-4F45-9708-019B960494DF}">
+            <a:ext uri="{91240B29-F687-4f45-9708-019B960494DF}">
               <a14:hiddenLine xmlns:a14="http://schemas.microsoft.com/office/drawing/2010/main" w="9525">
                 <a:solidFill>
                   <a:srgbClr val="000000"/>
@@ -1783,14 +1783,14 @@
             <a:noFill/>
           </a:ln>
           <a:extLst>
-            <a:ext uri="{909E8E84-426E-40DD-AFC4-6F175D3DCCD1}">
+            <a:ext uri="{909E8E84-426E-40dd-AFC4-6F175D3DCCD1}">
               <a14:hiddenFill xmlns:a14="http://schemas.microsoft.com/office/drawing/2010/main">
                 <a:solidFill>
                   <a:srgbClr val="FFFFFF"/>
                 </a:solidFill>
               </a14:hiddenFill>
             </a:ext>
-            <a:ext uri="{91240B29-F687-4F45-9708-019B960494DF}">
+            <a:ext uri="{91240B29-F687-4f45-9708-019B960494DF}">
               <a14:hiddenLine xmlns:a14="http://schemas.microsoft.com/office/drawing/2010/main" w="9525">
                 <a:solidFill>
                   <a:srgbClr val="000000"/>
@@ -1956,14 +1956,14 @@
           <a:noFill/>
           <a:ln/>
           <a:extLst>
-            <a:ext uri="{909E8E84-426E-40DD-AFC4-6F175D3DCCD1}">
+            <a:ext uri="{909E8E84-426E-40dd-AFC4-6F175D3DCCD1}">
               <a14:hiddenFill xmlns:a14="http://schemas.microsoft.com/office/drawing/2010/main">
                 <a:solidFill>
                   <a:srgbClr val="FFFFFF"/>
                 </a:solidFill>
               </a14:hiddenFill>
             </a:ext>
-            <a:ext uri="{91240B29-F687-4F45-9708-019B960494DF}">
+            <a:ext uri="{91240B29-F687-4f45-9708-019B960494DF}">
               <a14:hiddenLine xmlns:a14="http://schemas.microsoft.com/office/drawing/2010/main" w="9525">
                 <a:solidFill>
                   <a:srgbClr val="000000"/>
@@ -2007,14 +2007,14 @@
             <a:noFill/>
           </a:ln>
           <a:extLst>
-            <a:ext uri="{909E8E84-426E-40DD-AFC4-6F175D3DCCD1}">
+            <a:ext uri="{909E8E84-426E-40dd-AFC4-6F175D3DCCD1}">
               <a14:hiddenFill xmlns:a14="http://schemas.microsoft.com/office/drawing/2010/main">
                 <a:solidFill>
                   <a:srgbClr val="FFFFFF"/>
                 </a:solidFill>
               </a14:hiddenFill>
             </a:ext>
-            <a:ext uri="{91240B29-F687-4F45-9708-019B960494DF}">
+            <a:ext uri="{91240B29-F687-4f45-9708-019B960494DF}">
               <a14:hiddenLine xmlns:a14="http://schemas.microsoft.com/office/drawing/2010/main" w="9525">
                 <a:solidFill>
                   <a:srgbClr val="000000"/>
@@ -2180,14 +2180,14 @@
           <a:noFill/>
           <a:ln/>
           <a:extLst>
-            <a:ext uri="{909E8E84-426E-40DD-AFC4-6F175D3DCCD1}">
+            <a:ext uri="{909E8E84-426E-40dd-AFC4-6F175D3DCCD1}">
               <a14:hiddenFill xmlns:a14="http://schemas.microsoft.com/office/drawing/2010/main">
                 <a:solidFill>
                   <a:srgbClr val="FFFFFF"/>
                 </a:solidFill>
               </a14:hiddenFill>
             </a:ext>
-            <a:ext uri="{91240B29-F687-4F45-9708-019B960494DF}">
+            <a:ext uri="{91240B29-F687-4f45-9708-019B960494DF}">
               <a14:hiddenLine xmlns:a14="http://schemas.microsoft.com/office/drawing/2010/main" w="9525">
                 <a:solidFill>
                   <a:srgbClr val="000000"/>
@@ -2231,14 +2231,14 @@
             <a:noFill/>
           </a:ln>
           <a:extLst>
-            <a:ext uri="{909E8E84-426E-40DD-AFC4-6F175D3DCCD1}">
+            <a:ext uri="{909E8E84-426E-40dd-AFC4-6F175D3DCCD1}">
               <a14:hiddenFill xmlns:a14="http://schemas.microsoft.com/office/drawing/2010/main">
                 <a:solidFill>
                   <a:srgbClr val="FFFFFF"/>
                 </a:solidFill>
               </a14:hiddenFill>
             </a:ext>
-            <a:ext uri="{91240B29-F687-4F45-9708-019B960494DF}">
+            <a:ext uri="{91240B29-F687-4f45-9708-019B960494DF}">
               <a14:hiddenLine xmlns:a14="http://schemas.microsoft.com/office/drawing/2010/main" w="9525">
                 <a:solidFill>
                   <a:srgbClr val="000000"/>
@@ -2404,14 +2404,14 @@
           <a:noFill/>
           <a:ln/>
           <a:extLst>
-            <a:ext uri="{909E8E84-426E-40DD-AFC4-6F175D3DCCD1}">
+            <a:ext uri="{909E8E84-426E-40dd-AFC4-6F175D3DCCD1}">
               <a14:hiddenFill xmlns:a14="http://schemas.microsoft.com/office/drawing/2010/main">
                 <a:solidFill>
                   <a:srgbClr val="FFFFFF"/>
                 </a:solidFill>
               </a14:hiddenFill>
             </a:ext>
-            <a:ext uri="{91240B29-F687-4F45-9708-019B960494DF}">
+            <a:ext uri="{91240B29-F687-4f45-9708-019B960494DF}">
               <a14:hiddenLine xmlns:a14="http://schemas.microsoft.com/office/drawing/2010/main" w="9525">
                 <a:solidFill>
                   <a:srgbClr val="000000"/>
@@ -2455,14 +2455,14 @@
             <a:noFill/>
           </a:ln>
           <a:extLst>
-            <a:ext uri="{909E8E84-426E-40DD-AFC4-6F175D3DCCD1}">
+            <a:ext uri="{909E8E84-426E-40dd-AFC4-6F175D3DCCD1}">
               <a14:hiddenFill xmlns:a14="http://schemas.microsoft.com/office/drawing/2010/main">
                 <a:solidFill>
                   <a:srgbClr val="FFFFFF"/>
                 </a:solidFill>
               </a14:hiddenFill>
             </a:ext>
-            <a:ext uri="{91240B29-F687-4F45-9708-019B960494DF}">
+            <a:ext uri="{91240B29-F687-4f45-9708-019B960494DF}">
               <a14:hiddenLine xmlns:a14="http://schemas.microsoft.com/office/drawing/2010/main" w="9525">
                 <a:solidFill>
                   <a:srgbClr val="000000"/>
@@ -2628,14 +2628,14 @@
           <a:noFill/>
           <a:ln/>
           <a:extLst>
-            <a:ext uri="{909E8E84-426E-40DD-AFC4-6F175D3DCCD1}">
+            <a:ext uri="{909E8E84-426E-40dd-AFC4-6F175D3DCCD1}">
               <a14:hiddenFill xmlns:a14="http://schemas.microsoft.com/office/drawing/2010/main">
                 <a:solidFill>
                   <a:srgbClr val="FFFFFF"/>
                 </a:solidFill>
               </a14:hiddenFill>
             </a:ext>
-            <a:ext uri="{91240B29-F687-4F45-9708-019B960494DF}">
+            <a:ext uri="{91240B29-F687-4f45-9708-019B960494DF}">
               <a14:hiddenLine xmlns:a14="http://schemas.microsoft.com/office/drawing/2010/main" w="9525">
                 <a:solidFill>
                   <a:srgbClr val="000000"/>
@@ -2679,14 +2679,14 @@
             <a:noFill/>
           </a:ln>
           <a:extLst>
-            <a:ext uri="{909E8E84-426E-40DD-AFC4-6F175D3DCCD1}">
+            <a:ext uri="{909E8E84-426E-40dd-AFC4-6F175D3DCCD1}">
               <a14:hiddenFill xmlns:a14="http://schemas.microsoft.com/office/drawing/2010/main">
                 <a:solidFill>
                   <a:srgbClr val="FFFFFF"/>
                 </a:solidFill>
               </a14:hiddenFill>
             </a:ext>
-            <a:ext uri="{91240B29-F687-4F45-9708-019B960494DF}">
+            <a:ext uri="{91240B29-F687-4f45-9708-019B960494DF}">
               <a14:hiddenLine xmlns:a14="http://schemas.microsoft.com/office/drawing/2010/main" w="9525">
                 <a:solidFill>
                   <a:srgbClr val="000000"/>
@@ -2852,14 +2852,14 @@
           <a:noFill/>
           <a:ln/>
           <a:extLst>
-            <a:ext uri="{909E8E84-426E-40DD-AFC4-6F175D3DCCD1}">
+            <a:ext uri="{909E8E84-426E-40dd-AFC4-6F175D3DCCD1}">
               <a14:hiddenFill xmlns:a14="http://schemas.microsoft.com/office/drawing/2010/main">
                 <a:solidFill>
                   <a:srgbClr val="FFFFFF"/>
                 </a:solidFill>
               </a14:hiddenFill>
             </a:ext>
-            <a:ext uri="{91240B29-F687-4F45-9708-019B960494DF}">
+            <a:ext uri="{91240B29-F687-4f45-9708-019B960494DF}">
               <a14:hiddenLine xmlns:a14="http://schemas.microsoft.com/office/drawing/2010/main" w="9525">
                 <a:solidFill>
                   <a:srgbClr val="000000"/>
@@ -2903,14 +2903,14 @@
             <a:noFill/>
           </a:ln>
           <a:extLst>
-            <a:ext uri="{909E8E84-426E-40DD-AFC4-6F175D3DCCD1}">
+            <a:ext uri="{909E8E84-426E-40dd-AFC4-6F175D3DCCD1}">
               <a14:hiddenFill xmlns:a14="http://schemas.microsoft.com/office/drawing/2010/main">
                 <a:solidFill>
                   <a:srgbClr val="FFFFFF"/>
                 </a:solidFill>
               </a14:hiddenFill>
             </a:ext>
-            <a:ext uri="{91240B29-F687-4F45-9708-019B960494DF}">
+            <a:ext uri="{91240B29-F687-4f45-9708-019B960494DF}">
               <a14:hiddenLine xmlns:a14="http://schemas.microsoft.com/office/drawing/2010/main" w="9525">
                 <a:solidFill>
                   <a:srgbClr val="000000"/>
@@ -3076,14 +3076,14 @@
           <a:noFill/>
           <a:ln/>
           <a:extLst>
-            <a:ext uri="{909E8E84-426E-40DD-AFC4-6F175D3DCCD1}">
+            <a:ext uri="{909E8E84-426E-40dd-AFC4-6F175D3DCCD1}">
               <a14:hiddenFill xmlns:a14="http://schemas.microsoft.com/office/drawing/2010/main">
                 <a:solidFill>
                   <a:srgbClr val="FFFFFF"/>
                 </a:solidFill>
               </a14:hiddenFill>
             </a:ext>
-            <a:ext uri="{91240B29-F687-4F45-9708-019B960494DF}">
+            <a:ext uri="{91240B29-F687-4f45-9708-019B960494DF}">
               <a14:hiddenLine xmlns:a14="http://schemas.microsoft.com/office/drawing/2010/main" w="9525">
                 <a:solidFill>
                   <a:srgbClr val="000000"/>
@@ -3127,14 +3127,14 @@
             <a:noFill/>
           </a:ln>
           <a:extLst>
-            <a:ext uri="{909E8E84-426E-40DD-AFC4-6F175D3DCCD1}">
+            <a:ext uri="{909E8E84-426E-40dd-AFC4-6F175D3DCCD1}">
               <a14:hiddenFill xmlns:a14="http://schemas.microsoft.com/office/drawing/2010/main">
                 <a:solidFill>
                   <a:srgbClr val="FFFFFF"/>
                 </a:solidFill>
               </a14:hiddenFill>
             </a:ext>
-            <a:ext uri="{91240B29-F687-4F45-9708-019B960494DF}">
+            <a:ext uri="{91240B29-F687-4f45-9708-019B960494DF}">
               <a14:hiddenLine xmlns:a14="http://schemas.microsoft.com/office/drawing/2010/main" w="9525">
                 <a:solidFill>
                   <a:srgbClr val="000000"/>
@@ -3300,14 +3300,14 @@
           <a:noFill/>
           <a:ln/>
           <a:extLst>
-            <a:ext uri="{909E8E84-426E-40DD-AFC4-6F175D3DCCD1}">
+            <a:ext uri="{909E8E84-426E-40dd-AFC4-6F175D3DCCD1}">
               <a14:hiddenFill xmlns:a14="http://schemas.microsoft.com/office/drawing/2010/main">
                 <a:solidFill>
                   <a:srgbClr val="FFFFFF"/>
                 </a:solidFill>
               </a14:hiddenFill>
             </a:ext>
-            <a:ext uri="{91240B29-F687-4F45-9708-019B960494DF}">
+            <a:ext uri="{91240B29-F687-4f45-9708-019B960494DF}">
               <a14:hiddenLine xmlns:a14="http://schemas.microsoft.com/office/drawing/2010/main" w="9525">
                 <a:solidFill>
                   <a:srgbClr val="000000"/>
@@ -3351,14 +3351,14 @@
             <a:noFill/>
           </a:ln>
           <a:extLst>
-            <a:ext uri="{909E8E84-426E-40DD-AFC4-6F175D3DCCD1}">
+            <a:ext uri="{909E8E84-426E-40dd-AFC4-6F175D3DCCD1}">
               <a14:hiddenFill xmlns:a14="http://schemas.microsoft.com/office/drawing/2010/main">
                 <a:solidFill>
                   <a:srgbClr val="FFFFFF"/>
                 </a:solidFill>
               </a14:hiddenFill>
             </a:ext>
-            <a:ext uri="{91240B29-F687-4F45-9708-019B960494DF}">
+            <a:ext uri="{91240B29-F687-4f45-9708-019B960494DF}">
               <a14:hiddenLine xmlns:a14="http://schemas.microsoft.com/office/drawing/2010/main" w="9525">
                 <a:solidFill>
                   <a:srgbClr val="000000"/>
@@ -3520,14 +3520,14 @@
           <a:noFill/>
           <a:ln/>
           <a:extLst>
-            <a:ext uri="{909E8E84-426E-40DD-AFC4-6F175D3DCCD1}">
+            <a:ext uri="{909E8E84-426E-40dd-AFC4-6F175D3DCCD1}">
               <a14:hiddenFill xmlns:a14="http://schemas.microsoft.com/office/drawing/2010/main">
                 <a:solidFill>
                   <a:srgbClr val="FFFFFF"/>
                 </a:solidFill>
               </a14:hiddenFill>
             </a:ext>
-            <a:ext uri="{91240B29-F687-4F45-9708-019B960494DF}">
+            <a:ext uri="{91240B29-F687-4f45-9708-019B960494DF}">
               <a14:hiddenLine xmlns:a14="http://schemas.microsoft.com/office/drawing/2010/main" w="9525">
                 <a:solidFill>
                   <a:srgbClr val="000000"/>
@@ -3571,14 +3571,14 @@
             <a:noFill/>
           </a:ln>
           <a:extLst>
-            <a:ext uri="{909E8E84-426E-40DD-AFC4-6F175D3DCCD1}">
+            <a:ext uri="{909E8E84-426E-40dd-AFC4-6F175D3DCCD1}">
               <a14:hiddenFill xmlns:a14="http://schemas.microsoft.com/office/drawing/2010/main">
                 <a:solidFill>
                   <a:srgbClr val="FFFFFF"/>
                 </a:solidFill>
               </a14:hiddenFill>
             </a:ext>
-            <a:ext uri="{91240B29-F687-4F45-9708-019B960494DF}">
+            <a:ext uri="{91240B29-F687-4f45-9708-019B960494DF}">
               <a14:hiddenLine xmlns:a14="http://schemas.microsoft.com/office/drawing/2010/main" w="9525">
                 <a:solidFill>
                   <a:srgbClr val="000000"/>
@@ -3744,14 +3744,14 @@
           <a:noFill/>
           <a:ln/>
           <a:extLst>
-            <a:ext uri="{909E8E84-426E-40DD-AFC4-6F175D3DCCD1}">
+            <a:ext uri="{909E8E84-426E-40dd-AFC4-6F175D3DCCD1}">
               <a14:hiddenFill xmlns:a14="http://schemas.microsoft.com/office/drawing/2010/main">
                 <a:solidFill>
                   <a:srgbClr val="FFFFFF"/>
                 </a:solidFill>
               </a14:hiddenFill>
             </a:ext>
-            <a:ext uri="{91240B29-F687-4F45-9708-019B960494DF}">
+            <a:ext uri="{91240B29-F687-4f45-9708-019B960494DF}">
               <a14:hiddenLine xmlns:a14="http://schemas.microsoft.com/office/drawing/2010/main" w="9525">
                 <a:solidFill>
                   <a:srgbClr val="000000"/>
@@ -3795,14 +3795,14 @@
             <a:noFill/>
           </a:ln>
           <a:extLst>
-            <a:ext uri="{909E8E84-426E-40DD-AFC4-6F175D3DCCD1}">
+            <a:ext uri="{909E8E84-426E-40dd-AFC4-6F175D3DCCD1}">
               <a14:hiddenFill xmlns:a14="http://schemas.microsoft.com/office/drawing/2010/main">
                 <a:solidFill>
                   <a:srgbClr val="FFFFFF"/>
                 </a:solidFill>
               </a14:hiddenFill>
             </a:ext>
-            <a:ext uri="{91240B29-F687-4F45-9708-019B960494DF}">
+            <a:ext uri="{91240B29-F687-4f45-9708-019B960494DF}">
               <a14:hiddenLine xmlns:a14="http://schemas.microsoft.com/office/drawing/2010/main" w="9525">
                 <a:solidFill>
                   <a:srgbClr val="000000"/>
@@ -4049,7 +4049,7 @@
   <p:clrMapOvr>
     <a:masterClrMapping/>
   </p:clrMapOvr>
-  <p:transition>
+  <p:transition xmlns:p14="http://schemas.microsoft.com/office/powerpoint/2010/main">
     <p:fade/>
   </p:transition>
 </p:sldLayout>
@@ -4248,7 +4248,7 @@
   <p:clrMapOvr>
     <a:masterClrMapping/>
   </p:clrMapOvr>
-  <p:transition>
+  <p:transition xmlns:p14="http://schemas.microsoft.com/office/powerpoint/2010/main">
     <p:fade/>
   </p:transition>
 </p:sldLayout>
@@ -4457,7 +4457,7 @@
   <p:clrMapOvr>
     <a:masterClrMapping/>
   </p:clrMapOvr>
-  <p:transition>
+  <p:transition xmlns:p14="http://schemas.microsoft.com/office/powerpoint/2010/main">
     <p:fade/>
   </p:transition>
 </p:sldLayout>
@@ -4656,7 +4656,7 @@
   <p:clrMapOvr>
     <a:masterClrMapping/>
   </p:clrMapOvr>
-  <p:transition>
+  <p:transition xmlns:p14="http://schemas.microsoft.com/office/powerpoint/2010/main">
     <p:fade/>
   </p:transition>
 </p:sldLayout>
@@ -4877,7 +4877,7 @@
   <p:clrMapOvr>
     <a:masterClrMapping/>
   </p:clrMapOvr>
-  <p:transition>
+  <p:transition xmlns:p14="http://schemas.microsoft.com/office/powerpoint/2010/main">
     <p:fade/>
   </p:transition>
 </p:sldLayout>
@@ -5194,7 +5194,7 @@
   <p:clrMapOvr>
     <a:masterClrMapping/>
   </p:clrMapOvr>
-  <p:transition>
+  <p:transition xmlns:p14="http://schemas.microsoft.com/office/powerpoint/2010/main">
     <p:fade/>
   </p:transition>
 </p:sldLayout>
@@ -5650,7 +5650,7 @@
   <p:clrMapOvr>
     <a:masterClrMapping/>
   </p:clrMapOvr>
-  <p:transition>
+  <p:transition xmlns:p14="http://schemas.microsoft.com/office/powerpoint/2010/main">
     <p:fade/>
   </p:transition>
 </p:sldLayout>
@@ -5797,7 +5797,7 @@
   <p:clrMapOvr>
     <a:masterClrMapping/>
   </p:clrMapOvr>
-  <p:transition>
+  <p:transition xmlns:p14="http://schemas.microsoft.com/office/powerpoint/2010/main">
     <p:fade/>
   </p:transition>
 </p:sldLayout>
@@ -5921,7 +5921,7 @@
   <p:clrMapOvr>
     <a:masterClrMapping/>
   </p:clrMapOvr>
-  <p:transition>
+  <p:transition xmlns:p14="http://schemas.microsoft.com/office/powerpoint/2010/main">
     <p:fade/>
   </p:transition>
 </p:sldLayout>
@@ -6227,7 +6227,7 @@
   <p:clrMapOvr>
     <a:masterClrMapping/>
   </p:clrMapOvr>
-  <p:transition>
+  <p:transition xmlns:p14="http://schemas.microsoft.com/office/powerpoint/2010/main">
     <p:fade/>
   </p:transition>
 </p:sldLayout>
@@ -6510,7 +6510,7 @@
   <p:clrMapOvr>
     <a:masterClrMapping/>
   </p:clrMapOvr>
-  <p:transition>
+  <p:transition xmlns:p14="http://schemas.microsoft.com/office/powerpoint/2010/main">
     <p:fade/>
   </p:transition>
 </p:sldLayout>
@@ -6564,14 +6564,14 @@
             <a:noFill/>
           </a:ln>
           <a:extLst>
-            <a:ext uri="{909E8E84-426E-40DD-AFC4-6F175D3DCCD1}">
+            <a:ext uri="{909E8E84-426E-40dd-AFC4-6F175D3DCCD1}">
               <a14:hiddenFill xmlns:a14="http://schemas.microsoft.com/office/drawing/2010/main">
                 <a:solidFill>
                   <a:srgbClr val="FFFFFF"/>
                 </a:solidFill>
               </a14:hiddenFill>
             </a:ext>
-            <a:ext uri="{91240B29-F687-4F45-9708-019B960494DF}">
+            <a:ext uri="{91240B29-F687-4f45-9708-019B960494DF}">
               <a14:hiddenLine xmlns:a14="http://schemas.microsoft.com/office/drawing/2010/main" w="9525">
                 <a:solidFill>
                   <a:srgbClr val="000000"/>
@@ -6622,14 +6622,14 @@
             <a:noFill/>
           </a:ln>
           <a:extLst>
-            <a:ext uri="{909E8E84-426E-40DD-AFC4-6F175D3DCCD1}">
+            <a:ext uri="{909E8E84-426E-40dd-AFC4-6F175D3DCCD1}">
               <a14:hiddenFill xmlns:a14="http://schemas.microsoft.com/office/drawing/2010/main">
                 <a:solidFill>
                   <a:srgbClr val="FFFFFF"/>
                 </a:solidFill>
               </a14:hiddenFill>
             </a:ext>
-            <a:ext uri="{91240B29-F687-4F45-9708-019B960494DF}">
+            <a:ext uri="{91240B29-F687-4f45-9708-019B960494DF}">
               <a14:hiddenLine xmlns:a14="http://schemas.microsoft.com/office/drawing/2010/main" w="9525">
                 <a:solidFill>
                   <a:srgbClr val="000000"/>
@@ -6873,7 +6873,7 @@
     <p:sldLayoutId id="2147483658" r:id="rId10"/>
     <p:sldLayoutId id="2147483659" r:id="rId11"/>
   </p:sldLayoutIdLst>
-  <p:transition>
+  <p:transition xmlns:p14="http://schemas.microsoft.com/office/powerpoint/2010/main">
     <p:fade/>
   </p:transition>
   <p:txStyles>
@@ -7296,14 +7296,14 @@
             <a:noFill/>
           </a:ln>
           <a:extLst>
-            <a:ext uri="{909E8E84-426E-40DD-AFC4-6F175D3DCCD1}">
+            <a:ext uri="{909E8E84-426E-40dd-AFC4-6F175D3DCCD1}">
               <a14:hiddenFill xmlns:a14="http://schemas.microsoft.com/office/drawing/2010/main">
                 <a:solidFill>
                   <a:srgbClr val="FFFFFF"/>
                 </a:solidFill>
               </a14:hiddenFill>
             </a:ext>
-            <a:ext uri="{91240B29-F687-4F45-9708-019B960494DF}">
+            <a:ext uri="{91240B29-F687-4f45-9708-019B960494DF}">
               <a14:hiddenLine xmlns:a14="http://schemas.microsoft.com/office/drawing/2010/main" w="9525" algn="ctr">
                 <a:solidFill>
                   <a:srgbClr val="000000"/>
@@ -7357,7 +7357,7 @@
               <a:noFill/>
             </a:ln>
             <a:extLst>
-              <a:ext uri="{91240B29-F687-4F45-9708-019B960494DF}">
+              <a:ext uri="{91240B29-F687-4f45-9708-019B960494DF}">
                 <a14:hiddenLine xmlns:a14="http://schemas.microsoft.com/office/drawing/2010/main" w="9525" algn="ctr">
                   <a:solidFill>
                     <a:srgbClr val="000000"/>
@@ -7526,7 +7526,7 @@
               <a:noFill/>
             </a:ln>
             <a:extLst>
-              <a:ext uri="{91240B29-F687-4F45-9708-019B960494DF}">
+              <a:ext uri="{91240B29-F687-4f45-9708-019B960494DF}">
                 <a14:hiddenLine xmlns:a14="http://schemas.microsoft.com/office/drawing/2010/main" w="9525" algn="ctr">
                   <a:solidFill>
                     <a:srgbClr val="000000"/>
@@ -7657,13 +7657,13 @@
   <p:clrMapOvr>
     <a:masterClrMapping/>
   </p:clrMapOvr>
-  <p:transition>
+  <p:transition xmlns:p14="http://schemas.microsoft.com/office/powerpoint/2010/main">
     <p:fade/>
   </p:transition>
   <p:timing>
     <p:tnLst>
       <p:par>
-        <p:cTn id="1" dur="indefinite" restart="never" nodeType="tmRoot">
+        <p:cTn xmlns:p14="http://schemas.microsoft.com/office/powerpoint/2010/main" id="1" dur="indefinite" restart="never" nodeType="tmRoot">
           <p:childTnLst>
             <p:seq concurrent="1" nextAc="seek">
               <p:cTn id="2" dur="indefinite" nodeType="mainSeq">
@@ -7828,14 +7828,14 @@
             <a:noFill/>
           </a:ln>
           <a:extLst>
-            <a:ext uri="{909E8E84-426E-40DD-AFC4-6F175D3DCCD1}">
+            <a:ext uri="{909E8E84-426E-40dd-AFC4-6F175D3DCCD1}">
               <a14:hiddenFill xmlns:a14="http://schemas.microsoft.com/office/drawing/2010/main">
                 <a:solidFill>
                   <a:srgbClr val="FFFFFF"/>
                 </a:solidFill>
               </a14:hiddenFill>
             </a:ext>
-            <a:ext uri="{91240B29-F687-4F45-9708-019B960494DF}">
+            <a:ext uri="{91240B29-F687-4f45-9708-019B960494DF}">
               <a14:hiddenLine xmlns:a14="http://schemas.microsoft.com/office/drawing/2010/main" w="9525">
                 <a:solidFill>
                   <a:srgbClr val="000000"/>
@@ -7861,8 +7861,13 @@
             </a:pPr>
             <a:r>
               <a:rPr lang="en-GB" dirty="0"/>
-              <a:t>Half the mark for this course is already done</a:t>
-            </a:r>
+              <a:t>Half the mark for this course is already </a:t>
+            </a:r>
+            <a:r>
+              <a:rPr lang="en-GB" dirty="0" smtClean="0"/>
+              <a:t>done.</a:t>
+            </a:r>
+            <a:endParaRPr lang="en-GB" dirty="0"/>
           </a:p>
           <a:p>
             <a:pPr marL="85725" indent="-85725" eaLnBrk="0" hangingPunct="0">
@@ -7875,8 +7880,13 @@
             </a:pPr>
             <a:r>
               <a:rPr lang="en-GB" dirty="0" smtClean="0"/>
-              <a:t>Other class test is tomorrow morning</a:t>
-            </a:r>
+              <a:t>Other class test is tomorrow </a:t>
+            </a:r>
+            <a:r>
+              <a:rPr lang="en-GB" dirty="0" smtClean="0"/>
+              <a:t>morning.</a:t>
+            </a:r>
+            <a:endParaRPr lang="en-GB" dirty="0" smtClean="0"/>
           </a:p>
           <a:p>
             <a:pPr marL="85725" indent="-85725" eaLnBrk="0" hangingPunct="0">
@@ -7893,8 +7903,13 @@
             </a:r>
             <a:r>
               <a:rPr lang="en-GB" dirty="0"/>
-              <a:t>in format to the one we have had</a:t>
-            </a:r>
+              <a:t>in format to the one we have </a:t>
+            </a:r>
+            <a:r>
+              <a:rPr lang="en-GB" dirty="0" smtClean="0"/>
+              <a:t>had.</a:t>
+            </a:r>
+            <a:endParaRPr lang="en-GB" dirty="0"/>
           </a:p>
           <a:p>
             <a:pPr marL="85725" indent="-85725" eaLnBrk="0" hangingPunct="0">
@@ -7910,16 +7925,13 @@
               <a:t>Will be based around exercises similar to </a:t>
             </a:r>
             <a:r>
-              <a:rPr lang="en-GB" dirty="0" err="1"/>
-              <a:t>practicals</a:t>
-            </a:r>
-            <a:r>
-              <a:rPr lang="en-GB" dirty="0"/>
-              <a:t> in our sessions 5-8</a:t>
-            </a:r>
-          </a:p>
-          <a:p>
-            <a:pPr marL="542925" lvl="1" indent="-85725" eaLnBrk="0" hangingPunct="0">
+              <a:rPr lang="en-GB" dirty="0" smtClean="0"/>
+              <a:t>our practical sessions.</a:t>
+            </a:r>
+            <a:endParaRPr lang="en-GB" dirty="0"/>
+          </a:p>
+          <a:p>
+            <a:pPr eaLnBrk="0" hangingPunct="0">
               <a:lnSpc>
                 <a:spcPct val="110000"/>
               </a:lnSpc>
@@ -7928,40 +7940,64 @@
               </a:spcBef>
             </a:pPr>
             <a:r>
-              <a:rPr lang="en-GB" sz="2800" dirty="0">
-                <a:solidFill>
-                  <a:srgbClr val="FFFF99"/>
-                </a:solidFill>
-              </a:rPr>
-              <a:t>You will be given CSV data, and asked to write a program to:</a:t>
-            </a:r>
-          </a:p>
-          <a:p>
-            <a:pPr marL="542925" lvl="1" indent="-85725" eaLnBrk="0" hangingPunct="0">
+              <a:rPr lang="en-GB" sz="2800" dirty="0" smtClean="0"/>
+              <a:t>You </a:t>
+            </a:r>
+            <a:r>
+              <a:rPr lang="en-GB" sz="2800" dirty="0"/>
+              <a:t>will be given CSV data, and asked to write a program </a:t>
+            </a:r>
+            <a:r>
+              <a:rPr lang="en-GB" sz="2800" dirty="0" smtClean="0"/>
+              <a:t>to:</a:t>
+            </a:r>
+          </a:p>
+          <a:p>
+            <a:pPr marL="914400" lvl="1" indent="-457200" eaLnBrk="0" hangingPunct="0">
               <a:lnSpc>
                 <a:spcPct val="110000"/>
               </a:lnSpc>
               <a:spcBef>
                 <a:spcPct val="20000"/>
               </a:spcBef>
-            </a:pPr>
+              <a:buFont typeface="Arial"/>
+              <a:buChar char="•"/>
+            </a:pPr>
+            <a:r>
+              <a:rPr lang="en-GB" sz="2800" dirty="0" smtClean="0">
+                <a:solidFill>
+                  <a:srgbClr val="FFFF99"/>
+                </a:solidFill>
+              </a:rPr>
+              <a:t>Read </a:t>
+            </a:r>
             <a:r>
               <a:rPr lang="en-GB" sz="2800" dirty="0">
                 <a:solidFill>
                   <a:srgbClr val="FFFF99"/>
                 </a:solidFill>
               </a:rPr>
-              <a:t>	- read it in</a:t>
-            </a:r>
-          </a:p>
-          <a:p>
-            <a:pPr marL="542925" lvl="1" indent="-85725" eaLnBrk="0" hangingPunct="0">
+              <a:t>it </a:t>
+            </a:r>
+            <a:r>
+              <a:rPr lang="en-GB" sz="2800" dirty="0" smtClean="0">
+                <a:solidFill>
+                  <a:srgbClr val="FFFF99"/>
+                </a:solidFill>
+              </a:rPr>
+              <a:t>in.</a:t>
+            </a:r>
+          </a:p>
+          <a:p>
+            <a:pPr marL="914400" lvl="1" indent="-457200" eaLnBrk="0" hangingPunct="0">
               <a:lnSpc>
                 <a:spcPct val="110000"/>
               </a:lnSpc>
               <a:spcBef>
                 <a:spcPct val="20000"/>
               </a:spcBef>
+              <a:buFont typeface="Arial"/>
+              <a:buChar char="•"/>
             </a:pPr>
             <a:r>
               <a:rPr lang="en-GB" sz="2800" dirty="0">
@@ -7969,43 +8005,103 @@
                   <a:srgbClr val="FFFF99"/>
                 </a:solidFill>
               </a:rPr>
-              <a:t>	- provide descriptive statistics on it</a:t>
-            </a:r>
-          </a:p>
-          <a:p>
-            <a:pPr marL="542925" lvl="1" indent="-85725" eaLnBrk="0" hangingPunct="0">
+              <a:t>P</a:t>
+            </a:r>
+            <a:r>
+              <a:rPr lang="en-GB" sz="2800" dirty="0" smtClean="0">
+                <a:solidFill>
+                  <a:srgbClr val="FFFF99"/>
+                </a:solidFill>
+              </a:rPr>
+              <a:t>rovide </a:t>
+            </a:r>
+            <a:r>
+              <a:rPr lang="en-GB" sz="2800" dirty="0">
+                <a:solidFill>
+                  <a:srgbClr val="FFFF99"/>
+                </a:solidFill>
+              </a:rPr>
+              <a:t>descriptive statistics on </a:t>
+            </a:r>
+            <a:r>
+              <a:rPr lang="en-GB" sz="2800" dirty="0" smtClean="0">
+                <a:solidFill>
+                  <a:srgbClr val="FFFF99"/>
+                </a:solidFill>
+              </a:rPr>
+              <a:t>it.</a:t>
+            </a:r>
+          </a:p>
+          <a:p>
+            <a:pPr marL="914400" lvl="1" indent="-457200" eaLnBrk="0" hangingPunct="0">
               <a:lnSpc>
                 <a:spcPct val="110000"/>
               </a:lnSpc>
               <a:spcBef>
                 <a:spcPct val="20000"/>
               </a:spcBef>
-            </a:pPr>
+              <a:buFont typeface="Arial"/>
+              <a:buChar char="•"/>
+            </a:pPr>
+            <a:r>
+              <a:rPr lang="en-GB" sz="2800" dirty="0" smtClean="0">
+                <a:solidFill>
+                  <a:srgbClr val="FFFF99"/>
+                </a:solidFill>
+              </a:rPr>
+              <a:t>Generate </a:t>
+            </a:r>
             <a:r>
               <a:rPr lang="en-GB" sz="2800" dirty="0">
                 <a:solidFill>
                   <a:srgbClr val="FFFF99"/>
                 </a:solidFill>
               </a:rPr>
-              <a:t> - generate one or more plots from it</a:t>
-            </a:r>
-          </a:p>
-          <a:p>
-            <a:pPr marL="542925" lvl="1" indent="-85725" eaLnBrk="0" hangingPunct="0">
+              <a:t>one or more plots from </a:t>
+            </a:r>
+            <a:r>
+              <a:rPr lang="en-GB" sz="2800" dirty="0" smtClean="0">
+                <a:solidFill>
+                  <a:srgbClr val="FFFF99"/>
+                </a:solidFill>
+              </a:rPr>
+              <a:t>it.</a:t>
+            </a:r>
+          </a:p>
+          <a:p>
+            <a:pPr marL="914400" lvl="1" indent="-457200" eaLnBrk="0" hangingPunct="0">
               <a:lnSpc>
                 <a:spcPct val="110000"/>
               </a:lnSpc>
               <a:spcBef>
                 <a:spcPct val="20000"/>
               </a:spcBef>
-            </a:pPr>
+              <a:buFont typeface="Arial"/>
+              <a:buChar char="•"/>
+            </a:pPr>
+            <a:r>
+              <a:rPr lang="en-GB" sz="2800" dirty="0" smtClean="0">
+                <a:solidFill>
+                  <a:srgbClr val="FFFF99"/>
+                </a:solidFill>
+              </a:rPr>
+              <a:t>Undertake </a:t>
+            </a:r>
             <a:r>
               <a:rPr lang="en-GB" sz="2800" dirty="0">
                 <a:solidFill>
                   <a:srgbClr val="FFFF99"/>
                 </a:solidFill>
               </a:rPr>
-              <a:t> - undertake one or more hypothesis tests</a:t>
+              <a:t>one or more hypothesis </a:t>
+            </a:r>
+            <a:r>
+              <a:rPr lang="en-GB" sz="2800" dirty="0" smtClean="0">
+                <a:solidFill>
+                  <a:srgbClr val="FFFF99"/>
+                </a:solidFill>
+              </a:rPr>
+              <a:t>tests.</a:t>
             </a:r>
             <a:endParaRPr lang="en-GB" sz="2400" dirty="0"/>
           </a:p>
@@ -8128,13 +8224,13 @@
   <p:clrMapOvr>
     <a:masterClrMapping/>
   </p:clrMapOvr>
-  <p:transition>
+  <p:transition xmlns:p14="http://schemas.microsoft.com/office/powerpoint/2010/main">
     <p:fade/>
   </p:transition>
   <p:timing>
     <p:tnLst>
       <p:par>
-        <p:cTn id="1" dur="indefinite" restart="never" nodeType="tmRoot">
+        <p:cTn xmlns:p14="http://schemas.microsoft.com/office/powerpoint/2010/main" id="1" dur="indefinite" restart="never" nodeType="tmRoot">
           <p:childTnLst>
             <p:seq concurrent="1" nextAc="seek">
               <p:cTn id="2" dur="indefinite" nodeType="mainSeq">
@@ -8384,13 +8480,13 @@
                     </p:cTn>
                   </p:par>
                   <p:par>
-                    <p:cTn id="23" fill="hold" nodeType="clickPar">
+                    <p:cTn id="23" fill="hold">
                       <p:stCondLst>
                         <p:cond delay="indefinite"/>
                       </p:stCondLst>
                       <p:childTnLst>
                         <p:par>
-                          <p:cTn id="24" fill="hold" nodeType="withGroup">
+                          <p:cTn id="24" fill="hold">
                             <p:stCondLst>
                               <p:cond delay="0"/>
                             </p:stCondLst>
@@ -8445,13 +8541,13 @@
                     </p:cTn>
                   </p:par>
                   <p:par>
-                    <p:cTn id="28" fill="hold" nodeType="clickPar">
+                    <p:cTn id="28" fill="hold">
                       <p:stCondLst>
                         <p:cond delay="indefinite"/>
                       </p:stCondLst>
                       <p:childTnLst>
                         <p:par>
-                          <p:cTn id="29" fill="hold" nodeType="withGroup">
+                          <p:cTn id="29" fill="hold">
                             <p:stCondLst>
                               <p:cond delay="0"/>
                             </p:stCondLst>
@@ -8506,13 +8602,13 @@
                     </p:cTn>
                   </p:par>
                   <p:par>
-                    <p:cTn id="33" fill="hold" nodeType="clickPar">
+                    <p:cTn id="33" fill="hold">
                       <p:stCondLst>
                         <p:cond delay="indefinite"/>
                       </p:stCondLst>
                       <p:childTnLst>
                         <p:par>
-                          <p:cTn id="34" fill="hold" nodeType="withGroup">
+                          <p:cTn id="34" fill="hold">
                             <p:stCondLst>
                               <p:cond delay="0"/>
                             </p:stCondLst>
@@ -8567,13 +8663,13 @@
                     </p:cTn>
                   </p:par>
                   <p:par>
-                    <p:cTn id="38" fill="hold" nodeType="clickPar">
+                    <p:cTn id="38" fill="hold">
                       <p:stCondLst>
                         <p:cond delay="indefinite"/>
                       </p:stCondLst>
                       <p:childTnLst>
                         <p:par>
-                          <p:cTn id="39" fill="hold" nodeType="withGroup">
+                          <p:cTn id="39" fill="hold">
                             <p:stCondLst>
                               <p:cond delay="0"/>
                             </p:stCondLst>
@@ -8628,13 +8724,13 @@
                     </p:cTn>
                   </p:par>
                   <p:par>
-                    <p:cTn id="43" fill="hold" nodeType="clickPar">
+                    <p:cTn id="43" fill="hold">
                       <p:stCondLst>
                         <p:cond delay="indefinite"/>
                       </p:stCondLst>
                       <p:childTnLst>
                         <p:par>
-                          <p:cTn id="44" fill="hold" nodeType="withGroup">
+                          <p:cTn id="44" fill="hold">
                             <p:stCondLst>
                               <p:cond delay="0"/>
                             </p:stCondLst>
@@ -8770,7 +8866,15 @@
             </a:r>
             <a:r>
               <a:rPr lang="en-GB" b="0" dirty="0"/>
-              <a:t>ill be 3 hours in length - hopefully you will not need all the time.</a:t>
+              <a:t>ill be </a:t>
+            </a:r>
+            <a:r>
+              <a:rPr lang="en-GB" b="0" dirty="0" smtClean="0"/>
+              <a:t>2 </a:t>
+            </a:r>
+            <a:r>
+              <a:rPr lang="en-GB" b="0" dirty="0"/>
+              <a:t>hours in length - hopefully you will not need all the time.</a:t>
             </a:r>
           </a:p>
           <a:p>
@@ -8778,8 +8882,12 @@
               <a:defRPr/>
             </a:pPr>
             <a:r>
+              <a:rPr lang="en-GB" b="0" dirty="0" smtClean="0"/>
+              <a:t>Open book exam - you </a:t>
+            </a:r>
+            <a:r>
               <a:rPr lang="en-GB" b="0" dirty="0"/>
-              <a:t>You can bring in any notes you like.</a:t>
+              <a:t>can bring in any notes you like.</a:t>
             </a:r>
             <a:endParaRPr lang="en-GB" dirty="0"/>
           </a:p>
@@ -8829,8 +8937,13 @@
             </a:pPr>
             <a:r>
               <a:rPr lang="en-GB" b="0" dirty="0"/>
-              <a:t>Demonstrators will be available to help you if you get stuck – they can remove bugs, but this will be noted and (some) marks deducted!</a:t>
-            </a:r>
+              <a:t>Demonstrators will be available to help </a:t>
+            </a:r>
+            <a:r>
+              <a:rPr lang="en-GB" b="0" dirty="0" smtClean="0"/>
+              <a:t>you with any technical difficulties – but they will not write the code for you!</a:t>
+            </a:r>
+            <a:endParaRPr lang="en-GB" b="0" dirty="0"/>
           </a:p>
           <a:p>
             <a:pPr marL="85725" indent="-85725" eaLnBrk="0" hangingPunct="0">
@@ -9003,13 +9116,13 @@
   <p:clrMapOvr>
     <a:masterClrMapping/>
   </p:clrMapOvr>
-  <p:transition>
+  <p:transition xmlns:p14="http://schemas.microsoft.com/office/powerpoint/2010/main">
     <p:fade/>
   </p:transition>
   <p:timing>
     <p:tnLst>
       <p:par>
-        <p:cTn id="1" dur="indefinite" restart="never" nodeType="tmRoot">
+        <p:cTn xmlns:p14="http://schemas.microsoft.com/office/powerpoint/2010/main" id="1" dur="indefinite" restart="never" nodeType="tmRoot">
           <p:childTnLst>
             <p:seq concurrent="1" nextAc="seek">
               <p:cTn id="2" dur="indefinite" nodeType="mainSeq">
@@ -9418,8 +9531,13 @@
             </a:r>
             <a:r>
               <a:rPr lang="en-GB" b="0" i="1" dirty="0"/>
-              <a:t> datasets (i.e. with same number of items) are correlated (linked)</a:t>
-            </a:r>
+              <a:t> datasets (i.e. with same number of items) are correlated (linked</a:t>
+            </a:r>
+            <a:r>
+              <a:rPr lang="en-GB" b="0" i="1" dirty="0" smtClean="0"/>
+              <a:t>).</a:t>
+            </a:r>
+            <a:endParaRPr lang="en-GB" b="0" i="1" dirty="0"/>
           </a:p>
           <a:p>
             <a:pPr>
@@ -9680,13 +9798,13 @@
   <p:clrMapOvr>
     <a:masterClrMapping/>
   </p:clrMapOvr>
-  <p:transition>
+  <p:transition xmlns:p14="http://schemas.microsoft.com/office/powerpoint/2010/main">
     <p:fade/>
   </p:transition>
   <p:timing>
     <p:tnLst>
       <p:par>
-        <p:cTn id="1" dur="indefinite" restart="never" nodeType="tmRoot">
+        <p:cTn xmlns:p14="http://schemas.microsoft.com/office/powerpoint/2010/main" id="1" dur="indefinite" restart="never" nodeType="tmRoot">
           <p:childTnLst>
             <p:seq concurrent="1" nextAc="seek">
               <p:cTn id="2" dur="indefinite" nodeType="mainSeq">
@@ -10286,8 +10404,13 @@
             </a:pPr>
             <a:r>
               <a:rPr lang="en-GB" b="0" i="1" dirty="0"/>
-              <a:t>Tells you whether the underlying populations of two samples differ in any way (not just means). Non-parametric test, no assumption of normality</a:t>
-            </a:r>
+              <a:t>Tells you whether the underlying populations of two samples differ in any way (not just means). Non-parametric test, no assumption of </a:t>
+            </a:r>
+            <a:r>
+              <a:rPr lang="en-GB" b="0" i="1" dirty="0" smtClean="0"/>
+              <a:t>normality.</a:t>
+            </a:r>
+            <a:endParaRPr lang="en-GB" b="0" i="1" dirty="0"/>
           </a:p>
           <a:p>
             <a:pPr>
@@ -10308,8 +10431,17 @@
             </a:pPr>
             <a:r>
               <a:rPr lang="en-GB" b="0" i="1" dirty="0"/>
-              <a:t>Tells you whether counts of discrete (categorised) data fit an expected pattern. No assumption of normality – but a few restrictions</a:t>
-            </a:r>
+              <a:t>Tells you whether counts of discrete (categorised) data fit an expected pattern. No assumption of normality – but a </a:t>
+            </a:r>
+            <a:r>
+              <a:rPr lang="en-GB" b="0" i="1"/>
+              <a:t>few </a:t>
+            </a:r>
+            <a:r>
+              <a:rPr lang="en-GB" b="0" i="1" smtClean="0"/>
+              <a:t>restrictions.</a:t>
+            </a:r>
+            <a:endParaRPr lang="en-GB" b="0" i="1" dirty="0"/>
           </a:p>
           <a:p>
             <a:pPr>
@@ -10527,13 +10659,13 @@
   <p:clrMapOvr>
     <a:masterClrMapping/>
   </p:clrMapOvr>
-  <p:transition>
+  <p:transition xmlns:p14="http://schemas.microsoft.com/office/powerpoint/2010/main">
     <p:fade/>
   </p:transition>
   <p:timing>
     <p:tnLst>
       <p:par>
-        <p:cTn id="1" dur="indefinite" restart="never" nodeType="tmRoot">
+        <p:cTn xmlns:p14="http://schemas.microsoft.com/office/powerpoint/2010/main" id="1" dur="indefinite" restart="never" nodeType="tmRoot">
           <p:childTnLst>
             <p:seq concurrent="1" nextAc="seek">
               <p:cTn id="2" dur="indefinite" nodeType="mainSeq">
@@ -11318,7 +11450,7 @@
                 <a:latin typeface="Cooper Black" pitchFamily="18" charset="0"/>
                 <a:cs typeface="+mn-cs"/>
               </a:rPr>
-              <a:t>MORNING’S PRACTICAL</a:t>
+              <a:t>Revision practical</a:t>
             </a:r>
             <a:endParaRPr lang="en-US" sz="3600" b="0" dirty="0">
               <a:effectLst>
@@ -11337,13 +11469,13 @@
   <p:clrMapOvr>
     <a:masterClrMapping/>
   </p:clrMapOvr>
-  <p:transition>
+  <p:transition xmlns:p14="http://schemas.microsoft.com/office/powerpoint/2010/main">
     <p:fade/>
   </p:transition>
   <p:timing>
     <p:tnLst>
       <p:par>
-        <p:cTn id="1" dur="indefinite" restart="never" nodeType="tmRoot">
+        <p:cTn xmlns:p14="http://schemas.microsoft.com/office/powerpoint/2010/main" id="1" dur="indefinite" restart="never" nodeType="tmRoot">
           <p:childTnLst>
             <p:seq concurrent="1" nextAc="seek">
               <p:cTn id="2" dur="indefinite" nodeType="mainSeq">
@@ -11981,8 +12113,13 @@
             </a:pPr>
             <a:r>
               <a:rPr lang="en-GB" sz="2800" dirty="0"/>
-              <a:t>Chi-Squared test used for discrete (categorised) data </a:t>
-            </a:r>
+              <a:t>Chi-Squared test used for discrete (categorised) </a:t>
+            </a:r>
+            <a:r>
+              <a:rPr lang="en-GB" sz="2800" dirty="0" smtClean="0"/>
+              <a:t>data:</a:t>
+            </a:r>
+            <a:endParaRPr lang="en-GB" sz="2800" dirty="0"/>
           </a:p>
           <a:p>
             <a:pPr marL="542925" lvl="1" indent="-85725" eaLnBrk="0" hangingPunct="0">
@@ -12000,8 +12137,21 @@
                   <a:srgbClr val="FFFF99"/>
                 </a:solidFill>
               </a:rPr>
-              <a:t>		Foot length – continuous</a:t>
-            </a:r>
+              <a:t>		Foot length – </a:t>
+            </a:r>
+            <a:r>
+              <a:rPr lang="en-GB" sz="2400" dirty="0" smtClean="0">
+                <a:solidFill>
+                  <a:srgbClr val="FFFF99"/>
+                </a:solidFill>
+              </a:rPr>
+              <a:t>continuous.</a:t>
+            </a:r>
+            <a:endParaRPr lang="en-GB" sz="2400" dirty="0">
+              <a:solidFill>
+                <a:srgbClr val="FFFF99"/>
+              </a:solidFill>
+            </a:endParaRPr>
           </a:p>
           <a:p>
             <a:pPr marL="542925" lvl="1" indent="-85725" eaLnBrk="0" hangingPunct="0">
@@ -12019,8 +12169,21 @@
                   <a:srgbClr val="FFFF99"/>
                 </a:solidFill>
               </a:rPr>
-              <a:t>		Shoe size – discrete</a:t>
-            </a:r>
+              <a:t>		Shoe size – </a:t>
+            </a:r>
+            <a:r>
+              <a:rPr lang="en-GB" sz="2400" dirty="0" smtClean="0">
+                <a:solidFill>
+                  <a:srgbClr val="FFFF99"/>
+                </a:solidFill>
+              </a:rPr>
+              <a:t>discrete.</a:t>
+            </a:r>
+            <a:endParaRPr lang="en-GB" sz="2400" dirty="0">
+              <a:solidFill>
+                <a:srgbClr val="FFFF99"/>
+              </a:solidFill>
+            </a:endParaRPr>
           </a:p>
           <a:p>
             <a:pPr marL="85725" indent="-85725" eaLnBrk="0" hangingPunct="0">
@@ -12085,7 +12248,15 @@
                   <a:srgbClr val="FFFF99"/>
                 </a:solidFill>
               </a:rPr>
-              <a:t>B, …)</a:t>
+              <a:t>B, …</a:t>
+            </a:r>
+            <a:r>
+              <a:rPr lang="en-GB" sz="2400" dirty="0" smtClean="0">
+                <a:solidFill>
+                  <a:srgbClr val="FFFF99"/>
+                </a:solidFill>
+              </a:rPr>
+              <a:t>).</a:t>
             </a:r>
             <a:endParaRPr lang="en-GB" sz="2400" dirty="0">
               <a:solidFill>
@@ -12165,7 +12336,15 @@
                   <a:srgbClr val="FFFF99"/>
                 </a:solidFill>
               </a:rPr>
-              <a:t>…)</a:t>
+              <a:t>…</a:t>
+            </a:r>
+            <a:r>
+              <a:rPr lang="en-GB" sz="2400" dirty="0" smtClean="0">
+                <a:solidFill>
+                  <a:srgbClr val="FFFF99"/>
+                </a:solidFill>
+              </a:rPr>
+              <a:t>).</a:t>
             </a:r>
             <a:endParaRPr lang="en-GB" sz="2400" dirty="0">
               <a:solidFill>
@@ -12376,13 +12555,13 @@
   <p:clrMapOvr>
     <a:masterClrMapping/>
   </p:clrMapOvr>
-  <p:transition>
+  <p:transition xmlns:p14="http://schemas.microsoft.com/office/powerpoint/2010/main">
     <p:fade/>
   </p:transition>
   <p:timing>
     <p:tnLst>
       <p:par>
-        <p:cTn id="1" dur="indefinite" restart="never" nodeType="tmRoot">
+        <p:cTn xmlns:p14="http://schemas.microsoft.com/office/powerpoint/2010/main" id="1" dur="indefinite" restart="never" nodeType="tmRoot">
           <p:childTnLst>
             <p:seq concurrent="1" nextAc="seek">
               <p:cTn id="2" dur="indefinite" nodeType="mainSeq">
@@ -12959,8 +13138,13 @@
             </a:pPr>
             <a:r>
               <a:rPr lang="en-GB" sz="2800" dirty="0"/>
-              <a:t>We have many trilobite fossils from one deposit</a:t>
-            </a:r>
+              <a:t>We have many trilobite fossils from one </a:t>
+            </a:r>
+            <a:r>
+              <a:rPr lang="en-GB" sz="2800" dirty="0" smtClean="0"/>
+              <a:t>deposit:</a:t>
+            </a:r>
+            <a:endParaRPr lang="en-GB" sz="2800" dirty="0"/>
           </a:p>
           <a:p>
             <a:pPr marL="542925" lvl="1" indent="-85725" eaLnBrk="0" hangingPunct="0">
@@ -12980,8 +13164,21 @@
                   <a:srgbClr val="FFFF99"/>
                 </a:solidFill>
               </a:rPr>
-              <a:t> Fossils are moults</a:t>
-            </a:r>
+              <a:t> Fossils are </a:t>
+            </a:r>
+            <a:r>
+              <a:rPr lang="en-GB" sz="2800" dirty="0" smtClean="0">
+                <a:solidFill>
+                  <a:srgbClr val="FFFF99"/>
+                </a:solidFill>
+              </a:rPr>
+              <a:t>moults.</a:t>
+            </a:r>
+            <a:endParaRPr lang="en-GB" sz="2800" dirty="0">
+              <a:solidFill>
+                <a:srgbClr val="FFFF99"/>
+              </a:solidFill>
+            </a:endParaRPr>
           </a:p>
           <a:p>
             <a:pPr marL="542925" lvl="1" indent="-85725" eaLnBrk="0" hangingPunct="0">
@@ -13036,12 +13233,20 @@
               <a:t>, and </a:t>
             </a:r>
             <a:r>
-              <a:rPr lang="en-GB" sz="2800" dirty="0" err="1">
+              <a:rPr lang="en-GB" sz="2800" dirty="0" err="1" smtClean="0">
                 <a:solidFill>
                   <a:srgbClr val="FFFF99"/>
                 </a:solidFill>
               </a:rPr>
               <a:t>pygidia</a:t>
+            </a:r>
+            <a:r>
+              <a:rPr lang="en-GB" sz="2800" dirty="0" smtClean="0">
+                <a:solidFill>
+                  <a:srgbClr val="FFFF99"/>
+                </a:solidFill>
+              </a:rPr>
+              <a:t>.</a:t>
             </a:r>
             <a:endParaRPr lang="en-GB" sz="2800" dirty="0">
               <a:solidFill>
@@ -13067,8 +13272,21 @@
                   <a:srgbClr val="FFFF99"/>
                 </a:solidFill>
               </a:rPr>
-              <a:t> Should have ratio of 1:2:1</a:t>
-            </a:r>
+              <a:t> Should have ratio of 1:2:</a:t>
+            </a:r>
+            <a:r>
+              <a:rPr lang="en-GB" sz="2800" dirty="0" smtClean="0">
+                <a:solidFill>
+                  <a:srgbClr val="FFFF99"/>
+                </a:solidFill>
+              </a:rPr>
+              <a:t>1.</a:t>
+            </a:r>
+            <a:endParaRPr lang="en-GB" sz="2800" dirty="0">
+              <a:solidFill>
+                <a:srgbClr val="FFFF99"/>
+              </a:solidFill>
+            </a:endParaRPr>
           </a:p>
           <a:p>
             <a:pPr marL="542925" lvl="1" indent="-85725" eaLnBrk="0" hangingPunct="0">
@@ -13347,14 +13565,14 @@
             <a:noFill/>
           </a:ln>
           <a:extLst>
-            <a:ext uri="{909E8E84-426E-40DD-AFC4-6F175D3DCCD1}">
+            <a:ext uri="{909E8E84-426E-40dd-AFC4-6F175D3DCCD1}">
               <a14:hiddenFill xmlns:a14="http://schemas.microsoft.com/office/drawing/2010/main">
                 <a:solidFill>
                   <a:srgbClr val="FFFFFF"/>
                 </a:solidFill>
               </a14:hiddenFill>
             </a:ext>
-            <a:ext uri="{91240B29-F687-4F45-9708-019B960494DF}">
+            <a:ext uri="{91240B29-F687-4f45-9708-019B960494DF}">
               <a14:hiddenLine xmlns:a14="http://schemas.microsoft.com/office/drawing/2010/main" w="9525">
                 <a:solidFill>
                   <a:srgbClr val="000000"/>
@@ -13401,14 +13619,14 @@
             <a:noFill/>
           </a:ln>
           <a:extLst>
-            <a:ext uri="{909E8E84-426E-40DD-AFC4-6F175D3DCCD1}">
+            <a:ext uri="{909E8E84-426E-40dd-AFC4-6F175D3DCCD1}">
               <a14:hiddenFill xmlns:a14="http://schemas.microsoft.com/office/drawing/2010/main">
                 <a:solidFill>
                   <a:srgbClr val="FFFFFF"/>
                 </a:solidFill>
               </a14:hiddenFill>
             </a:ext>
-            <a:ext uri="{91240B29-F687-4F45-9708-019B960494DF}">
+            <a:ext uri="{91240B29-F687-4f45-9708-019B960494DF}">
               <a14:hiddenLine xmlns:a14="http://schemas.microsoft.com/office/drawing/2010/main" w="9525">
                 <a:solidFill>
                   <a:srgbClr val="000000"/>
@@ -13426,13 +13644,13 @@
   <p:clrMapOvr>
     <a:masterClrMapping/>
   </p:clrMapOvr>
-  <p:transition>
+  <p:transition xmlns:p14="http://schemas.microsoft.com/office/powerpoint/2010/main">
     <p:fade/>
   </p:transition>
   <p:timing>
     <p:tnLst>
       <p:par>
-        <p:cTn id="1" dur="indefinite" restart="never" nodeType="tmRoot">
+        <p:cTn xmlns:p14="http://schemas.microsoft.com/office/powerpoint/2010/main" id="1" dur="indefinite" restart="never" nodeType="tmRoot">
           <p:childTnLst>
             <p:seq concurrent="1" nextAc="seek">
               <p:cTn id="2" dur="indefinite" nodeType="mainSeq">
@@ -14572,13 +14790,13 @@
   <p:clrMapOvr>
     <a:masterClrMapping/>
   </p:clrMapOvr>
-  <p:transition>
+  <p:transition xmlns:p14="http://schemas.microsoft.com/office/powerpoint/2010/main">
     <p:fade/>
   </p:transition>
   <p:timing>
     <p:tnLst>
       <p:par>
-        <p:cTn id="1" dur="indefinite" restart="never" nodeType="tmRoot">
+        <p:cTn xmlns:p14="http://schemas.microsoft.com/office/powerpoint/2010/main" id="1" dur="indefinite" restart="never" nodeType="tmRoot">
           <p:childTnLst>
             <p:seq concurrent="1" nextAc="seek">
               <p:cTn id="2" dur="indefinite" nodeType="mainSeq">
@@ -15194,8 +15412,13 @@
             </a:pPr>
             <a:r>
               <a:rPr lang="en-GB" sz="2800" dirty="0"/>
-              <a:t>Chi-squared test requires an observed/expected table of this form</a:t>
-            </a:r>
+              <a:t>Chi-squared test requires an observed/expected table of this </a:t>
+            </a:r>
+            <a:r>
+              <a:rPr lang="en-GB" sz="2800" dirty="0" smtClean="0"/>
+              <a:t>form.</a:t>
+            </a:r>
+            <a:endParaRPr lang="en-GB" sz="2800" dirty="0"/>
           </a:p>
           <a:p>
             <a:pPr marL="85725" indent="-85725" eaLnBrk="0" hangingPunct="0">
@@ -15209,8 +15432,13 @@
             </a:pPr>
             <a:r>
               <a:rPr lang="en-GB" sz="2800" dirty="0"/>
-              <a:t>Pass the table to the function </a:t>
-            </a:r>
+              <a:t>Pass the table to the </a:t>
+            </a:r>
+            <a:r>
+              <a:rPr lang="en-GB" sz="2800" dirty="0" smtClean="0"/>
+              <a:t>function:</a:t>
+            </a:r>
+            <a:endParaRPr lang="en-GB" sz="2800" dirty="0"/>
           </a:p>
           <a:p>
             <a:pPr marL="85725" indent="-85725" eaLnBrk="0" hangingPunct="0">
@@ -15381,12 +15609,12 @@
               <a:t>is the probability of this </a:t>
             </a:r>
             <a:r>
-              <a:rPr lang="en-GB" sz="2400" dirty="0" err="1"/>
-              <a:t>occuring</a:t>
+              <a:rPr lang="en-GB" sz="2400" dirty="0" smtClean="0"/>
+              <a:t>occurring </a:t>
             </a:r>
             <a:r>
               <a:rPr lang="en-GB" sz="2400" dirty="0"/>
-              <a:t> by chance – here 0.73 – actually quite likely.</a:t>
+              <a:t>by chance – here 0.73 – actually quite likely.</a:t>
             </a:r>
             <a:endParaRPr lang="en-GB" sz="2400" i="1" dirty="0"/>
           </a:p>
@@ -15702,13 +15930,13 @@
   <p:clrMapOvr>
     <a:masterClrMapping/>
   </p:clrMapOvr>
-  <p:transition>
+  <p:transition xmlns:p14="http://schemas.microsoft.com/office/powerpoint/2010/main">
     <p:fade/>
   </p:transition>
   <p:timing>
     <p:tnLst>
       <p:par>
-        <p:cTn id="1" dur="indefinite" restart="never" nodeType="tmRoot">
+        <p:cTn xmlns:p14="http://schemas.microsoft.com/office/powerpoint/2010/main" id="1" dur="indefinite" restart="never" nodeType="tmRoot">
           <p:childTnLst>
             <p:seq concurrent="1" nextAc="seek">
               <p:cTn id="2" dur="indefinite" nodeType="mainSeq">
@@ -16247,8 +16475,21 @@
                   <a:srgbClr val="FFC000"/>
                 </a:solidFill>
               </a:rPr>
-              <a:t>No expected category should be less than 1 (it does not matter what the observed values are)</a:t>
-            </a:r>
+              <a:t>No expected category should be less than 1 (it does not matter what the observed values are</a:t>
+            </a:r>
+            <a:r>
+              <a:rPr lang="en-GB" dirty="0" smtClean="0">
+                <a:solidFill>
+                  <a:srgbClr val="FFC000"/>
+                </a:solidFill>
+              </a:rPr>
+              <a:t>).</a:t>
+            </a:r>
+            <a:endParaRPr lang="en-GB" dirty="0">
+              <a:solidFill>
+                <a:srgbClr val="FFC000"/>
+              </a:solidFill>
+            </a:endParaRPr>
           </a:p>
           <a:p>
             <a:pPr marL="514350" indent="-514350">
@@ -16473,13 +16714,13 @@
   <p:clrMapOvr>
     <a:masterClrMapping/>
   </p:clrMapOvr>
-  <p:transition>
+  <p:transition xmlns:p14="http://schemas.microsoft.com/office/powerpoint/2010/main">
     <p:fade/>
   </p:transition>
   <p:timing>
     <p:tnLst>
       <p:par>
-        <p:cTn id="1" dur="indefinite" restart="never" nodeType="tmRoot">
+        <p:cTn xmlns:p14="http://schemas.microsoft.com/office/powerpoint/2010/main" id="1" dur="indefinite" restart="never" nodeType="tmRoot">
           <p:childTnLst>
             <p:seq concurrent="1" nextAc="seek">
               <p:cTn id="2" dur="indefinite" nodeType="mainSeq">
@@ -16616,14 +16857,14 @@
             <a:noFill/>
           </a:ln>
           <a:extLst>
-            <a:ext uri="{909E8E84-426E-40DD-AFC4-6F175D3DCCD1}">
+            <a:ext uri="{909E8E84-426E-40dd-AFC4-6F175D3DCCD1}">
               <a14:hiddenFill xmlns:a14="http://schemas.microsoft.com/office/drawing/2010/main">
                 <a:solidFill>
                   <a:srgbClr val="FFFFFF"/>
                 </a:solidFill>
               </a14:hiddenFill>
             </a:ext>
-            <a:ext uri="{91240B29-F687-4F45-9708-019B960494DF}">
+            <a:ext uri="{91240B29-F687-4f45-9708-019B960494DF}">
               <a14:hiddenLine xmlns:a14="http://schemas.microsoft.com/office/drawing/2010/main" w="9525" algn="ctr">
                 <a:solidFill>
                   <a:srgbClr val="000000"/>
@@ -16677,7 +16918,7 @@
               <a:noFill/>
             </a:ln>
             <a:extLst>
-              <a:ext uri="{91240B29-F687-4F45-9708-019B960494DF}">
+              <a:ext uri="{91240B29-F687-4f45-9708-019B960494DF}">
                 <a14:hiddenLine xmlns:a14="http://schemas.microsoft.com/office/drawing/2010/main" w="9525" algn="ctr">
                   <a:solidFill>
                     <a:srgbClr val="000000"/>
@@ -16872,7 +17113,7 @@
               <a:noFill/>
             </a:ln>
             <a:extLst>
-              <a:ext uri="{91240B29-F687-4F45-9708-019B960494DF}">
+              <a:ext uri="{91240B29-F687-4f45-9708-019B960494DF}">
                 <a14:hiddenLine xmlns:a14="http://schemas.microsoft.com/office/drawing/2010/main" w="9525" algn="ctr">
                   <a:solidFill>
                     <a:srgbClr val="000000"/>
@@ -17003,13 +17244,13 @@
   <p:clrMapOvr>
     <a:masterClrMapping/>
   </p:clrMapOvr>
-  <p:transition>
+  <p:transition xmlns:p14="http://schemas.microsoft.com/office/powerpoint/2010/main">
     <p:fade/>
   </p:transition>
   <p:timing>
     <p:tnLst>
       <p:par>
-        <p:cTn id="1" dur="indefinite" restart="never" nodeType="tmRoot">
+        <p:cTn xmlns:p14="http://schemas.microsoft.com/office/powerpoint/2010/main" id="1" dur="indefinite" restart="never" nodeType="tmRoot">
           <p:childTnLst>
             <p:seq concurrent="1" nextAc="seek">
               <p:cTn id="2" dur="indefinite" nodeType="mainSeq">
@@ -17174,14 +17415,14 @@
             <a:noFill/>
           </a:ln>
           <a:extLst>
-            <a:ext uri="{909E8E84-426E-40DD-AFC4-6F175D3DCCD1}">
+            <a:ext uri="{909E8E84-426E-40dd-AFC4-6F175D3DCCD1}">
               <a14:hiddenFill xmlns:a14="http://schemas.microsoft.com/office/drawing/2010/main">
                 <a:solidFill>
                   <a:srgbClr val="FFFFFF"/>
                 </a:solidFill>
               </a14:hiddenFill>
             </a:ext>
-            <a:ext uri="{91240B29-F687-4F45-9708-019B960494DF}">
+            <a:ext uri="{91240B29-F687-4f45-9708-019B960494DF}">
               <a14:hiddenLine xmlns:a14="http://schemas.microsoft.com/office/drawing/2010/main" w="9525">
                 <a:solidFill>
                   <a:srgbClr val="000000"/>
@@ -17218,9 +17459,10 @@
               <a:t> </a:t>
             </a:r>
             <a:r>
-              <a:rPr lang="en-GB" dirty="0"/>
-              <a:t>statistics</a:t>
-            </a:r>
+              <a:rPr lang="en-GB" dirty="0" smtClean="0"/>
+              <a:t>statistics.</a:t>
+            </a:r>
+            <a:endParaRPr lang="en-GB" dirty="0"/>
           </a:p>
           <a:p>
             <a:pPr marL="85725" indent="-85725" eaLnBrk="0" hangingPunct="0">
@@ -17233,8 +17475,13 @@
             </a:pPr>
             <a:r>
               <a:rPr lang="en-GB" dirty="0"/>
-              <a:t>Real situations often involve multiple samples</a:t>
-            </a:r>
+              <a:t>Real situations often involve multiple </a:t>
+            </a:r>
+            <a:r>
+              <a:rPr lang="en-GB" dirty="0" smtClean="0"/>
+              <a:t>samples</a:t>
+            </a:r>
+            <a:endParaRPr lang="en-GB" dirty="0"/>
           </a:p>
           <a:p>
             <a:pPr marL="85725" indent="-85725" eaLnBrk="0" hangingPunct="0">
@@ -17247,45 +17494,76 @@
             </a:pPr>
             <a:r>
               <a:rPr lang="en-GB" dirty="0"/>
-              <a:t>Many (complex) statistical procedures exist to work with these – multivariate statistics</a:t>
-            </a:r>
-          </a:p>
-          <a:p>
-            <a:pPr marL="542925" lvl="1" indent="-85725" eaLnBrk="0" hangingPunct="0">
+              <a:t>Many (complex) statistical procedures exist to work with these – multivariate </a:t>
+            </a:r>
+            <a:r>
+              <a:rPr lang="en-GB" dirty="0" smtClean="0"/>
+              <a:t>statistics:</a:t>
+            </a:r>
+            <a:endParaRPr lang="en-GB" dirty="0"/>
+          </a:p>
+          <a:p>
+            <a:pPr marL="457200" indent="-457200" eaLnBrk="0" hangingPunct="0">
               <a:lnSpc>
                 <a:spcPct val="110000"/>
               </a:lnSpc>
               <a:spcBef>
                 <a:spcPct val="20000"/>
               </a:spcBef>
-            </a:pPr>
+              <a:buFont typeface="Arial"/>
+              <a:buChar char="•"/>
+            </a:pPr>
+            <a:r>
+              <a:rPr lang="en-GB" sz="2800" dirty="0" smtClean="0">
+                <a:solidFill>
+                  <a:srgbClr val="FFFF99"/>
+                </a:solidFill>
+              </a:rPr>
+              <a:t>e.g</a:t>
+            </a:r>
             <a:r>
               <a:rPr lang="en-GB" sz="2800" dirty="0">
                 <a:solidFill>
                   <a:srgbClr val="FFFF99"/>
                 </a:solidFill>
               </a:rPr>
-              <a:t>e.g. ANOVA – Analysis Of Variance</a:t>
-            </a:r>
-          </a:p>
-          <a:p>
-            <a:pPr marL="542925" lvl="1" indent="-85725" eaLnBrk="0" hangingPunct="0">
+              <a:t>. ANOVA – Analysis Of </a:t>
+            </a:r>
+            <a:r>
+              <a:rPr lang="en-GB" sz="2800" dirty="0" smtClean="0">
+                <a:solidFill>
+                  <a:srgbClr val="FFFF99"/>
+                </a:solidFill>
+              </a:rPr>
+              <a:t>Variance</a:t>
+            </a:r>
+          </a:p>
+          <a:p>
+            <a:pPr marL="457200" indent="-457200" eaLnBrk="0" hangingPunct="0">
               <a:lnSpc>
                 <a:spcPct val="110000"/>
               </a:lnSpc>
               <a:spcBef>
                 <a:spcPct val="20000"/>
               </a:spcBef>
-              <a:buFontTx/>
-              <a:buChar char="-"/>
-            </a:pPr>
+              <a:buFont typeface="Arial"/>
+              <a:buChar char="•"/>
+            </a:pPr>
+            <a:r>
+              <a:rPr lang="en-GB" sz="2800" dirty="0" smtClean="0">
+                <a:solidFill>
+                  <a:srgbClr val="FFFF99"/>
+                </a:solidFill>
+              </a:rPr>
+              <a:t>Use </a:t>
+            </a:r>
             <a:r>
               <a:rPr lang="en-GB" sz="2800" dirty="0">
                 <a:solidFill>
                   <a:srgbClr val="FFFF99"/>
                 </a:solidFill>
               </a:rPr>
-              <a:t> Use to look for differences in means in multiple normally distributed samples</a:t>
+              <a:t>to look for differences in means in multiple normally distributed samples</a:t>
             </a:r>
           </a:p>
           <a:p>
@@ -17548,13 +17826,13 @@
   <p:clrMapOvr>
     <a:masterClrMapping/>
   </p:clrMapOvr>
-  <p:transition>
+  <p:transition xmlns:p14="http://schemas.microsoft.com/office/powerpoint/2010/main">
     <p:fade/>
   </p:transition>
   <p:timing>
     <p:tnLst>
       <p:par>
-        <p:cTn id="1" dur="indefinite" restart="never" nodeType="tmRoot">
+        <p:cTn xmlns:p14="http://schemas.microsoft.com/office/powerpoint/2010/main" id="1" dur="indefinite" restart="never" nodeType="tmRoot">
           <p:childTnLst>
             <p:seq concurrent="1" nextAc="seek">
               <p:cTn id="2" dur="indefinite" nodeType="mainSeq">
@@ -17743,13 +18021,13 @@
                     </p:cTn>
                   </p:par>
                   <p:par>
-                    <p:cTn id="18" fill="hold" nodeType="clickPar">
+                    <p:cTn id="18" fill="hold">
                       <p:stCondLst>
                         <p:cond delay="indefinite"/>
                       </p:stCondLst>
                       <p:childTnLst>
                         <p:par>
-                          <p:cTn id="19" fill="hold" nodeType="withGroup">
+                          <p:cTn id="19" fill="hold">
                             <p:stCondLst>
                               <p:cond delay="0"/>
                             </p:stCondLst>
@@ -17804,13 +18082,13 @@
                     </p:cTn>
                   </p:par>
                   <p:par>
-                    <p:cTn id="23" fill="hold" nodeType="clickPar">
+                    <p:cTn id="23" fill="hold">
                       <p:stCondLst>
                         <p:cond delay="indefinite"/>
                       </p:stCondLst>
                       <p:childTnLst>
                         <p:par>
-                          <p:cTn id="24" fill="hold" nodeType="withGroup">
+                          <p:cTn id="24" fill="hold">
                             <p:stCondLst>
                               <p:cond delay="0"/>
                             </p:stCondLst>

--- a/slides/CSFG8.pptx
+++ b/slides/CSFG8.pptx
@@ -5,25 +5,24 @@
     <p:sldMasterId id="2147483648" r:id="rId1"/>
   </p:sldMasterIdLst>
   <p:notesMasterIdLst>
-    <p:notesMasterId r:id="rId15"/>
+    <p:notesMasterId r:id="rId14"/>
   </p:notesMasterIdLst>
   <p:handoutMasterIdLst>
-    <p:handoutMasterId r:id="rId16"/>
+    <p:handoutMasterId r:id="rId15"/>
   </p:handoutMasterIdLst>
   <p:sldIdLst>
     <p:sldId id="401" r:id="rId2"/>
-    <p:sldId id="577" r:id="rId3"/>
-    <p:sldId id="581" r:id="rId4"/>
-    <p:sldId id="582" r:id="rId5"/>
-    <p:sldId id="584" r:id="rId6"/>
-    <p:sldId id="583" r:id="rId7"/>
-    <p:sldId id="585" r:id="rId8"/>
-    <p:sldId id="580" r:id="rId9"/>
-    <p:sldId id="586" r:id="rId10"/>
-    <p:sldId id="588" r:id="rId11"/>
-    <p:sldId id="589" r:id="rId12"/>
-    <p:sldId id="593" r:id="rId13"/>
-    <p:sldId id="594" r:id="rId14"/>
+    <p:sldId id="581" r:id="rId3"/>
+    <p:sldId id="582" r:id="rId4"/>
+    <p:sldId id="584" r:id="rId5"/>
+    <p:sldId id="583" r:id="rId6"/>
+    <p:sldId id="585" r:id="rId7"/>
+    <p:sldId id="580" r:id="rId8"/>
+    <p:sldId id="586" r:id="rId9"/>
+    <p:sldId id="588" r:id="rId10"/>
+    <p:sldId id="589" r:id="rId11"/>
+    <p:sldId id="593" r:id="rId12"/>
+    <p:sldId id="594" r:id="rId13"/>
   </p:sldIdLst>
   <p:sldSz cx="9144000" cy="6858000" type="screen4x3"/>
   <p:notesSz cx="10223500" cy="7099300"/>
@@ -1241,12 +1240,2248 @@
             <a:pPr>
               <a:defRPr/>
             </a:pPr>
+            <a:fld id="{F4C1A657-90DA-4347-8E78-BAEAF50F7A1F}" type="slidenum">
+              <a:rPr lang="en-US" smtClean="0"/>
+              <a:pPr>
+                <a:defRPr/>
+              </a:pPr>
+              <a:t>10</a:t>
+            </a:fld>
+            <a:endParaRPr lang="en-US" smtClean="0"/>
+          </a:p>
+        </p:txBody>
+      </p:sp>
+      <p:sp>
+        <p:nvSpPr>
+          <p:cNvPr id="32773" name="Rectangle 2"/>
+          <p:cNvSpPr>
+            <a:spLocks noGrp="1" noRot="1" noChangeAspect="1" noChangeArrowheads="1" noTextEdit="1"/>
+          </p:cNvSpPr>
+          <p:nvPr>
+            <p:ph type="sldImg"/>
+          </p:nvPr>
+        </p:nvSpPr>
+        <p:spPr>
+          <a:xfrm>
+            <a:off x="3336925" y="533400"/>
+            <a:ext cx="3549650" cy="2662238"/>
+          </a:xfrm>
+          <a:ln/>
+        </p:spPr>
+      </p:sp>
+      <p:sp>
+        <p:nvSpPr>
+          <p:cNvPr id="32774" name="Rectangle 3"/>
+          <p:cNvSpPr>
+            <a:spLocks noGrp="1" noChangeArrowheads="1"/>
+          </p:cNvSpPr>
+          <p:nvPr>
+            <p:ph type="body" idx="1"/>
+          </p:nvPr>
+        </p:nvSpPr>
+        <p:spPr>
+          <a:noFill/>
+          <a:ln/>
+          <a:extLst>
+            <a:ext uri="{909E8E84-426E-40dd-AFC4-6F175D3DCCD1}">
+              <a14:hiddenFill xmlns:a14="http://schemas.microsoft.com/office/drawing/2010/main">
+                <a:solidFill>
+                  <a:srgbClr val="FFFFFF"/>
+                </a:solidFill>
+              </a14:hiddenFill>
+            </a:ext>
+            <a:ext uri="{91240B29-F687-4f45-9708-019B960494DF}">
+              <a14:hiddenLine xmlns:a14="http://schemas.microsoft.com/office/drawing/2010/main" w="9525">
+                <a:solidFill>
+                  <a:srgbClr val="000000"/>
+                </a:solidFill>
+                <a:miter lim="800000"/>
+                <a:headEnd/>
+                <a:tailEnd/>
+              </a14:hiddenLine>
+            </a:ext>
+          </a:extLst>
+        </p:spPr>
+        <p:txBody>
+          <a:bodyPr/>
+          <a:lstStyle/>
+          <a:p>
+            <a:endParaRPr lang="en-US" smtClean="0"/>
+          </a:p>
+          <a:p>
+            <a:endParaRPr lang="en-US" smtClean="0"/>
+          </a:p>
+        </p:txBody>
+      </p:sp>
+      <p:sp>
+        <p:nvSpPr>
+          <p:cNvPr id="32775" name="Rectangle 4"/>
+          <p:cNvSpPr>
+            <a:spLocks noChangeArrowheads="1"/>
+          </p:cNvSpPr>
+          <p:nvPr/>
+        </p:nvSpPr>
+        <p:spPr bwMode="auto">
+          <a:xfrm>
+            <a:off x="1024180" y="3195788"/>
+            <a:ext cx="8063123" cy="279142"/>
+          </a:xfrm>
+          <a:prstGeom prst="rect">
+            <a:avLst/>
+          </a:prstGeom>
+          <a:noFill/>
+          <a:ln>
+            <a:noFill/>
+          </a:ln>
+          <a:extLst>
+            <a:ext uri="{909E8E84-426E-40dd-AFC4-6F175D3DCCD1}">
+              <a14:hiddenFill xmlns:a14="http://schemas.microsoft.com/office/drawing/2010/main">
+                <a:solidFill>
+                  <a:srgbClr val="FFFFFF"/>
+                </a:solidFill>
+              </a14:hiddenFill>
+            </a:ext>
+            <a:ext uri="{91240B29-F687-4f45-9708-019B960494DF}">
+              <a14:hiddenLine xmlns:a14="http://schemas.microsoft.com/office/drawing/2010/main" w="9525">
+                <a:solidFill>
+                  <a:srgbClr val="000000"/>
+                </a:solidFill>
+                <a:miter lim="800000"/>
+                <a:headEnd/>
+                <a:tailEnd/>
+              </a14:hiddenLine>
+            </a:ext>
+          </a:extLst>
+        </p:spPr>
+        <p:txBody>
+          <a:bodyPr lIns="93561" tIns="46781" rIns="93561" bIns="46781">
+            <a:spAutoFit/>
+          </a:bodyPr>
+          <a:lstStyle/>
+          <a:p>
+            <a:pPr defTabSz="935038" eaLnBrk="0" hangingPunct="0"/>
+            <a:endParaRPr lang="en-GB" sz="1200" b="0">
+              <a:solidFill>
+                <a:schemeClr val="tx1"/>
+              </a:solidFill>
+              <a:latin typeface="Times New Roman" pitchFamily="18" charset="0"/>
+            </a:endParaRPr>
+          </a:p>
+        </p:txBody>
+      </p:sp>
+    </p:spTree>
+  </p:cSld>
+  <p:clrMapOvr>
+    <a:masterClrMapping/>
+  </p:clrMapOvr>
+</p:notes>
+</file>
+
+<file path=ppt/notesSlides/notesSlide11.xml><?xml version="1.0" encoding="utf-8"?>
+<p:notes xmlns:a="http://schemas.openxmlformats.org/drawingml/2006/main" xmlns:r="http://schemas.openxmlformats.org/officeDocument/2006/relationships" xmlns:p="http://schemas.openxmlformats.org/presentationml/2006/main">
+  <p:cSld>
+    <p:spTree>
+      <p:nvGrpSpPr>
+        <p:cNvPr id="1" name=""/>
+        <p:cNvGrpSpPr/>
+        <p:nvPr/>
+      </p:nvGrpSpPr>
+      <p:grpSpPr>
+        <a:xfrm>
+          <a:off x="0" y="0"/>
+          <a:ext cx="0" cy="0"/>
+          <a:chOff x="0" y="0"/>
+          <a:chExt cx="0" cy="0"/>
+        </a:xfrm>
+      </p:grpSpPr>
+      <p:sp>
+        <p:nvSpPr>
+          <p:cNvPr id="23554" name="Rectangle 2"/>
+          <p:cNvSpPr>
+            <a:spLocks noGrp="1" noChangeArrowheads="1"/>
+          </p:cNvSpPr>
+          <p:nvPr>
+            <p:ph type="hdr" sz="quarter"/>
+          </p:nvPr>
+        </p:nvSpPr>
+        <p:spPr/>
+        <p:txBody>
+          <a:bodyPr/>
+          <a:lstStyle/>
+          <a:p>
+            <a:pPr>
+              <a:defRPr/>
+            </a:pPr>
+            <a:r>
+              <a:rPr lang="en-GB" smtClean="0"/>
+              <a:t>ESE 3.23 Graphics &amp; Stats for Geoscientists</a:t>
+            </a:r>
+            <a:endParaRPr lang="en-US" smtClean="0"/>
+          </a:p>
+        </p:txBody>
+      </p:sp>
+      <p:sp>
+        <p:nvSpPr>
+          <p:cNvPr id="23555" name="Rectangle 6"/>
+          <p:cNvSpPr>
+            <a:spLocks noGrp="1" noChangeArrowheads="1"/>
+          </p:cNvSpPr>
+          <p:nvPr>
+            <p:ph type="ftr" sz="quarter" idx="4"/>
+          </p:nvPr>
+        </p:nvSpPr>
+        <p:spPr/>
+        <p:txBody>
+          <a:bodyPr/>
+          <a:lstStyle/>
+          <a:p>
+            <a:pPr>
+              <a:defRPr/>
+            </a:pPr>
+            <a:r>
+              <a:rPr lang="en-GB"/>
+              <a:t>Session 8 - Chi Squared test, and Multivariate Statistics</a:t>
+            </a:r>
+            <a:endParaRPr lang="en-US"/>
+          </a:p>
+        </p:txBody>
+      </p:sp>
+      <p:sp>
+        <p:nvSpPr>
+          <p:cNvPr id="23556" name="Rectangle 7"/>
+          <p:cNvSpPr>
+            <a:spLocks noGrp="1" noChangeArrowheads="1"/>
+          </p:cNvSpPr>
+          <p:nvPr>
+            <p:ph type="sldNum" sz="quarter" idx="5"/>
+          </p:nvPr>
+        </p:nvSpPr>
+        <p:spPr/>
+        <p:txBody>
+          <a:bodyPr/>
+          <a:lstStyle/>
+          <a:p>
+            <a:pPr>
+              <a:defRPr/>
+            </a:pPr>
+            <a:fld id="{097A314B-53F4-40D9-A60A-2CB5388658D4}" type="slidenum">
+              <a:rPr lang="en-US" smtClean="0"/>
+              <a:pPr>
+                <a:defRPr/>
+              </a:pPr>
+              <a:t>11</a:t>
+            </a:fld>
+            <a:endParaRPr lang="en-US" smtClean="0"/>
+          </a:p>
+        </p:txBody>
+      </p:sp>
+      <p:sp>
+        <p:nvSpPr>
+          <p:cNvPr id="33797" name="Rectangle 2"/>
+          <p:cNvSpPr>
+            <a:spLocks noGrp="1" noRot="1" noChangeAspect="1" noChangeArrowheads="1" noTextEdit="1"/>
+          </p:cNvSpPr>
+          <p:nvPr>
+            <p:ph type="sldImg"/>
+          </p:nvPr>
+        </p:nvSpPr>
+        <p:spPr>
+          <a:xfrm>
+            <a:off x="3336925" y="533400"/>
+            <a:ext cx="3549650" cy="2662238"/>
+          </a:xfrm>
+          <a:ln/>
+        </p:spPr>
+      </p:sp>
+      <p:sp>
+        <p:nvSpPr>
+          <p:cNvPr id="33798" name="Rectangle 3"/>
+          <p:cNvSpPr>
+            <a:spLocks noGrp="1" noChangeArrowheads="1"/>
+          </p:cNvSpPr>
+          <p:nvPr>
+            <p:ph type="body" idx="1"/>
+          </p:nvPr>
+        </p:nvSpPr>
+        <p:spPr>
+          <a:noFill/>
+          <a:ln/>
+          <a:extLst>
+            <a:ext uri="{909E8E84-426E-40dd-AFC4-6F175D3DCCD1}">
+              <a14:hiddenFill xmlns:a14="http://schemas.microsoft.com/office/drawing/2010/main">
+                <a:solidFill>
+                  <a:srgbClr val="FFFFFF"/>
+                </a:solidFill>
+              </a14:hiddenFill>
+            </a:ext>
+            <a:ext uri="{91240B29-F687-4f45-9708-019B960494DF}">
+              <a14:hiddenLine xmlns:a14="http://schemas.microsoft.com/office/drawing/2010/main" w="9525">
+                <a:solidFill>
+                  <a:srgbClr val="000000"/>
+                </a:solidFill>
+                <a:miter lim="800000"/>
+                <a:headEnd/>
+                <a:tailEnd/>
+              </a14:hiddenLine>
+            </a:ext>
+          </a:extLst>
+        </p:spPr>
+        <p:txBody>
+          <a:bodyPr/>
+          <a:lstStyle/>
+          <a:p>
+            <a:endParaRPr lang="en-US" smtClean="0"/>
+          </a:p>
+          <a:p>
+            <a:endParaRPr lang="en-US" smtClean="0"/>
+          </a:p>
+        </p:txBody>
+      </p:sp>
+      <p:sp>
+        <p:nvSpPr>
+          <p:cNvPr id="33799" name="Rectangle 4"/>
+          <p:cNvSpPr>
+            <a:spLocks noChangeArrowheads="1"/>
+          </p:cNvSpPr>
+          <p:nvPr/>
+        </p:nvSpPr>
+        <p:spPr bwMode="auto">
+          <a:xfrm>
+            <a:off x="1024180" y="3195788"/>
+            <a:ext cx="8063123" cy="279142"/>
+          </a:xfrm>
+          <a:prstGeom prst="rect">
+            <a:avLst/>
+          </a:prstGeom>
+          <a:noFill/>
+          <a:ln>
+            <a:noFill/>
+          </a:ln>
+          <a:extLst>
+            <a:ext uri="{909E8E84-426E-40dd-AFC4-6F175D3DCCD1}">
+              <a14:hiddenFill xmlns:a14="http://schemas.microsoft.com/office/drawing/2010/main">
+                <a:solidFill>
+                  <a:srgbClr val="FFFFFF"/>
+                </a:solidFill>
+              </a14:hiddenFill>
+            </a:ext>
+            <a:ext uri="{91240B29-F687-4f45-9708-019B960494DF}">
+              <a14:hiddenLine xmlns:a14="http://schemas.microsoft.com/office/drawing/2010/main" w="9525">
+                <a:solidFill>
+                  <a:srgbClr val="000000"/>
+                </a:solidFill>
+                <a:miter lim="800000"/>
+                <a:headEnd/>
+                <a:tailEnd/>
+              </a14:hiddenLine>
+            </a:ext>
+          </a:extLst>
+        </p:spPr>
+        <p:txBody>
+          <a:bodyPr lIns="93561" tIns="46781" rIns="93561" bIns="46781">
+            <a:spAutoFit/>
+          </a:bodyPr>
+          <a:lstStyle/>
+          <a:p>
+            <a:pPr defTabSz="935038" eaLnBrk="0" hangingPunct="0"/>
+            <a:endParaRPr lang="en-GB" sz="1200" b="0">
+              <a:solidFill>
+                <a:schemeClr val="tx1"/>
+              </a:solidFill>
+              <a:latin typeface="Times New Roman" pitchFamily="18" charset="0"/>
+            </a:endParaRPr>
+          </a:p>
+        </p:txBody>
+      </p:sp>
+    </p:spTree>
+  </p:cSld>
+  <p:clrMapOvr>
+    <a:masterClrMapping/>
+  </p:clrMapOvr>
+</p:notes>
+</file>
+
+<file path=ppt/notesSlides/notesSlide12.xml><?xml version="1.0" encoding="utf-8"?>
+<p:notes xmlns:a="http://schemas.openxmlformats.org/drawingml/2006/main" xmlns:r="http://schemas.openxmlformats.org/officeDocument/2006/relationships" xmlns:p="http://schemas.openxmlformats.org/presentationml/2006/main">
+  <p:cSld>
+    <p:spTree>
+      <p:nvGrpSpPr>
+        <p:cNvPr id="1" name=""/>
+        <p:cNvGrpSpPr/>
+        <p:nvPr/>
+      </p:nvGrpSpPr>
+      <p:grpSpPr>
+        <a:xfrm>
+          <a:off x="0" y="0"/>
+          <a:ext cx="0" cy="0"/>
+          <a:chOff x="0" y="0"/>
+          <a:chExt cx="0" cy="0"/>
+        </a:xfrm>
+      </p:grpSpPr>
+      <p:sp>
+        <p:nvSpPr>
+          <p:cNvPr id="23554" name="Rectangle 2"/>
+          <p:cNvSpPr>
+            <a:spLocks noGrp="1" noChangeArrowheads="1"/>
+          </p:cNvSpPr>
+          <p:nvPr>
+            <p:ph type="hdr" sz="quarter"/>
+          </p:nvPr>
+        </p:nvSpPr>
+        <p:spPr/>
+        <p:txBody>
+          <a:bodyPr/>
+          <a:lstStyle/>
+          <a:p>
+            <a:pPr>
+              <a:defRPr/>
+            </a:pPr>
+            <a:r>
+              <a:rPr lang="en-GB" smtClean="0"/>
+              <a:t>ESE 3.23 Graphics &amp; Stats for Geoscientists</a:t>
+            </a:r>
+            <a:endParaRPr lang="en-US" smtClean="0"/>
+          </a:p>
+        </p:txBody>
+      </p:sp>
+      <p:sp>
+        <p:nvSpPr>
+          <p:cNvPr id="23555" name="Rectangle 6"/>
+          <p:cNvSpPr>
+            <a:spLocks noGrp="1" noChangeArrowheads="1"/>
+          </p:cNvSpPr>
+          <p:nvPr>
+            <p:ph type="ftr" sz="quarter" idx="4"/>
+          </p:nvPr>
+        </p:nvSpPr>
+        <p:spPr/>
+        <p:txBody>
+          <a:bodyPr/>
+          <a:lstStyle/>
+          <a:p>
+            <a:pPr>
+              <a:defRPr/>
+            </a:pPr>
+            <a:r>
+              <a:rPr lang="en-GB"/>
+              <a:t>Session 8 - Chi Squared test, and Multivariate Statistics</a:t>
+            </a:r>
+            <a:endParaRPr lang="en-US"/>
+          </a:p>
+        </p:txBody>
+      </p:sp>
+      <p:sp>
+        <p:nvSpPr>
+          <p:cNvPr id="23556" name="Rectangle 7"/>
+          <p:cNvSpPr>
+            <a:spLocks noGrp="1" noChangeArrowheads="1"/>
+          </p:cNvSpPr>
+          <p:nvPr>
+            <p:ph type="sldNum" sz="quarter" idx="5"/>
+          </p:nvPr>
+        </p:nvSpPr>
+        <p:spPr/>
+        <p:txBody>
+          <a:bodyPr/>
+          <a:lstStyle/>
+          <a:p>
+            <a:pPr>
+              <a:defRPr/>
+            </a:pPr>
+            <a:fld id="{D30A4586-D2AB-4E99-80CD-30FDEF52B2CA}" type="slidenum">
+              <a:rPr lang="en-US" smtClean="0"/>
+              <a:pPr>
+                <a:defRPr/>
+              </a:pPr>
+              <a:t>12</a:t>
+            </a:fld>
+            <a:endParaRPr lang="en-US" smtClean="0"/>
+          </a:p>
+        </p:txBody>
+      </p:sp>
+      <p:sp>
+        <p:nvSpPr>
+          <p:cNvPr id="34821" name="Rectangle 2"/>
+          <p:cNvSpPr>
+            <a:spLocks noGrp="1" noRot="1" noChangeAspect="1" noChangeArrowheads="1" noTextEdit="1"/>
+          </p:cNvSpPr>
+          <p:nvPr>
+            <p:ph type="sldImg"/>
+          </p:nvPr>
+        </p:nvSpPr>
+        <p:spPr>
+          <a:xfrm>
+            <a:off x="3336925" y="533400"/>
+            <a:ext cx="3549650" cy="2662238"/>
+          </a:xfrm>
+          <a:ln/>
+        </p:spPr>
+      </p:sp>
+      <p:sp>
+        <p:nvSpPr>
+          <p:cNvPr id="34822" name="Rectangle 3"/>
+          <p:cNvSpPr>
+            <a:spLocks noGrp="1" noChangeArrowheads="1"/>
+          </p:cNvSpPr>
+          <p:nvPr>
+            <p:ph type="body" idx="1"/>
+          </p:nvPr>
+        </p:nvSpPr>
+        <p:spPr>
+          <a:noFill/>
+          <a:ln/>
+          <a:extLst>
+            <a:ext uri="{909E8E84-426E-40dd-AFC4-6F175D3DCCD1}">
+              <a14:hiddenFill xmlns:a14="http://schemas.microsoft.com/office/drawing/2010/main">
+                <a:solidFill>
+                  <a:srgbClr val="FFFFFF"/>
+                </a:solidFill>
+              </a14:hiddenFill>
+            </a:ext>
+            <a:ext uri="{91240B29-F687-4f45-9708-019B960494DF}">
+              <a14:hiddenLine xmlns:a14="http://schemas.microsoft.com/office/drawing/2010/main" w="9525">
+                <a:solidFill>
+                  <a:srgbClr val="000000"/>
+                </a:solidFill>
+                <a:miter lim="800000"/>
+                <a:headEnd/>
+                <a:tailEnd/>
+              </a14:hiddenLine>
+            </a:ext>
+          </a:extLst>
+        </p:spPr>
+        <p:txBody>
+          <a:bodyPr/>
+          <a:lstStyle/>
+          <a:p>
+            <a:endParaRPr lang="en-US" smtClean="0"/>
+          </a:p>
+          <a:p>
+            <a:endParaRPr lang="en-US" smtClean="0"/>
+          </a:p>
+        </p:txBody>
+      </p:sp>
+      <p:sp>
+        <p:nvSpPr>
+          <p:cNvPr id="34823" name="Rectangle 4"/>
+          <p:cNvSpPr>
+            <a:spLocks noChangeArrowheads="1"/>
+          </p:cNvSpPr>
+          <p:nvPr/>
+        </p:nvSpPr>
+        <p:spPr bwMode="auto">
+          <a:xfrm>
+            <a:off x="1024180" y="3195788"/>
+            <a:ext cx="8063123" cy="279142"/>
+          </a:xfrm>
+          <a:prstGeom prst="rect">
+            <a:avLst/>
+          </a:prstGeom>
+          <a:noFill/>
+          <a:ln>
+            <a:noFill/>
+          </a:ln>
+          <a:extLst>
+            <a:ext uri="{909E8E84-426E-40dd-AFC4-6F175D3DCCD1}">
+              <a14:hiddenFill xmlns:a14="http://schemas.microsoft.com/office/drawing/2010/main">
+                <a:solidFill>
+                  <a:srgbClr val="FFFFFF"/>
+                </a:solidFill>
+              </a14:hiddenFill>
+            </a:ext>
+            <a:ext uri="{91240B29-F687-4f45-9708-019B960494DF}">
+              <a14:hiddenLine xmlns:a14="http://schemas.microsoft.com/office/drawing/2010/main" w="9525">
+                <a:solidFill>
+                  <a:srgbClr val="000000"/>
+                </a:solidFill>
+                <a:miter lim="800000"/>
+                <a:headEnd/>
+                <a:tailEnd/>
+              </a14:hiddenLine>
+            </a:ext>
+          </a:extLst>
+        </p:spPr>
+        <p:txBody>
+          <a:bodyPr lIns="93561" tIns="46781" rIns="93561" bIns="46781">
+            <a:spAutoFit/>
+          </a:bodyPr>
+          <a:lstStyle/>
+          <a:p>
+            <a:pPr defTabSz="935038" eaLnBrk="0" hangingPunct="0"/>
+            <a:endParaRPr lang="en-GB" sz="1200" b="0">
+              <a:solidFill>
+                <a:schemeClr val="tx1"/>
+              </a:solidFill>
+              <a:latin typeface="Times New Roman" pitchFamily="18" charset="0"/>
+            </a:endParaRPr>
+          </a:p>
+        </p:txBody>
+      </p:sp>
+    </p:spTree>
+  </p:cSld>
+  <p:clrMapOvr>
+    <a:masterClrMapping/>
+  </p:clrMapOvr>
+</p:notes>
+</file>
+
+<file path=ppt/notesSlides/notesSlide2.xml><?xml version="1.0" encoding="utf-8"?>
+<p:notes xmlns:a="http://schemas.openxmlformats.org/drawingml/2006/main" xmlns:r="http://schemas.openxmlformats.org/officeDocument/2006/relationships" xmlns:p="http://schemas.openxmlformats.org/presentationml/2006/main">
+  <p:cSld>
+    <p:spTree>
+      <p:nvGrpSpPr>
+        <p:cNvPr id="1" name=""/>
+        <p:cNvGrpSpPr/>
+        <p:nvPr/>
+      </p:nvGrpSpPr>
+      <p:grpSpPr>
+        <a:xfrm>
+          <a:off x="0" y="0"/>
+          <a:ext cx="0" cy="0"/>
+          <a:chOff x="0" y="0"/>
+          <a:chExt cx="0" cy="0"/>
+        </a:xfrm>
+      </p:grpSpPr>
+      <p:sp>
+        <p:nvSpPr>
+          <p:cNvPr id="23554" name="Rectangle 2"/>
+          <p:cNvSpPr>
+            <a:spLocks noGrp="1" noChangeArrowheads="1"/>
+          </p:cNvSpPr>
+          <p:nvPr>
+            <p:ph type="hdr" sz="quarter"/>
+          </p:nvPr>
+        </p:nvSpPr>
+        <p:spPr/>
+        <p:txBody>
+          <a:bodyPr/>
+          <a:lstStyle/>
+          <a:p>
+            <a:pPr>
+              <a:defRPr/>
+            </a:pPr>
+            <a:r>
+              <a:rPr lang="en-GB" smtClean="0"/>
+              <a:t>ESE 3.23 Graphics &amp; Stats for Geoscientists</a:t>
+            </a:r>
+            <a:endParaRPr lang="en-US" smtClean="0"/>
+          </a:p>
+        </p:txBody>
+      </p:sp>
+      <p:sp>
+        <p:nvSpPr>
+          <p:cNvPr id="23555" name="Rectangle 6"/>
+          <p:cNvSpPr>
+            <a:spLocks noGrp="1" noChangeArrowheads="1"/>
+          </p:cNvSpPr>
+          <p:nvPr>
+            <p:ph type="ftr" sz="quarter" idx="4"/>
+          </p:nvPr>
+        </p:nvSpPr>
+        <p:spPr/>
+        <p:txBody>
+          <a:bodyPr/>
+          <a:lstStyle/>
+          <a:p>
+            <a:pPr>
+              <a:defRPr/>
+            </a:pPr>
+            <a:r>
+              <a:rPr lang="en-GB"/>
+              <a:t>Session 8 - Chi Squared test, and Multivariate Statistics</a:t>
+            </a:r>
+            <a:endParaRPr lang="en-US"/>
+          </a:p>
+        </p:txBody>
+      </p:sp>
+      <p:sp>
+        <p:nvSpPr>
+          <p:cNvPr id="23556" name="Rectangle 7"/>
+          <p:cNvSpPr>
+            <a:spLocks noGrp="1" noChangeArrowheads="1"/>
+          </p:cNvSpPr>
+          <p:nvPr>
+            <p:ph type="sldNum" sz="quarter" idx="5"/>
+          </p:nvPr>
+        </p:nvSpPr>
+        <p:spPr/>
+        <p:txBody>
+          <a:bodyPr/>
+          <a:lstStyle/>
+          <a:p>
+            <a:pPr>
+              <a:defRPr/>
+            </a:pPr>
+            <a:fld id="{0647CA39-9EFD-4490-94C8-8AF81265E4DE}" type="slidenum">
+              <a:rPr lang="en-US" smtClean="0"/>
+              <a:pPr>
+                <a:defRPr/>
+              </a:pPr>
+              <a:t>2</a:t>
+            </a:fld>
+            <a:endParaRPr lang="en-US" smtClean="0"/>
+          </a:p>
+        </p:txBody>
+      </p:sp>
+      <p:sp>
+        <p:nvSpPr>
+          <p:cNvPr id="21509" name="Rectangle 2"/>
+          <p:cNvSpPr>
+            <a:spLocks noGrp="1" noRot="1" noChangeAspect="1" noChangeArrowheads="1" noTextEdit="1"/>
+          </p:cNvSpPr>
+          <p:nvPr>
+            <p:ph type="sldImg"/>
+          </p:nvPr>
+        </p:nvSpPr>
+        <p:spPr>
+          <a:xfrm>
+            <a:off x="3336925" y="533400"/>
+            <a:ext cx="3549650" cy="2662238"/>
+          </a:xfrm>
+          <a:ln/>
+        </p:spPr>
+      </p:sp>
+      <p:sp>
+        <p:nvSpPr>
+          <p:cNvPr id="21510" name="Rectangle 3"/>
+          <p:cNvSpPr>
+            <a:spLocks noGrp="1" noChangeArrowheads="1"/>
+          </p:cNvSpPr>
+          <p:nvPr>
+            <p:ph type="body" idx="1"/>
+          </p:nvPr>
+        </p:nvSpPr>
+        <p:spPr>
+          <a:noFill/>
+          <a:ln/>
+          <a:extLst>
+            <a:ext uri="{909E8E84-426E-40dd-AFC4-6F175D3DCCD1}">
+              <a14:hiddenFill xmlns:a14="http://schemas.microsoft.com/office/drawing/2010/main">
+                <a:solidFill>
+                  <a:srgbClr val="FFFFFF"/>
+                </a:solidFill>
+              </a14:hiddenFill>
+            </a:ext>
+            <a:ext uri="{91240B29-F687-4f45-9708-019B960494DF}">
+              <a14:hiddenLine xmlns:a14="http://schemas.microsoft.com/office/drawing/2010/main" w="9525">
+                <a:solidFill>
+                  <a:srgbClr val="000000"/>
+                </a:solidFill>
+                <a:miter lim="800000"/>
+                <a:headEnd/>
+                <a:tailEnd/>
+              </a14:hiddenLine>
+            </a:ext>
+          </a:extLst>
+        </p:spPr>
+        <p:txBody>
+          <a:bodyPr/>
+          <a:lstStyle/>
+          <a:p>
+            <a:endParaRPr lang="en-US" smtClean="0"/>
+          </a:p>
+          <a:p>
+            <a:endParaRPr lang="en-US" smtClean="0"/>
+          </a:p>
+        </p:txBody>
+      </p:sp>
+      <p:sp>
+        <p:nvSpPr>
+          <p:cNvPr id="21511" name="Rectangle 4"/>
+          <p:cNvSpPr>
+            <a:spLocks noChangeArrowheads="1"/>
+          </p:cNvSpPr>
+          <p:nvPr/>
+        </p:nvSpPr>
+        <p:spPr bwMode="auto">
+          <a:xfrm>
+            <a:off x="1024180" y="3195788"/>
+            <a:ext cx="8063123" cy="279142"/>
+          </a:xfrm>
+          <a:prstGeom prst="rect">
+            <a:avLst/>
+          </a:prstGeom>
+          <a:noFill/>
+          <a:ln>
+            <a:noFill/>
+          </a:ln>
+          <a:extLst>
+            <a:ext uri="{909E8E84-426E-40dd-AFC4-6F175D3DCCD1}">
+              <a14:hiddenFill xmlns:a14="http://schemas.microsoft.com/office/drawing/2010/main">
+                <a:solidFill>
+                  <a:srgbClr val="FFFFFF"/>
+                </a:solidFill>
+              </a14:hiddenFill>
+            </a:ext>
+            <a:ext uri="{91240B29-F687-4f45-9708-019B960494DF}">
+              <a14:hiddenLine xmlns:a14="http://schemas.microsoft.com/office/drawing/2010/main" w="9525">
+                <a:solidFill>
+                  <a:srgbClr val="000000"/>
+                </a:solidFill>
+                <a:miter lim="800000"/>
+                <a:headEnd/>
+                <a:tailEnd/>
+              </a14:hiddenLine>
+            </a:ext>
+          </a:extLst>
+        </p:spPr>
+        <p:txBody>
+          <a:bodyPr lIns="93561" tIns="46781" rIns="93561" bIns="46781">
+            <a:spAutoFit/>
+          </a:bodyPr>
+          <a:lstStyle/>
+          <a:p>
+            <a:pPr defTabSz="935038" eaLnBrk="0" hangingPunct="0"/>
+            <a:endParaRPr lang="en-GB" sz="1200" b="0">
+              <a:solidFill>
+                <a:schemeClr val="tx1"/>
+              </a:solidFill>
+              <a:latin typeface="Times New Roman" pitchFamily="18" charset="0"/>
+            </a:endParaRPr>
+          </a:p>
+        </p:txBody>
+      </p:sp>
+    </p:spTree>
+  </p:cSld>
+  <p:clrMapOvr>
+    <a:masterClrMapping/>
+  </p:clrMapOvr>
+</p:notes>
+</file>
+
+<file path=ppt/notesSlides/notesSlide3.xml><?xml version="1.0" encoding="utf-8"?>
+<p:notes xmlns:a="http://schemas.openxmlformats.org/drawingml/2006/main" xmlns:r="http://schemas.openxmlformats.org/officeDocument/2006/relationships" xmlns:p="http://schemas.openxmlformats.org/presentationml/2006/main">
+  <p:cSld>
+    <p:spTree>
+      <p:nvGrpSpPr>
+        <p:cNvPr id="1" name=""/>
+        <p:cNvGrpSpPr/>
+        <p:nvPr/>
+      </p:nvGrpSpPr>
+      <p:grpSpPr>
+        <a:xfrm>
+          <a:off x="0" y="0"/>
+          <a:ext cx="0" cy="0"/>
+          <a:chOff x="0" y="0"/>
+          <a:chExt cx="0" cy="0"/>
+        </a:xfrm>
+      </p:grpSpPr>
+      <p:sp>
+        <p:nvSpPr>
+          <p:cNvPr id="23554" name="Rectangle 2"/>
+          <p:cNvSpPr>
+            <a:spLocks noGrp="1" noChangeArrowheads="1"/>
+          </p:cNvSpPr>
+          <p:nvPr>
+            <p:ph type="hdr" sz="quarter"/>
+          </p:nvPr>
+        </p:nvSpPr>
+        <p:spPr/>
+        <p:txBody>
+          <a:bodyPr/>
+          <a:lstStyle/>
+          <a:p>
+            <a:pPr>
+              <a:defRPr/>
+            </a:pPr>
+            <a:r>
+              <a:rPr lang="en-GB" smtClean="0"/>
+              <a:t>ESE 3.23 Graphics &amp; Stats for Geoscientists</a:t>
+            </a:r>
+            <a:endParaRPr lang="en-US" smtClean="0"/>
+          </a:p>
+        </p:txBody>
+      </p:sp>
+      <p:sp>
+        <p:nvSpPr>
+          <p:cNvPr id="23555" name="Rectangle 6"/>
+          <p:cNvSpPr>
+            <a:spLocks noGrp="1" noChangeArrowheads="1"/>
+          </p:cNvSpPr>
+          <p:nvPr>
+            <p:ph type="ftr" sz="quarter" idx="4"/>
+          </p:nvPr>
+        </p:nvSpPr>
+        <p:spPr/>
+        <p:txBody>
+          <a:bodyPr/>
+          <a:lstStyle/>
+          <a:p>
+            <a:pPr>
+              <a:defRPr/>
+            </a:pPr>
+            <a:r>
+              <a:rPr lang="en-GB"/>
+              <a:t>Session 8 - Chi Squared test, and Multivariate Statistics</a:t>
+            </a:r>
+            <a:endParaRPr lang="en-US"/>
+          </a:p>
+        </p:txBody>
+      </p:sp>
+      <p:sp>
+        <p:nvSpPr>
+          <p:cNvPr id="23556" name="Rectangle 7"/>
+          <p:cNvSpPr>
+            <a:spLocks noGrp="1" noChangeArrowheads="1"/>
+          </p:cNvSpPr>
+          <p:nvPr>
+            <p:ph type="sldNum" sz="quarter" idx="5"/>
+          </p:nvPr>
+        </p:nvSpPr>
+        <p:spPr/>
+        <p:txBody>
+          <a:bodyPr/>
+          <a:lstStyle/>
+          <a:p>
+            <a:pPr>
+              <a:defRPr/>
+            </a:pPr>
+            <a:fld id="{C846D14C-F135-48CB-9FBE-5C1B587E9BEA}" type="slidenum">
+              <a:rPr lang="en-US" smtClean="0"/>
+              <a:pPr>
+                <a:defRPr/>
+              </a:pPr>
+              <a:t>3</a:t>
+            </a:fld>
+            <a:endParaRPr lang="en-US" smtClean="0"/>
+          </a:p>
+        </p:txBody>
+      </p:sp>
+      <p:sp>
+        <p:nvSpPr>
+          <p:cNvPr id="22533" name="Rectangle 2"/>
+          <p:cNvSpPr>
+            <a:spLocks noGrp="1" noRot="1" noChangeAspect="1" noChangeArrowheads="1" noTextEdit="1"/>
+          </p:cNvSpPr>
+          <p:nvPr>
+            <p:ph type="sldImg"/>
+          </p:nvPr>
+        </p:nvSpPr>
+        <p:spPr>
+          <a:xfrm>
+            <a:off x="3336925" y="533400"/>
+            <a:ext cx="3549650" cy="2662238"/>
+          </a:xfrm>
+          <a:ln/>
+        </p:spPr>
+      </p:sp>
+      <p:sp>
+        <p:nvSpPr>
+          <p:cNvPr id="22534" name="Rectangle 3"/>
+          <p:cNvSpPr>
+            <a:spLocks noGrp="1" noChangeArrowheads="1"/>
+          </p:cNvSpPr>
+          <p:nvPr>
+            <p:ph type="body" idx="1"/>
+          </p:nvPr>
+        </p:nvSpPr>
+        <p:spPr>
+          <a:noFill/>
+          <a:ln/>
+          <a:extLst>
+            <a:ext uri="{909E8E84-426E-40dd-AFC4-6F175D3DCCD1}">
+              <a14:hiddenFill xmlns:a14="http://schemas.microsoft.com/office/drawing/2010/main">
+                <a:solidFill>
+                  <a:srgbClr val="FFFFFF"/>
+                </a:solidFill>
+              </a14:hiddenFill>
+            </a:ext>
+            <a:ext uri="{91240B29-F687-4f45-9708-019B960494DF}">
+              <a14:hiddenLine xmlns:a14="http://schemas.microsoft.com/office/drawing/2010/main" w="9525">
+                <a:solidFill>
+                  <a:srgbClr val="000000"/>
+                </a:solidFill>
+                <a:miter lim="800000"/>
+                <a:headEnd/>
+                <a:tailEnd/>
+              </a14:hiddenLine>
+            </a:ext>
+          </a:extLst>
+        </p:spPr>
+        <p:txBody>
+          <a:bodyPr/>
+          <a:lstStyle/>
+          <a:p>
+            <a:endParaRPr lang="en-US" smtClean="0"/>
+          </a:p>
+          <a:p>
+            <a:endParaRPr lang="en-US" smtClean="0"/>
+          </a:p>
+        </p:txBody>
+      </p:sp>
+      <p:sp>
+        <p:nvSpPr>
+          <p:cNvPr id="22535" name="Rectangle 4"/>
+          <p:cNvSpPr>
+            <a:spLocks noChangeArrowheads="1"/>
+          </p:cNvSpPr>
+          <p:nvPr/>
+        </p:nvSpPr>
+        <p:spPr bwMode="auto">
+          <a:xfrm>
+            <a:off x="1024180" y="3195788"/>
+            <a:ext cx="8063123" cy="279142"/>
+          </a:xfrm>
+          <a:prstGeom prst="rect">
+            <a:avLst/>
+          </a:prstGeom>
+          <a:noFill/>
+          <a:ln>
+            <a:noFill/>
+          </a:ln>
+          <a:extLst>
+            <a:ext uri="{909E8E84-426E-40dd-AFC4-6F175D3DCCD1}">
+              <a14:hiddenFill xmlns:a14="http://schemas.microsoft.com/office/drawing/2010/main">
+                <a:solidFill>
+                  <a:srgbClr val="FFFFFF"/>
+                </a:solidFill>
+              </a14:hiddenFill>
+            </a:ext>
+            <a:ext uri="{91240B29-F687-4f45-9708-019B960494DF}">
+              <a14:hiddenLine xmlns:a14="http://schemas.microsoft.com/office/drawing/2010/main" w="9525">
+                <a:solidFill>
+                  <a:srgbClr val="000000"/>
+                </a:solidFill>
+                <a:miter lim="800000"/>
+                <a:headEnd/>
+                <a:tailEnd/>
+              </a14:hiddenLine>
+            </a:ext>
+          </a:extLst>
+        </p:spPr>
+        <p:txBody>
+          <a:bodyPr lIns="93561" tIns="46781" rIns="93561" bIns="46781">
+            <a:spAutoFit/>
+          </a:bodyPr>
+          <a:lstStyle/>
+          <a:p>
+            <a:pPr defTabSz="935038" eaLnBrk="0" hangingPunct="0"/>
+            <a:endParaRPr lang="en-GB" sz="1200" b="0">
+              <a:solidFill>
+                <a:schemeClr val="tx1"/>
+              </a:solidFill>
+              <a:latin typeface="Times New Roman" pitchFamily="18" charset="0"/>
+            </a:endParaRPr>
+          </a:p>
+        </p:txBody>
+      </p:sp>
+    </p:spTree>
+  </p:cSld>
+  <p:clrMapOvr>
+    <a:masterClrMapping/>
+  </p:clrMapOvr>
+</p:notes>
+</file>
+
+<file path=ppt/notesSlides/notesSlide4.xml><?xml version="1.0" encoding="utf-8"?>
+<p:notes xmlns:a="http://schemas.openxmlformats.org/drawingml/2006/main" xmlns:r="http://schemas.openxmlformats.org/officeDocument/2006/relationships" xmlns:p="http://schemas.openxmlformats.org/presentationml/2006/main">
+  <p:cSld>
+    <p:spTree>
+      <p:nvGrpSpPr>
+        <p:cNvPr id="1" name=""/>
+        <p:cNvGrpSpPr/>
+        <p:nvPr/>
+      </p:nvGrpSpPr>
+      <p:grpSpPr>
+        <a:xfrm>
+          <a:off x="0" y="0"/>
+          <a:ext cx="0" cy="0"/>
+          <a:chOff x="0" y="0"/>
+          <a:chExt cx="0" cy="0"/>
+        </a:xfrm>
+      </p:grpSpPr>
+      <p:sp>
+        <p:nvSpPr>
+          <p:cNvPr id="23554" name="Rectangle 2"/>
+          <p:cNvSpPr>
+            <a:spLocks noGrp="1" noChangeArrowheads="1"/>
+          </p:cNvSpPr>
+          <p:nvPr>
+            <p:ph type="hdr" sz="quarter"/>
+          </p:nvPr>
+        </p:nvSpPr>
+        <p:spPr/>
+        <p:txBody>
+          <a:bodyPr/>
+          <a:lstStyle/>
+          <a:p>
+            <a:pPr>
+              <a:defRPr/>
+            </a:pPr>
+            <a:r>
+              <a:rPr lang="en-GB" smtClean="0"/>
+              <a:t>ESE 3.23 Graphics &amp; Stats for Geoscientists</a:t>
+            </a:r>
+            <a:endParaRPr lang="en-US" smtClean="0"/>
+          </a:p>
+        </p:txBody>
+      </p:sp>
+      <p:sp>
+        <p:nvSpPr>
+          <p:cNvPr id="23555" name="Rectangle 6"/>
+          <p:cNvSpPr>
+            <a:spLocks noGrp="1" noChangeArrowheads="1"/>
+          </p:cNvSpPr>
+          <p:nvPr>
+            <p:ph type="ftr" sz="quarter" idx="4"/>
+          </p:nvPr>
+        </p:nvSpPr>
+        <p:spPr/>
+        <p:txBody>
+          <a:bodyPr/>
+          <a:lstStyle/>
+          <a:p>
+            <a:pPr>
+              <a:defRPr/>
+            </a:pPr>
+            <a:r>
+              <a:rPr lang="en-GB"/>
+              <a:t>Session 8 - Chi Squared test, and Multivariate Statistics</a:t>
+            </a:r>
+            <a:endParaRPr lang="en-US"/>
+          </a:p>
+        </p:txBody>
+      </p:sp>
+      <p:sp>
+        <p:nvSpPr>
+          <p:cNvPr id="23556" name="Rectangle 7"/>
+          <p:cNvSpPr>
+            <a:spLocks noGrp="1" noChangeArrowheads="1"/>
+          </p:cNvSpPr>
+          <p:nvPr>
+            <p:ph type="sldNum" sz="quarter" idx="5"/>
+          </p:nvPr>
+        </p:nvSpPr>
+        <p:spPr/>
+        <p:txBody>
+          <a:bodyPr/>
+          <a:lstStyle/>
+          <a:p>
+            <a:pPr>
+              <a:defRPr/>
+            </a:pPr>
+            <a:fld id="{6BC0530D-15E3-4760-8D5A-A6072FD1C058}" type="slidenum">
+              <a:rPr lang="en-US" smtClean="0"/>
+              <a:pPr>
+                <a:defRPr/>
+              </a:pPr>
+              <a:t>4</a:t>
+            </a:fld>
+            <a:endParaRPr lang="en-US" smtClean="0"/>
+          </a:p>
+        </p:txBody>
+      </p:sp>
+      <p:sp>
+        <p:nvSpPr>
+          <p:cNvPr id="23557" name="Rectangle 2"/>
+          <p:cNvSpPr>
+            <a:spLocks noGrp="1" noRot="1" noChangeAspect="1" noChangeArrowheads="1" noTextEdit="1"/>
+          </p:cNvSpPr>
+          <p:nvPr>
+            <p:ph type="sldImg"/>
+          </p:nvPr>
+        </p:nvSpPr>
+        <p:spPr>
+          <a:xfrm>
+            <a:off x="3336925" y="533400"/>
+            <a:ext cx="3549650" cy="2662238"/>
+          </a:xfrm>
+          <a:ln/>
+        </p:spPr>
+      </p:sp>
+      <p:sp>
+        <p:nvSpPr>
+          <p:cNvPr id="23558" name="Rectangle 3"/>
+          <p:cNvSpPr>
+            <a:spLocks noGrp="1" noChangeArrowheads="1"/>
+          </p:cNvSpPr>
+          <p:nvPr>
+            <p:ph type="body" idx="1"/>
+          </p:nvPr>
+        </p:nvSpPr>
+        <p:spPr>
+          <a:noFill/>
+          <a:ln/>
+          <a:extLst>
+            <a:ext uri="{909E8E84-426E-40dd-AFC4-6F175D3DCCD1}">
+              <a14:hiddenFill xmlns:a14="http://schemas.microsoft.com/office/drawing/2010/main">
+                <a:solidFill>
+                  <a:srgbClr val="FFFFFF"/>
+                </a:solidFill>
+              </a14:hiddenFill>
+            </a:ext>
+            <a:ext uri="{91240B29-F687-4f45-9708-019B960494DF}">
+              <a14:hiddenLine xmlns:a14="http://schemas.microsoft.com/office/drawing/2010/main" w="9525">
+                <a:solidFill>
+                  <a:srgbClr val="000000"/>
+                </a:solidFill>
+                <a:miter lim="800000"/>
+                <a:headEnd/>
+                <a:tailEnd/>
+              </a14:hiddenLine>
+            </a:ext>
+          </a:extLst>
+        </p:spPr>
+        <p:txBody>
+          <a:bodyPr/>
+          <a:lstStyle/>
+          <a:p>
+            <a:endParaRPr lang="en-US" smtClean="0"/>
+          </a:p>
+          <a:p>
+            <a:endParaRPr lang="en-US" smtClean="0"/>
+          </a:p>
+        </p:txBody>
+      </p:sp>
+      <p:sp>
+        <p:nvSpPr>
+          <p:cNvPr id="23559" name="Rectangle 4"/>
+          <p:cNvSpPr>
+            <a:spLocks noChangeArrowheads="1"/>
+          </p:cNvSpPr>
+          <p:nvPr/>
+        </p:nvSpPr>
+        <p:spPr bwMode="auto">
+          <a:xfrm>
+            <a:off x="1024180" y="3195788"/>
+            <a:ext cx="8063123" cy="279142"/>
+          </a:xfrm>
+          <a:prstGeom prst="rect">
+            <a:avLst/>
+          </a:prstGeom>
+          <a:noFill/>
+          <a:ln>
+            <a:noFill/>
+          </a:ln>
+          <a:extLst>
+            <a:ext uri="{909E8E84-426E-40dd-AFC4-6F175D3DCCD1}">
+              <a14:hiddenFill xmlns:a14="http://schemas.microsoft.com/office/drawing/2010/main">
+                <a:solidFill>
+                  <a:srgbClr val="FFFFFF"/>
+                </a:solidFill>
+              </a14:hiddenFill>
+            </a:ext>
+            <a:ext uri="{91240B29-F687-4f45-9708-019B960494DF}">
+              <a14:hiddenLine xmlns:a14="http://schemas.microsoft.com/office/drawing/2010/main" w="9525">
+                <a:solidFill>
+                  <a:srgbClr val="000000"/>
+                </a:solidFill>
+                <a:miter lim="800000"/>
+                <a:headEnd/>
+                <a:tailEnd/>
+              </a14:hiddenLine>
+            </a:ext>
+          </a:extLst>
+        </p:spPr>
+        <p:txBody>
+          <a:bodyPr lIns="93561" tIns="46781" rIns="93561" bIns="46781">
+            <a:spAutoFit/>
+          </a:bodyPr>
+          <a:lstStyle/>
+          <a:p>
+            <a:pPr defTabSz="935038" eaLnBrk="0" hangingPunct="0"/>
+            <a:endParaRPr lang="en-GB" sz="1200" b="0">
+              <a:solidFill>
+                <a:schemeClr val="tx1"/>
+              </a:solidFill>
+              <a:latin typeface="Times New Roman" pitchFamily="18" charset="0"/>
+            </a:endParaRPr>
+          </a:p>
+        </p:txBody>
+      </p:sp>
+    </p:spTree>
+  </p:cSld>
+  <p:clrMapOvr>
+    <a:masterClrMapping/>
+  </p:clrMapOvr>
+</p:notes>
+</file>
+
+<file path=ppt/notesSlides/notesSlide5.xml><?xml version="1.0" encoding="utf-8"?>
+<p:notes xmlns:a="http://schemas.openxmlformats.org/drawingml/2006/main" xmlns:r="http://schemas.openxmlformats.org/officeDocument/2006/relationships" xmlns:p="http://schemas.openxmlformats.org/presentationml/2006/main">
+  <p:cSld>
+    <p:spTree>
+      <p:nvGrpSpPr>
+        <p:cNvPr id="1" name=""/>
+        <p:cNvGrpSpPr/>
+        <p:nvPr/>
+      </p:nvGrpSpPr>
+      <p:grpSpPr>
+        <a:xfrm>
+          <a:off x="0" y="0"/>
+          <a:ext cx="0" cy="0"/>
+          <a:chOff x="0" y="0"/>
+          <a:chExt cx="0" cy="0"/>
+        </a:xfrm>
+      </p:grpSpPr>
+      <p:sp>
+        <p:nvSpPr>
+          <p:cNvPr id="23554" name="Rectangle 2"/>
+          <p:cNvSpPr>
+            <a:spLocks noGrp="1" noChangeArrowheads="1"/>
+          </p:cNvSpPr>
+          <p:nvPr>
+            <p:ph type="hdr" sz="quarter"/>
+          </p:nvPr>
+        </p:nvSpPr>
+        <p:spPr/>
+        <p:txBody>
+          <a:bodyPr/>
+          <a:lstStyle/>
+          <a:p>
+            <a:pPr>
+              <a:defRPr/>
+            </a:pPr>
+            <a:r>
+              <a:rPr lang="en-GB" smtClean="0"/>
+              <a:t>ESE 3.23 Graphics &amp; Stats for Geoscientists</a:t>
+            </a:r>
+            <a:endParaRPr lang="en-US" smtClean="0"/>
+          </a:p>
+        </p:txBody>
+      </p:sp>
+      <p:sp>
+        <p:nvSpPr>
+          <p:cNvPr id="23555" name="Rectangle 6"/>
+          <p:cNvSpPr>
+            <a:spLocks noGrp="1" noChangeArrowheads="1"/>
+          </p:cNvSpPr>
+          <p:nvPr>
+            <p:ph type="ftr" sz="quarter" idx="4"/>
+          </p:nvPr>
+        </p:nvSpPr>
+        <p:spPr/>
+        <p:txBody>
+          <a:bodyPr/>
+          <a:lstStyle/>
+          <a:p>
+            <a:pPr>
+              <a:defRPr/>
+            </a:pPr>
+            <a:r>
+              <a:rPr lang="en-GB"/>
+              <a:t>Session 8 - Chi Squared test, and Multivariate Statistics</a:t>
+            </a:r>
+            <a:endParaRPr lang="en-US"/>
+          </a:p>
+        </p:txBody>
+      </p:sp>
+      <p:sp>
+        <p:nvSpPr>
+          <p:cNvPr id="23556" name="Rectangle 7"/>
+          <p:cNvSpPr>
+            <a:spLocks noGrp="1" noChangeArrowheads="1"/>
+          </p:cNvSpPr>
+          <p:nvPr>
+            <p:ph type="sldNum" sz="quarter" idx="5"/>
+          </p:nvPr>
+        </p:nvSpPr>
+        <p:spPr/>
+        <p:txBody>
+          <a:bodyPr/>
+          <a:lstStyle/>
+          <a:p>
+            <a:pPr>
+              <a:defRPr/>
+            </a:pPr>
+            <a:fld id="{E69ADDCB-AF2A-4E3E-8B6B-A48EF145BECA}" type="slidenum">
+              <a:rPr lang="en-US" smtClean="0"/>
+              <a:pPr>
+                <a:defRPr/>
+              </a:pPr>
+              <a:t>5</a:t>
+            </a:fld>
+            <a:endParaRPr lang="en-US" smtClean="0"/>
+          </a:p>
+        </p:txBody>
+      </p:sp>
+      <p:sp>
+        <p:nvSpPr>
+          <p:cNvPr id="24581" name="Rectangle 2"/>
+          <p:cNvSpPr>
+            <a:spLocks noGrp="1" noRot="1" noChangeAspect="1" noChangeArrowheads="1" noTextEdit="1"/>
+          </p:cNvSpPr>
+          <p:nvPr>
+            <p:ph type="sldImg"/>
+          </p:nvPr>
+        </p:nvSpPr>
+        <p:spPr>
+          <a:xfrm>
+            <a:off x="3336925" y="533400"/>
+            <a:ext cx="3549650" cy="2662238"/>
+          </a:xfrm>
+          <a:ln/>
+        </p:spPr>
+      </p:sp>
+      <p:sp>
+        <p:nvSpPr>
+          <p:cNvPr id="24582" name="Rectangle 3"/>
+          <p:cNvSpPr>
+            <a:spLocks noGrp="1" noChangeArrowheads="1"/>
+          </p:cNvSpPr>
+          <p:nvPr>
+            <p:ph type="body" idx="1"/>
+          </p:nvPr>
+        </p:nvSpPr>
+        <p:spPr>
+          <a:noFill/>
+          <a:ln/>
+          <a:extLst>
+            <a:ext uri="{909E8E84-426E-40dd-AFC4-6F175D3DCCD1}">
+              <a14:hiddenFill xmlns:a14="http://schemas.microsoft.com/office/drawing/2010/main">
+                <a:solidFill>
+                  <a:srgbClr val="FFFFFF"/>
+                </a:solidFill>
+              </a14:hiddenFill>
+            </a:ext>
+            <a:ext uri="{91240B29-F687-4f45-9708-019B960494DF}">
+              <a14:hiddenLine xmlns:a14="http://schemas.microsoft.com/office/drawing/2010/main" w="9525">
+                <a:solidFill>
+                  <a:srgbClr val="000000"/>
+                </a:solidFill>
+                <a:miter lim="800000"/>
+                <a:headEnd/>
+                <a:tailEnd/>
+              </a14:hiddenLine>
+            </a:ext>
+          </a:extLst>
+        </p:spPr>
+        <p:txBody>
+          <a:bodyPr/>
+          <a:lstStyle/>
+          <a:p>
+            <a:endParaRPr lang="en-US" smtClean="0"/>
+          </a:p>
+          <a:p>
+            <a:endParaRPr lang="en-US" smtClean="0"/>
+          </a:p>
+        </p:txBody>
+      </p:sp>
+      <p:sp>
+        <p:nvSpPr>
+          <p:cNvPr id="24583" name="Rectangle 4"/>
+          <p:cNvSpPr>
+            <a:spLocks noChangeArrowheads="1"/>
+          </p:cNvSpPr>
+          <p:nvPr/>
+        </p:nvSpPr>
+        <p:spPr bwMode="auto">
+          <a:xfrm>
+            <a:off x="1024180" y="3195788"/>
+            <a:ext cx="8063123" cy="279142"/>
+          </a:xfrm>
+          <a:prstGeom prst="rect">
+            <a:avLst/>
+          </a:prstGeom>
+          <a:noFill/>
+          <a:ln>
+            <a:noFill/>
+          </a:ln>
+          <a:extLst>
+            <a:ext uri="{909E8E84-426E-40dd-AFC4-6F175D3DCCD1}">
+              <a14:hiddenFill xmlns:a14="http://schemas.microsoft.com/office/drawing/2010/main">
+                <a:solidFill>
+                  <a:srgbClr val="FFFFFF"/>
+                </a:solidFill>
+              </a14:hiddenFill>
+            </a:ext>
+            <a:ext uri="{91240B29-F687-4f45-9708-019B960494DF}">
+              <a14:hiddenLine xmlns:a14="http://schemas.microsoft.com/office/drawing/2010/main" w="9525">
+                <a:solidFill>
+                  <a:srgbClr val="000000"/>
+                </a:solidFill>
+                <a:miter lim="800000"/>
+                <a:headEnd/>
+                <a:tailEnd/>
+              </a14:hiddenLine>
+            </a:ext>
+          </a:extLst>
+        </p:spPr>
+        <p:txBody>
+          <a:bodyPr lIns="93561" tIns="46781" rIns="93561" bIns="46781">
+            <a:spAutoFit/>
+          </a:bodyPr>
+          <a:lstStyle/>
+          <a:p>
+            <a:pPr defTabSz="935038" eaLnBrk="0" hangingPunct="0"/>
+            <a:endParaRPr lang="en-GB" sz="1200" b="0">
+              <a:solidFill>
+                <a:schemeClr val="tx1"/>
+              </a:solidFill>
+              <a:latin typeface="Times New Roman" pitchFamily="18" charset="0"/>
+            </a:endParaRPr>
+          </a:p>
+        </p:txBody>
+      </p:sp>
+    </p:spTree>
+  </p:cSld>
+  <p:clrMapOvr>
+    <a:masterClrMapping/>
+  </p:clrMapOvr>
+</p:notes>
+</file>
+
+<file path=ppt/notesSlides/notesSlide6.xml><?xml version="1.0" encoding="utf-8"?>
+<p:notes xmlns:a="http://schemas.openxmlformats.org/drawingml/2006/main" xmlns:r="http://schemas.openxmlformats.org/officeDocument/2006/relationships" xmlns:p="http://schemas.openxmlformats.org/presentationml/2006/main">
+  <p:cSld>
+    <p:spTree>
+      <p:nvGrpSpPr>
+        <p:cNvPr id="1" name=""/>
+        <p:cNvGrpSpPr/>
+        <p:nvPr/>
+      </p:nvGrpSpPr>
+      <p:grpSpPr>
+        <a:xfrm>
+          <a:off x="0" y="0"/>
+          <a:ext cx="0" cy="0"/>
+          <a:chOff x="0" y="0"/>
+          <a:chExt cx="0" cy="0"/>
+        </a:xfrm>
+      </p:grpSpPr>
+      <p:sp>
+        <p:nvSpPr>
+          <p:cNvPr id="23554" name="Rectangle 2"/>
+          <p:cNvSpPr>
+            <a:spLocks noGrp="1" noChangeArrowheads="1"/>
+          </p:cNvSpPr>
+          <p:nvPr>
+            <p:ph type="hdr" sz="quarter"/>
+          </p:nvPr>
+        </p:nvSpPr>
+        <p:spPr/>
+        <p:txBody>
+          <a:bodyPr/>
+          <a:lstStyle/>
+          <a:p>
+            <a:pPr>
+              <a:defRPr/>
+            </a:pPr>
+            <a:r>
+              <a:rPr lang="en-GB" smtClean="0"/>
+              <a:t>ESE 3.23 Graphics &amp; Stats for Geoscientists</a:t>
+            </a:r>
+            <a:endParaRPr lang="en-US" smtClean="0"/>
+          </a:p>
+        </p:txBody>
+      </p:sp>
+      <p:sp>
+        <p:nvSpPr>
+          <p:cNvPr id="23555" name="Rectangle 6"/>
+          <p:cNvSpPr>
+            <a:spLocks noGrp="1" noChangeArrowheads="1"/>
+          </p:cNvSpPr>
+          <p:nvPr>
+            <p:ph type="ftr" sz="quarter" idx="4"/>
+          </p:nvPr>
+        </p:nvSpPr>
+        <p:spPr/>
+        <p:txBody>
+          <a:bodyPr/>
+          <a:lstStyle/>
+          <a:p>
+            <a:pPr>
+              <a:defRPr/>
+            </a:pPr>
+            <a:r>
+              <a:rPr lang="en-GB"/>
+              <a:t>Session 8 - Chi Squared test, and Multivariate Statistics</a:t>
+            </a:r>
+            <a:endParaRPr lang="en-US"/>
+          </a:p>
+        </p:txBody>
+      </p:sp>
+      <p:sp>
+        <p:nvSpPr>
+          <p:cNvPr id="23556" name="Rectangle 7"/>
+          <p:cNvSpPr>
+            <a:spLocks noGrp="1" noChangeArrowheads="1"/>
+          </p:cNvSpPr>
+          <p:nvPr>
+            <p:ph type="sldNum" sz="quarter" idx="5"/>
+          </p:nvPr>
+        </p:nvSpPr>
+        <p:spPr/>
+        <p:txBody>
+          <a:bodyPr/>
+          <a:lstStyle/>
+          <a:p>
+            <a:pPr>
+              <a:defRPr/>
+            </a:pPr>
+            <a:fld id="{7C52FC66-C9DB-4B60-89E5-147CF589E709}" type="slidenum">
+              <a:rPr lang="en-US" smtClean="0"/>
+              <a:pPr>
+                <a:defRPr/>
+              </a:pPr>
+              <a:t>6</a:t>
+            </a:fld>
+            <a:endParaRPr lang="en-US" smtClean="0"/>
+          </a:p>
+        </p:txBody>
+      </p:sp>
+      <p:sp>
+        <p:nvSpPr>
+          <p:cNvPr id="25605" name="Rectangle 2"/>
+          <p:cNvSpPr>
+            <a:spLocks noGrp="1" noRot="1" noChangeAspect="1" noChangeArrowheads="1" noTextEdit="1"/>
+          </p:cNvSpPr>
+          <p:nvPr>
+            <p:ph type="sldImg"/>
+          </p:nvPr>
+        </p:nvSpPr>
+        <p:spPr>
+          <a:xfrm>
+            <a:off x="3336925" y="533400"/>
+            <a:ext cx="3549650" cy="2662238"/>
+          </a:xfrm>
+          <a:ln/>
+        </p:spPr>
+      </p:sp>
+      <p:sp>
+        <p:nvSpPr>
+          <p:cNvPr id="25606" name="Rectangle 3"/>
+          <p:cNvSpPr>
+            <a:spLocks noGrp="1" noChangeArrowheads="1"/>
+          </p:cNvSpPr>
+          <p:nvPr>
+            <p:ph type="body" idx="1"/>
+          </p:nvPr>
+        </p:nvSpPr>
+        <p:spPr>
+          <a:noFill/>
+          <a:ln/>
+          <a:extLst>
+            <a:ext uri="{909E8E84-426E-40dd-AFC4-6F175D3DCCD1}">
+              <a14:hiddenFill xmlns:a14="http://schemas.microsoft.com/office/drawing/2010/main">
+                <a:solidFill>
+                  <a:srgbClr val="FFFFFF"/>
+                </a:solidFill>
+              </a14:hiddenFill>
+            </a:ext>
+            <a:ext uri="{91240B29-F687-4f45-9708-019B960494DF}">
+              <a14:hiddenLine xmlns:a14="http://schemas.microsoft.com/office/drawing/2010/main" w="9525">
+                <a:solidFill>
+                  <a:srgbClr val="000000"/>
+                </a:solidFill>
+                <a:miter lim="800000"/>
+                <a:headEnd/>
+                <a:tailEnd/>
+              </a14:hiddenLine>
+            </a:ext>
+          </a:extLst>
+        </p:spPr>
+        <p:txBody>
+          <a:bodyPr/>
+          <a:lstStyle/>
+          <a:p>
+            <a:endParaRPr lang="en-US" smtClean="0"/>
+          </a:p>
+          <a:p>
+            <a:endParaRPr lang="en-US" smtClean="0"/>
+          </a:p>
+        </p:txBody>
+      </p:sp>
+      <p:sp>
+        <p:nvSpPr>
+          <p:cNvPr id="25607" name="Rectangle 4"/>
+          <p:cNvSpPr>
+            <a:spLocks noChangeArrowheads="1"/>
+          </p:cNvSpPr>
+          <p:nvPr/>
+        </p:nvSpPr>
+        <p:spPr bwMode="auto">
+          <a:xfrm>
+            <a:off x="1024180" y="3195788"/>
+            <a:ext cx="8063123" cy="279142"/>
+          </a:xfrm>
+          <a:prstGeom prst="rect">
+            <a:avLst/>
+          </a:prstGeom>
+          <a:noFill/>
+          <a:ln>
+            <a:noFill/>
+          </a:ln>
+          <a:extLst>
+            <a:ext uri="{909E8E84-426E-40dd-AFC4-6F175D3DCCD1}">
+              <a14:hiddenFill xmlns:a14="http://schemas.microsoft.com/office/drawing/2010/main">
+                <a:solidFill>
+                  <a:srgbClr val="FFFFFF"/>
+                </a:solidFill>
+              </a14:hiddenFill>
+            </a:ext>
+            <a:ext uri="{91240B29-F687-4f45-9708-019B960494DF}">
+              <a14:hiddenLine xmlns:a14="http://schemas.microsoft.com/office/drawing/2010/main" w="9525">
+                <a:solidFill>
+                  <a:srgbClr val="000000"/>
+                </a:solidFill>
+                <a:miter lim="800000"/>
+                <a:headEnd/>
+                <a:tailEnd/>
+              </a14:hiddenLine>
+            </a:ext>
+          </a:extLst>
+        </p:spPr>
+        <p:txBody>
+          <a:bodyPr lIns="93561" tIns="46781" rIns="93561" bIns="46781">
+            <a:spAutoFit/>
+          </a:bodyPr>
+          <a:lstStyle/>
+          <a:p>
+            <a:pPr defTabSz="935038" eaLnBrk="0" hangingPunct="0"/>
+            <a:endParaRPr lang="en-GB" sz="1200" b="0">
+              <a:solidFill>
+                <a:schemeClr val="tx1"/>
+              </a:solidFill>
+              <a:latin typeface="Times New Roman" pitchFamily="18" charset="0"/>
+            </a:endParaRPr>
+          </a:p>
+        </p:txBody>
+      </p:sp>
+    </p:spTree>
+  </p:cSld>
+  <p:clrMapOvr>
+    <a:masterClrMapping/>
+  </p:clrMapOvr>
+</p:notes>
+</file>
+
+<file path=ppt/notesSlides/notesSlide7.xml><?xml version="1.0" encoding="utf-8"?>
+<p:notes xmlns:a="http://schemas.openxmlformats.org/drawingml/2006/main" xmlns:r="http://schemas.openxmlformats.org/officeDocument/2006/relationships" xmlns:p="http://schemas.openxmlformats.org/presentationml/2006/main">
+  <p:cSld>
+    <p:spTree>
+      <p:nvGrpSpPr>
+        <p:cNvPr id="1" name=""/>
+        <p:cNvGrpSpPr/>
+        <p:nvPr/>
+      </p:nvGrpSpPr>
+      <p:grpSpPr>
+        <a:xfrm>
+          <a:off x="0" y="0"/>
+          <a:ext cx="0" cy="0"/>
+          <a:chOff x="0" y="0"/>
+          <a:chExt cx="0" cy="0"/>
+        </a:xfrm>
+      </p:grpSpPr>
+      <p:sp>
+        <p:nvSpPr>
+          <p:cNvPr id="28674" name="Rectangle 2"/>
+          <p:cNvSpPr>
+            <a:spLocks noGrp="1" noChangeArrowheads="1"/>
+          </p:cNvSpPr>
+          <p:nvPr>
+            <p:ph type="hdr" sz="quarter"/>
+          </p:nvPr>
+        </p:nvSpPr>
+        <p:spPr/>
+        <p:txBody>
+          <a:bodyPr/>
+          <a:lstStyle/>
+          <a:p>
+            <a:pPr>
+              <a:defRPr/>
+            </a:pPr>
+            <a:r>
+              <a:rPr lang="en-GB" smtClean="0"/>
+              <a:t>ESE 3.23 Graphics &amp; Stats for Geoscientists</a:t>
+            </a:r>
+            <a:endParaRPr lang="en-US" smtClean="0"/>
+          </a:p>
+        </p:txBody>
+      </p:sp>
+      <p:sp>
+        <p:nvSpPr>
+          <p:cNvPr id="28675" name="Rectangle 6"/>
+          <p:cNvSpPr>
+            <a:spLocks noGrp="1" noChangeArrowheads="1"/>
+          </p:cNvSpPr>
+          <p:nvPr>
+            <p:ph type="ftr" sz="quarter" idx="4"/>
+          </p:nvPr>
+        </p:nvSpPr>
+        <p:spPr/>
+        <p:txBody>
+          <a:bodyPr/>
+          <a:lstStyle/>
+          <a:p>
+            <a:pPr>
+              <a:defRPr/>
+            </a:pPr>
+            <a:r>
+              <a:rPr lang="en-GB"/>
+              <a:t>Session 8 - Chi Squared test, and Multivariate Statistics</a:t>
+            </a:r>
+            <a:endParaRPr lang="en-US"/>
+          </a:p>
+        </p:txBody>
+      </p:sp>
+      <p:sp>
+        <p:nvSpPr>
+          <p:cNvPr id="28676" name="Rectangle 7"/>
+          <p:cNvSpPr>
+            <a:spLocks noGrp="1" noChangeArrowheads="1"/>
+          </p:cNvSpPr>
+          <p:nvPr>
+            <p:ph type="sldNum" sz="quarter" idx="5"/>
+          </p:nvPr>
+        </p:nvSpPr>
+        <p:spPr/>
+        <p:txBody>
+          <a:bodyPr/>
+          <a:lstStyle/>
+          <a:p>
+            <a:pPr>
+              <a:defRPr/>
+            </a:pPr>
+            <a:fld id="{5A478DC4-54EA-4C04-ABA3-D7FF0B3D4C27}" type="slidenum">
+              <a:rPr lang="en-US" smtClean="0"/>
+              <a:pPr>
+                <a:defRPr/>
+              </a:pPr>
+              <a:t>7</a:t>
+            </a:fld>
+            <a:endParaRPr lang="en-US" smtClean="0"/>
+          </a:p>
+        </p:txBody>
+      </p:sp>
+      <p:sp>
+        <p:nvSpPr>
+          <p:cNvPr id="26629" name="Rectangle 2"/>
+          <p:cNvSpPr>
+            <a:spLocks noGrp="1" noRot="1" noChangeAspect="1" noChangeArrowheads="1" noTextEdit="1"/>
+          </p:cNvSpPr>
+          <p:nvPr>
+            <p:ph type="sldImg"/>
+          </p:nvPr>
+        </p:nvSpPr>
+        <p:spPr>
+          <a:ln/>
+        </p:spPr>
+      </p:sp>
+      <p:sp>
+        <p:nvSpPr>
+          <p:cNvPr id="26630" name="Rectangle 3"/>
+          <p:cNvSpPr>
+            <a:spLocks noGrp="1" noChangeArrowheads="1"/>
+          </p:cNvSpPr>
+          <p:nvPr>
+            <p:ph type="body" idx="1"/>
+          </p:nvPr>
+        </p:nvSpPr>
+        <p:spPr>
+          <a:noFill/>
+          <a:ln/>
+          <a:extLst>
+            <a:ext uri="{909E8E84-426E-40dd-AFC4-6F175D3DCCD1}">
+              <a14:hiddenFill xmlns:a14="http://schemas.microsoft.com/office/drawing/2010/main">
+                <a:solidFill>
+                  <a:srgbClr val="FFFFFF"/>
+                </a:solidFill>
+              </a14:hiddenFill>
+            </a:ext>
+            <a:ext uri="{91240B29-F687-4f45-9708-019B960494DF}">
+              <a14:hiddenLine xmlns:a14="http://schemas.microsoft.com/office/drawing/2010/main" w="9525">
+                <a:solidFill>
+                  <a:srgbClr val="000000"/>
+                </a:solidFill>
+                <a:miter lim="800000"/>
+                <a:headEnd/>
+                <a:tailEnd/>
+              </a14:hiddenLine>
+            </a:ext>
+          </a:extLst>
+        </p:spPr>
+        <p:txBody>
+          <a:bodyPr/>
+          <a:lstStyle/>
+          <a:p>
+            <a:endParaRPr lang="en-US" smtClean="0"/>
+          </a:p>
+          <a:p>
+            <a:endParaRPr lang="en-US" smtClean="0"/>
+          </a:p>
+        </p:txBody>
+      </p:sp>
+      <p:sp>
+        <p:nvSpPr>
+          <p:cNvPr id="26631" name="Rectangle 4"/>
+          <p:cNvSpPr>
+            <a:spLocks noChangeArrowheads="1"/>
+          </p:cNvSpPr>
+          <p:nvPr/>
+        </p:nvSpPr>
+        <p:spPr bwMode="auto">
+          <a:xfrm>
+            <a:off x="1026466" y="3193583"/>
+            <a:ext cx="8060837" cy="298895"/>
+          </a:xfrm>
+          <a:prstGeom prst="rect">
+            <a:avLst/>
+          </a:prstGeom>
+          <a:noFill/>
+          <a:ln>
+            <a:noFill/>
+          </a:ln>
+          <a:extLst>
+            <a:ext uri="{909E8E84-426E-40dd-AFC4-6F175D3DCCD1}">
+              <a14:hiddenFill xmlns:a14="http://schemas.microsoft.com/office/drawing/2010/main">
+                <a:solidFill>
+                  <a:srgbClr val="FFFFFF"/>
+                </a:solidFill>
+              </a14:hiddenFill>
+            </a:ext>
+            <a:ext uri="{91240B29-F687-4f45-9708-019B960494DF}">
+              <a14:hiddenLine xmlns:a14="http://schemas.microsoft.com/office/drawing/2010/main" w="9525">
+                <a:solidFill>
+                  <a:srgbClr val="000000"/>
+                </a:solidFill>
+                <a:miter lim="800000"/>
+                <a:headEnd/>
+                <a:tailEnd/>
+              </a14:hiddenLine>
+            </a:ext>
+          </a:extLst>
+        </p:spPr>
+        <p:txBody>
+          <a:bodyPr lIns="97884" tIns="48942" rIns="97884" bIns="48942">
+            <a:spAutoFit/>
+          </a:bodyPr>
+          <a:lstStyle/>
+          <a:p>
+            <a:pPr defTabSz="977900" eaLnBrk="0" hangingPunct="0"/>
+            <a:endParaRPr lang="en-GB" sz="1300" b="0">
+              <a:solidFill>
+                <a:schemeClr val="tx1"/>
+              </a:solidFill>
+              <a:latin typeface="Times New Roman" pitchFamily="18" charset="0"/>
+            </a:endParaRPr>
+          </a:p>
+        </p:txBody>
+      </p:sp>
+    </p:spTree>
+  </p:cSld>
+  <p:clrMapOvr>
+    <a:masterClrMapping/>
+  </p:clrMapOvr>
+</p:notes>
+</file>
+
+<file path=ppt/notesSlides/notesSlide8.xml><?xml version="1.0" encoding="utf-8"?>
+<p:notes xmlns:a="http://schemas.openxmlformats.org/drawingml/2006/main" xmlns:r="http://schemas.openxmlformats.org/officeDocument/2006/relationships" xmlns:p="http://schemas.openxmlformats.org/presentationml/2006/main">
+  <p:cSld>
+    <p:spTree>
+      <p:nvGrpSpPr>
+        <p:cNvPr id="1" name=""/>
+        <p:cNvGrpSpPr/>
+        <p:nvPr/>
+      </p:nvGrpSpPr>
+      <p:grpSpPr>
+        <a:xfrm>
+          <a:off x="0" y="0"/>
+          <a:ext cx="0" cy="0"/>
+          <a:chOff x="0" y="0"/>
+          <a:chExt cx="0" cy="0"/>
+        </a:xfrm>
+      </p:grpSpPr>
+      <p:sp>
+        <p:nvSpPr>
+          <p:cNvPr id="23554" name="Rectangle 2"/>
+          <p:cNvSpPr>
+            <a:spLocks noGrp="1" noChangeArrowheads="1"/>
+          </p:cNvSpPr>
+          <p:nvPr>
+            <p:ph type="hdr" sz="quarter"/>
+          </p:nvPr>
+        </p:nvSpPr>
+        <p:spPr/>
+        <p:txBody>
+          <a:bodyPr/>
+          <a:lstStyle/>
+          <a:p>
+            <a:pPr>
+              <a:defRPr/>
+            </a:pPr>
+            <a:r>
+              <a:rPr lang="en-GB" smtClean="0"/>
+              <a:t>ESE 3.23 Graphics &amp; Stats for Geoscientists</a:t>
+            </a:r>
+            <a:endParaRPr lang="en-US" smtClean="0"/>
+          </a:p>
+        </p:txBody>
+      </p:sp>
+      <p:sp>
+        <p:nvSpPr>
+          <p:cNvPr id="23555" name="Rectangle 6"/>
+          <p:cNvSpPr>
+            <a:spLocks noGrp="1" noChangeArrowheads="1"/>
+          </p:cNvSpPr>
+          <p:nvPr>
+            <p:ph type="ftr" sz="quarter" idx="4"/>
+          </p:nvPr>
+        </p:nvSpPr>
+        <p:spPr/>
+        <p:txBody>
+          <a:bodyPr/>
+          <a:lstStyle/>
+          <a:p>
+            <a:pPr>
+              <a:defRPr/>
+            </a:pPr>
+            <a:r>
+              <a:rPr lang="en-GB"/>
+              <a:t>Session 8 - Chi Squared test, and Multivariate Statistics</a:t>
+            </a:r>
+            <a:endParaRPr lang="en-US"/>
+          </a:p>
+        </p:txBody>
+      </p:sp>
+      <p:sp>
+        <p:nvSpPr>
+          <p:cNvPr id="23556" name="Rectangle 7"/>
+          <p:cNvSpPr>
+            <a:spLocks noGrp="1" noChangeArrowheads="1"/>
+          </p:cNvSpPr>
+          <p:nvPr>
+            <p:ph type="sldNum" sz="quarter" idx="5"/>
+          </p:nvPr>
+        </p:nvSpPr>
+        <p:spPr/>
+        <p:txBody>
+          <a:bodyPr/>
+          <a:lstStyle/>
+          <a:p>
+            <a:pPr>
+              <a:defRPr/>
+            </a:pPr>
+            <a:fld id="{575FB6BC-4877-457D-8489-BD552DADDE9D}" type="slidenum">
+              <a:rPr lang="en-US" smtClean="0"/>
+              <a:pPr>
+                <a:defRPr/>
+              </a:pPr>
+              <a:t>8</a:t>
+            </a:fld>
+            <a:endParaRPr lang="en-US" smtClean="0"/>
+          </a:p>
+        </p:txBody>
+      </p:sp>
+      <p:sp>
+        <p:nvSpPr>
+          <p:cNvPr id="27653" name="Rectangle 2"/>
+          <p:cNvSpPr>
+            <a:spLocks noGrp="1" noRot="1" noChangeAspect="1" noChangeArrowheads="1" noTextEdit="1"/>
+          </p:cNvSpPr>
+          <p:nvPr>
+            <p:ph type="sldImg"/>
+          </p:nvPr>
+        </p:nvSpPr>
+        <p:spPr>
+          <a:xfrm>
+            <a:off x="3336925" y="533400"/>
+            <a:ext cx="3549650" cy="2662238"/>
+          </a:xfrm>
+          <a:ln/>
+        </p:spPr>
+      </p:sp>
+      <p:sp>
+        <p:nvSpPr>
+          <p:cNvPr id="27654" name="Rectangle 3"/>
+          <p:cNvSpPr>
+            <a:spLocks noGrp="1" noChangeArrowheads="1"/>
+          </p:cNvSpPr>
+          <p:nvPr>
+            <p:ph type="body" idx="1"/>
+          </p:nvPr>
+        </p:nvSpPr>
+        <p:spPr>
+          <a:noFill/>
+          <a:ln/>
+          <a:extLst>
+            <a:ext uri="{909E8E84-426E-40dd-AFC4-6F175D3DCCD1}">
+              <a14:hiddenFill xmlns:a14="http://schemas.microsoft.com/office/drawing/2010/main">
+                <a:solidFill>
+                  <a:srgbClr val="FFFFFF"/>
+                </a:solidFill>
+              </a14:hiddenFill>
+            </a:ext>
+            <a:ext uri="{91240B29-F687-4f45-9708-019B960494DF}">
+              <a14:hiddenLine xmlns:a14="http://schemas.microsoft.com/office/drawing/2010/main" w="9525">
+                <a:solidFill>
+                  <a:srgbClr val="000000"/>
+                </a:solidFill>
+                <a:miter lim="800000"/>
+                <a:headEnd/>
+                <a:tailEnd/>
+              </a14:hiddenLine>
+            </a:ext>
+          </a:extLst>
+        </p:spPr>
+        <p:txBody>
+          <a:bodyPr/>
+          <a:lstStyle/>
+          <a:p>
+            <a:endParaRPr lang="en-US" smtClean="0"/>
+          </a:p>
+          <a:p>
+            <a:endParaRPr lang="en-US" smtClean="0"/>
+          </a:p>
+        </p:txBody>
+      </p:sp>
+      <p:sp>
+        <p:nvSpPr>
+          <p:cNvPr id="27655" name="Rectangle 4"/>
+          <p:cNvSpPr>
+            <a:spLocks noChangeArrowheads="1"/>
+          </p:cNvSpPr>
+          <p:nvPr/>
+        </p:nvSpPr>
+        <p:spPr bwMode="auto">
+          <a:xfrm>
+            <a:off x="1024180" y="3195788"/>
+            <a:ext cx="8063123" cy="279142"/>
+          </a:xfrm>
+          <a:prstGeom prst="rect">
+            <a:avLst/>
+          </a:prstGeom>
+          <a:noFill/>
+          <a:ln>
+            <a:noFill/>
+          </a:ln>
+          <a:extLst>
+            <a:ext uri="{909E8E84-426E-40dd-AFC4-6F175D3DCCD1}">
+              <a14:hiddenFill xmlns:a14="http://schemas.microsoft.com/office/drawing/2010/main">
+                <a:solidFill>
+                  <a:srgbClr val="FFFFFF"/>
+                </a:solidFill>
+              </a14:hiddenFill>
+            </a:ext>
+            <a:ext uri="{91240B29-F687-4f45-9708-019B960494DF}">
+              <a14:hiddenLine xmlns:a14="http://schemas.microsoft.com/office/drawing/2010/main" w="9525">
+                <a:solidFill>
+                  <a:srgbClr val="000000"/>
+                </a:solidFill>
+                <a:miter lim="800000"/>
+                <a:headEnd/>
+                <a:tailEnd/>
+              </a14:hiddenLine>
+            </a:ext>
+          </a:extLst>
+        </p:spPr>
+        <p:txBody>
+          <a:bodyPr lIns="93561" tIns="46781" rIns="93561" bIns="46781">
+            <a:spAutoFit/>
+          </a:bodyPr>
+          <a:lstStyle/>
+          <a:p>
+            <a:pPr defTabSz="935038" eaLnBrk="0" hangingPunct="0"/>
+            <a:endParaRPr lang="en-GB" sz="1200" b="0">
+              <a:solidFill>
+                <a:schemeClr val="tx1"/>
+              </a:solidFill>
+              <a:latin typeface="Times New Roman" pitchFamily="18" charset="0"/>
+            </a:endParaRPr>
+          </a:p>
+        </p:txBody>
+      </p:sp>
+    </p:spTree>
+  </p:cSld>
+  <p:clrMapOvr>
+    <a:masterClrMapping/>
+  </p:clrMapOvr>
+</p:notes>
+</file>
+
+<file path=ppt/notesSlides/notesSlide9.xml><?xml version="1.0" encoding="utf-8"?>
+<p:notes xmlns:a="http://schemas.openxmlformats.org/drawingml/2006/main" xmlns:r="http://schemas.openxmlformats.org/officeDocument/2006/relationships" xmlns:p="http://schemas.openxmlformats.org/presentationml/2006/main">
+  <p:cSld>
+    <p:spTree>
+      <p:nvGrpSpPr>
+        <p:cNvPr id="1" name=""/>
+        <p:cNvGrpSpPr/>
+        <p:nvPr/>
+      </p:nvGrpSpPr>
+      <p:grpSpPr>
+        <a:xfrm>
+          <a:off x="0" y="0"/>
+          <a:ext cx="0" cy="0"/>
+          <a:chOff x="0" y="0"/>
+          <a:chExt cx="0" cy="0"/>
+        </a:xfrm>
+      </p:grpSpPr>
+      <p:sp>
+        <p:nvSpPr>
+          <p:cNvPr id="23554" name="Rectangle 2"/>
+          <p:cNvSpPr>
+            <a:spLocks noGrp="1" noChangeArrowheads="1"/>
+          </p:cNvSpPr>
+          <p:nvPr>
+            <p:ph type="hdr" sz="quarter"/>
+          </p:nvPr>
+        </p:nvSpPr>
+        <p:spPr/>
+        <p:txBody>
+          <a:bodyPr/>
+          <a:lstStyle/>
+          <a:p>
+            <a:pPr>
+              <a:defRPr/>
+            </a:pPr>
+            <a:r>
+              <a:rPr lang="en-GB" smtClean="0"/>
+              <a:t>ESE 3.23 Graphics &amp; Stats for Geoscientists</a:t>
+            </a:r>
+            <a:endParaRPr lang="en-US" smtClean="0"/>
+          </a:p>
+        </p:txBody>
+      </p:sp>
+      <p:sp>
+        <p:nvSpPr>
+          <p:cNvPr id="23555" name="Rectangle 6"/>
+          <p:cNvSpPr>
+            <a:spLocks noGrp="1" noChangeArrowheads="1"/>
+          </p:cNvSpPr>
+          <p:nvPr>
+            <p:ph type="ftr" sz="quarter" idx="4"/>
+          </p:nvPr>
+        </p:nvSpPr>
+        <p:spPr/>
+        <p:txBody>
+          <a:bodyPr/>
+          <a:lstStyle/>
+          <a:p>
+            <a:pPr>
+              <a:defRPr/>
+            </a:pPr>
+            <a:r>
+              <a:rPr lang="en-GB"/>
+              <a:t>Session 8 - Chi Squared test, and Multivariate Statistics</a:t>
+            </a:r>
+            <a:endParaRPr lang="en-US"/>
+          </a:p>
+        </p:txBody>
+      </p:sp>
+      <p:sp>
+        <p:nvSpPr>
+          <p:cNvPr id="23556" name="Rectangle 7"/>
+          <p:cNvSpPr>
+            <a:spLocks noGrp="1" noChangeArrowheads="1"/>
+          </p:cNvSpPr>
+          <p:nvPr>
+            <p:ph type="sldNum" sz="quarter" idx="5"/>
+          </p:nvPr>
+        </p:nvSpPr>
+        <p:spPr/>
+        <p:txBody>
+          <a:bodyPr/>
+          <a:lstStyle/>
+          <a:p>
+            <a:pPr>
+              <a:defRPr/>
+            </a:pPr>
             <a:fld id="{F18A3491-34AB-46DC-BAC5-CDB4D88AEAD4}" type="slidenum">
               <a:rPr lang="en-US" smtClean="0"/>
               <a:pPr>
                 <a:defRPr/>
               </a:pPr>
-              <a:t>10</a:t>
+              <a:t>9</a:t>
             </a:fld>
             <a:endParaRPr lang="en-US" smtClean="0"/>
           </a:p>
@@ -1317,2466 +3552,6 @@
       <p:sp>
         <p:nvSpPr>
           <p:cNvPr id="31751" name="Rectangle 4"/>
-          <p:cNvSpPr>
-            <a:spLocks noChangeArrowheads="1"/>
-          </p:cNvSpPr>
-          <p:nvPr/>
-        </p:nvSpPr>
-        <p:spPr bwMode="auto">
-          <a:xfrm>
-            <a:off x="1024180" y="3195788"/>
-            <a:ext cx="8063123" cy="279142"/>
-          </a:xfrm>
-          <a:prstGeom prst="rect">
-            <a:avLst/>
-          </a:prstGeom>
-          <a:noFill/>
-          <a:ln>
-            <a:noFill/>
-          </a:ln>
-          <a:extLst>
-            <a:ext uri="{909E8E84-426E-40dd-AFC4-6F175D3DCCD1}">
-              <a14:hiddenFill xmlns:a14="http://schemas.microsoft.com/office/drawing/2010/main">
-                <a:solidFill>
-                  <a:srgbClr val="FFFFFF"/>
-                </a:solidFill>
-              </a14:hiddenFill>
-            </a:ext>
-            <a:ext uri="{91240B29-F687-4f45-9708-019B960494DF}">
-              <a14:hiddenLine xmlns:a14="http://schemas.microsoft.com/office/drawing/2010/main" w="9525">
-                <a:solidFill>
-                  <a:srgbClr val="000000"/>
-                </a:solidFill>
-                <a:miter lim="800000"/>
-                <a:headEnd/>
-                <a:tailEnd/>
-              </a14:hiddenLine>
-            </a:ext>
-          </a:extLst>
-        </p:spPr>
-        <p:txBody>
-          <a:bodyPr lIns="93561" tIns="46781" rIns="93561" bIns="46781">
-            <a:spAutoFit/>
-          </a:bodyPr>
-          <a:lstStyle/>
-          <a:p>
-            <a:pPr defTabSz="935038" eaLnBrk="0" hangingPunct="0"/>
-            <a:endParaRPr lang="en-GB" sz="1200" b="0">
-              <a:solidFill>
-                <a:schemeClr val="tx1"/>
-              </a:solidFill>
-              <a:latin typeface="Times New Roman" pitchFamily="18" charset="0"/>
-            </a:endParaRPr>
-          </a:p>
-        </p:txBody>
-      </p:sp>
-    </p:spTree>
-  </p:cSld>
-  <p:clrMapOvr>
-    <a:masterClrMapping/>
-  </p:clrMapOvr>
-</p:notes>
-</file>
-
-<file path=ppt/notesSlides/notesSlide11.xml><?xml version="1.0" encoding="utf-8"?>
-<p:notes xmlns:a="http://schemas.openxmlformats.org/drawingml/2006/main" xmlns:r="http://schemas.openxmlformats.org/officeDocument/2006/relationships" xmlns:p="http://schemas.openxmlformats.org/presentationml/2006/main">
-  <p:cSld>
-    <p:spTree>
-      <p:nvGrpSpPr>
-        <p:cNvPr id="1" name=""/>
-        <p:cNvGrpSpPr/>
-        <p:nvPr/>
-      </p:nvGrpSpPr>
-      <p:grpSpPr>
-        <a:xfrm>
-          <a:off x="0" y="0"/>
-          <a:ext cx="0" cy="0"/>
-          <a:chOff x="0" y="0"/>
-          <a:chExt cx="0" cy="0"/>
-        </a:xfrm>
-      </p:grpSpPr>
-      <p:sp>
-        <p:nvSpPr>
-          <p:cNvPr id="23554" name="Rectangle 2"/>
-          <p:cNvSpPr>
-            <a:spLocks noGrp="1" noChangeArrowheads="1"/>
-          </p:cNvSpPr>
-          <p:nvPr>
-            <p:ph type="hdr" sz="quarter"/>
-          </p:nvPr>
-        </p:nvSpPr>
-        <p:spPr/>
-        <p:txBody>
-          <a:bodyPr/>
-          <a:lstStyle/>
-          <a:p>
-            <a:pPr>
-              <a:defRPr/>
-            </a:pPr>
-            <a:r>
-              <a:rPr lang="en-GB" smtClean="0"/>
-              <a:t>ESE 3.23 Graphics &amp; Stats for Geoscientists</a:t>
-            </a:r>
-            <a:endParaRPr lang="en-US" smtClean="0"/>
-          </a:p>
-        </p:txBody>
-      </p:sp>
-      <p:sp>
-        <p:nvSpPr>
-          <p:cNvPr id="23555" name="Rectangle 6"/>
-          <p:cNvSpPr>
-            <a:spLocks noGrp="1" noChangeArrowheads="1"/>
-          </p:cNvSpPr>
-          <p:nvPr>
-            <p:ph type="ftr" sz="quarter" idx="4"/>
-          </p:nvPr>
-        </p:nvSpPr>
-        <p:spPr/>
-        <p:txBody>
-          <a:bodyPr/>
-          <a:lstStyle/>
-          <a:p>
-            <a:pPr>
-              <a:defRPr/>
-            </a:pPr>
-            <a:r>
-              <a:rPr lang="en-GB"/>
-              <a:t>Session 8 - Chi Squared test, and Multivariate Statistics</a:t>
-            </a:r>
-            <a:endParaRPr lang="en-US"/>
-          </a:p>
-        </p:txBody>
-      </p:sp>
-      <p:sp>
-        <p:nvSpPr>
-          <p:cNvPr id="23556" name="Rectangle 7"/>
-          <p:cNvSpPr>
-            <a:spLocks noGrp="1" noChangeArrowheads="1"/>
-          </p:cNvSpPr>
-          <p:nvPr>
-            <p:ph type="sldNum" sz="quarter" idx="5"/>
-          </p:nvPr>
-        </p:nvSpPr>
-        <p:spPr/>
-        <p:txBody>
-          <a:bodyPr/>
-          <a:lstStyle/>
-          <a:p>
-            <a:pPr>
-              <a:defRPr/>
-            </a:pPr>
-            <a:fld id="{F4C1A657-90DA-4347-8E78-BAEAF50F7A1F}" type="slidenum">
-              <a:rPr lang="en-US" smtClean="0"/>
-              <a:pPr>
-                <a:defRPr/>
-              </a:pPr>
-              <a:t>11</a:t>
-            </a:fld>
-            <a:endParaRPr lang="en-US" smtClean="0"/>
-          </a:p>
-        </p:txBody>
-      </p:sp>
-      <p:sp>
-        <p:nvSpPr>
-          <p:cNvPr id="32773" name="Rectangle 2"/>
-          <p:cNvSpPr>
-            <a:spLocks noGrp="1" noRot="1" noChangeAspect="1" noChangeArrowheads="1" noTextEdit="1"/>
-          </p:cNvSpPr>
-          <p:nvPr>
-            <p:ph type="sldImg"/>
-          </p:nvPr>
-        </p:nvSpPr>
-        <p:spPr>
-          <a:xfrm>
-            <a:off x="3336925" y="533400"/>
-            <a:ext cx="3549650" cy="2662238"/>
-          </a:xfrm>
-          <a:ln/>
-        </p:spPr>
-      </p:sp>
-      <p:sp>
-        <p:nvSpPr>
-          <p:cNvPr id="32774" name="Rectangle 3"/>
-          <p:cNvSpPr>
-            <a:spLocks noGrp="1" noChangeArrowheads="1"/>
-          </p:cNvSpPr>
-          <p:nvPr>
-            <p:ph type="body" idx="1"/>
-          </p:nvPr>
-        </p:nvSpPr>
-        <p:spPr>
-          <a:noFill/>
-          <a:ln/>
-          <a:extLst>
-            <a:ext uri="{909E8E84-426E-40dd-AFC4-6F175D3DCCD1}">
-              <a14:hiddenFill xmlns:a14="http://schemas.microsoft.com/office/drawing/2010/main">
-                <a:solidFill>
-                  <a:srgbClr val="FFFFFF"/>
-                </a:solidFill>
-              </a14:hiddenFill>
-            </a:ext>
-            <a:ext uri="{91240B29-F687-4f45-9708-019B960494DF}">
-              <a14:hiddenLine xmlns:a14="http://schemas.microsoft.com/office/drawing/2010/main" w="9525">
-                <a:solidFill>
-                  <a:srgbClr val="000000"/>
-                </a:solidFill>
-                <a:miter lim="800000"/>
-                <a:headEnd/>
-                <a:tailEnd/>
-              </a14:hiddenLine>
-            </a:ext>
-          </a:extLst>
-        </p:spPr>
-        <p:txBody>
-          <a:bodyPr/>
-          <a:lstStyle/>
-          <a:p>
-            <a:endParaRPr lang="en-US" smtClean="0"/>
-          </a:p>
-          <a:p>
-            <a:endParaRPr lang="en-US" smtClean="0"/>
-          </a:p>
-        </p:txBody>
-      </p:sp>
-      <p:sp>
-        <p:nvSpPr>
-          <p:cNvPr id="32775" name="Rectangle 4"/>
-          <p:cNvSpPr>
-            <a:spLocks noChangeArrowheads="1"/>
-          </p:cNvSpPr>
-          <p:nvPr/>
-        </p:nvSpPr>
-        <p:spPr bwMode="auto">
-          <a:xfrm>
-            <a:off x="1024180" y="3195788"/>
-            <a:ext cx="8063123" cy="279142"/>
-          </a:xfrm>
-          <a:prstGeom prst="rect">
-            <a:avLst/>
-          </a:prstGeom>
-          <a:noFill/>
-          <a:ln>
-            <a:noFill/>
-          </a:ln>
-          <a:extLst>
-            <a:ext uri="{909E8E84-426E-40dd-AFC4-6F175D3DCCD1}">
-              <a14:hiddenFill xmlns:a14="http://schemas.microsoft.com/office/drawing/2010/main">
-                <a:solidFill>
-                  <a:srgbClr val="FFFFFF"/>
-                </a:solidFill>
-              </a14:hiddenFill>
-            </a:ext>
-            <a:ext uri="{91240B29-F687-4f45-9708-019B960494DF}">
-              <a14:hiddenLine xmlns:a14="http://schemas.microsoft.com/office/drawing/2010/main" w="9525">
-                <a:solidFill>
-                  <a:srgbClr val="000000"/>
-                </a:solidFill>
-                <a:miter lim="800000"/>
-                <a:headEnd/>
-                <a:tailEnd/>
-              </a14:hiddenLine>
-            </a:ext>
-          </a:extLst>
-        </p:spPr>
-        <p:txBody>
-          <a:bodyPr lIns="93561" tIns="46781" rIns="93561" bIns="46781">
-            <a:spAutoFit/>
-          </a:bodyPr>
-          <a:lstStyle/>
-          <a:p>
-            <a:pPr defTabSz="935038" eaLnBrk="0" hangingPunct="0"/>
-            <a:endParaRPr lang="en-GB" sz="1200" b="0">
-              <a:solidFill>
-                <a:schemeClr val="tx1"/>
-              </a:solidFill>
-              <a:latin typeface="Times New Roman" pitchFamily="18" charset="0"/>
-            </a:endParaRPr>
-          </a:p>
-        </p:txBody>
-      </p:sp>
-    </p:spTree>
-  </p:cSld>
-  <p:clrMapOvr>
-    <a:masterClrMapping/>
-  </p:clrMapOvr>
-</p:notes>
-</file>
-
-<file path=ppt/notesSlides/notesSlide12.xml><?xml version="1.0" encoding="utf-8"?>
-<p:notes xmlns:a="http://schemas.openxmlformats.org/drawingml/2006/main" xmlns:r="http://schemas.openxmlformats.org/officeDocument/2006/relationships" xmlns:p="http://schemas.openxmlformats.org/presentationml/2006/main">
-  <p:cSld>
-    <p:spTree>
-      <p:nvGrpSpPr>
-        <p:cNvPr id="1" name=""/>
-        <p:cNvGrpSpPr/>
-        <p:nvPr/>
-      </p:nvGrpSpPr>
-      <p:grpSpPr>
-        <a:xfrm>
-          <a:off x="0" y="0"/>
-          <a:ext cx="0" cy="0"/>
-          <a:chOff x="0" y="0"/>
-          <a:chExt cx="0" cy="0"/>
-        </a:xfrm>
-      </p:grpSpPr>
-      <p:sp>
-        <p:nvSpPr>
-          <p:cNvPr id="23554" name="Rectangle 2"/>
-          <p:cNvSpPr>
-            <a:spLocks noGrp="1" noChangeArrowheads="1"/>
-          </p:cNvSpPr>
-          <p:nvPr>
-            <p:ph type="hdr" sz="quarter"/>
-          </p:nvPr>
-        </p:nvSpPr>
-        <p:spPr/>
-        <p:txBody>
-          <a:bodyPr/>
-          <a:lstStyle/>
-          <a:p>
-            <a:pPr>
-              <a:defRPr/>
-            </a:pPr>
-            <a:r>
-              <a:rPr lang="en-GB" smtClean="0"/>
-              <a:t>ESE 3.23 Graphics &amp; Stats for Geoscientists</a:t>
-            </a:r>
-            <a:endParaRPr lang="en-US" smtClean="0"/>
-          </a:p>
-        </p:txBody>
-      </p:sp>
-      <p:sp>
-        <p:nvSpPr>
-          <p:cNvPr id="23555" name="Rectangle 6"/>
-          <p:cNvSpPr>
-            <a:spLocks noGrp="1" noChangeArrowheads="1"/>
-          </p:cNvSpPr>
-          <p:nvPr>
-            <p:ph type="ftr" sz="quarter" idx="4"/>
-          </p:nvPr>
-        </p:nvSpPr>
-        <p:spPr/>
-        <p:txBody>
-          <a:bodyPr/>
-          <a:lstStyle/>
-          <a:p>
-            <a:pPr>
-              <a:defRPr/>
-            </a:pPr>
-            <a:r>
-              <a:rPr lang="en-GB"/>
-              <a:t>Session 8 - Chi Squared test, and Multivariate Statistics</a:t>
-            </a:r>
-            <a:endParaRPr lang="en-US"/>
-          </a:p>
-        </p:txBody>
-      </p:sp>
-      <p:sp>
-        <p:nvSpPr>
-          <p:cNvPr id="23556" name="Rectangle 7"/>
-          <p:cNvSpPr>
-            <a:spLocks noGrp="1" noChangeArrowheads="1"/>
-          </p:cNvSpPr>
-          <p:nvPr>
-            <p:ph type="sldNum" sz="quarter" idx="5"/>
-          </p:nvPr>
-        </p:nvSpPr>
-        <p:spPr/>
-        <p:txBody>
-          <a:bodyPr/>
-          <a:lstStyle/>
-          <a:p>
-            <a:pPr>
-              <a:defRPr/>
-            </a:pPr>
-            <a:fld id="{097A314B-53F4-40D9-A60A-2CB5388658D4}" type="slidenum">
-              <a:rPr lang="en-US" smtClean="0"/>
-              <a:pPr>
-                <a:defRPr/>
-              </a:pPr>
-              <a:t>12</a:t>
-            </a:fld>
-            <a:endParaRPr lang="en-US" smtClean="0"/>
-          </a:p>
-        </p:txBody>
-      </p:sp>
-      <p:sp>
-        <p:nvSpPr>
-          <p:cNvPr id="33797" name="Rectangle 2"/>
-          <p:cNvSpPr>
-            <a:spLocks noGrp="1" noRot="1" noChangeAspect="1" noChangeArrowheads="1" noTextEdit="1"/>
-          </p:cNvSpPr>
-          <p:nvPr>
-            <p:ph type="sldImg"/>
-          </p:nvPr>
-        </p:nvSpPr>
-        <p:spPr>
-          <a:xfrm>
-            <a:off x="3336925" y="533400"/>
-            <a:ext cx="3549650" cy="2662238"/>
-          </a:xfrm>
-          <a:ln/>
-        </p:spPr>
-      </p:sp>
-      <p:sp>
-        <p:nvSpPr>
-          <p:cNvPr id="33798" name="Rectangle 3"/>
-          <p:cNvSpPr>
-            <a:spLocks noGrp="1" noChangeArrowheads="1"/>
-          </p:cNvSpPr>
-          <p:nvPr>
-            <p:ph type="body" idx="1"/>
-          </p:nvPr>
-        </p:nvSpPr>
-        <p:spPr>
-          <a:noFill/>
-          <a:ln/>
-          <a:extLst>
-            <a:ext uri="{909E8E84-426E-40dd-AFC4-6F175D3DCCD1}">
-              <a14:hiddenFill xmlns:a14="http://schemas.microsoft.com/office/drawing/2010/main">
-                <a:solidFill>
-                  <a:srgbClr val="FFFFFF"/>
-                </a:solidFill>
-              </a14:hiddenFill>
-            </a:ext>
-            <a:ext uri="{91240B29-F687-4f45-9708-019B960494DF}">
-              <a14:hiddenLine xmlns:a14="http://schemas.microsoft.com/office/drawing/2010/main" w="9525">
-                <a:solidFill>
-                  <a:srgbClr val="000000"/>
-                </a:solidFill>
-                <a:miter lim="800000"/>
-                <a:headEnd/>
-                <a:tailEnd/>
-              </a14:hiddenLine>
-            </a:ext>
-          </a:extLst>
-        </p:spPr>
-        <p:txBody>
-          <a:bodyPr/>
-          <a:lstStyle/>
-          <a:p>
-            <a:endParaRPr lang="en-US" smtClean="0"/>
-          </a:p>
-          <a:p>
-            <a:endParaRPr lang="en-US" smtClean="0"/>
-          </a:p>
-        </p:txBody>
-      </p:sp>
-      <p:sp>
-        <p:nvSpPr>
-          <p:cNvPr id="33799" name="Rectangle 4"/>
-          <p:cNvSpPr>
-            <a:spLocks noChangeArrowheads="1"/>
-          </p:cNvSpPr>
-          <p:nvPr/>
-        </p:nvSpPr>
-        <p:spPr bwMode="auto">
-          <a:xfrm>
-            <a:off x="1024180" y="3195788"/>
-            <a:ext cx="8063123" cy="279142"/>
-          </a:xfrm>
-          <a:prstGeom prst="rect">
-            <a:avLst/>
-          </a:prstGeom>
-          <a:noFill/>
-          <a:ln>
-            <a:noFill/>
-          </a:ln>
-          <a:extLst>
-            <a:ext uri="{909E8E84-426E-40dd-AFC4-6F175D3DCCD1}">
-              <a14:hiddenFill xmlns:a14="http://schemas.microsoft.com/office/drawing/2010/main">
-                <a:solidFill>
-                  <a:srgbClr val="FFFFFF"/>
-                </a:solidFill>
-              </a14:hiddenFill>
-            </a:ext>
-            <a:ext uri="{91240B29-F687-4f45-9708-019B960494DF}">
-              <a14:hiddenLine xmlns:a14="http://schemas.microsoft.com/office/drawing/2010/main" w="9525">
-                <a:solidFill>
-                  <a:srgbClr val="000000"/>
-                </a:solidFill>
-                <a:miter lim="800000"/>
-                <a:headEnd/>
-                <a:tailEnd/>
-              </a14:hiddenLine>
-            </a:ext>
-          </a:extLst>
-        </p:spPr>
-        <p:txBody>
-          <a:bodyPr lIns="93561" tIns="46781" rIns="93561" bIns="46781">
-            <a:spAutoFit/>
-          </a:bodyPr>
-          <a:lstStyle/>
-          <a:p>
-            <a:pPr defTabSz="935038" eaLnBrk="0" hangingPunct="0"/>
-            <a:endParaRPr lang="en-GB" sz="1200" b="0">
-              <a:solidFill>
-                <a:schemeClr val="tx1"/>
-              </a:solidFill>
-              <a:latin typeface="Times New Roman" pitchFamily="18" charset="0"/>
-            </a:endParaRPr>
-          </a:p>
-        </p:txBody>
-      </p:sp>
-    </p:spTree>
-  </p:cSld>
-  <p:clrMapOvr>
-    <a:masterClrMapping/>
-  </p:clrMapOvr>
-</p:notes>
-</file>
-
-<file path=ppt/notesSlides/notesSlide13.xml><?xml version="1.0" encoding="utf-8"?>
-<p:notes xmlns:a="http://schemas.openxmlformats.org/drawingml/2006/main" xmlns:r="http://schemas.openxmlformats.org/officeDocument/2006/relationships" xmlns:p="http://schemas.openxmlformats.org/presentationml/2006/main">
-  <p:cSld>
-    <p:spTree>
-      <p:nvGrpSpPr>
-        <p:cNvPr id="1" name=""/>
-        <p:cNvGrpSpPr/>
-        <p:nvPr/>
-      </p:nvGrpSpPr>
-      <p:grpSpPr>
-        <a:xfrm>
-          <a:off x="0" y="0"/>
-          <a:ext cx="0" cy="0"/>
-          <a:chOff x="0" y="0"/>
-          <a:chExt cx="0" cy="0"/>
-        </a:xfrm>
-      </p:grpSpPr>
-      <p:sp>
-        <p:nvSpPr>
-          <p:cNvPr id="23554" name="Rectangle 2"/>
-          <p:cNvSpPr>
-            <a:spLocks noGrp="1" noChangeArrowheads="1"/>
-          </p:cNvSpPr>
-          <p:nvPr>
-            <p:ph type="hdr" sz="quarter"/>
-          </p:nvPr>
-        </p:nvSpPr>
-        <p:spPr/>
-        <p:txBody>
-          <a:bodyPr/>
-          <a:lstStyle/>
-          <a:p>
-            <a:pPr>
-              <a:defRPr/>
-            </a:pPr>
-            <a:r>
-              <a:rPr lang="en-GB" smtClean="0"/>
-              <a:t>ESE 3.23 Graphics &amp; Stats for Geoscientists</a:t>
-            </a:r>
-            <a:endParaRPr lang="en-US" smtClean="0"/>
-          </a:p>
-        </p:txBody>
-      </p:sp>
-      <p:sp>
-        <p:nvSpPr>
-          <p:cNvPr id="23555" name="Rectangle 6"/>
-          <p:cNvSpPr>
-            <a:spLocks noGrp="1" noChangeArrowheads="1"/>
-          </p:cNvSpPr>
-          <p:nvPr>
-            <p:ph type="ftr" sz="quarter" idx="4"/>
-          </p:nvPr>
-        </p:nvSpPr>
-        <p:spPr/>
-        <p:txBody>
-          <a:bodyPr/>
-          <a:lstStyle/>
-          <a:p>
-            <a:pPr>
-              <a:defRPr/>
-            </a:pPr>
-            <a:r>
-              <a:rPr lang="en-GB"/>
-              <a:t>Session 8 - Chi Squared test, and Multivariate Statistics</a:t>
-            </a:r>
-            <a:endParaRPr lang="en-US"/>
-          </a:p>
-        </p:txBody>
-      </p:sp>
-      <p:sp>
-        <p:nvSpPr>
-          <p:cNvPr id="23556" name="Rectangle 7"/>
-          <p:cNvSpPr>
-            <a:spLocks noGrp="1" noChangeArrowheads="1"/>
-          </p:cNvSpPr>
-          <p:nvPr>
-            <p:ph type="sldNum" sz="quarter" idx="5"/>
-          </p:nvPr>
-        </p:nvSpPr>
-        <p:spPr/>
-        <p:txBody>
-          <a:bodyPr/>
-          <a:lstStyle/>
-          <a:p>
-            <a:pPr>
-              <a:defRPr/>
-            </a:pPr>
-            <a:fld id="{D30A4586-D2AB-4E99-80CD-30FDEF52B2CA}" type="slidenum">
-              <a:rPr lang="en-US" smtClean="0"/>
-              <a:pPr>
-                <a:defRPr/>
-              </a:pPr>
-              <a:t>13</a:t>
-            </a:fld>
-            <a:endParaRPr lang="en-US" smtClean="0"/>
-          </a:p>
-        </p:txBody>
-      </p:sp>
-      <p:sp>
-        <p:nvSpPr>
-          <p:cNvPr id="34821" name="Rectangle 2"/>
-          <p:cNvSpPr>
-            <a:spLocks noGrp="1" noRot="1" noChangeAspect="1" noChangeArrowheads="1" noTextEdit="1"/>
-          </p:cNvSpPr>
-          <p:nvPr>
-            <p:ph type="sldImg"/>
-          </p:nvPr>
-        </p:nvSpPr>
-        <p:spPr>
-          <a:xfrm>
-            <a:off x="3336925" y="533400"/>
-            <a:ext cx="3549650" cy="2662238"/>
-          </a:xfrm>
-          <a:ln/>
-        </p:spPr>
-      </p:sp>
-      <p:sp>
-        <p:nvSpPr>
-          <p:cNvPr id="34822" name="Rectangle 3"/>
-          <p:cNvSpPr>
-            <a:spLocks noGrp="1" noChangeArrowheads="1"/>
-          </p:cNvSpPr>
-          <p:nvPr>
-            <p:ph type="body" idx="1"/>
-          </p:nvPr>
-        </p:nvSpPr>
-        <p:spPr>
-          <a:noFill/>
-          <a:ln/>
-          <a:extLst>
-            <a:ext uri="{909E8E84-426E-40dd-AFC4-6F175D3DCCD1}">
-              <a14:hiddenFill xmlns:a14="http://schemas.microsoft.com/office/drawing/2010/main">
-                <a:solidFill>
-                  <a:srgbClr val="FFFFFF"/>
-                </a:solidFill>
-              </a14:hiddenFill>
-            </a:ext>
-            <a:ext uri="{91240B29-F687-4f45-9708-019B960494DF}">
-              <a14:hiddenLine xmlns:a14="http://schemas.microsoft.com/office/drawing/2010/main" w="9525">
-                <a:solidFill>
-                  <a:srgbClr val="000000"/>
-                </a:solidFill>
-                <a:miter lim="800000"/>
-                <a:headEnd/>
-                <a:tailEnd/>
-              </a14:hiddenLine>
-            </a:ext>
-          </a:extLst>
-        </p:spPr>
-        <p:txBody>
-          <a:bodyPr/>
-          <a:lstStyle/>
-          <a:p>
-            <a:endParaRPr lang="en-US" smtClean="0"/>
-          </a:p>
-          <a:p>
-            <a:endParaRPr lang="en-US" smtClean="0"/>
-          </a:p>
-        </p:txBody>
-      </p:sp>
-      <p:sp>
-        <p:nvSpPr>
-          <p:cNvPr id="34823" name="Rectangle 4"/>
-          <p:cNvSpPr>
-            <a:spLocks noChangeArrowheads="1"/>
-          </p:cNvSpPr>
-          <p:nvPr/>
-        </p:nvSpPr>
-        <p:spPr bwMode="auto">
-          <a:xfrm>
-            <a:off x="1024180" y="3195788"/>
-            <a:ext cx="8063123" cy="279142"/>
-          </a:xfrm>
-          <a:prstGeom prst="rect">
-            <a:avLst/>
-          </a:prstGeom>
-          <a:noFill/>
-          <a:ln>
-            <a:noFill/>
-          </a:ln>
-          <a:extLst>
-            <a:ext uri="{909E8E84-426E-40dd-AFC4-6F175D3DCCD1}">
-              <a14:hiddenFill xmlns:a14="http://schemas.microsoft.com/office/drawing/2010/main">
-                <a:solidFill>
-                  <a:srgbClr val="FFFFFF"/>
-                </a:solidFill>
-              </a14:hiddenFill>
-            </a:ext>
-            <a:ext uri="{91240B29-F687-4f45-9708-019B960494DF}">
-              <a14:hiddenLine xmlns:a14="http://schemas.microsoft.com/office/drawing/2010/main" w="9525">
-                <a:solidFill>
-                  <a:srgbClr val="000000"/>
-                </a:solidFill>
-                <a:miter lim="800000"/>
-                <a:headEnd/>
-                <a:tailEnd/>
-              </a14:hiddenLine>
-            </a:ext>
-          </a:extLst>
-        </p:spPr>
-        <p:txBody>
-          <a:bodyPr lIns="93561" tIns="46781" rIns="93561" bIns="46781">
-            <a:spAutoFit/>
-          </a:bodyPr>
-          <a:lstStyle/>
-          <a:p>
-            <a:pPr defTabSz="935038" eaLnBrk="0" hangingPunct="0"/>
-            <a:endParaRPr lang="en-GB" sz="1200" b="0">
-              <a:solidFill>
-                <a:schemeClr val="tx1"/>
-              </a:solidFill>
-              <a:latin typeface="Times New Roman" pitchFamily="18" charset="0"/>
-            </a:endParaRPr>
-          </a:p>
-        </p:txBody>
-      </p:sp>
-    </p:spTree>
-  </p:cSld>
-  <p:clrMapOvr>
-    <a:masterClrMapping/>
-  </p:clrMapOvr>
-</p:notes>
-</file>
-
-<file path=ppt/notesSlides/notesSlide2.xml><?xml version="1.0" encoding="utf-8"?>
-<p:notes xmlns:a="http://schemas.openxmlformats.org/drawingml/2006/main" xmlns:r="http://schemas.openxmlformats.org/officeDocument/2006/relationships" xmlns:p="http://schemas.openxmlformats.org/presentationml/2006/main">
-  <p:cSld>
-    <p:spTree>
-      <p:nvGrpSpPr>
-        <p:cNvPr id="1" name=""/>
-        <p:cNvGrpSpPr/>
-        <p:nvPr/>
-      </p:nvGrpSpPr>
-      <p:grpSpPr>
-        <a:xfrm>
-          <a:off x="0" y="0"/>
-          <a:ext cx="0" cy="0"/>
-          <a:chOff x="0" y="0"/>
-          <a:chExt cx="0" cy="0"/>
-        </a:xfrm>
-      </p:grpSpPr>
-      <p:sp>
-        <p:nvSpPr>
-          <p:cNvPr id="23554" name="Rectangle 2"/>
-          <p:cNvSpPr>
-            <a:spLocks noGrp="1" noChangeArrowheads="1"/>
-          </p:cNvSpPr>
-          <p:nvPr>
-            <p:ph type="hdr" sz="quarter"/>
-          </p:nvPr>
-        </p:nvSpPr>
-        <p:spPr/>
-        <p:txBody>
-          <a:bodyPr/>
-          <a:lstStyle/>
-          <a:p>
-            <a:pPr>
-              <a:defRPr/>
-            </a:pPr>
-            <a:r>
-              <a:rPr lang="en-GB" smtClean="0"/>
-              <a:t>ESE 3.23 Graphics &amp; Stats for Geoscientists</a:t>
-            </a:r>
-            <a:endParaRPr lang="en-US" smtClean="0"/>
-          </a:p>
-        </p:txBody>
-      </p:sp>
-      <p:sp>
-        <p:nvSpPr>
-          <p:cNvPr id="23555" name="Rectangle 6"/>
-          <p:cNvSpPr>
-            <a:spLocks noGrp="1" noChangeArrowheads="1"/>
-          </p:cNvSpPr>
-          <p:nvPr>
-            <p:ph type="ftr" sz="quarter" idx="4"/>
-          </p:nvPr>
-        </p:nvSpPr>
-        <p:spPr/>
-        <p:txBody>
-          <a:bodyPr/>
-          <a:lstStyle/>
-          <a:p>
-            <a:pPr>
-              <a:defRPr/>
-            </a:pPr>
-            <a:r>
-              <a:rPr lang="en-GB"/>
-              <a:t>Session 8 - Chi Squared test, and Multivariate Statistics</a:t>
-            </a:r>
-            <a:endParaRPr lang="en-US"/>
-          </a:p>
-        </p:txBody>
-      </p:sp>
-      <p:sp>
-        <p:nvSpPr>
-          <p:cNvPr id="23556" name="Rectangle 7"/>
-          <p:cNvSpPr>
-            <a:spLocks noGrp="1" noChangeArrowheads="1"/>
-          </p:cNvSpPr>
-          <p:nvPr>
-            <p:ph type="sldNum" sz="quarter" idx="5"/>
-          </p:nvPr>
-        </p:nvSpPr>
-        <p:spPr/>
-        <p:txBody>
-          <a:bodyPr/>
-          <a:lstStyle/>
-          <a:p>
-            <a:pPr>
-              <a:defRPr/>
-            </a:pPr>
-            <a:fld id="{2D63AC58-D503-415A-8B4F-06A70BBC22A2}" type="slidenum">
-              <a:rPr lang="en-US" smtClean="0"/>
-              <a:pPr>
-                <a:defRPr/>
-              </a:pPr>
-              <a:t>2</a:t>
-            </a:fld>
-            <a:endParaRPr lang="en-US" smtClean="0"/>
-          </a:p>
-        </p:txBody>
-      </p:sp>
-      <p:sp>
-        <p:nvSpPr>
-          <p:cNvPr id="20485" name="Rectangle 2"/>
-          <p:cNvSpPr>
-            <a:spLocks noGrp="1" noRot="1" noChangeAspect="1" noChangeArrowheads="1" noTextEdit="1"/>
-          </p:cNvSpPr>
-          <p:nvPr>
-            <p:ph type="sldImg"/>
-          </p:nvPr>
-        </p:nvSpPr>
-        <p:spPr>
-          <a:xfrm>
-            <a:off x="3336925" y="533400"/>
-            <a:ext cx="3549650" cy="2662238"/>
-          </a:xfrm>
-          <a:ln/>
-        </p:spPr>
-      </p:sp>
-      <p:sp>
-        <p:nvSpPr>
-          <p:cNvPr id="20486" name="Rectangle 3"/>
-          <p:cNvSpPr>
-            <a:spLocks noGrp="1" noChangeArrowheads="1"/>
-          </p:cNvSpPr>
-          <p:nvPr>
-            <p:ph type="body" idx="1"/>
-          </p:nvPr>
-        </p:nvSpPr>
-        <p:spPr>
-          <a:noFill/>
-          <a:ln/>
-          <a:extLst>
-            <a:ext uri="{909E8E84-426E-40dd-AFC4-6F175D3DCCD1}">
-              <a14:hiddenFill xmlns:a14="http://schemas.microsoft.com/office/drawing/2010/main">
-                <a:solidFill>
-                  <a:srgbClr val="FFFFFF"/>
-                </a:solidFill>
-              </a14:hiddenFill>
-            </a:ext>
-            <a:ext uri="{91240B29-F687-4f45-9708-019B960494DF}">
-              <a14:hiddenLine xmlns:a14="http://schemas.microsoft.com/office/drawing/2010/main" w="9525">
-                <a:solidFill>
-                  <a:srgbClr val="000000"/>
-                </a:solidFill>
-                <a:miter lim="800000"/>
-                <a:headEnd/>
-                <a:tailEnd/>
-              </a14:hiddenLine>
-            </a:ext>
-          </a:extLst>
-        </p:spPr>
-        <p:txBody>
-          <a:bodyPr/>
-          <a:lstStyle/>
-          <a:p>
-            <a:endParaRPr lang="en-US" smtClean="0"/>
-          </a:p>
-          <a:p>
-            <a:endParaRPr lang="en-US" smtClean="0"/>
-          </a:p>
-        </p:txBody>
-      </p:sp>
-      <p:sp>
-        <p:nvSpPr>
-          <p:cNvPr id="20487" name="Rectangle 4"/>
-          <p:cNvSpPr>
-            <a:spLocks noChangeArrowheads="1"/>
-          </p:cNvSpPr>
-          <p:nvPr/>
-        </p:nvSpPr>
-        <p:spPr bwMode="auto">
-          <a:xfrm>
-            <a:off x="1024180" y="3195788"/>
-            <a:ext cx="8063123" cy="279142"/>
-          </a:xfrm>
-          <a:prstGeom prst="rect">
-            <a:avLst/>
-          </a:prstGeom>
-          <a:noFill/>
-          <a:ln>
-            <a:noFill/>
-          </a:ln>
-          <a:extLst>
-            <a:ext uri="{909E8E84-426E-40dd-AFC4-6F175D3DCCD1}">
-              <a14:hiddenFill xmlns:a14="http://schemas.microsoft.com/office/drawing/2010/main">
-                <a:solidFill>
-                  <a:srgbClr val="FFFFFF"/>
-                </a:solidFill>
-              </a14:hiddenFill>
-            </a:ext>
-            <a:ext uri="{91240B29-F687-4f45-9708-019B960494DF}">
-              <a14:hiddenLine xmlns:a14="http://schemas.microsoft.com/office/drawing/2010/main" w="9525">
-                <a:solidFill>
-                  <a:srgbClr val="000000"/>
-                </a:solidFill>
-                <a:miter lim="800000"/>
-                <a:headEnd/>
-                <a:tailEnd/>
-              </a14:hiddenLine>
-            </a:ext>
-          </a:extLst>
-        </p:spPr>
-        <p:txBody>
-          <a:bodyPr lIns="93561" tIns="46781" rIns="93561" bIns="46781">
-            <a:spAutoFit/>
-          </a:bodyPr>
-          <a:lstStyle/>
-          <a:p>
-            <a:pPr defTabSz="935038" eaLnBrk="0" hangingPunct="0"/>
-            <a:endParaRPr lang="en-GB" sz="1200" b="0">
-              <a:solidFill>
-                <a:schemeClr val="tx1"/>
-              </a:solidFill>
-              <a:latin typeface="Times New Roman" pitchFamily="18" charset="0"/>
-            </a:endParaRPr>
-          </a:p>
-        </p:txBody>
-      </p:sp>
-    </p:spTree>
-  </p:cSld>
-  <p:clrMapOvr>
-    <a:masterClrMapping/>
-  </p:clrMapOvr>
-</p:notes>
-</file>
-
-<file path=ppt/notesSlides/notesSlide3.xml><?xml version="1.0" encoding="utf-8"?>
-<p:notes xmlns:a="http://schemas.openxmlformats.org/drawingml/2006/main" xmlns:r="http://schemas.openxmlformats.org/officeDocument/2006/relationships" xmlns:p="http://schemas.openxmlformats.org/presentationml/2006/main">
-  <p:cSld>
-    <p:spTree>
-      <p:nvGrpSpPr>
-        <p:cNvPr id="1" name=""/>
-        <p:cNvGrpSpPr/>
-        <p:nvPr/>
-      </p:nvGrpSpPr>
-      <p:grpSpPr>
-        <a:xfrm>
-          <a:off x="0" y="0"/>
-          <a:ext cx="0" cy="0"/>
-          <a:chOff x="0" y="0"/>
-          <a:chExt cx="0" cy="0"/>
-        </a:xfrm>
-      </p:grpSpPr>
-      <p:sp>
-        <p:nvSpPr>
-          <p:cNvPr id="23554" name="Rectangle 2"/>
-          <p:cNvSpPr>
-            <a:spLocks noGrp="1" noChangeArrowheads="1"/>
-          </p:cNvSpPr>
-          <p:nvPr>
-            <p:ph type="hdr" sz="quarter"/>
-          </p:nvPr>
-        </p:nvSpPr>
-        <p:spPr/>
-        <p:txBody>
-          <a:bodyPr/>
-          <a:lstStyle/>
-          <a:p>
-            <a:pPr>
-              <a:defRPr/>
-            </a:pPr>
-            <a:r>
-              <a:rPr lang="en-GB" smtClean="0"/>
-              <a:t>ESE 3.23 Graphics &amp; Stats for Geoscientists</a:t>
-            </a:r>
-            <a:endParaRPr lang="en-US" smtClean="0"/>
-          </a:p>
-        </p:txBody>
-      </p:sp>
-      <p:sp>
-        <p:nvSpPr>
-          <p:cNvPr id="23555" name="Rectangle 6"/>
-          <p:cNvSpPr>
-            <a:spLocks noGrp="1" noChangeArrowheads="1"/>
-          </p:cNvSpPr>
-          <p:nvPr>
-            <p:ph type="ftr" sz="quarter" idx="4"/>
-          </p:nvPr>
-        </p:nvSpPr>
-        <p:spPr/>
-        <p:txBody>
-          <a:bodyPr/>
-          <a:lstStyle/>
-          <a:p>
-            <a:pPr>
-              <a:defRPr/>
-            </a:pPr>
-            <a:r>
-              <a:rPr lang="en-GB"/>
-              <a:t>Session 8 - Chi Squared test, and Multivariate Statistics</a:t>
-            </a:r>
-            <a:endParaRPr lang="en-US"/>
-          </a:p>
-        </p:txBody>
-      </p:sp>
-      <p:sp>
-        <p:nvSpPr>
-          <p:cNvPr id="23556" name="Rectangle 7"/>
-          <p:cNvSpPr>
-            <a:spLocks noGrp="1" noChangeArrowheads="1"/>
-          </p:cNvSpPr>
-          <p:nvPr>
-            <p:ph type="sldNum" sz="quarter" idx="5"/>
-          </p:nvPr>
-        </p:nvSpPr>
-        <p:spPr/>
-        <p:txBody>
-          <a:bodyPr/>
-          <a:lstStyle/>
-          <a:p>
-            <a:pPr>
-              <a:defRPr/>
-            </a:pPr>
-            <a:fld id="{0647CA39-9EFD-4490-94C8-8AF81265E4DE}" type="slidenum">
-              <a:rPr lang="en-US" smtClean="0"/>
-              <a:pPr>
-                <a:defRPr/>
-              </a:pPr>
-              <a:t>3</a:t>
-            </a:fld>
-            <a:endParaRPr lang="en-US" smtClean="0"/>
-          </a:p>
-        </p:txBody>
-      </p:sp>
-      <p:sp>
-        <p:nvSpPr>
-          <p:cNvPr id="21509" name="Rectangle 2"/>
-          <p:cNvSpPr>
-            <a:spLocks noGrp="1" noRot="1" noChangeAspect="1" noChangeArrowheads="1" noTextEdit="1"/>
-          </p:cNvSpPr>
-          <p:nvPr>
-            <p:ph type="sldImg"/>
-          </p:nvPr>
-        </p:nvSpPr>
-        <p:spPr>
-          <a:xfrm>
-            <a:off x="3336925" y="533400"/>
-            <a:ext cx="3549650" cy="2662238"/>
-          </a:xfrm>
-          <a:ln/>
-        </p:spPr>
-      </p:sp>
-      <p:sp>
-        <p:nvSpPr>
-          <p:cNvPr id="21510" name="Rectangle 3"/>
-          <p:cNvSpPr>
-            <a:spLocks noGrp="1" noChangeArrowheads="1"/>
-          </p:cNvSpPr>
-          <p:nvPr>
-            <p:ph type="body" idx="1"/>
-          </p:nvPr>
-        </p:nvSpPr>
-        <p:spPr>
-          <a:noFill/>
-          <a:ln/>
-          <a:extLst>
-            <a:ext uri="{909E8E84-426E-40dd-AFC4-6F175D3DCCD1}">
-              <a14:hiddenFill xmlns:a14="http://schemas.microsoft.com/office/drawing/2010/main">
-                <a:solidFill>
-                  <a:srgbClr val="FFFFFF"/>
-                </a:solidFill>
-              </a14:hiddenFill>
-            </a:ext>
-            <a:ext uri="{91240B29-F687-4f45-9708-019B960494DF}">
-              <a14:hiddenLine xmlns:a14="http://schemas.microsoft.com/office/drawing/2010/main" w="9525">
-                <a:solidFill>
-                  <a:srgbClr val="000000"/>
-                </a:solidFill>
-                <a:miter lim="800000"/>
-                <a:headEnd/>
-                <a:tailEnd/>
-              </a14:hiddenLine>
-            </a:ext>
-          </a:extLst>
-        </p:spPr>
-        <p:txBody>
-          <a:bodyPr/>
-          <a:lstStyle/>
-          <a:p>
-            <a:endParaRPr lang="en-US" smtClean="0"/>
-          </a:p>
-          <a:p>
-            <a:endParaRPr lang="en-US" smtClean="0"/>
-          </a:p>
-        </p:txBody>
-      </p:sp>
-      <p:sp>
-        <p:nvSpPr>
-          <p:cNvPr id="21511" name="Rectangle 4"/>
-          <p:cNvSpPr>
-            <a:spLocks noChangeArrowheads="1"/>
-          </p:cNvSpPr>
-          <p:nvPr/>
-        </p:nvSpPr>
-        <p:spPr bwMode="auto">
-          <a:xfrm>
-            <a:off x="1024180" y="3195788"/>
-            <a:ext cx="8063123" cy="279142"/>
-          </a:xfrm>
-          <a:prstGeom prst="rect">
-            <a:avLst/>
-          </a:prstGeom>
-          <a:noFill/>
-          <a:ln>
-            <a:noFill/>
-          </a:ln>
-          <a:extLst>
-            <a:ext uri="{909E8E84-426E-40dd-AFC4-6F175D3DCCD1}">
-              <a14:hiddenFill xmlns:a14="http://schemas.microsoft.com/office/drawing/2010/main">
-                <a:solidFill>
-                  <a:srgbClr val="FFFFFF"/>
-                </a:solidFill>
-              </a14:hiddenFill>
-            </a:ext>
-            <a:ext uri="{91240B29-F687-4f45-9708-019B960494DF}">
-              <a14:hiddenLine xmlns:a14="http://schemas.microsoft.com/office/drawing/2010/main" w="9525">
-                <a:solidFill>
-                  <a:srgbClr val="000000"/>
-                </a:solidFill>
-                <a:miter lim="800000"/>
-                <a:headEnd/>
-                <a:tailEnd/>
-              </a14:hiddenLine>
-            </a:ext>
-          </a:extLst>
-        </p:spPr>
-        <p:txBody>
-          <a:bodyPr lIns="93561" tIns="46781" rIns="93561" bIns="46781">
-            <a:spAutoFit/>
-          </a:bodyPr>
-          <a:lstStyle/>
-          <a:p>
-            <a:pPr defTabSz="935038" eaLnBrk="0" hangingPunct="0"/>
-            <a:endParaRPr lang="en-GB" sz="1200" b="0">
-              <a:solidFill>
-                <a:schemeClr val="tx1"/>
-              </a:solidFill>
-              <a:latin typeface="Times New Roman" pitchFamily="18" charset="0"/>
-            </a:endParaRPr>
-          </a:p>
-        </p:txBody>
-      </p:sp>
-    </p:spTree>
-  </p:cSld>
-  <p:clrMapOvr>
-    <a:masterClrMapping/>
-  </p:clrMapOvr>
-</p:notes>
-</file>
-
-<file path=ppt/notesSlides/notesSlide4.xml><?xml version="1.0" encoding="utf-8"?>
-<p:notes xmlns:a="http://schemas.openxmlformats.org/drawingml/2006/main" xmlns:r="http://schemas.openxmlformats.org/officeDocument/2006/relationships" xmlns:p="http://schemas.openxmlformats.org/presentationml/2006/main">
-  <p:cSld>
-    <p:spTree>
-      <p:nvGrpSpPr>
-        <p:cNvPr id="1" name=""/>
-        <p:cNvGrpSpPr/>
-        <p:nvPr/>
-      </p:nvGrpSpPr>
-      <p:grpSpPr>
-        <a:xfrm>
-          <a:off x="0" y="0"/>
-          <a:ext cx="0" cy="0"/>
-          <a:chOff x="0" y="0"/>
-          <a:chExt cx="0" cy="0"/>
-        </a:xfrm>
-      </p:grpSpPr>
-      <p:sp>
-        <p:nvSpPr>
-          <p:cNvPr id="23554" name="Rectangle 2"/>
-          <p:cNvSpPr>
-            <a:spLocks noGrp="1" noChangeArrowheads="1"/>
-          </p:cNvSpPr>
-          <p:nvPr>
-            <p:ph type="hdr" sz="quarter"/>
-          </p:nvPr>
-        </p:nvSpPr>
-        <p:spPr/>
-        <p:txBody>
-          <a:bodyPr/>
-          <a:lstStyle/>
-          <a:p>
-            <a:pPr>
-              <a:defRPr/>
-            </a:pPr>
-            <a:r>
-              <a:rPr lang="en-GB" smtClean="0"/>
-              <a:t>ESE 3.23 Graphics &amp; Stats for Geoscientists</a:t>
-            </a:r>
-            <a:endParaRPr lang="en-US" smtClean="0"/>
-          </a:p>
-        </p:txBody>
-      </p:sp>
-      <p:sp>
-        <p:nvSpPr>
-          <p:cNvPr id="23555" name="Rectangle 6"/>
-          <p:cNvSpPr>
-            <a:spLocks noGrp="1" noChangeArrowheads="1"/>
-          </p:cNvSpPr>
-          <p:nvPr>
-            <p:ph type="ftr" sz="quarter" idx="4"/>
-          </p:nvPr>
-        </p:nvSpPr>
-        <p:spPr/>
-        <p:txBody>
-          <a:bodyPr/>
-          <a:lstStyle/>
-          <a:p>
-            <a:pPr>
-              <a:defRPr/>
-            </a:pPr>
-            <a:r>
-              <a:rPr lang="en-GB"/>
-              <a:t>Session 8 - Chi Squared test, and Multivariate Statistics</a:t>
-            </a:r>
-            <a:endParaRPr lang="en-US"/>
-          </a:p>
-        </p:txBody>
-      </p:sp>
-      <p:sp>
-        <p:nvSpPr>
-          <p:cNvPr id="23556" name="Rectangle 7"/>
-          <p:cNvSpPr>
-            <a:spLocks noGrp="1" noChangeArrowheads="1"/>
-          </p:cNvSpPr>
-          <p:nvPr>
-            <p:ph type="sldNum" sz="quarter" idx="5"/>
-          </p:nvPr>
-        </p:nvSpPr>
-        <p:spPr/>
-        <p:txBody>
-          <a:bodyPr/>
-          <a:lstStyle/>
-          <a:p>
-            <a:pPr>
-              <a:defRPr/>
-            </a:pPr>
-            <a:fld id="{C846D14C-F135-48CB-9FBE-5C1B587E9BEA}" type="slidenum">
-              <a:rPr lang="en-US" smtClean="0"/>
-              <a:pPr>
-                <a:defRPr/>
-              </a:pPr>
-              <a:t>4</a:t>
-            </a:fld>
-            <a:endParaRPr lang="en-US" smtClean="0"/>
-          </a:p>
-        </p:txBody>
-      </p:sp>
-      <p:sp>
-        <p:nvSpPr>
-          <p:cNvPr id="22533" name="Rectangle 2"/>
-          <p:cNvSpPr>
-            <a:spLocks noGrp="1" noRot="1" noChangeAspect="1" noChangeArrowheads="1" noTextEdit="1"/>
-          </p:cNvSpPr>
-          <p:nvPr>
-            <p:ph type="sldImg"/>
-          </p:nvPr>
-        </p:nvSpPr>
-        <p:spPr>
-          <a:xfrm>
-            <a:off x="3336925" y="533400"/>
-            <a:ext cx="3549650" cy="2662238"/>
-          </a:xfrm>
-          <a:ln/>
-        </p:spPr>
-      </p:sp>
-      <p:sp>
-        <p:nvSpPr>
-          <p:cNvPr id="22534" name="Rectangle 3"/>
-          <p:cNvSpPr>
-            <a:spLocks noGrp="1" noChangeArrowheads="1"/>
-          </p:cNvSpPr>
-          <p:nvPr>
-            <p:ph type="body" idx="1"/>
-          </p:nvPr>
-        </p:nvSpPr>
-        <p:spPr>
-          <a:noFill/>
-          <a:ln/>
-          <a:extLst>
-            <a:ext uri="{909E8E84-426E-40dd-AFC4-6F175D3DCCD1}">
-              <a14:hiddenFill xmlns:a14="http://schemas.microsoft.com/office/drawing/2010/main">
-                <a:solidFill>
-                  <a:srgbClr val="FFFFFF"/>
-                </a:solidFill>
-              </a14:hiddenFill>
-            </a:ext>
-            <a:ext uri="{91240B29-F687-4f45-9708-019B960494DF}">
-              <a14:hiddenLine xmlns:a14="http://schemas.microsoft.com/office/drawing/2010/main" w="9525">
-                <a:solidFill>
-                  <a:srgbClr val="000000"/>
-                </a:solidFill>
-                <a:miter lim="800000"/>
-                <a:headEnd/>
-                <a:tailEnd/>
-              </a14:hiddenLine>
-            </a:ext>
-          </a:extLst>
-        </p:spPr>
-        <p:txBody>
-          <a:bodyPr/>
-          <a:lstStyle/>
-          <a:p>
-            <a:endParaRPr lang="en-US" smtClean="0"/>
-          </a:p>
-          <a:p>
-            <a:endParaRPr lang="en-US" smtClean="0"/>
-          </a:p>
-        </p:txBody>
-      </p:sp>
-      <p:sp>
-        <p:nvSpPr>
-          <p:cNvPr id="22535" name="Rectangle 4"/>
-          <p:cNvSpPr>
-            <a:spLocks noChangeArrowheads="1"/>
-          </p:cNvSpPr>
-          <p:nvPr/>
-        </p:nvSpPr>
-        <p:spPr bwMode="auto">
-          <a:xfrm>
-            <a:off x="1024180" y="3195788"/>
-            <a:ext cx="8063123" cy="279142"/>
-          </a:xfrm>
-          <a:prstGeom prst="rect">
-            <a:avLst/>
-          </a:prstGeom>
-          <a:noFill/>
-          <a:ln>
-            <a:noFill/>
-          </a:ln>
-          <a:extLst>
-            <a:ext uri="{909E8E84-426E-40dd-AFC4-6F175D3DCCD1}">
-              <a14:hiddenFill xmlns:a14="http://schemas.microsoft.com/office/drawing/2010/main">
-                <a:solidFill>
-                  <a:srgbClr val="FFFFFF"/>
-                </a:solidFill>
-              </a14:hiddenFill>
-            </a:ext>
-            <a:ext uri="{91240B29-F687-4f45-9708-019B960494DF}">
-              <a14:hiddenLine xmlns:a14="http://schemas.microsoft.com/office/drawing/2010/main" w="9525">
-                <a:solidFill>
-                  <a:srgbClr val="000000"/>
-                </a:solidFill>
-                <a:miter lim="800000"/>
-                <a:headEnd/>
-                <a:tailEnd/>
-              </a14:hiddenLine>
-            </a:ext>
-          </a:extLst>
-        </p:spPr>
-        <p:txBody>
-          <a:bodyPr lIns="93561" tIns="46781" rIns="93561" bIns="46781">
-            <a:spAutoFit/>
-          </a:bodyPr>
-          <a:lstStyle/>
-          <a:p>
-            <a:pPr defTabSz="935038" eaLnBrk="0" hangingPunct="0"/>
-            <a:endParaRPr lang="en-GB" sz="1200" b="0">
-              <a:solidFill>
-                <a:schemeClr val="tx1"/>
-              </a:solidFill>
-              <a:latin typeface="Times New Roman" pitchFamily="18" charset="0"/>
-            </a:endParaRPr>
-          </a:p>
-        </p:txBody>
-      </p:sp>
-    </p:spTree>
-  </p:cSld>
-  <p:clrMapOvr>
-    <a:masterClrMapping/>
-  </p:clrMapOvr>
-</p:notes>
-</file>
-
-<file path=ppt/notesSlides/notesSlide5.xml><?xml version="1.0" encoding="utf-8"?>
-<p:notes xmlns:a="http://schemas.openxmlformats.org/drawingml/2006/main" xmlns:r="http://schemas.openxmlformats.org/officeDocument/2006/relationships" xmlns:p="http://schemas.openxmlformats.org/presentationml/2006/main">
-  <p:cSld>
-    <p:spTree>
-      <p:nvGrpSpPr>
-        <p:cNvPr id="1" name=""/>
-        <p:cNvGrpSpPr/>
-        <p:nvPr/>
-      </p:nvGrpSpPr>
-      <p:grpSpPr>
-        <a:xfrm>
-          <a:off x="0" y="0"/>
-          <a:ext cx="0" cy="0"/>
-          <a:chOff x="0" y="0"/>
-          <a:chExt cx="0" cy="0"/>
-        </a:xfrm>
-      </p:grpSpPr>
-      <p:sp>
-        <p:nvSpPr>
-          <p:cNvPr id="23554" name="Rectangle 2"/>
-          <p:cNvSpPr>
-            <a:spLocks noGrp="1" noChangeArrowheads="1"/>
-          </p:cNvSpPr>
-          <p:nvPr>
-            <p:ph type="hdr" sz="quarter"/>
-          </p:nvPr>
-        </p:nvSpPr>
-        <p:spPr/>
-        <p:txBody>
-          <a:bodyPr/>
-          <a:lstStyle/>
-          <a:p>
-            <a:pPr>
-              <a:defRPr/>
-            </a:pPr>
-            <a:r>
-              <a:rPr lang="en-GB" smtClean="0"/>
-              <a:t>ESE 3.23 Graphics &amp; Stats for Geoscientists</a:t>
-            </a:r>
-            <a:endParaRPr lang="en-US" smtClean="0"/>
-          </a:p>
-        </p:txBody>
-      </p:sp>
-      <p:sp>
-        <p:nvSpPr>
-          <p:cNvPr id="23555" name="Rectangle 6"/>
-          <p:cNvSpPr>
-            <a:spLocks noGrp="1" noChangeArrowheads="1"/>
-          </p:cNvSpPr>
-          <p:nvPr>
-            <p:ph type="ftr" sz="quarter" idx="4"/>
-          </p:nvPr>
-        </p:nvSpPr>
-        <p:spPr/>
-        <p:txBody>
-          <a:bodyPr/>
-          <a:lstStyle/>
-          <a:p>
-            <a:pPr>
-              <a:defRPr/>
-            </a:pPr>
-            <a:r>
-              <a:rPr lang="en-GB"/>
-              <a:t>Session 8 - Chi Squared test, and Multivariate Statistics</a:t>
-            </a:r>
-            <a:endParaRPr lang="en-US"/>
-          </a:p>
-        </p:txBody>
-      </p:sp>
-      <p:sp>
-        <p:nvSpPr>
-          <p:cNvPr id="23556" name="Rectangle 7"/>
-          <p:cNvSpPr>
-            <a:spLocks noGrp="1" noChangeArrowheads="1"/>
-          </p:cNvSpPr>
-          <p:nvPr>
-            <p:ph type="sldNum" sz="quarter" idx="5"/>
-          </p:nvPr>
-        </p:nvSpPr>
-        <p:spPr/>
-        <p:txBody>
-          <a:bodyPr/>
-          <a:lstStyle/>
-          <a:p>
-            <a:pPr>
-              <a:defRPr/>
-            </a:pPr>
-            <a:fld id="{6BC0530D-15E3-4760-8D5A-A6072FD1C058}" type="slidenum">
-              <a:rPr lang="en-US" smtClean="0"/>
-              <a:pPr>
-                <a:defRPr/>
-              </a:pPr>
-              <a:t>5</a:t>
-            </a:fld>
-            <a:endParaRPr lang="en-US" smtClean="0"/>
-          </a:p>
-        </p:txBody>
-      </p:sp>
-      <p:sp>
-        <p:nvSpPr>
-          <p:cNvPr id="23557" name="Rectangle 2"/>
-          <p:cNvSpPr>
-            <a:spLocks noGrp="1" noRot="1" noChangeAspect="1" noChangeArrowheads="1" noTextEdit="1"/>
-          </p:cNvSpPr>
-          <p:nvPr>
-            <p:ph type="sldImg"/>
-          </p:nvPr>
-        </p:nvSpPr>
-        <p:spPr>
-          <a:xfrm>
-            <a:off x="3336925" y="533400"/>
-            <a:ext cx="3549650" cy="2662238"/>
-          </a:xfrm>
-          <a:ln/>
-        </p:spPr>
-      </p:sp>
-      <p:sp>
-        <p:nvSpPr>
-          <p:cNvPr id="23558" name="Rectangle 3"/>
-          <p:cNvSpPr>
-            <a:spLocks noGrp="1" noChangeArrowheads="1"/>
-          </p:cNvSpPr>
-          <p:nvPr>
-            <p:ph type="body" idx="1"/>
-          </p:nvPr>
-        </p:nvSpPr>
-        <p:spPr>
-          <a:noFill/>
-          <a:ln/>
-          <a:extLst>
-            <a:ext uri="{909E8E84-426E-40dd-AFC4-6F175D3DCCD1}">
-              <a14:hiddenFill xmlns:a14="http://schemas.microsoft.com/office/drawing/2010/main">
-                <a:solidFill>
-                  <a:srgbClr val="FFFFFF"/>
-                </a:solidFill>
-              </a14:hiddenFill>
-            </a:ext>
-            <a:ext uri="{91240B29-F687-4f45-9708-019B960494DF}">
-              <a14:hiddenLine xmlns:a14="http://schemas.microsoft.com/office/drawing/2010/main" w="9525">
-                <a:solidFill>
-                  <a:srgbClr val="000000"/>
-                </a:solidFill>
-                <a:miter lim="800000"/>
-                <a:headEnd/>
-                <a:tailEnd/>
-              </a14:hiddenLine>
-            </a:ext>
-          </a:extLst>
-        </p:spPr>
-        <p:txBody>
-          <a:bodyPr/>
-          <a:lstStyle/>
-          <a:p>
-            <a:endParaRPr lang="en-US" smtClean="0"/>
-          </a:p>
-          <a:p>
-            <a:endParaRPr lang="en-US" smtClean="0"/>
-          </a:p>
-        </p:txBody>
-      </p:sp>
-      <p:sp>
-        <p:nvSpPr>
-          <p:cNvPr id="23559" name="Rectangle 4"/>
-          <p:cNvSpPr>
-            <a:spLocks noChangeArrowheads="1"/>
-          </p:cNvSpPr>
-          <p:nvPr/>
-        </p:nvSpPr>
-        <p:spPr bwMode="auto">
-          <a:xfrm>
-            <a:off x="1024180" y="3195788"/>
-            <a:ext cx="8063123" cy="279142"/>
-          </a:xfrm>
-          <a:prstGeom prst="rect">
-            <a:avLst/>
-          </a:prstGeom>
-          <a:noFill/>
-          <a:ln>
-            <a:noFill/>
-          </a:ln>
-          <a:extLst>
-            <a:ext uri="{909E8E84-426E-40dd-AFC4-6F175D3DCCD1}">
-              <a14:hiddenFill xmlns:a14="http://schemas.microsoft.com/office/drawing/2010/main">
-                <a:solidFill>
-                  <a:srgbClr val="FFFFFF"/>
-                </a:solidFill>
-              </a14:hiddenFill>
-            </a:ext>
-            <a:ext uri="{91240B29-F687-4f45-9708-019B960494DF}">
-              <a14:hiddenLine xmlns:a14="http://schemas.microsoft.com/office/drawing/2010/main" w="9525">
-                <a:solidFill>
-                  <a:srgbClr val="000000"/>
-                </a:solidFill>
-                <a:miter lim="800000"/>
-                <a:headEnd/>
-                <a:tailEnd/>
-              </a14:hiddenLine>
-            </a:ext>
-          </a:extLst>
-        </p:spPr>
-        <p:txBody>
-          <a:bodyPr lIns="93561" tIns="46781" rIns="93561" bIns="46781">
-            <a:spAutoFit/>
-          </a:bodyPr>
-          <a:lstStyle/>
-          <a:p>
-            <a:pPr defTabSz="935038" eaLnBrk="0" hangingPunct="0"/>
-            <a:endParaRPr lang="en-GB" sz="1200" b="0">
-              <a:solidFill>
-                <a:schemeClr val="tx1"/>
-              </a:solidFill>
-              <a:latin typeface="Times New Roman" pitchFamily="18" charset="0"/>
-            </a:endParaRPr>
-          </a:p>
-        </p:txBody>
-      </p:sp>
-    </p:spTree>
-  </p:cSld>
-  <p:clrMapOvr>
-    <a:masterClrMapping/>
-  </p:clrMapOvr>
-</p:notes>
-</file>
-
-<file path=ppt/notesSlides/notesSlide6.xml><?xml version="1.0" encoding="utf-8"?>
-<p:notes xmlns:a="http://schemas.openxmlformats.org/drawingml/2006/main" xmlns:r="http://schemas.openxmlformats.org/officeDocument/2006/relationships" xmlns:p="http://schemas.openxmlformats.org/presentationml/2006/main">
-  <p:cSld>
-    <p:spTree>
-      <p:nvGrpSpPr>
-        <p:cNvPr id="1" name=""/>
-        <p:cNvGrpSpPr/>
-        <p:nvPr/>
-      </p:nvGrpSpPr>
-      <p:grpSpPr>
-        <a:xfrm>
-          <a:off x="0" y="0"/>
-          <a:ext cx="0" cy="0"/>
-          <a:chOff x="0" y="0"/>
-          <a:chExt cx="0" cy="0"/>
-        </a:xfrm>
-      </p:grpSpPr>
-      <p:sp>
-        <p:nvSpPr>
-          <p:cNvPr id="23554" name="Rectangle 2"/>
-          <p:cNvSpPr>
-            <a:spLocks noGrp="1" noChangeArrowheads="1"/>
-          </p:cNvSpPr>
-          <p:nvPr>
-            <p:ph type="hdr" sz="quarter"/>
-          </p:nvPr>
-        </p:nvSpPr>
-        <p:spPr/>
-        <p:txBody>
-          <a:bodyPr/>
-          <a:lstStyle/>
-          <a:p>
-            <a:pPr>
-              <a:defRPr/>
-            </a:pPr>
-            <a:r>
-              <a:rPr lang="en-GB" smtClean="0"/>
-              <a:t>ESE 3.23 Graphics &amp; Stats for Geoscientists</a:t>
-            </a:r>
-            <a:endParaRPr lang="en-US" smtClean="0"/>
-          </a:p>
-        </p:txBody>
-      </p:sp>
-      <p:sp>
-        <p:nvSpPr>
-          <p:cNvPr id="23555" name="Rectangle 6"/>
-          <p:cNvSpPr>
-            <a:spLocks noGrp="1" noChangeArrowheads="1"/>
-          </p:cNvSpPr>
-          <p:nvPr>
-            <p:ph type="ftr" sz="quarter" idx="4"/>
-          </p:nvPr>
-        </p:nvSpPr>
-        <p:spPr/>
-        <p:txBody>
-          <a:bodyPr/>
-          <a:lstStyle/>
-          <a:p>
-            <a:pPr>
-              <a:defRPr/>
-            </a:pPr>
-            <a:r>
-              <a:rPr lang="en-GB"/>
-              <a:t>Session 8 - Chi Squared test, and Multivariate Statistics</a:t>
-            </a:r>
-            <a:endParaRPr lang="en-US"/>
-          </a:p>
-        </p:txBody>
-      </p:sp>
-      <p:sp>
-        <p:nvSpPr>
-          <p:cNvPr id="23556" name="Rectangle 7"/>
-          <p:cNvSpPr>
-            <a:spLocks noGrp="1" noChangeArrowheads="1"/>
-          </p:cNvSpPr>
-          <p:nvPr>
-            <p:ph type="sldNum" sz="quarter" idx="5"/>
-          </p:nvPr>
-        </p:nvSpPr>
-        <p:spPr/>
-        <p:txBody>
-          <a:bodyPr/>
-          <a:lstStyle/>
-          <a:p>
-            <a:pPr>
-              <a:defRPr/>
-            </a:pPr>
-            <a:fld id="{E69ADDCB-AF2A-4E3E-8B6B-A48EF145BECA}" type="slidenum">
-              <a:rPr lang="en-US" smtClean="0"/>
-              <a:pPr>
-                <a:defRPr/>
-              </a:pPr>
-              <a:t>6</a:t>
-            </a:fld>
-            <a:endParaRPr lang="en-US" smtClean="0"/>
-          </a:p>
-        </p:txBody>
-      </p:sp>
-      <p:sp>
-        <p:nvSpPr>
-          <p:cNvPr id="24581" name="Rectangle 2"/>
-          <p:cNvSpPr>
-            <a:spLocks noGrp="1" noRot="1" noChangeAspect="1" noChangeArrowheads="1" noTextEdit="1"/>
-          </p:cNvSpPr>
-          <p:nvPr>
-            <p:ph type="sldImg"/>
-          </p:nvPr>
-        </p:nvSpPr>
-        <p:spPr>
-          <a:xfrm>
-            <a:off x="3336925" y="533400"/>
-            <a:ext cx="3549650" cy="2662238"/>
-          </a:xfrm>
-          <a:ln/>
-        </p:spPr>
-      </p:sp>
-      <p:sp>
-        <p:nvSpPr>
-          <p:cNvPr id="24582" name="Rectangle 3"/>
-          <p:cNvSpPr>
-            <a:spLocks noGrp="1" noChangeArrowheads="1"/>
-          </p:cNvSpPr>
-          <p:nvPr>
-            <p:ph type="body" idx="1"/>
-          </p:nvPr>
-        </p:nvSpPr>
-        <p:spPr>
-          <a:noFill/>
-          <a:ln/>
-          <a:extLst>
-            <a:ext uri="{909E8E84-426E-40dd-AFC4-6F175D3DCCD1}">
-              <a14:hiddenFill xmlns:a14="http://schemas.microsoft.com/office/drawing/2010/main">
-                <a:solidFill>
-                  <a:srgbClr val="FFFFFF"/>
-                </a:solidFill>
-              </a14:hiddenFill>
-            </a:ext>
-            <a:ext uri="{91240B29-F687-4f45-9708-019B960494DF}">
-              <a14:hiddenLine xmlns:a14="http://schemas.microsoft.com/office/drawing/2010/main" w="9525">
-                <a:solidFill>
-                  <a:srgbClr val="000000"/>
-                </a:solidFill>
-                <a:miter lim="800000"/>
-                <a:headEnd/>
-                <a:tailEnd/>
-              </a14:hiddenLine>
-            </a:ext>
-          </a:extLst>
-        </p:spPr>
-        <p:txBody>
-          <a:bodyPr/>
-          <a:lstStyle/>
-          <a:p>
-            <a:endParaRPr lang="en-US" smtClean="0"/>
-          </a:p>
-          <a:p>
-            <a:endParaRPr lang="en-US" smtClean="0"/>
-          </a:p>
-        </p:txBody>
-      </p:sp>
-      <p:sp>
-        <p:nvSpPr>
-          <p:cNvPr id="24583" name="Rectangle 4"/>
-          <p:cNvSpPr>
-            <a:spLocks noChangeArrowheads="1"/>
-          </p:cNvSpPr>
-          <p:nvPr/>
-        </p:nvSpPr>
-        <p:spPr bwMode="auto">
-          <a:xfrm>
-            <a:off x="1024180" y="3195788"/>
-            <a:ext cx="8063123" cy="279142"/>
-          </a:xfrm>
-          <a:prstGeom prst="rect">
-            <a:avLst/>
-          </a:prstGeom>
-          <a:noFill/>
-          <a:ln>
-            <a:noFill/>
-          </a:ln>
-          <a:extLst>
-            <a:ext uri="{909E8E84-426E-40dd-AFC4-6F175D3DCCD1}">
-              <a14:hiddenFill xmlns:a14="http://schemas.microsoft.com/office/drawing/2010/main">
-                <a:solidFill>
-                  <a:srgbClr val="FFFFFF"/>
-                </a:solidFill>
-              </a14:hiddenFill>
-            </a:ext>
-            <a:ext uri="{91240B29-F687-4f45-9708-019B960494DF}">
-              <a14:hiddenLine xmlns:a14="http://schemas.microsoft.com/office/drawing/2010/main" w="9525">
-                <a:solidFill>
-                  <a:srgbClr val="000000"/>
-                </a:solidFill>
-                <a:miter lim="800000"/>
-                <a:headEnd/>
-                <a:tailEnd/>
-              </a14:hiddenLine>
-            </a:ext>
-          </a:extLst>
-        </p:spPr>
-        <p:txBody>
-          <a:bodyPr lIns="93561" tIns="46781" rIns="93561" bIns="46781">
-            <a:spAutoFit/>
-          </a:bodyPr>
-          <a:lstStyle/>
-          <a:p>
-            <a:pPr defTabSz="935038" eaLnBrk="0" hangingPunct="0"/>
-            <a:endParaRPr lang="en-GB" sz="1200" b="0">
-              <a:solidFill>
-                <a:schemeClr val="tx1"/>
-              </a:solidFill>
-              <a:latin typeface="Times New Roman" pitchFamily="18" charset="0"/>
-            </a:endParaRPr>
-          </a:p>
-        </p:txBody>
-      </p:sp>
-    </p:spTree>
-  </p:cSld>
-  <p:clrMapOvr>
-    <a:masterClrMapping/>
-  </p:clrMapOvr>
-</p:notes>
-</file>
-
-<file path=ppt/notesSlides/notesSlide7.xml><?xml version="1.0" encoding="utf-8"?>
-<p:notes xmlns:a="http://schemas.openxmlformats.org/drawingml/2006/main" xmlns:r="http://schemas.openxmlformats.org/officeDocument/2006/relationships" xmlns:p="http://schemas.openxmlformats.org/presentationml/2006/main">
-  <p:cSld>
-    <p:spTree>
-      <p:nvGrpSpPr>
-        <p:cNvPr id="1" name=""/>
-        <p:cNvGrpSpPr/>
-        <p:nvPr/>
-      </p:nvGrpSpPr>
-      <p:grpSpPr>
-        <a:xfrm>
-          <a:off x="0" y="0"/>
-          <a:ext cx="0" cy="0"/>
-          <a:chOff x="0" y="0"/>
-          <a:chExt cx="0" cy="0"/>
-        </a:xfrm>
-      </p:grpSpPr>
-      <p:sp>
-        <p:nvSpPr>
-          <p:cNvPr id="23554" name="Rectangle 2"/>
-          <p:cNvSpPr>
-            <a:spLocks noGrp="1" noChangeArrowheads="1"/>
-          </p:cNvSpPr>
-          <p:nvPr>
-            <p:ph type="hdr" sz="quarter"/>
-          </p:nvPr>
-        </p:nvSpPr>
-        <p:spPr/>
-        <p:txBody>
-          <a:bodyPr/>
-          <a:lstStyle/>
-          <a:p>
-            <a:pPr>
-              <a:defRPr/>
-            </a:pPr>
-            <a:r>
-              <a:rPr lang="en-GB" smtClean="0"/>
-              <a:t>ESE 3.23 Graphics &amp; Stats for Geoscientists</a:t>
-            </a:r>
-            <a:endParaRPr lang="en-US" smtClean="0"/>
-          </a:p>
-        </p:txBody>
-      </p:sp>
-      <p:sp>
-        <p:nvSpPr>
-          <p:cNvPr id="23555" name="Rectangle 6"/>
-          <p:cNvSpPr>
-            <a:spLocks noGrp="1" noChangeArrowheads="1"/>
-          </p:cNvSpPr>
-          <p:nvPr>
-            <p:ph type="ftr" sz="quarter" idx="4"/>
-          </p:nvPr>
-        </p:nvSpPr>
-        <p:spPr/>
-        <p:txBody>
-          <a:bodyPr/>
-          <a:lstStyle/>
-          <a:p>
-            <a:pPr>
-              <a:defRPr/>
-            </a:pPr>
-            <a:r>
-              <a:rPr lang="en-GB"/>
-              <a:t>Session 8 - Chi Squared test, and Multivariate Statistics</a:t>
-            </a:r>
-            <a:endParaRPr lang="en-US"/>
-          </a:p>
-        </p:txBody>
-      </p:sp>
-      <p:sp>
-        <p:nvSpPr>
-          <p:cNvPr id="23556" name="Rectangle 7"/>
-          <p:cNvSpPr>
-            <a:spLocks noGrp="1" noChangeArrowheads="1"/>
-          </p:cNvSpPr>
-          <p:nvPr>
-            <p:ph type="sldNum" sz="quarter" idx="5"/>
-          </p:nvPr>
-        </p:nvSpPr>
-        <p:spPr/>
-        <p:txBody>
-          <a:bodyPr/>
-          <a:lstStyle/>
-          <a:p>
-            <a:pPr>
-              <a:defRPr/>
-            </a:pPr>
-            <a:fld id="{7C52FC66-C9DB-4B60-89E5-147CF589E709}" type="slidenum">
-              <a:rPr lang="en-US" smtClean="0"/>
-              <a:pPr>
-                <a:defRPr/>
-              </a:pPr>
-              <a:t>7</a:t>
-            </a:fld>
-            <a:endParaRPr lang="en-US" smtClean="0"/>
-          </a:p>
-        </p:txBody>
-      </p:sp>
-      <p:sp>
-        <p:nvSpPr>
-          <p:cNvPr id="25605" name="Rectangle 2"/>
-          <p:cNvSpPr>
-            <a:spLocks noGrp="1" noRot="1" noChangeAspect="1" noChangeArrowheads="1" noTextEdit="1"/>
-          </p:cNvSpPr>
-          <p:nvPr>
-            <p:ph type="sldImg"/>
-          </p:nvPr>
-        </p:nvSpPr>
-        <p:spPr>
-          <a:xfrm>
-            <a:off x="3336925" y="533400"/>
-            <a:ext cx="3549650" cy="2662238"/>
-          </a:xfrm>
-          <a:ln/>
-        </p:spPr>
-      </p:sp>
-      <p:sp>
-        <p:nvSpPr>
-          <p:cNvPr id="25606" name="Rectangle 3"/>
-          <p:cNvSpPr>
-            <a:spLocks noGrp="1" noChangeArrowheads="1"/>
-          </p:cNvSpPr>
-          <p:nvPr>
-            <p:ph type="body" idx="1"/>
-          </p:nvPr>
-        </p:nvSpPr>
-        <p:spPr>
-          <a:noFill/>
-          <a:ln/>
-          <a:extLst>
-            <a:ext uri="{909E8E84-426E-40dd-AFC4-6F175D3DCCD1}">
-              <a14:hiddenFill xmlns:a14="http://schemas.microsoft.com/office/drawing/2010/main">
-                <a:solidFill>
-                  <a:srgbClr val="FFFFFF"/>
-                </a:solidFill>
-              </a14:hiddenFill>
-            </a:ext>
-            <a:ext uri="{91240B29-F687-4f45-9708-019B960494DF}">
-              <a14:hiddenLine xmlns:a14="http://schemas.microsoft.com/office/drawing/2010/main" w="9525">
-                <a:solidFill>
-                  <a:srgbClr val="000000"/>
-                </a:solidFill>
-                <a:miter lim="800000"/>
-                <a:headEnd/>
-                <a:tailEnd/>
-              </a14:hiddenLine>
-            </a:ext>
-          </a:extLst>
-        </p:spPr>
-        <p:txBody>
-          <a:bodyPr/>
-          <a:lstStyle/>
-          <a:p>
-            <a:endParaRPr lang="en-US" smtClean="0"/>
-          </a:p>
-          <a:p>
-            <a:endParaRPr lang="en-US" smtClean="0"/>
-          </a:p>
-        </p:txBody>
-      </p:sp>
-      <p:sp>
-        <p:nvSpPr>
-          <p:cNvPr id="25607" name="Rectangle 4"/>
-          <p:cNvSpPr>
-            <a:spLocks noChangeArrowheads="1"/>
-          </p:cNvSpPr>
-          <p:nvPr/>
-        </p:nvSpPr>
-        <p:spPr bwMode="auto">
-          <a:xfrm>
-            <a:off x="1024180" y="3195788"/>
-            <a:ext cx="8063123" cy="279142"/>
-          </a:xfrm>
-          <a:prstGeom prst="rect">
-            <a:avLst/>
-          </a:prstGeom>
-          <a:noFill/>
-          <a:ln>
-            <a:noFill/>
-          </a:ln>
-          <a:extLst>
-            <a:ext uri="{909E8E84-426E-40dd-AFC4-6F175D3DCCD1}">
-              <a14:hiddenFill xmlns:a14="http://schemas.microsoft.com/office/drawing/2010/main">
-                <a:solidFill>
-                  <a:srgbClr val="FFFFFF"/>
-                </a:solidFill>
-              </a14:hiddenFill>
-            </a:ext>
-            <a:ext uri="{91240B29-F687-4f45-9708-019B960494DF}">
-              <a14:hiddenLine xmlns:a14="http://schemas.microsoft.com/office/drawing/2010/main" w="9525">
-                <a:solidFill>
-                  <a:srgbClr val="000000"/>
-                </a:solidFill>
-                <a:miter lim="800000"/>
-                <a:headEnd/>
-                <a:tailEnd/>
-              </a14:hiddenLine>
-            </a:ext>
-          </a:extLst>
-        </p:spPr>
-        <p:txBody>
-          <a:bodyPr lIns="93561" tIns="46781" rIns="93561" bIns="46781">
-            <a:spAutoFit/>
-          </a:bodyPr>
-          <a:lstStyle/>
-          <a:p>
-            <a:pPr defTabSz="935038" eaLnBrk="0" hangingPunct="0"/>
-            <a:endParaRPr lang="en-GB" sz="1200" b="0">
-              <a:solidFill>
-                <a:schemeClr val="tx1"/>
-              </a:solidFill>
-              <a:latin typeface="Times New Roman" pitchFamily="18" charset="0"/>
-            </a:endParaRPr>
-          </a:p>
-        </p:txBody>
-      </p:sp>
-    </p:spTree>
-  </p:cSld>
-  <p:clrMapOvr>
-    <a:masterClrMapping/>
-  </p:clrMapOvr>
-</p:notes>
-</file>
-
-<file path=ppt/notesSlides/notesSlide8.xml><?xml version="1.0" encoding="utf-8"?>
-<p:notes xmlns:a="http://schemas.openxmlformats.org/drawingml/2006/main" xmlns:r="http://schemas.openxmlformats.org/officeDocument/2006/relationships" xmlns:p="http://schemas.openxmlformats.org/presentationml/2006/main">
-  <p:cSld>
-    <p:spTree>
-      <p:nvGrpSpPr>
-        <p:cNvPr id="1" name=""/>
-        <p:cNvGrpSpPr/>
-        <p:nvPr/>
-      </p:nvGrpSpPr>
-      <p:grpSpPr>
-        <a:xfrm>
-          <a:off x="0" y="0"/>
-          <a:ext cx="0" cy="0"/>
-          <a:chOff x="0" y="0"/>
-          <a:chExt cx="0" cy="0"/>
-        </a:xfrm>
-      </p:grpSpPr>
-      <p:sp>
-        <p:nvSpPr>
-          <p:cNvPr id="28674" name="Rectangle 2"/>
-          <p:cNvSpPr>
-            <a:spLocks noGrp="1" noChangeArrowheads="1"/>
-          </p:cNvSpPr>
-          <p:nvPr>
-            <p:ph type="hdr" sz="quarter"/>
-          </p:nvPr>
-        </p:nvSpPr>
-        <p:spPr/>
-        <p:txBody>
-          <a:bodyPr/>
-          <a:lstStyle/>
-          <a:p>
-            <a:pPr>
-              <a:defRPr/>
-            </a:pPr>
-            <a:r>
-              <a:rPr lang="en-GB" smtClean="0"/>
-              <a:t>ESE 3.23 Graphics &amp; Stats for Geoscientists</a:t>
-            </a:r>
-            <a:endParaRPr lang="en-US" smtClean="0"/>
-          </a:p>
-        </p:txBody>
-      </p:sp>
-      <p:sp>
-        <p:nvSpPr>
-          <p:cNvPr id="28675" name="Rectangle 6"/>
-          <p:cNvSpPr>
-            <a:spLocks noGrp="1" noChangeArrowheads="1"/>
-          </p:cNvSpPr>
-          <p:nvPr>
-            <p:ph type="ftr" sz="quarter" idx="4"/>
-          </p:nvPr>
-        </p:nvSpPr>
-        <p:spPr/>
-        <p:txBody>
-          <a:bodyPr/>
-          <a:lstStyle/>
-          <a:p>
-            <a:pPr>
-              <a:defRPr/>
-            </a:pPr>
-            <a:r>
-              <a:rPr lang="en-GB"/>
-              <a:t>Session 8 - Chi Squared test, and Multivariate Statistics</a:t>
-            </a:r>
-            <a:endParaRPr lang="en-US"/>
-          </a:p>
-        </p:txBody>
-      </p:sp>
-      <p:sp>
-        <p:nvSpPr>
-          <p:cNvPr id="28676" name="Rectangle 7"/>
-          <p:cNvSpPr>
-            <a:spLocks noGrp="1" noChangeArrowheads="1"/>
-          </p:cNvSpPr>
-          <p:nvPr>
-            <p:ph type="sldNum" sz="quarter" idx="5"/>
-          </p:nvPr>
-        </p:nvSpPr>
-        <p:spPr/>
-        <p:txBody>
-          <a:bodyPr/>
-          <a:lstStyle/>
-          <a:p>
-            <a:pPr>
-              <a:defRPr/>
-            </a:pPr>
-            <a:fld id="{5A478DC4-54EA-4C04-ABA3-D7FF0B3D4C27}" type="slidenum">
-              <a:rPr lang="en-US" smtClean="0"/>
-              <a:pPr>
-                <a:defRPr/>
-              </a:pPr>
-              <a:t>8</a:t>
-            </a:fld>
-            <a:endParaRPr lang="en-US" smtClean="0"/>
-          </a:p>
-        </p:txBody>
-      </p:sp>
-      <p:sp>
-        <p:nvSpPr>
-          <p:cNvPr id="26629" name="Rectangle 2"/>
-          <p:cNvSpPr>
-            <a:spLocks noGrp="1" noRot="1" noChangeAspect="1" noChangeArrowheads="1" noTextEdit="1"/>
-          </p:cNvSpPr>
-          <p:nvPr>
-            <p:ph type="sldImg"/>
-          </p:nvPr>
-        </p:nvSpPr>
-        <p:spPr>
-          <a:ln/>
-        </p:spPr>
-      </p:sp>
-      <p:sp>
-        <p:nvSpPr>
-          <p:cNvPr id="26630" name="Rectangle 3"/>
-          <p:cNvSpPr>
-            <a:spLocks noGrp="1" noChangeArrowheads="1"/>
-          </p:cNvSpPr>
-          <p:nvPr>
-            <p:ph type="body" idx="1"/>
-          </p:nvPr>
-        </p:nvSpPr>
-        <p:spPr>
-          <a:noFill/>
-          <a:ln/>
-          <a:extLst>
-            <a:ext uri="{909E8E84-426E-40dd-AFC4-6F175D3DCCD1}">
-              <a14:hiddenFill xmlns:a14="http://schemas.microsoft.com/office/drawing/2010/main">
-                <a:solidFill>
-                  <a:srgbClr val="FFFFFF"/>
-                </a:solidFill>
-              </a14:hiddenFill>
-            </a:ext>
-            <a:ext uri="{91240B29-F687-4f45-9708-019B960494DF}">
-              <a14:hiddenLine xmlns:a14="http://schemas.microsoft.com/office/drawing/2010/main" w="9525">
-                <a:solidFill>
-                  <a:srgbClr val="000000"/>
-                </a:solidFill>
-                <a:miter lim="800000"/>
-                <a:headEnd/>
-                <a:tailEnd/>
-              </a14:hiddenLine>
-            </a:ext>
-          </a:extLst>
-        </p:spPr>
-        <p:txBody>
-          <a:bodyPr/>
-          <a:lstStyle/>
-          <a:p>
-            <a:endParaRPr lang="en-US" smtClean="0"/>
-          </a:p>
-          <a:p>
-            <a:endParaRPr lang="en-US" smtClean="0"/>
-          </a:p>
-        </p:txBody>
-      </p:sp>
-      <p:sp>
-        <p:nvSpPr>
-          <p:cNvPr id="26631" name="Rectangle 4"/>
-          <p:cNvSpPr>
-            <a:spLocks noChangeArrowheads="1"/>
-          </p:cNvSpPr>
-          <p:nvPr/>
-        </p:nvSpPr>
-        <p:spPr bwMode="auto">
-          <a:xfrm>
-            <a:off x="1026466" y="3193583"/>
-            <a:ext cx="8060837" cy="298895"/>
-          </a:xfrm>
-          <a:prstGeom prst="rect">
-            <a:avLst/>
-          </a:prstGeom>
-          <a:noFill/>
-          <a:ln>
-            <a:noFill/>
-          </a:ln>
-          <a:extLst>
-            <a:ext uri="{909E8E84-426E-40dd-AFC4-6F175D3DCCD1}">
-              <a14:hiddenFill xmlns:a14="http://schemas.microsoft.com/office/drawing/2010/main">
-                <a:solidFill>
-                  <a:srgbClr val="FFFFFF"/>
-                </a:solidFill>
-              </a14:hiddenFill>
-            </a:ext>
-            <a:ext uri="{91240B29-F687-4f45-9708-019B960494DF}">
-              <a14:hiddenLine xmlns:a14="http://schemas.microsoft.com/office/drawing/2010/main" w="9525">
-                <a:solidFill>
-                  <a:srgbClr val="000000"/>
-                </a:solidFill>
-                <a:miter lim="800000"/>
-                <a:headEnd/>
-                <a:tailEnd/>
-              </a14:hiddenLine>
-            </a:ext>
-          </a:extLst>
-        </p:spPr>
-        <p:txBody>
-          <a:bodyPr lIns="97884" tIns="48942" rIns="97884" bIns="48942">
-            <a:spAutoFit/>
-          </a:bodyPr>
-          <a:lstStyle/>
-          <a:p>
-            <a:pPr defTabSz="977900" eaLnBrk="0" hangingPunct="0"/>
-            <a:endParaRPr lang="en-GB" sz="1300" b="0">
-              <a:solidFill>
-                <a:schemeClr val="tx1"/>
-              </a:solidFill>
-              <a:latin typeface="Times New Roman" pitchFamily="18" charset="0"/>
-            </a:endParaRPr>
-          </a:p>
-        </p:txBody>
-      </p:sp>
-    </p:spTree>
-  </p:cSld>
-  <p:clrMapOvr>
-    <a:masterClrMapping/>
-  </p:clrMapOvr>
-</p:notes>
-</file>
-
-<file path=ppt/notesSlides/notesSlide9.xml><?xml version="1.0" encoding="utf-8"?>
-<p:notes xmlns:a="http://schemas.openxmlformats.org/drawingml/2006/main" xmlns:r="http://schemas.openxmlformats.org/officeDocument/2006/relationships" xmlns:p="http://schemas.openxmlformats.org/presentationml/2006/main">
-  <p:cSld>
-    <p:spTree>
-      <p:nvGrpSpPr>
-        <p:cNvPr id="1" name=""/>
-        <p:cNvGrpSpPr/>
-        <p:nvPr/>
-      </p:nvGrpSpPr>
-      <p:grpSpPr>
-        <a:xfrm>
-          <a:off x="0" y="0"/>
-          <a:ext cx="0" cy="0"/>
-          <a:chOff x="0" y="0"/>
-          <a:chExt cx="0" cy="0"/>
-        </a:xfrm>
-      </p:grpSpPr>
-      <p:sp>
-        <p:nvSpPr>
-          <p:cNvPr id="23554" name="Rectangle 2"/>
-          <p:cNvSpPr>
-            <a:spLocks noGrp="1" noChangeArrowheads="1"/>
-          </p:cNvSpPr>
-          <p:nvPr>
-            <p:ph type="hdr" sz="quarter"/>
-          </p:nvPr>
-        </p:nvSpPr>
-        <p:spPr/>
-        <p:txBody>
-          <a:bodyPr/>
-          <a:lstStyle/>
-          <a:p>
-            <a:pPr>
-              <a:defRPr/>
-            </a:pPr>
-            <a:r>
-              <a:rPr lang="en-GB" smtClean="0"/>
-              <a:t>ESE 3.23 Graphics &amp; Stats for Geoscientists</a:t>
-            </a:r>
-            <a:endParaRPr lang="en-US" smtClean="0"/>
-          </a:p>
-        </p:txBody>
-      </p:sp>
-      <p:sp>
-        <p:nvSpPr>
-          <p:cNvPr id="23555" name="Rectangle 6"/>
-          <p:cNvSpPr>
-            <a:spLocks noGrp="1" noChangeArrowheads="1"/>
-          </p:cNvSpPr>
-          <p:nvPr>
-            <p:ph type="ftr" sz="quarter" idx="4"/>
-          </p:nvPr>
-        </p:nvSpPr>
-        <p:spPr/>
-        <p:txBody>
-          <a:bodyPr/>
-          <a:lstStyle/>
-          <a:p>
-            <a:pPr>
-              <a:defRPr/>
-            </a:pPr>
-            <a:r>
-              <a:rPr lang="en-GB"/>
-              <a:t>Session 8 - Chi Squared test, and Multivariate Statistics</a:t>
-            </a:r>
-            <a:endParaRPr lang="en-US"/>
-          </a:p>
-        </p:txBody>
-      </p:sp>
-      <p:sp>
-        <p:nvSpPr>
-          <p:cNvPr id="23556" name="Rectangle 7"/>
-          <p:cNvSpPr>
-            <a:spLocks noGrp="1" noChangeArrowheads="1"/>
-          </p:cNvSpPr>
-          <p:nvPr>
-            <p:ph type="sldNum" sz="quarter" idx="5"/>
-          </p:nvPr>
-        </p:nvSpPr>
-        <p:spPr/>
-        <p:txBody>
-          <a:bodyPr/>
-          <a:lstStyle/>
-          <a:p>
-            <a:pPr>
-              <a:defRPr/>
-            </a:pPr>
-            <a:fld id="{575FB6BC-4877-457D-8489-BD552DADDE9D}" type="slidenum">
-              <a:rPr lang="en-US" smtClean="0"/>
-              <a:pPr>
-                <a:defRPr/>
-              </a:pPr>
-              <a:t>9</a:t>
-            </a:fld>
-            <a:endParaRPr lang="en-US" smtClean="0"/>
-          </a:p>
-        </p:txBody>
-      </p:sp>
-      <p:sp>
-        <p:nvSpPr>
-          <p:cNvPr id="27653" name="Rectangle 2"/>
-          <p:cNvSpPr>
-            <a:spLocks noGrp="1" noRot="1" noChangeAspect="1" noChangeArrowheads="1" noTextEdit="1"/>
-          </p:cNvSpPr>
-          <p:nvPr>
-            <p:ph type="sldImg"/>
-          </p:nvPr>
-        </p:nvSpPr>
-        <p:spPr>
-          <a:xfrm>
-            <a:off x="3336925" y="533400"/>
-            <a:ext cx="3549650" cy="2662238"/>
-          </a:xfrm>
-          <a:ln/>
-        </p:spPr>
-      </p:sp>
-      <p:sp>
-        <p:nvSpPr>
-          <p:cNvPr id="27654" name="Rectangle 3"/>
-          <p:cNvSpPr>
-            <a:spLocks noGrp="1" noChangeArrowheads="1"/>
-          </p:cNvSpPr>
-          <p:nvPr>
-            <p:ph type="body" idx="1"/>
-          </p:nvPr>
-        </p:nvSpPr>
-        <p:spPr>
-          <a:noFill/>
-          <a:ln/>
-          <a:extLst>
-            <a:ext uri="{909E8E84-426E-40dd-AFC4-6F175D3DCCD1}">
-              <a14:hiddenFill xmlns:a14="http://schemas.microsoft.com/office/drawing/2010/main">
-                <a:solidFill>
-                  <a:srgbClr val="FFFFFF"/>
-                </a:solidFill>
-              </a14:hiddenFill>
-            </a:ext>
-            <a:ext uri="{91240B29-F687-4f45-9708-019B960494DF}">
-              <a14:hiddenLine xmlns:a14="http://schemas.microsoft.com/office/drawing/2010/main" w="9525">
-                <a:solidFill>
-                  <a:srgbClr val="000000"/>
-                </a:solidFill>
-                <a:miter lim="800000"/>
-                <a:headEnd/>
-                <a:tailEnd/>
-              </a14:hiddenLine>
-            </a:ext>
-          </a:extLst>
-        </p:spPr>
-        <p:txBody>
-          <a:bodyPr/>
-          <a:lstStyle/>
-          <a:p>
-            <a:endParaRPr lang="en-US" smtClean="0"/>
-          </a:p>
-          <a:p>
-            <a:endParaRPr lang="en-US" smtClean="0"/>
-          </a:p>
-        </p:txBody>
-      </p:sp>
-      <p:sp>
-        <p:nvSpPr>
-          <p:cNvPr id="27655" name="Rectangle 4"/>
           <p:cNvSpPr>
             <a:spLocks noChangeArrowheads="1"/>
           </p:cNvSpPr>
@@ -7809,1028 +7584,6 @@
       </p:grpSpPr>
       <p:sp>
         <p:nvSpPr>
-          <p:cNvPr id="14338" name="Rectangle 2"/>
-          <p:cNvSpPr>
-            <a:spLocks noChangeArrowheads="1"/>
-          </p:cNvSpPr>
-          <p:nvPr/>
-        </p:nvSpPr>
-        <p:spPr bwMode="auto">
-          <a:xfrm>
-            <a:off x="36513" y="620713"/>
-            <a:ext cx="9107487" cy="6137275"/>
-          </a:xfrm>
-          <a:prstGeom prst="rect">
-            <a:avLst/>
-          </a:prstGeom>
-          <a:noFill/>
-          <a:ln>
-            <a:noFill/>
-          </a:ln>
-          <a:extLst>
-            <a:ext uri="{909E8E84-426E-40dd-AFC4-6F175D3DCCD1}">
-              <a14:hiddenFill xmlns:a14="http://schemas.microsoft.com/office/drawing/2010/main">
-                <a:solidFill>
-                  <a:srgbClr val="FFFFFF"/>
-                </a:solidFill>
-              </a14:hiddenFill>
-            </a:ext>
-            <a:ext uri="{91240B29-F687-4f45-9708-019B960494DF}">
-              <a14:hiddenLine xmlns:a14="http://schemas.microsoft.com/office/drawing/2010/main" w="9525">
-                <a:solidFill>
-                  <a:srgbClr val="000000"/>
-                </a:solidFill>
-                <a:miter lim="800000"/>
-                <a:headEnd/>
-                <a:tailEnd/>
-              </a14:hiddenLine>
-            </a:ext>
-          </a:extLst>
-        </p:spPr>
-        <p:txBody>
-          <a:bodyPr/>
-          <a:lstStyle/>
-          <a:p>
-            <a:pPr marL="85725" indent="-85725" eaLnBrk="0" hangingPunct="0">
-              <a:lnSpc>
-                <a:spcPct val="110000"/>
-              </a:lnSpc>
-              <a:spcBef>
-                <a:spcPct val="20000"/>
-              </a:spcBef>
-            </a:pPr>
-            <a:r>
-              <a:rPr lang="en-GB" dirty="0"/>
-              <a:t>Half the mark for this course is already </a:t>
-            </a:r>
-            <a:r>
-              <a:rPr lang="en-GB" dirty="0" smtClean="0"/>
-              <a:t>done.</a:t>
-            </a:r>
-            <a:endParaRPr lang="en-GB" dirty="0"/>
-          </a:p>
-          <a:p>
-            <a:pPr marL="85725" indent="-85725" eaLnBrk="0" hangingPunct="0">
-              <a:lnSpc>
-                <a:spcPct val="110000"/>
-              </a:lnSpc>
-              <a:spcBef>
-                <a:spcPct val="20000"/>
-              </a:spcBef>
-            </a:pPr>
-            <a:r>
-              <a:rPr lang="en-GB" dirty="0" smtClean="0"/>
-              <a:t>Other class test is tomorrow </a:t>
-            </a:r>
-            <a:r>
-              <a:rPr lang="en-GB" dirty="0" smtClean="0"/>
-              <a:t>morning.</a:t>
-            </a:r>
-            <a:endParaRPr lang="en-GB" dirty="0" smtClean="0"/>
-          </a:p>
-          <a:p>
-            <a:pPr marL="85725" indent="-85725" eaLnBrk="0" hangingPunct="0">
-              <a:lnSpc>
-                <a:spcPct val="110000"/>
-              </a:lnSpc>
-              <a:spcBef>
-                <a:spcPct val="20000"/>
-              </a:spcBef>
-            </a:pPr>
-            <a:r>
-              <a:rPr lang="en-GB" dirty="0" smtClean="0"/>
-              <a:t>Similar </a:t>
-            </a:r>
-            <a:r>
-              <a:rPr lang="en-GB" dirty="0"/>
-              <a:t>in format to the one we have </a:t>
-            </a:r>
-            <a:r>
-              <a:rPr lang="en-GB" dirty="0" smtClean="0"/>
-              <a:t>had.</a:t>
-            </a:r>
-            <a:endParaRPr lang="en-GB" dirty="0"/>
-          </a:p>
-          <a:p>
-            <a:pPr marL="85725" indent="-85725" eaLnBrk="0" hangingPunct="0">
-              <a:lnSpc>
-                <a:spcPct val="110000"/>
-              </a:lnSpc>
-              <a:spcBef>
-                <a:spcPct val="20000"/>
-              </a:spcBef>
-            </a:pPr>
-            <a:r>
-              <a:rPr lang="en-GB" dirty="0"/>
-              <a:t>Will be based around exercises similar to </a:t>
-            </a:r>
-            <a:r>
-              <a:rPr lang="en-GB" dirty="0" smtClean="0"/>
-              <a:t>our practical sessions.</a:t>
-            </a:r>
-            <a:endParaRPr lang="en-GB" dirty="0"/>
-          </a:p>
-          <a:p>
-            <a:pPr eaLnBrk="0" hangingPunct="0">
-              <a:lnSpc>
-                <a:spcPct val="110000"/>
-              </a:lnSpc>
-              <a:spcBef>
-                <a:spcPct val="20000"/>
-              </a:spcBef>
-            </a:pPr>
-            <a:r>
-              <a:rPr lang="en-GB" sz="2800" dirty="0" smtClean="0"/>
-              <a:t>You </a:t>
-            </a:r>
-            <a:r>
-              <a:rPr lang="en-GB" sz="2800" dirty="0"/>
-              <a:t>will be given CSV data, and asked to write a program </a:t>
-            </a:r>
-            <a:r>
-              <a:rPr lang="en-GB" sz="2800" dirty="0" smtClean="0"/>
-              <a:t>to:</a:t>
-            </a:r>
-          </a:p>
-          <a:p>
-            <a:pPr marL="914400" lvl="1" indent="-457200" eaLnBrk="0" hangingPunct="0">
-              <a:lnSpc>
-                <a:spcPct val="110000"/>
-              </a:lnSpc>
-              <a:spcBef>
-                <a:spcPct val="20000"/>
-              </a:spcBef>
-              <a:buFont typeface="Arial"/>
-              <a:buChar char="•"/>
-            </a:pPr>
-            <a:r>
-              <a:rPr lang="en-GB" sz="2800" dirty="0" smtClean="0">
-                <a:solidFill>
-                  <a:srgbClr val="FFFF99"/>
-                </a:solidFill>
-              </a:rPr>
-              <a:t>Read </a:t>
-            </a:r>
-            <a:r>
-              <a:rPr lang="en-GB" sz="2800" dirty="0">
-                <a:solidFill>
-                  <a:srgbClr val="FFFF99"/>
-                </a:solidFill>
-              </a:rPr>
-              <a:t>it </a:t>
-            </a:r>
-            <a:r>
-              <a:rPr lang="en-GB" sz="2800" dirty="0" smtClean="0">
-                <a:solidFill>
-                  <a:srgbClr val="FFFF99"/>
-                </a:solidFill>
-              </a:rPr>
-              <a:t>in.</a:t>
-            </a:r>
-          </a:p>
-          <a:p>
-            <a:pPr marL="914400" lvl="1" indent="-457200" eaLnBrk="0" hangingPunct="0">
-              <a:lnSpc>
-                <a:spcPct val="110000"/>
-              </a:lnSpc>
-              <a:spcBef>
-                <a:spcPct val="20000"/>
-              </a:spcBef>
-              <a:buFont typeface="Arial"/>
-              <a:buChar char="•"/>
-            </a:pPr>
-            <a:r>
-              <a:rPr lang="en-GB" sz="2800" dirty="0">
-                <a:solidFill>
-                  <a:srgbClr val="FFFF99"/>
-                </a:solidFill>
-              </a:rPr>
-              <a:t>P</a:t>
-            </a:r>
-            <a:r>
-              <a:rPr lang="en-GB" sz="2800" dirty="0" smtClean="0">
-                <a:solidFill>
-                  <a:srgbClr val="FFFF99"/>
-                </a:solidFill>
-              </a:rPr>
-              <a:t>rovide </a:t>
-            </a:r>
-            <a:r>
-              <a:rPr lang="en-GB" sz="2800" dirty="0">
-                <a:solidFill>
-                  <a:srgbClr val="FFFF99"/>
-                </a:solidFill>
-              </a:rPr>
-              <a:t>descriptive statistics on </a:t>
-            </a:r>
-            <a:r>
-              <a:rPr lang="en-GB" sz="2800" dirty="0" smtClean="0">
-                <a:solidFill>
-                  <a:srgbClr val="FFFF99"/>
-                </a:solidFill>
-              </a:rPr>
-              <a:t>it.</a:t>
-            </a:r>
-          </a:p>
-          <a:p>
-            <a:pPr marL="914400" lvl="1" indent="-457200" eaLnBrk="0" hangingPunct="0">
-              <a:lnSpc>
-                <a:spcPct val="110000"/>
-              </a:lnSpc>
-              <a:spcBef>
-                <a:spcPct val="20000"/>
-              </a:spcBef>
-              <a:buFont typeface="Arial"/>
-              <a:buChar char="•"/>
-            </a:pPr>
-            <a:r>
-              <a:rPr lang="en-GB" sz="2800" dirty="0" smtClean="0">
-                <a:solidFill>
-                  <a:srgbClr val="FFFF99"/>
-                </a:solidFill>
-              </a:rPr>
-              <a:t>Generate </a:t>
-            </a:r>
-            <a:r>
-              <a:rPr lang="en-GB" sz="2800" dirty="0">
-                <a:solidFill>
-                  <a:srgbClr val="FFFF99"/>
-                </a:solidFill>
-              </a:rPr>
-              <a:t>one or more plots from </a:t>
-            </a:r>
-            <a:r>
-              <a:rPr lang="en-GB" sz="2800" dirty="0" smtClean="0">
-                <a:solidFill>
-                  <a:srgbClr val="FFFF99"/>
-                </a:solidFill>
-              </a:rPr>
-              <a:t>it.</a:t>
-            </a:r>
-          </a:p>
-          <a:p>
-            <a:pPr marL="914400" lvl="1" indent="-457200" eaLnBrk="0" hangingPunct="0">
-              <a:lnSpc>
-                <a:spcPct val="110000"/>
-              </a:lnSpc>
-              <a:spcBef>
-                <a:spcPct val="20000"/>
-              </a:spcBef>
-              <a:buFont typeface="Arial"/>
-              <a:buChar char="•"/>
-            </a:pPr>
-            <a:r>
-              <a:rPr lang="en-GB" sz="2800" dirty="0" smtClean="0">
-                <a:solidFill>
-                  <a:srgbClr val="FFFF99"/>
-                </a:solidFill>
-              </a:rPr>
-              <a:t>Undertake </a:t>
-            </a:r>
-            <a:r>
-              <a:rPr lang="en-GB" sz="2800" dirty="0">
-                <a:solidFill>
-                  <a:srgbClr val="FFFF99"/>
-                </a:solidFill>
-              </a:rPr>
-              <a:t>one or more hypothesis </a:t>
-            </a:r>
-            <a:r>
-              <a:rPr lang="en-GB" sz="2800" dirty="0" smtClean="0">
-                <a:solidFill>
-                  <a:srgbClr val="FFFF99"/>
-                </a:solidFill>
-              </a:rPr>
-              <a:t>tests.</a:t>
-            </a:r>
-            <a:endParaRPr lang="en-GB" sz="2400" dirty="0"/>
-          </a:p>
-        </p:txBody>
-      </p:sp>
-      <p:sp>
-        <p:nvSpPr>
-          <p:cNvPr id="14339" name="Rectangle 3"/>
-          <p:cNvSpPr>
-            <a:spLocks noChangeArrowheads="1"/>
-          </p:cNvSpPr>
-          <p:nvPr/>
-        </p:nvSpPr>
-        <p:spPr bwMode="auto">
-          <a:xfrm>
-            <a:off x="0" y="0"/>
-            <a:ext cx="9151938" cy="692150"/>
-          </a:xfrm>
-          <a:prstGeom prst="rect">
-            <a:avLst/>
-          </a:prstGeom>
-          <a:gradFill rotWithShape="1">
-            <a:gsLst>
-              <a:gs pos="0">
-                <a:srgbClr val="006600"/>
-              </a:gs>
-              <a:gs pos="100000">
-                <a:srgbClr val="000000"/>
-              </a:gs>
-            </a:gsLst>
-            <a:lin ang="2700000" scaled="1"/>
-          </a:gradFill>
-          <a:ln w="19050" algn="ctr">
-            <a:solidFill>
-              <a:schemeClr val="tx1"/>
-            </a:solidFill>
-            <a:miter lim="800000"/>
-            <a:headEnd/>
-            <a:tailEnd/>
-          </a:ln>
-        </p:spPr>
-        <p:txBody>
-          <a:bodyPr wrap="none" anchor="ctr"/>
-          <a:lstStyle/>
-          <a:p>
-            <a:pPr algn="ctr" eaLnBrk="0" hangingPunct="0"/>
-            <a:endParaRPr lang="en-GB" sz="2400" b="0">
-              <a:solidFill>
-                <a:schemeClr val="tx1"/>
-              </a:solidFill>
-              <a:latin typeface="Times New Roman" pitchFamily="18" charset="0"/>
-            </a:endParaRPr>
-          </a:p>
-        </p:txBody>
-      </p:sp>
-      <p:sp>
-        <p:nvSpPr>
-          <p:cNvPr id="1377284" name="Rectangle 4"/>
-          <p:cNvSpPr>
-            <a:spLocks noChangeArrowheads="1"/>
-          </p:cNvSpPr>
-          <p:nvPr/>
-        </p:nvSpPr>
-        <p:spPr bwMode="auto">
-          <a:xfrm>
-            <a:off x="0" y="0"/>
-            <a:ext cx="9144000" cy="692150"/>
-          </a:xfrm>
-          <a:prstGeom prst="rect">
-            <a:avLst/>
-          </a:prstGeom>
-          <a:noFill/>
-          <a:ln w="9525">
-            <a:noFill/>
-            <a:miter lim="800000"/>
-            <a:headEnd/>
-            <a:tailEnd/>
-          </a:ln>
-          <a:effectLst/>
-        </p:spPr>
-        <p:txBody>
-          <a:bodyPr/>
-          <a:lstStyle/>
-          <a:p>
-            <a:pPr algn="ctr" eaLnBrk="0" hangingPunct="0">
-              <a:spcBef>
-                <a:spcPct val="20000"/>
-              </a:spcBef>
-              <a:defRPr/>
-            </a:pPr>
-            <a:r>
-              <a:rPr lang="en-GB" sz="3600" b="0" dirty="0">
-                <a:solidFill>
-                  <a:srgbClr val="FFFF00"/>
-                </a:solidFill>
-                <a:effectLst>
-                  <a:outerShdw blurRad="38100" dist="38100" dir="2700000" algn="tl">
-                    <a:srgbClr val="FFFFFF"/>
-                  </a:outerShdw>
-                </a:effectLst>
-                <a:latin typeface="Cooper Black" pitchFamily="18" charset="0"/>
-                <a:cs typeface="+mn-cs"/>
-              </a:rPr>
-              <a:t>THE CLASS TEST</a:t>
-            </a:r>
-            <a:endParaRPr lang="en-US" sz="3600" b="0" dirty="0">
-              <a:effectLst>
-                <a:outerShdw blurRad="38100" dist="38100" dir="2700000" algn="tl">
-                  <a:srgbClr val="808080"/>
-                </a:outerShdw>
-              </a:effectLst>
-              <a:latin typeface="Cooper Black" pitchFamily="18" charset="0"/>
-              <a:cs typeface="+mn-cs"/>
-            </a:endParaRPr>
-          </a:p>
-        </p:txBody>
-      </p:sp>
-    </p:spTree>
-  </p:cSld>
-  <p:clrMapOvr>
-    <a:masterClrMapping/>
-  </p:clrMapOvr>
-  <p:transition xmlns:p14="http://schemas.microsoft.com/office/powerpoint/2010/main">
-    <p:fade/>
-  </p:transition>
-  <p:timing>
-    <p:tnLst>
-      <p:par>
-        <p:cTn xmlns:p14="http://schemas.microsoft.com/office/powerpoint/2010/main" id="1" dur="indefinite" restart="never" nodeType="tmRoot">
-          <p:childTnLst>
-            <p:seq concurrent="1" nextAc="seek">
-              <p:cTn id="2" dur="indefinite" nodeType="mainSeq">
-                <p:childTnLst>
-                  <p:par>
-                    <p:cTn id="3" fill="hold" nodeType="clickPar">
-                      <p:stCondLst>
-                        <p:cond delay="indefinite"/>
-                      </p:stCondLst>
-                      <p:childTnLst>
-                        <p:par>
-                          <p:cTn id="4" fill="hold" nodeType="withGroup">
-                            <p:stCondLst>
-                              <p:cond delay="0"/>
-                            </p:stCondLst>
-                            <p:childTnLst>
-                              <p:par>
-                                <p:cTn id="5" presetID="10" presetClass="entr" presetSubtype="0" fill="hold" grpId="0" nodeType="clickEffect">
-                                  <p:stCondLst>
-                                    <p:cond delay="0"/>
-                                  </p:stCondLst>
-                                  <p:childTnLst>
-                                    <p:set>
-                                      <p:cBhvr>
-                                        <p:cTn id="6" dur="1" fill="hold">
-                                          <p:stCondLst>
-                                            <p:cond delay="0"/>
-                                          </p:stCondLst>
-                                        </p:cTn>
-                                        <p:tgtEl>
-                                          <p:spTgt spid="14338">
-                                            <p:txEl>
-                                              <p:pRg st="0" end="0"/>
-                                            </p:txEl>
-                                          </p:spTgt>
-                                        </p:tgtEl>
-                                        <p:attrNameLst>
-                                          <p:attrName>style.visibility</p:attrName>
-                                        </p:attrNameLst>
-                                      </p:cBhvr>
-                                      <p:to>
-                                        <p:strVal val="visible"/>
-                                      </p:to>
-                                    </p:set>
-                                    <p:animEffect transition="in" filter="fade">
-                                      <p:cBhvr>
-                                        <p:cTn id="7" dur="500"/>
-                                        <p:tgtEl>
-                                          <p:spTgt spid="14338">
-                                            <p:txEl>
-                                              <p:pRg st="0" end="0"/>
-                                            </p:txEl>
-                                          </p:spTgt>
-                                        </p:tgtEl>
-                                      </p:cBhvr>
-                                    </p:animEffect>
-                                  </p:childTnLst>
-                                </p:cTn>
-                              </p:par>
-                            </p:childTnLst>
-                          </p:cTn>
-                        </p:par>
-                      </p:childTnLst>
-                    </p:cTn>
-                  </p:par>
-                  <p:par>
-                    <p:cTn id="8" fill="hold" nodeType="clickPar">
-                      <p:stCondLst>
-                        <p:cond delay="indefinite"/>
-                      </p:stCondLst>
-                      <p:childTnLst>
-                        <p:par>
-                          <p:cTn id="9" fill="hold" nodeType="withGroup">
-                            <p:stCondLst>
-                              <p:cond delay="0"/>
-                            </p:stCondLst>
-                            <p:childTnLst>
-                              <p:par>
-                                <p:cTn id="10" presetID="10" presetClass="entr" presetSubtype="0" fill="hold" grpId="0" nodeType="clickEffect">
-                                  <p:stCondLst>
-                                    <p:cond delay="0"/>
-                                  </p:stCondLst>
-                                  <p:childTnLst>
-                                    <p:set>
-                                      <p:cBhvr>
-                                        <p:cTn id="11" dur="1" fill="hold">
-                                          <p:stCondLst>
-                                            <p:cond delay="0"/>
-                                          </p:stCondLst>
-                                        </p:cTn>
-                                        <p:tgtEl>
-                                          <p:spTgt spid="14338">
-                                            <p:txEl>
-                                              <p:pRg st="1" end="1"/>
-                                            </p:txEl>
-                                          </p:spTgt>
-                                        </p:tgtEl>
-                                        <p:attrNameLst>
-                                          <p:attrName>style.visibility</p:attrName>
-                                        </p:attrNameLst>
-                                      </p:cBhvr>
-                                      <p:to>
-                                        <p:strVal val="visible"/>
-                                      </p:to>
-                                    </p:set>
-                                    <p:animEffect transition="in" filter="fade">
-                                      <p:cBhvr>
-                                        <p:cTn id="12" dur="500"/>
-                                        <p:tgtEl>
-                                          <p:spTgt spid="14338">
-                                            <p:txEl>
-                                              <p:pRg st="1" end="1"/>
-                                            </p:txEl>
-                                          </p:spTgt>
-                                        </p:tgtEl>
-                                      </p:cBhvr>
-                                    </p:animEffect>
-                                  </p:childTnLst>
-                                </p:cTn>
-                              </p:par>
-                            </p:childTnLst>
-                          </p:cTn>
-                        </p:par>
-                      </p:childTnLst>
-                    </p:cTn>
-                  </p:par>
-                  <p:par>
-                    <p:cTn id="13" fill="hold" nodeType="clickPar">
-                      <p:stCondLst>
-                        <p:cond delay="indefinite"/>
-                      </p:stCondLst>
-                      <p:childTnLst>
-                        <p:par>
-                          <p:cTn id="14" fill="hold" nodeType="withGroup">
-                            <p:stCondLst>
-                              <p:cond delay="0"/>
-                            </p:stCondLst>
-                            <p:childTnLst>
-                              <p:par>
-                                <p:cTn id="15" presetID="10" presetClass="entr" presetSubtype="0" fill="hold" grpId="0" nodeType="clickEffect">
-                                  <p:stCondLst>
-                                    <p:cond delay="0"/>
-                                  </p:stCondLst>
-                                  <p:childTnLst>
-                                    <p:set>
-                                      <p:cBhvr>
-                                        <p:cTn id="16" dur="1" fill="hold">
-                                          <p:stCondLst>
-                                            <p:cond delay="0"/>
-                                          </p:stCondLst>
-                                        </p:cTn>
-                                        <p:tgtEl>
-                                          <p:spTgt spid="14338">
-                                            <p:txEl>
-                                              <p:pRg st="2" end="2"/>
-                                            </p:txEl>
-                                          </p:spTgt>
-                                        </p:tgtEl>
-                                        <p:attrNameLst>
-                                          <p:attrName>style.visibility</p:attrName>
-                                        </p:attrNameLst>
-                                      </p:cBhvr>
-                                      <p:to>
-                                        <p:strVal val="visible"/>
-                                      </p:to>
-                                    </p:set>
-                                    <p:animEffect transition="in" filter="fade">
-                                      <p:cBhvr>
-                                        <p:cTn id="17" dur="500"/>
-                                        <p:tgtEl>
-                                          <p:spTgt spid="14338">
-                                            <p:txEl>
-                                              <p:pRg st="2" end="2"/>
-                                            </p:txEl>
-                                          </p:spTgt>
-                                        </p:tgtEl>
-                                      </p:cBhvr>
-                                    </p:animEffect>
-                                  </p:childTnLst>
-                                </p:cTn>
-                              </p:par>
-                            </p:childTnLst>
-                          </p:cTn>
-                        </p:par>
-                      </p:childTnLst>
-                    </p:cTn>
-                  </p:par>
-                  <p:par>
-                    <p:cTn id="18" fill="hold" nodeType="clickPar">
-                      <p:stCondLst>
-                        <p:cond delay="indefinite"/>
-                      </p:stCondLst>
-                      <p:childTnLst>
-                        <p:par>
-                          <p:cTn id="19" fill="hold" nodeType="withGroup">
-                            <p:stCondLst>
-                              <p:cond delay="0"/>
-                            </p:stCondLst>
-                            <p:childTnLst>
-                              <p:par>
-                                <p:cTn id="20" presetID="10" presetClass="entr" presetSubtype="0" fill="hold" grpId="0" nodeType="clickEffect">
-                                  <p:stCondLst>
-                                    <p:cond delay="0"/>
-                                  </p:stCondLst>
-                                  <p:childTnLst>
-                                    <p:set>
-                                      <p:cBhvr>
-                                        <p:cTn id="21" dur="1" fill="hold">
-                                          <p:stCondLst>
-                                            <p:cond delay="0"/>
-                                          </p:stCondLst>
-                                        </p:cTn>
-                                        <p:tgtEl>
-                                          <p:spTgt spid="14338">
-                                            <p:txEl>
-                                              <p:pRg st="3" end="3"/>
-                                            </p:txEl>
-                                          </p:spTgt>
-                                        </p:tgtEl>
-                                        <p:attrNameLst>
-                                          <p:attrName>style.visibility</p:attrName>
-                                        </p:attrNameLst>
-                                      </p:cBhvr>
-                                      <p:to>
-                                        <p:strVal val="visible"/>
-                                      </p:to>
-                                    </p:set>
-                                    <p:animEffect transition="in" filter="fade">
-                                      <p:cBhvr>
-                                        <p:cTn id="22" dur="500"/>
-                                        <p:tgtEl>
-                                          <p:spTgt spid="14338">
-                                            <p:txEl>
-                                              <p:pRg st="3" end="3"/>
-                                            </p:txEl>
-                                          </p:spTgt>
-                                        </p:tgtEl>
-                                      </p:cBhvr>
-                                    </p:animEffect>
-                                  </p:childTnLst>
-                                </p:cTn>
-                              </p:par>
-                            </p:childTnLst>
-                          </p:cTn>
-                        </p:par>
-                      </p:childTnLst>
-                    </p:cTn>
-                  </p:par>
-                  <p:par>
-                    <p:cTn id="23" fill="hold">
-                      <p:stCondLst>
-                        <p:cond delay="indefinite"/>
-                      </p:stCondLst>
-                      <p:childTnLst>
-                        <p:par>
-                          <p:cTn id="24" fill="hold">
-                            <p:stCondLst>
-                              <p:cond delay="0"/>
-                            </p:stCondLst>
-                            <p:childTnLst>
-                              <p:par>
-                                <p:cTn id="25" presetID="10" presetClass="entr" presetSubtype="0" fill="hold" grpId="0" nodeType="clickEffect">
-                                  <p:stCondLst>
-                                    <p:cond delay="0"/>
-                                  </p:stCondLst>
-                                  <p:childTnLst>
-                                    <p:set>
-                                      <p:cBhvr>
-                                        <p:cTn id="26" dur="1" fill="hold">
-                                          <p:stCondLst>
-                                            <p:cond delay="0"/>
-                                          </p:stCondLst>
-                                        </p:cTn>
-                                        <p:tgtEl>
-                                          <p:spTgt spid="14338">
-                                            <p:txEl>
-                                              <p:pRg st="4" end="4"/>
-                                            </p:txEl>
-                                          </p:spTgt>
-                                        </p:tgtEl>
-                                        <p:attrNameLst>
-                                          <p:attrName>style.visibility</p:attrName>
-                                        </p:attrNameLst>
-                                      </p:cBhvr>
-                                      <p:to>
-                                        <p:strVal val="visible"/>
-                                      </p:to>
-                                    </p:set>
-                                    <p:animEffect transition="in" filter="fade">
-                                      <p:cBhvr>
-                                        <p:cTn id="27" dur="500"/>
-                                        <p:tgtEl>
-                                          <p:spTgt spid="14338">
-                                            <p:txEl>
-                                              <p:pRg st="4" end="4"/>
-                                            </p:txEl>
-                                          </p:spTgt>
-                                        </p:tgtEl>
-                                      </p:cBhvr>
-                                    </p:animEffect>
-                                  </p:childTnLst>
-                                </p:cTn>
-                              </p:par>
-                            </p:childTnLst>
-                          </p:cTn>
-                        </p:par>
-                      </p:childTnLst>
-                    </p:cTn>
-                  </p:par>
-                  <p:par>
-                    <p:cTn id="28" fill="hold">
-                      <p:stCondLst>
-                        <p:cond delay="indefinite"/>
-                      </p:stCondLst>
-                      <p:childTnLst>
-                        <p:par>
-                          <p:cTn id="29" fill="hold">
-                            <p:stCondLst>
-                              <p:cond delay="0"/>
-                            </p:stCondLst>
-                            <p:childTnLst>
-                              <p:par>
-                                <p:cTn id="30" presetID="10" presetClass="entr" presetSubtype="0" fill="hold" grpId="0" nodeType="clickEffect">
-                                  <p:stCondLst>
-                                    <p:cond delay="0"/>
-                                  </p:stCondLst>
-                                  <p:childTnLst>
-                                    <p:set>
-                                      <p:cBhvr>
-                                        <p:cTn id="31" dur="1" fill="hold">
-                                          <p:stCondLst>
-                                            <p:cond delay="0"/>
-                                          </p:stCondLst>
-                                        </p:cTn>
-                                        <p:tgtEl>
-                                          <p:spTgt spid="14338">
-                                            <p:txEl>
-                                              <p:pRg st="5" end="5"/>
-                                            </p:txEl>
-                                          </p:spTgt>
-                                        </p:tgtEl>
-                                        <p:attrNameLst>
-                                          <p:attrName>style.visibility</p:attrName>
-                                        </p:attrNameLst>
-                                      </p:cBhvr>
-                                      <p:to>
-                                        <p:strVal val="visible"/>
-                                      </p:to>
-                                    </p:set>
-                                    <p:animEffect transition="in" filter="fade">
-                                      <p:cBhvr>
-                                        <p:cTn id="32" dur="500"/>
-                                        <p:tgtEl>
-                                          <p:spTgt spid="14338">
-                                            <p:txEl>
-                                              <p:pRg st="5" end="5"/>
-                                            </p:txEl>
-                                          </p:spTgt>
-                                        </p:tgtEl>
-                                      </p:cBhvr>
-                                    </p:animEffect>
-                                  </p:childTnLst>
-                                </p:cTn>
-                              </p:par>
-                            </p:childTnLst>
-                          </p:cTn>
-                        </p:par>
-                      </p:childTnLst>
-                    </p:cTn>
-                  </p:par>
-                  <p:par>
-                    <p:cTn id="33" fill="hold">
-                      <p:stCondLst>
-                        <p:cond delay="indefinite"/>
-                      </p:stCondLst>
-                      <p:childTnLst>
-                        <p:par>
-                          <p:cTn id="34" fill="hold">
-                            <p:stCondLst>
-                              <p:cond delay="0"/>
-                            </p:stCondLst>
-                            <p:childTnLst>
-                              <p:par>
-                                <p:cTn id="35" presetID="10" presetClass="entr" presetSubtype="0" fill="hold" grpId="0" nodeType="clickEffect">
-                                  <p:stCondLst>
-                                    <p:cond delay="0"/>
-                                  </p:stCondLst>
-                                  <p:childTnLst>
-                                    <p:set>
-                                      <p:cBhvr>
-                                        <p:cTn id="36" dur="1" fill="hold">
-                                          <p:stCondLst>
-                                            <p:cond delay="0"/>
-                                          </p:stCondLst>
-                                        </p:cTn>
-                                        <p:tgtEl>
-                                          <p:spTgt spid="14338">
-                                            <p:txEl>
-                                              <p:pRg st="6" end="6"/>
-                                            </p:txEl>
-                                          </p:spTgt>
-                                        </p:tgtEl>
-                                        <p:attrNameLst>
-                                          <p:attrName>style.visibility</p:attrName>
-                                        </p:attrNameLst>
-                                      </p:cBhvr>
-                                      <p:to>
-                                        <p:strVal val="visible"/>
-                                      </p:to>
-                                    </p:set>
-                                    <p:animEffect transition="in" filter="fade">
-                                      <p:cBhvr>
-                                        <p:cTn id="37" dur="500"/>
-                                        <p:tgtEl>
-                                          <p:spTgt spid="14338">
-                                            <p:txEl>
-                                              <p:pRg st="6" end="6"/>
-                                            </p:txEl>
-                                          </p:spTgt>
-                                        </p:tgtEl>
-                                      </p:cBhvr>
-                                    </p:animEffect>
-                                  </p:childTnLst>
-                                </p:cTn>
-                              </p:par>
-                            </p:childTnLst>
-                          </p:cTn>
-                        </p:par>
-                      </p:childTnLst>
-                    </p:cTn>
-                  </p:par>
-                  <p:par>
-                    <p:cTn id="38" fill="hold">
-                      <p:stCondLst>
-                        <p:cond delay="indefinite"/>
-                      </p:stCondLst>
-                      <p:childTnLst>
-                        <p:par>
-                          <p:cTn id="39" fill="hold">
-                            <p:stCondLst>
-                              <p:cond delay="0"/>
-                            </p:stCondLst>
-                            <p:childTnLst>
-                              <p:par>
-                                <p:cTn id="40" presetID="10" presetClass="entr" presetSubtype="0" fill="hold" grpId="0" nodeType="clickEffect">
-                                  <p:stCondLst>
-                                    <p:cond delay="0"/>
-                                  </p:stCondLst>
-                                  <p:childTnLst>
-                                    <p:set>
-                                      <p:cBhvr>
-                                        <p:cTn id="41" dur="1" fill="hold">
-                                          <p:stCondLst>
-                                            <p:cond delay="0"/>
-                                          </p:stCondLst>
-                                        </p:cTn>
-                                        <p:tgtEl>
-                                          <p:spTgt spid="14338">
-                                            <p:txEl>
-                                              <p:pRg st="7" end="7"/>
-                                            </p:txEl>
-                                          </p:spTgt>
-                                        </p:tgtEl>
-                                        <p:attrNameLst>
-                                          <p:attrName>style.visibility</p:attrName>
-                                        </p:attrNameLst>
-                                      </p:cBhvr>
-                                      <p:to>
-                                        <p:strVal val="visible"/>
-                                      </p:to>
-                                    </p:set>
-                                    <p:animEffect transition="in" filter="fade">
-                                      <p:cBhvr>
-                                        <p:cTn id="42" dur="500"/>
-                                        <p:tgtEl>
-                                          <p:spTgt spid="14338">
-                                            <p:txEl>
-                                              <p:pRg st="7" end="7"/>
-                                            </p:txEl>
-                                          </p:spTgt>
-                                        </p:tgtEl>
-                                      </p:cBhvr>
-                                    </p:animEffect>
-                                  </p:childTnLst>
-                                </p:cTn>
-                              </p:par>
-                            </p:childTnLst>
-                          </p:cTn>
-                        </p:par>
-                      </p:childTnLst>
-                    </p:cTn>
-                  </p:par>
-                  <p:par>
-                    <p:cTn id="43" fill="hold">
-                      <p:stCondLst>
-                        <p:cond delay="indefinite"/>
-                      </p:stCondLst>
-                      <p:childTnLst>
-                        <p:par>
-                          <p:cTn id="44" fill="hold">
-                            <p:stCondLst>
-                              <p:cond delay="0"/>
-                            </p:stCondLst>
-                            <p:childTnLst>
-                              <p:par>
-                                <p:cTn id="45" presetID="10" presetClass="entr" presetSubtype="0" fill="hold" grpId="0" nodeType="clickEffect">
-                                  <p:stCondLst>
-                                    <p:cond delay="0"/>
-                                  </p:stCondLst>
-                                  <p:childTnLst>
-                                    <p:set>
-                                      <p:cBhvr>
-                                        <p:cTn id="46" dur="1" fill="hold">
-                                          <p:stCondLst>
-                                            <p:cond delay="0"/>
-                                          </p:stCondLst>
-                                        </p:cTn>
-                                        <p:tgtEl>
-                                          <p:spTgt spid="14338">
-                                            <p:txEl>
-                                              <p:pRg st="8" end="8"/>
-                                            </p:txEl>
-                                          </p:spTgt>
-                                        </p:tgtEl>
-                                        <p:attrNameLst>
-                                          <p:attrName>style.visibility</p:attrName>
-                                        </p:attrNameLst>
-                                      </p:cBhvr>
-                                      <p:to>
-                                        <p:strVal val="visible"/>
-                                      </p:to>
-                                    </p:set>
-                                    <p:animEffect transition="in" filter="fade">
-                                      <p:cBhvr>
-                                        <p:cTn id="47" dur="500"/>
-                                        <p:tgtEl>
-                                          <p:spTgt spid="14338">
-                                            <p:txEl>
-                                              <p:pRg st="8" end="8"/>
-                                            </p:txEl>
-                                          </p:spTgt>
-                                        </p:tgtEl>
-                                      </p:cBhvr>
-                                    </p:animEffect>
-                                  </p:childTnLst>
-                                </p:cTn>
-                              </p:par>
-                            </p:childTnLst>
-                          </p:cTn>
-                        </p:par>
-                      </p:childTnLst>
-                    </p:cTn>
-                  </p:par>
-                </p:childTnLst>
-              </p:cTn>
-              <p:prevCondLst>
-                <p:cond evt="onPrev" delay="0">
-                  <p:tgtEl>
-                    <p:sldTgt/>
-                  </p:tgtEl>
-                </p:cond>
-              </p:prevCondLst>
-              <p:nextCondLst>
-                <p:cond evt="onNext" delay="0">
-                  <p:tgtEl>
-                    <p:sldTgt/>
-                  </p:tgtEl>
-                </p:cond>
-              </p:nextCondLst>
-            </p:seq>
-          </p:childTnLst>
-        </p:cTn>
-      </p:par>
-    </p:tnLst>
-    <p:bldLst>
-      <p:bldP spid="14338" grpId="0" build="p" bldLvl="3"/>
-    </p:bldLst>
-  </p:timing>
-</p:sld>
-</file>
-
-<file path=ppt/slides/slide11.xml><?xml version="1.0" encoding="utf-8"?>
-<p:sld xmlns:a="http://schemas.openxmlformats.org/drawingml/2006/main" xmlns:r="http://schemas.openxmlformats.org/officeDocument/2006/relationships" xmlns:p="http://schemas.openxmlformats.org/presentationml/2006/main">
-  <p:cSld>
-    <p:spTree>
-      <p:nvGrpSpPr>
-        <p:cNvPr id="1" name=""/>
-        <p:cNvGrpSpPr/>
-        <p:nvPr/>
-      </p:nvGrpSpPr>
-      <p:grpSpPr>
-        <a:xfrm>
-          <a:off x="0" y="0"/>
-          <a:ext cx="0" cy="0"/>
-          <a:chOff x="0" y="0"/>
-          <a:chExt cx="0" cy="0"/>
-        </a:xfrm>
-      </p:grpSpPr>
-      <p:sp>
-        <p:nvSpPr>
           <p:cNvPr id="1377282" name="Rectangle 2"/>
           <p:cNvSpPr>
             <a:spLocks noChangeArrowheads="1"/>
@@ -8870,7 +7623,7 @@
             </a:r>
             <a:r>
               <a:rPr lang="en-GB" b="0" dirty="0" smtClean="0"/>
-              <a:t>2 </a:t>
+              <a:t>3 </a:t>
             </a:r>
             <a:r>
               <a:rPr lang="en-GB" b="0" dirty="0"/>
@@ -8922,8 +7675,21 @@
                   <a:srgbClr val="FFFF99"/>
                 </a:solidFill>
               </a:rPr>
-              <a:t>use email or any other messaging system to communicate with anyone outside the room - we will be watching carefully.</a:t>
-            </a:r>
+              <a:t>use email or any other messaging system to communicate with anyone outside the </a:t>
+            </a:r>
+            <a:r>
+              <a:rPr lang="en-GB" b="0" dirty="0" smtClean="0">
+                <a:solidFill>
+                  <a:srgbClr val="FFFF99"/>
+                </a:solidFill>
+              </a:rPr>
+              <a:t>room.</a:t>
+            </a:r>
+            <a:endParaRPr lang="en-GB" b="0" dirty="0">
+              <a:solidFill>
+                <a:srgbClr val="FFFF99"/>
+              </a:solidFill>
+            </a:endParaRPr>
           </a:p>
           <a:p>
             <a:pPr marL="85725" indent="-85725" eaLnBrk="0" hangingPunct="0">
@@ -9460,7 +8226,7 @@
 </p:sld>
 </file>
 
-<file path=ppt/slides/slide12.xml><?xml version="1.0" encoding="utf-8"?>
+<file path=ppt/slides/slide11.xml><?xml version="1.0" encoding="utf-8"?>
 <p:sld xmlns:a="http://schemas.openxmlformats.org/drawingml/2006/main" xmlns:r="http://schemas.openxmlformats.org/officeDocument/2006/relationships" xmlns:p="http://schemas.openxmlformats.org/presentationml/2006/main">
   <p:cSld>
     <p:spTree>
@@ -10325,7 +9091,7 @@
 </p:sld>
 </file>
 
-<file path=ppt/slides/slide13.xml><?xml version="1.0" encoding="utf-8"?>
+<file path=ppt/slides/slide12.xml><?xml version="1.0" encoding="utf-8"?>
 <p:sld xmlns:a="http://schemas.openxmlformats.org/drawingml/2006/main" xmlns:r="http://schemas.openxmlformats.org/officeDocument/2006/relationships" xmlns:p="http://schemas.openxmlformats.org/presentationml/2006/main">
   <p:cSld>
     <p:spTree>
@@ -11058,17 +9824,98 @@
               <a:defRPr/>
             </a:pPr>
             <a:r>
-              <a:rPr lang="en-GB" sz="2000" dirty="0"/>
-              <a:t>B1: I have two sets of trilobite fossils from different localities. I think they are from the same species but want some quantitative confirmation – on the basis of their mean </a:t>
-            </a:r>
-            <a:r>
-              <a:rPr lang="en-GB" sz="2000" dirty="0" err="1"/>
-              <a:t>length:width</a:t>
-            </a:r>
-            <a:r>
-              <a:rPr lang="en-GB" sz="2000" dirty="0"/>
-              <a:t> ratio (triloshape1.csv, triloshape2.csv) is there evidence that they are different?</a:t>
-            </a:r>
+              <a:rPr lang="en-GB" sz="2800" dirty="0"/>
+              <a:t>Chi-Squared test used for discrete (categorised) </a:t>
+            </a:r>
+            <a:r>
+              <a:rPr lang="en-GB" sz="2800" dirty="0" smtClean="0"/>
+              <a:t>data:</a:t>
+            </a:r>
+            <a:endParaRPr lang="en-GB" sz="2800" dirty="0"/>
+          </a:p>
+          <a:p>
+            <a:pPr marL="342900" indent="-342900" eaLnBrk="0" hangingPunct="0">
+              <a:lnSpc>
+                <a:spcPct val="110000"/>
+              </a:lnSpc>
+              <a:spcBef>
+                <a:spcPct val="20000"/>
+              </a:spcBef>
+              <a:buFont typeface="Arial"/>
+              <a:buChar char="•"/>
+              <a:defRPr/>
+            </a:pPr>
+            <a:r>
+              <a:rPr lang="en-GB" sz="2400" dirty="0" smtClean="0">
+                <a:solidFill>
+                  <a:srgbClr val="FFFF99"/>
+                </a:solidFill>
+              </a:rPr>
+              <a:t>Foot </a:t>
+            </a:r>
+            <a:r>
+              <a:rPr lang="en-GB" sz="2400" dirty="0">
+                <a:solidFill>
+                  <a:srgbClr val="FFFF99"/>
+                </a:solidFill>
+              </a:rPr>
+              <a:t>length – </a:t>
+            </a:r>
+            <a:r>
+              <a:rPr lang="en-GB" sz="2400" dirty="0" smtClean="0">
+                <a:solidFill>
+                  <a:srgbClr val="FFFF99"/>
+                </a:solidFill>
+              </a:rPr>
+              <a:t>continuous.</a:t>
+            </a:r>
+            <a:endParaRPr lang="en-GB" sz="2400" dirty="0">
+              <a:solidFill>
+                <a:srgbClr val="FFFF99"/>
+              </a:solidFill>
+            </a:endParaRPr>
+          </a:p>
+          <a:p>
+            <a:pPr marL="342900" indent="-342900" eaLnBrk="0" hangingPunct="0">
+              <a:lnSpc>
+                <a:spcPct val="110000"/>
+              </a:lnSpc>
+              <a:spcBef>
+                <a:spcPct val="20000"/>
+              </a:spcBef>
+              <a:buFont typeface="Arial"/>
+              <a:buChar char="•"/>
+              <a:defRPr/>
+            </a:pPr>
+            <a:r>
+              <a:rPr lang="en-GB" sz="2400" dirty="0" smtClean="0">
+                <a:solidFill>
+                  <a:srgbClr val="FFFF99"/>
+                </a:solidFill>
+              </a:rPr>
+              <a:t>Shoe </a:t>
+            </a:r>
+            <a:r>
+              <a:rPr lang="en-GB" sz="2400" dirty="0">
+                <a:solidFill>
+                  <a:srgbClr val="FFFF99"/>
+                </a:solidFill>
+              </a:rPr>
+              <a:t>size – </a:t>
+            </a:r>
+            <a:r>
+              <a:rPr lang="en-GB" sz="2400" dirty="0" smtClean="0">
+                <a:solidFill>
+                  <a:srgbClr val="FFFF99"/>
+                </a:solidFill>
+              </a:rPr>
+              <a:t>discrete.</a:t>
+            </a:r>
+            <a:endParaRPr lang="en-GB" sz="2400" dirty="0">
+              <a:solidFill>
+                <a:srgbClr val="FFFF99"/>
+              </a:solidFill>
+            </a:endParaRPr>
           </a:p>
           <a:p>
             <a:pPr marL="85725" indent="-85725" eaLnBrk="0" hangingPunct="0">
@@ -11081,45 +9928,155 @@
               <a:defRPr/>
             </a:pPr>
             <a:r>
-              <a:rPr lang="en-GB" sz="2000" dirty="0">
+              <a:rPr lang="en-GB" sz="2800" dirty="0"/>
+              <a:t>Geological discrete data might be</a:t>
+            </a:r>
+            <a:r>
+              <a:rPr lang="en-GB" sz="2800" dirty="0" smtClean="0"/>
+              <a:t>:</a:t>
+            </a:r>
+          </a:p>
+          <a:p>
+            <a:pPr marL="342900" indent="-342900" eaLnBrk="0" hangingPunct="0">
+              <a:lnSpc>
+                <a:spcPct val="110000"/>
+              </a:lnSpc>
+              <a:spcBef>
+                <a:spcPct val="20000"/>
+              </a:spcBef>
+              <a:buFont typeface="Arial"/>
+              <a:buChar char="•"/>
+              <a:defRPr/>
+            </a:pPr>
+            <a:r>
+              <a:rPr lang="en-GB" sz="2400" dirty="0" smtClean="0">
                 <a:solidFill>
                   <a:srgbClr val="FFFF99"/>
                 </a:solidFill>
               </a:rPr>
-              <a:t>	H</a:t>
-            </a:r>
-            <a:r>
-              <a:rPr lang="en-GB" sz="2000" baseline="-25000" dirty="0">
+              <a:t>Fossil </a:t>
+            </a:r>
+            <a:r>
+              <a:rPr lang="en-GB" sz="2400" dirty="0">
                 <a:solidFill>
                   <a:srgbClr val="FFFF99"/>
                 </a:solidFill>
               </a:rPr>
-              <a:t>0</a:t>
-            </a:r>
-            <a:r>
-              <a:rPr lang="en-GB" sz="2000" dirty="0">
+              <a:t>type (species A, species </a:t>
+            </a:r>
+            <a:r>
+              <a:rPr lang="en-GB" sz="2400" dirty="0" smtClean="0">
                 <a:solidFill>
                   <a:srgbClr val="FFFF99"/>
                 </a:solidFill>
               </a:rPr>
-              <a:t>: Mean </a:t>
-            </a:r>
-            <a:r>
-              <a:rPr lang="en-GB" sz="2000" dirty="0" err="1">
+              <a:t>B, …)</a:t>
+            </a:r>
+            <a:r>
+              <a:rPr lang="en-GB" sz="2400" dirty="0" smtClean="0">
                 <a:solidFill>
                   <a:srgbClr val="FFFF99"/>
                 </a:solidFill>
               </a:rPr>
-              <a:t>length:width</a:t>
-            </a:r>
-            <a:r>
-              <a:rPr lang="en-GB" sz="2000" dirty="0">
+              <a:t>.</a:t>
+            </a:r>
+            <a:endParaRPr lang="en-GB" sz="2400" dirty="0">
+              <a:solidFill>
+                <a:srgbClr val="FFFF99"/>
+              </a:solidFill>
+            </a:endParaRPr>
+          </a:p>
+          <a:p>
+            <a:pPr marL="342900" indent="-342900" eaLnBrk="0" hangingPunct="0">
+              <a:lnSpc>
+                <a:spcPct val="110000"/>
+              </a:lnSpc>
+              <a:spcBef>
+                <a:spcPct val="20000"/>
+              </a:spcBef>
+              <a:buFont typeface="Arial"/>
+              <a:buChar char="•"/>
+              <a:defRPr/>
+            </a:pPr>
+            <a:r>
+              <a:rPr lang="en-GB" sz="2400" dirty="0" smtClean="0">
                 <a:solidFill>
                   <a:srgbClr val="FFFF99"/>
                 </a:solidFill>
               </a:rPr>
-              <a:t> ratios of the two datasets are the same</a:t>
-            </a:r>
+              <a:t>Rock </a:t>
+            </a:r>
+            <a:r>
+              <a:rPr lang="en-GB" sz="2400" dirty="0">
+                <a:solidFill>
+                  <a:srgbClr val="FFFF99"/>
+                </a:solidFill>
+              </a:rPr>
+              <a:t>classification (sandstone, limestone, </a:t>
+            </a:r>
+            <a:r>
+              <a:rPr lang="en-GB" sz="2400" dirty="0" smtClean="0">
+                <a:solidFill>
+                  <a:srgbClr val="FFFF99"/>
+                </a:solidFill>
+              </a:rPr>
+              <a:t>mudstone…</a:t>
+            </a:r>
+            <a:r>
+              <a:rPr lang="en-GB" sz="2400" dirty="0" smtClean="0">
+                <a:solidFill>
+                  <a:srgbClr val="FFFF99"/>
+                </a:solidFill>
+              </a:rPr>
+              <a:t>)</a:t>
+            </a:r>
+            <a:endParaRPr lang="en-GB" sz="2400" dirty="0">
+              <a:solidFill>
+                <a:srgbClr val="FFFF99"/>
+              </a:solidFill>
+            </a:endParaRPr>
+          </a:p>
+          <a:p>
+            <a:pPr marL="342900" indent="-342900" eaLnBrk="0" hangingPunct="0">
+              <a:lnSpc>
+                <a:spcPct val="110000"/>
+              </a:lnSpc>
+              <a:spcBef>
+                <a:spcPct val="20000"/>
+              </a:spcBef>
+              <a:buFont typeface="Arial"/>
+              <a:buChar char="•"/>
+              <a:defRPr/>
+            </a:pPr>
+            <a:r>
+              <a:rPr lang="en-GB" sz="2400" dirty="0" smtClean="0">
+                <a:solidFill>
+                  <a:srgbClr val="FFFF99"/>
+                </a:solidFill>
+              </a:rPr>
+              <a:t>Fault </a:t>
+            </a:r>
+            <a:r>
+              <a:rPr lang="en-GB" sz="2400" dirty="0">
+                <a:solidFill>
+                  <a:srgbClr val="FFFF99"/>
+                </a:solidFill>
+              </a:rPr>
+              <a:t>type (normal, thrust, strike-slip </a:t>
+            </a:r>
+            <a:r>
+              <a:rPr lang="en-GB" sz="2400" dirty="0" smtClean="0">
+                <a:solidFill>
+                  <a:srgbClr val="FFFF99"/>
+                </a:solidFill>
+              </a:rPr>
+              <a:t>…).</a:t>
+            </a:r>
+            <a:endParaRPr lang="en-GB" sz="2400" dirty="0">
+              <a:solidFill>
+                <a:srgbClr val="FFFF99"/>
+              </a:solidFill>
+            </a:endParaRPr>
           </a:p>
           <a:p>
             <a:pPr marL="85725" indent="-85725" eaLnBrk="0" hangingPunct="0">
@@ -11132,45 +10089,26 @@
               <a:defRPr/>
             </a:pPr>
             <a:r>
-              <a:rPr lang="en-GB" sz="2000" dirty="0">
-                <a:solidFill>
-                  <a:srgbClr val="FFFF99"/>
-                </a:solidFill>
-              </a:rPr>
-              <a:t>	H</a:t>
-            </a:r>
-            <a:r>
-              <a:rPr lang="en-GB" sz="2000" baseline="-25000" dirty="0">
-                <a:solidFill>
-                  <a:srgbClr val="FFFF99"/>
-                </a:solidFill>
-              </a:rPr>
-              <a:t>1</a:t>
-            </a:r>
-            <a:r>
-              <a:rPr lang="en-GB" sz="2000" dirty="0">
-                <a:solidFill>
-                  <a:srgbClr val="FFFF99"/>
-                </a:solidFill>
-              </a:rPr>
-              <a:t>: Mean </a:t>
-            </a:r>
-            <a:r>
-              <a:rPr lang="en-GB" sz="2000" dirty="0" err="1">
-                <a:solidFill>
-                  <a:srgbClr val="FFFF99"/>
-                </a:solidFill>
-              </a:rPr>
-              <a:t>length:width</a:t>
-            </a:r>
-            <a:r>
-              <a:rPr lang="en-GB" sz="2000" dirty="0">
-                <a:solidFill>
-                  <a:srgbClr val="FFFF99"/>
-                </a:solidFill>
-              </a:rPr>
-              <a:t> ratios of the two datasets are different</a:t>
-            </a:r>
+              <a:rPr lang="en-GB" sz="2800" dirty="0"/>
+              <a:t>Chi-squared test provides a way of assessing how likely it is that counts of discrete data fit some expected pattern.</a:t>
+            </a:r>
+            <a:endParaRPr lang="en-GB" sz="2400" dirty="0"/>
+          </a:p>
+          <a:p>
+            <a:pPr marL="85725" lvl="1" indent="-85725" eaLnBrk="0" hangingPunct="0">
+              <a:lnSpc>
+                <a:spcPct val="110000"/>
+              </a:lnSpc>
+              <a:spcBef>
+                <a:spcPct val="20000"/>
+              </a:spcBef>
+              <a:defRPr/>
+            </a:pPr>
+            <a:endParaRPr lang="en-GB" sz="2000" dirty="0">
+              <a:solidFill>
+                <a:srgbClr val="FFFF99"/>
+              </a:solidFill>
+            </a:endParaRPr>
           </a:p>
           <a:p>
             <a:pPr marL="85725" indent="-85725" eaLnBrk="0" hangingPunct="0">
@@ -11182,25 +10120,10 @@
               </a:spcBef>
               <a:defRPr/>
             </a:pPr>
-            <a:r>
-              <a:rPr lang="en-GB" sz="2000" dirty="0">
-                <a:solidFill>
-                  <a:srgbClr val="FFFF00"/>
-                </a:solidFill>
-              </a:rPr>
-              <a:t>		2-tailed. Both normally distributed - t-test p=0.038 - accept H</a:t>
-            </a:r>
-            <a:r>
-              <a:rPr lang="en-GB" sz="2000" baseline="-25000" dirty="0">
-                <a:solidFill>
-                  <a:srgbClr val="FFFF00"/>
-                </a:solidFill>
-              </a:rPr>
-              <a:t>1</a:t>
-            </a:r>
-          </a:p>
-          <a:p>
-            <a:pPr marL="85725" indent="-85725" eaLnBrk="0" hangingPunct="0">
+            <a:endParaRPr lang="en-GB" sz="2400" dirty="0"/>
+          </a:p>
+          <a:p>
+            <a:pPr marL="542925" lvl="1" indent="-85725" eaLnBrk="0" hangingPunct="0">
               <a:lnSpc>
                 <a:spcPct val="110000"/>
               </a:lnSpc>
@@ -11209,10 +10132,10 @@
               </a:spcBef>
               <a:defRPr/>
             </a:pPr>
-            <a:endParaRPr lang="en-GB" sz="2000" dirty="0"/>
-          </a:p>
-          <a:p>
-            <a:pPr marL="85725" indent="-85725" eaLnBrk="0" hangingPunct="0">
+            <a:endParaRPr lang="en-GB" sz="2400" dirty="0"/>
+          </a:p>
+          <a:p>
+            <a:pPr marL="542925" lvl="1" indent="-85725" eaLnBrk="0" hangingPunct="0">
               <a:lnSpc>
                 <a:spcPct val="110000"/>
               </a:lnSpc>
@@ -11221,13 +10144,10 @@
               </a:spcBef>
               <a:defRPr/>
             </a:pPr>
-            <a:r>
-              <a:rPr lang="en-GB" sz="2000" dirty="0"/>
-              <a:t>B2: I have measured mica percentages in samples of igneous rocks from two different localities (micapercent1.csv, micapercent2.csv). The mean mica percentage is lower in the second locality and I have a geological theory that may explain this, but I first need to rule out the possibility that the lower mica content is just due to chance. </a:t>
-            </a:r>
-          </a:p>
-          <a:p>
-            <a:pPr marL="85725" indent="-85725" eaLnBrk="0" hangingPunct="0">
+            <a:endParaRPr lang="en-GB" sz="2400" dirty="0"/>
+          </a:p>
+          <a:p>
+            <a:pPr marL="542925" lvl="1" indent="-85725" eaLnBrk="0" hangingPunct="0">
               <a:lnSpc>
                 <a:spcPct val="110000"/>
               </a:lnSpc>
@@ -11236,125 +10156,17 @@
               </a:spcBef>
               <a:defRPr/>
             </a:pPr>
-            <a:r>
-              <a:rPr lang="en-GB" sz="2000" dirty="0">
-                <a:solidFill>
-                  <a:srgbClr val="FFFF99"/>
-                </a:solidFill>
-              </a:rPr>
-              <a:t>	H</a:t>
-            </a:r>
-            <a:r>
-              <a:rPr lang="en-GB" sz="2000" baseline="-25000" dirty="0">
-                <a:solidFill>
-                  <a:srgbClr val="FFFF99"/>
-                </a:solidFill>
-              </a:rPr>
-              <a:t>0</a:t>
-            </a:r>
-            <a:r>
-              <a:rPr lang="en-GB" sz="2000" dirty="0">
-                <a:solidFill>
-                  <a:srgbClr val="FFFF99"/>
-                </a:solidFill>
-              </a:rPr>
-              <a:t>: Mean mica percentage of the two datasets are the same</a:t>
-            </a:r>
-          </a:p>
-          <a:p>
-            <a:pPr marL="85725" indent="-85725" eaLnBrk="0" hangingPunct="0">
-              <a:lnSpc>
-                <a:spcPct val="110000"/>
-              </a:lnSpc>
-              <a:spcBef>
-                <a:spcPct val="20000"/>
-              </a:spcBef>
-              <a:defRPr/>
-            </a:pPr>
-            <a:r>
-              <a:rPr lang="en-GB" sz="2000" dirty="0">
-                <a:solidFill>
-                  <a:srgbClr val="FFFF99"/>
-                </a:solidFill>
-              </a:rPr>
-              <a:t>	H</a:t>
-            </a:r>
-            <a:r>
-              <a:rPr lang="en-GB" sz="2000" baseline="-25000" dirty="0">
-                <a:solidFill>
-                  <a:srgbClr val="FFFF99"/>
-                </a:solidFill>
-              </a:rPr>
-              <a:t>1</a:t>
-            </a:r>
-            <a:r>
-              <a:rPr lang="en-GB" sz="2000" dirty="0">
-                <a:solidFill>
-                  <a:srgbClr val="FFFF99"/>
-                </a:solidFill>
-              </a:rPr>
-              <a:t>: Mean mica percentage of locality 2 is lower than that of locality 1. </a:t>
-            </a:r>
-          </a:p>
-          <a:p>
-            <a:pPr marL="85725" indent="-85725" eaLnBrk="0" hangingPunct="0">
-              <a:lnSpc>
-                <a:spcPct val="110000"/>
-              </a:lnSpc>
-              <a:spcBef>
-                <a:spcPct val="20000"/>
-              </a:spcBef>
-              <a:defRPr/>
-            </a:pPr>
-            <a:r>
-              <a:rPr lang="en-GB" sz="2000" dirty="0">
-                <a:solidFill>
-                  <a:srgbClr val="FFFF00"/>
-                </a:solidFill>
-              </a:rPr>
-              <a:t>		1-tailed. Neither normally distributed - MW-test p=0.022 - accept H</a:t>
-            </a:r>
-            <a:r>
-              <a:rPr lang="en-GB" sz="2000" baseline="-25000" dirty="0">
-                <a:solidFill>
-                  <a:srgbClr val="FFFF00"/>
-                </a:solidFill>
-              </a:rPr>
-              <a:t>1</a:t>
-            </a:r>
-          </a:p>
-          <a:p>
-            <a:pPr marL="85725" indent="-85725" eaLnBrk="0" hangingPunct="0">
-              <a:lnSpc>
-                <a:spcPct val="110000"/>
-              </a:lnSpc>
-              <a:spcBef>
-                <a:spcPct val="20000"/>
-              </a:spcBef>
-              <a:defRPr/>
-            </a:pPr>
-            <a:endParaRPr lang="en-GB" sz="2000" baseline="-25000" dirty="0"/>
-          </a:p>
-          <a:p>
-            <a:pPr marL="814388" indent="-814388" eaLnBrk="0" hangingPunct="0">
-              <a:lnSpc>
-                <a:spcPct val="110000"/>
-              </a:lnSpc>
-              <a:spcBef>
-                <a:spcPct val="20000"/>
-              </a:spcBef>
-              <a:defRPr/>
-            </a:pPr>
-            <a:r>
-              <a:rPr lang="en-GB" sz="2800" dirty="0"/>
-              <a:t>			</a:t>
-            </a:r>
+            <a:endParaRPr lang="en-GB" sz="2400" baseline="-25000" dirty="0">
+              <a:solidFill>
+                <a:srgbClr val="FFFF00"/>
+              </a:solidFill>
+            </a:endParaRPr>
           </a:p>
         </p:txBody>
       </p:sp>
       <p:sp>
         <p:nvSpPr>
-          <p:cNvPr id="3075" name="Rectangle 3"/>
+          <p:cNvPr id="4099" name="Rectangle 3"/>
           <p:cNvSpPr>
             <a:spLocks noChangeArrowheads="1"/>
           </p:cNvSpPr>
@@ -11438,7 +10250,7 @@
               <a:defRPr/>
             </a:pPr>
             <a:r>
-              <a:rPr lang="en-GB" sz="3600" b="0" dirty="0" smtClean="0">
+              <a:rPr lang="en-GB" sz="3600" b="0" dirty="0">
                 <a:solidFill>
                   <a:srgbClr val="FFFF00"/>
                 </a:solidFill>
@@ -11450,7 +10262,7 @@
                 <a:latin typeface="Cooper Black" pitchFamily="18" charset="0"/>
                 <a:cs typeface="+mn-cs"/>
               </a:rPr>
-              <a:t>Revision practical</a:t>
+              <a:t>THE CHI-SQUARED TEST</a:t>
             </a:r>
             <a:endParaRPr lang="en-US" sz="3600" b="0" dirty="0">
               <a:effectLst>
@@ -11542,13 +10354,13 @@
                     </p:cTn>
                   </p:par>
                   <p:par>
-                    <p:cTn id="8" fill="hold" nodeType="clickPar">
+                    <p:cTn id="8" fill="hold">
                       <p:stCondLst>
                         <p:cond delay="indefinite"/>
                       </p:stCondLst>
                       <p:childTnLst>
                         <p:par>
-                          <p:cTn id="9" fill="hold" nodeType="withGroup">
+                          <p:cTn id="9" fill="hold">
                             <p:stCondLst>
                               <p:cond delay="0"/>
                             </p:stCondLst>
@@ -11603,13 +10415,13 @@
                     </p:cTn>
                   </p:par>
                   <p:par>
-                    <p:cTn id="13" fill="hold" nodeType="clickPar">
+                    <p:cTn id="13" fill="hold">
                       <p:stCondLst>
                         <p:cond delay="indefinite"/>
                       </p:stCondLst>
                       <p:childTnLst>
                         <p:par>
-                          <p:cTn id="14" fill="hold" nodeType="withGroup">
+                          <p:cTn id="14" fill="hold">
                             <p:stCondLst>
                               <p:cond delay="0"/>
                             </p:stCondLst>
@@ -11725,1099 +10537,13 @@
                     </p:cTn>
                   </p:par>
                   <p:par>
-                    <p:cTn id="23" fill="hold" nodeType="clickPar">
+                    <p:cTn id="23" fill="hold">
                       <p:stCondLst>
                         <p:cond delay="indefinite"/>
                       </p:stCondLst>
                       <p:childTnLst>
                         <p:par>
-                          <p:cTn id="24" fill="hold" nodeType="withGroup">
-                            <p:stCondLst>
-                              <p:cond delay="0"/>
-                            </p:stCondLst>
-                            <p:childTnLst>
-                              <p:par>
-                                <p:cTn id="25" presetID="10" presetClass="entr" presetSubtype="0" fill="hold" grpId="0" nodeType="clickEffect">
-                                  <p:stCondLst>
-                                    <p:cond delay="0"/>
-                                  </p:stCondLst>
-                                  <p:childTnLst>
-                                    <p:set>
-                                      <p:cBhvr>
-                                        <p:cTn id="26" dur="1" fill="hold">
-                                          <p:stCondLst>
-                                            <p:cond delay="0"/>
-                                          </p:stCondLst>
-                                        </p:cTn>
-                                        <p:tgtEl>
-                                          <p:spTgt spid="1377282">
-                                            <p:txEl>
-                                              <p:pRg st="5" end="5"/>
-                                            </p:txEl>
-                                          </p:spTgt>
-                                        </p:tgtEl>
-                                        <p:attrNameLst>
-                                          <p:attrName>style.visibility</p:attrName>
-                                        </p:attrNameLst>
-                                      </p:cBhvr>
-                                      <p:to>
-                                        <p:strVal val="visible"/>
-                                      </p:to>
-                                    </p:set>
-                                    <p:animEffect transition="in" filter="fade">
-                                      <p:cBhvr>
-                                        <p:cTn id="27" dur="500"/>
-                                        <p:tgtEl>
-                                          <p:spTgt spid="1377282">
-                                            <p:txEl>
-                                              <p:pRg st="5" end="5"/>
-                                            </p:txEl>
-                                          </p:spTgt>
-                                        </p:tgtEl>
-                                      </p:cBhvr>
-                                    </p:animEffect>
-                                  </p:childTnLst>
-                                </p:cTn>
-                              </p:par>
-                            </p:childTnLst>
-                          </p:cTn>
-                        </p:par>
-                      </p:childTnLst>
-                    </p:cTn>
-                  </p:par>
-                  <p:par>
-                    <p:cTn id="28" fill="hold" nodeType="clickPar">
-                      <p:stCondLst>
-                        <p:cond delay="indefinite"/>
-                      </p:stCondLst>
-                      <p:childTnLst>
-                        <p:par>
-                          <p:cTn id="29" fill="hold" nodeType="withGroup">
-                            <p:stCondLst>
-                              <p:cond delay="0"/>
-                            </p:stCondLst>
-                            <p:childTnLst>
-                              <p:par>
-                                <p:cTn id="30" presetID="10" presetClass="entr" presetSubtype="0" fill="hold" grpId="0" nodeType="clickEffect">
-                                  <p:stCondLst>
-                                    <p:cond delay="0"/>
-                                  </p:stCondLst>
-                                  <p:childTnLst>
-                                    <p:set>
-                                      <p:cBhvr>
-                                        <p:cTn id="31" dur="1" fill="hold">
-                                          <p:stCondLst>
-                                            <p:cond delay="0"/>
-                                          </p:stCondLst>
-                                        </p:cTn>
-                                        <p:tgtEl>
-                                          <p:spTgt spid="1377282">
-                                            <p:txEl>
-                                              <p:pRg st="6" end="6"/>
-                                            </p:txEl>
-                                          </p:spTgt>
-                                        </p:tgtEl>
-                                        <p:attrNameLst>
-                                          <p:attrName>style.visibility</p:attrName>
-                                        </p:attrNameLst>
-                                      </p:cBhvr>
-                                      <p:to>
-                                        <p:strVal val="visible"/>
-                                      </p:to>
-                                    </p:set>
-                                    <p:animEffect transition="in" filter="fade">
-                                      <p:cBhvr>
-                                        <p:cTn id="32" dur="500"/>
-                                        <p:tgtEl>
-                                          <p:spTgt spid="1377282">
-                                            <p:txEl>
-                                              <p:pRg st="6" end="6"/>
-                                            </p:txEl>
-                                          </p:spTgt>
-                                        </p:tgtEl>
-                                      </p:cBhvr>
-                                    </p:animEffect>
-                                  </p:childTnLst>
-                                </p:cTn>
-                              </p:par>
-                            </p:childTnLst>
-                          </p:cTn>
-                        </p:par>
-                      </p:childTnLst>
-                    </p:cTn>
-                  </p:par>
-                  <p:par>
-                    <p:cTn id="33" fill="hold" nodeType="clickPar">
-                      <p:stCondLst>
-                        <p:cond delay="indefinite"/>
-                      </p:stCondLst>
-                      <p:childTnLst>
-                        <p:par>
-                          <p:cTn id="34" fill="hold" nodeType="withGroup">
-                            <p:stCondLst>
-                              <p:cond delay="0"/>
-                            </p:stCondLst>
-                            <p:childTnLst>
-                              <p:par>
-                                <p:cTn id="35" presetID="10" presetClass="entr" presetSubtype="0" fill="hold" grpId="0" nodeType="clickEffect">
-                                  <p:stCondLst>
-                                    <p:cond delay="0"/>
-                                  </p:stCondLst>
-                                  <p:childTnLst>
-                                    <p:set>
-                                      <p:cBhvr>
-                                        <p:cTn id="36" dur="1" fill="hold">
-                                          <p:stCondLst>
-                                            <p:cond delay="0"/>
-                                          </p:stCondLst>
-                                        </p:cTn>
-                                        <p:tgtEl>
-                                          <p:spTgt spid="1377282">
-                                            <p:txEl>
-                                              <p:pRg st="7" end="7"/>
-                                            </p:txEl>
-                                          </p:spTgt>
-                                        </p:tgtEl>
-                                        <p:attrNameLst>
-                                          <p:attrName>style.visibility</p:attrName>
-                                        </p:attrNameLst>
-                                      </p:cBhvr>
-                                      <p:to>
-                                        <p:strVal val="visible"/>
-                                      </p:to>
-                                    </p:set>
-                                    <p:animEffect transition="in" filter="fade">
-                                      <p:cBhvr>
-                                        <p:cTn id="37" dur="500"/>
-                                        <p:tgtEl>
-                                          <p:spTgt spid="1377282">
-                                            <p:txEl>
-                                              <p:pRg st="7" end="7"/>
-                                            </p:txEl>
-                                          </p:spTgt>
-                                        </p:tgtEl>
-                                      </p:cBhvr>
-                                    </p:animEffect>
-                                  </p:childTnLst>
-                                </p:cTn>
-                              </p:par>
-                            </p:childTnLst>
-                          </p:cTn>
-                        </p:par>
-                      </p:childTnLst>
-                    </p:cTn>
-                  </p:par>
-                  <p:par>
-                    <p:cTn id="38" fill="hold" nodeType="clickPar">
-                      <p:stCondLst>
-                        <p:cond delay="indefinite"/>
-                      </p:stCondLst>
-                      <p:childTnLst>
-                        <p:par>
-                          <p:cTn id="39" fill="hold" nodeType="withGroup">
-                            <p:stCondLst>
-                              <p:cond delay="0"/>
-                            </p:stCondLst>
-                            <p:childTnLst>
-                              <p:par>
-                                <p:cTn id="40" presetID="10" presetClass="entr" presetSubtype="0" fill="hold" grpId="0" nodeType="clickEffect">
-                                  <p:stCondLst>
-                                    <p:cond delay="0"/>
-                                  </p:stCondLst>
-                                  <p:childTnLst>
-                                    <p:set>
-                                      <p:cBhvr>
-                                        <p:cTn id="41" dur="1" fill="hold">
-                                          <p:stCondLst>
-                                            <p:cond delay="0"/>
-                                          </p:stCondLst>
-                                        </p:cTn>
-                                        <p:tgtEl>
-                                          <p:spTgt spid="1377282">
-                                            <p:txEl>
-                                              <p:pRg st="8" end="8"/>
-                                            </p:txEl>
-                                          </p:spTgt>
-                                        </p:tgtEl>
-                                        <p:attrNameLst>
-                                          <p:attrName>style.visibility</p:attrName>
-                                        </p:attrNameLst>
-                                      </p:cBhvr>
-                                      <p:to>
-                                        <p:strVal val="visible"/>
-                                      </p:to>
-                                    </p:set>
-                                    <p:animEffect transition="in" filter="fade">
-                                      <p:cBhvr>
-                                        <p:cTn id="42" dur="500"/>
-                                        <p:tgtEl>
-                                          <p:spTgt spid="1377282">
-                                            <p:txEl>
-                                              <p:pRg st="8" end="8"/>
-                                            </p:txEl>
-                                          </p:spTgt>
-                                        </p:tgtEl>
-                                      </p:cBhvr>
-                                    </p:animEffect>
-                                  </p:childTnLst>
-                                </p:cTn>
-                              </p:par>
-                            </p:childTnLst>
-                          </p:cTn>
-                        </p:par>
-                      </p:childTnLst>
-                    </p:cTn>
-                  </p:par>
-                  <p:par>
-                    <p:cTn id="43" fill="hold" nodeType="clickPar">
-                      <p:stCondLst>
-                        <p:cond delay="indefinite"/>
-                      </p:stCondLst>
-                      <p:childTnLst>
-                        <p:par>
-                          <p:cTn id="44" fill="hold" nodeType="withGroup">
-                            <p:stCondLst>
-                              <p:cond delay="0"/>
-                            </p:stCondLst>
-                            <p:childTnLst>
-                              <p:par>
-                                <p:cTn id="45" presetID="10" presetClass="entr" presetSubtype="0" fill="hold" grpId="0" nodeType="clickEffect">
-                                  <p:stCondLst>
-                                    <p:cond delay="0"/>
-                                  </p:stCondLst>
-                                  <p:childTnLst>
-                                    <p:set>
-                                      <p:cBhvr>
-                                        <p:cTn id="46" dur="1" fill="hold">
-                                          <p:stCondLst>
-                                            <p:cond delay="0"/>
-                                          </p:stCondLst>
-                                        </p:cTn>
-                                        <p:tgtEl>
-                                          <p:spTgt spid="1377282">
-                                            <p:txEl>
-                                              <p:pRg st="10" end="10"/>
-                                            </p:txEl>
-                                          </p:spTgt>
-                                        </p:tgtEl>
-                                        <p:attrNameLst>
-                                          <p:attrName>style.visibility</p:attrName>
-                                        </p:attrNameLst>
-                                      </p:cBhvr>
-                                      <p:to>
-                                        <p:strVal val="visible"/>
-                                      </p:to>
-                                    </p:set>
-                                    <p:animEffect transition="in" filter="fade">
-                                      <p:cBhvr>
-                                        <p:cTn id="47" dur="500"/>
-                                        <p:tgtEl>
-                                          <p:spTgt spid="1377282">
-                                            <p:txEl>
-                                              <p:pRg st="10" end="10"/>
-                                            </p:txEl>
-                                          </p:spTgt>
-                                        </p:tgtEl>
-                                      </p:cBhvr>
-                                    </p:animEffect>
-                                  </p:childTnLst>
-                                </p:cTn>
-                              </p:par>
-                            </p:childTnLst>
-                          </p:cTn>
-                        </p:par>
-                      </p:childTnLst>
-                    </p:cTn>
-                  </p:par>
-                </p:childTnLst>
-              </p:cTn>
-              <p:prevCondLst>
-                <p:cond evt="onPrev" delay="0">
-                  <p:tgtEl>
-                    <p:sldTgt/>
-                  </p:tgtEl>
-                </p:cond>
-              </p:prevCondLst>
-              <p:nextCondLst>
-                <p:cond evt="onNext" delay="0">
-                  <p:tgtEl>
-                    <p:sldTgt/>
-                  </p:tgtEl>
-                </p:cond>
-              </p:nextCondLst>
-            </p:seq>
-          </p:childTnLst>
-        </p:cTn>
-      </p:par>
-    </p:tnLst>
-    <p:bldLst>
-      <p:bldP spid="1377282" grpId="0" build="p" bldLvl="3"/>
-    </p:bldLst>
-  </p:timing>
-</p:sld>
-</file>
-
-<file path=ppt/slides/slide3.xml><?xml version="1.0" encoding="utf-8"?>
-<p:sld xmlns:a="http://schemas.openxmlformats.org/drawingml/2006/main" xmlns:r="http://schemas.openxmlformats.org/officeDocument/2006/relationships" xmlns:p="http://schemas.openxmlformats.org/presentationml/2006/main">
-  <p:cSld>
-    <p:spTree>
-      <p:nvGrpSpPr>
-        <p:cNvPr id="1" name=""/>
-        <p:cNvGrpSpPr/>
-        <p:nvPr/>
-      </p:nvGrpSpPr>
-      <p:grpSpPr>
-        <a:xfrm>
-          <a:off x="0" y="0"/>
-          <a:ext cx="0" cy="0"/>
-          <a:chOff x="0" y="0"/>
-          <a:chExt cx="0" cy="0"/>
-        </a:xfrm>
-      </p:grpSpPr>
-      <p:sp>
-        <p:nvSpPr>
-          <p:cNvPr id="1377282" name="Rectangle 2"/>
-          <p:cNvSpPr>
-            <a:spLocks noChangeArrowheads="1"/>
-          </p:cNvSpPr>
-          <p:nvPr/>
-        </p:nvSpPr>
-        <p:spPr bwMode="auto">
-          <a:xfrm>
-            <a:off x="36513" y="720725"/>
-            <a:ext cx="9107487" cy="6137275"/>
-          </a:xfrm>
-          <a:prstGeom prst="rect">
-            <a:avLst/>
-          </a:prstGeom>
-          <a:noFill/>
-          <a:ln w="9525">
-            <a:noFill/>
-            <a:miter lim="800000"/>
-            <a:headEnd/>
-            <a:tailEnd/>
-          </a:ln>
-        </p:spPr>
-        <p:txBody>
-          <a:bodyPr/>
-          <a:lstStyle/>
-          <a:p>
-            <a:pPr marL="85725" indent="-85725" eaLnBrk="0" hangingPunct="0">
-              <a:lnSpc>
-                <a:spcPct val="110000"/>
-              </a:lnSpc>
-              <a:spcBef>
-                <a:spcPct val="20000"/>
-              </a:spcBef>
-              <a:defRPr/>
-            </a:pPr>
-            <a:r>
-              <a:rPr lang="en-GB" sz="2800" dirty="0"/>
-              <a:t>Chi-Squared test used for discrete (categorised) </a:t>
-            </a:r>
-            <a:r>
-              <a:rPr lang="en-GB" sz="2800" dirty="0" smtClean="0"/>
-              <a:t>data:</a:t>
-            </a:r>
-            <a:endParaRPr lang="en-GB" sz="2800" dirty="0"/>
-          </a:p>
-          <a:p>
-            <a:pPr marL="542925" lvl="1" indent="-85725" eaLnBrk="0" hangingPunct="0">
-              <a:lnSpc>
-                <a:spcPct val="110000"/>
-              </a:lnSpc>
-              <a:spcBef>
-                <a:spcPct val="20000"/>
-              </a:spcBef>
-              <a:defRPr/>
-            </a:pPr>
-            <a:r>
-              <a:rPr lang="en-GB" sz="2400" dirty="0">
-                <a:solidFill>
-                  <a:srgbClr val="FFFF99"/>
-                </a:solidFill>
-              </a:rPr>
-              <a:t>		Foot length – </a:t>
-            </a:r>
-            <a:r>
-              <a:rPr lang="en-GB" sz="2400" dirty="0" smtClean="0">
-                <a:solidFill>
-                  <a:srgbClr val="FFFF99"/>
-                </a:solidFill>
-              </a:rPr>
-              <a:t>continuous.</a:t>
-            </a:r>
-            <a:endParaRPr lang="en-GB" sz="2400" dirty="0">
-              <a:solidFill>
-                <a:srgbClr val="FFFF99"/>
-              </a:solidFill>
-            </a:endParaRPr>
-          </a:p>
-          <a:p>
-            <a:pPr marL="542925" lvl="1" indent="-85725" eaLnBrk="0" hangingPunct="0">
-              <a:lnSpc>
-                <a:spcPct val="110000"/>
-              </a:lnSpc>
-              <a:spcBef>
-                <a:spcPct val="20000"/>
-              </a:spcBef>
-              <a:defRPr/>
-            </a:pPr>
-            <a:r>
-              <a:rPr lang="en-GB" sz="2400" dirty="0">
-                <a:solidFill>
-                  <a:srgbClr val="FFFF99"/>
-                </a:solidFill>
-              </a:rPr>
-              <a:t>		Shoe size – </a:t>
-            </a:r>
-            <a:r>
-              <a:rPr lang="en-GB" sz="2400" dirty="0" smtClean="0">
-                <a:solidFill>
-                  <a:srgbClr val="FFFF99"/>
-                </a:solidFill>
-              </a:rPr>
-              <a:t>discrete.</a:t>
-            </a:r>
-            <a:endParaRPr lang="en-GB" sz="2400" dirty="0">
-              <a:solidFill>
-                <a:srgbClr val="FFFF99"/>
-              </a:solidFill>
-            </a:endParaRPr>
-          </a:p>
-          <a:p>
-            <a:pPr marL="85725" indent="-85725" eaLnBrk="0" hangingPunct="0">
-              <a:lnSpc>
-                <a:spcPct val="110000"/>
-              </a:lnSpc>
-              <a:spcBef>
-                <a:spcPct val="20000"/>
-              </a:spcBef>
-              <a:defRPr/>
-            </a:pPr>
-            <a:r>
-              <a:rPr lang="en-GB" sz="2800" dirty="0"/>
-              <a:t>Geological discrete data might be:</a:t>
-            </a:r>
-          </a:p>
-          <a:p>
-            <a:pPr marL="85725" lvl="1" indent="-85725" eaLnBrk="0" hangingPunct="0">
-              <a:lnSpc>
-                <a:spcPct val="110000"/>
-              </a:lnSpc>
-              <a:spcBef>
-                <a:spcPct val="20000"/>
-              </a:spcBef>
-              <a:defRPr/>
-            </a:pPr>
-            <a:r>
-              <a:rPr lang="en-GB" sz="2800" dirty="0">
-                <a:solidFill>
-                  <a:srgbClr val="FFFF99"/>
-                </a:solidFill>
-              </a:rPr>
-              <a:t>	</a:t>
-            </a:r>
-            <a:r>
-              <a:rPr lang="en-GB" sz="2400" dirty="0">
-                <a:solidFill>
-                  <a:srgbClr val="FFFF99"/>
-                </a:solidFill>
-              </a:rPr>
-              <a:t> </a:t>
-            </a:r>
-            <a:r>
-              <a:rPr lang="en-GB" sz="2400" dirty="0" smtClean="0">
-                <a:solidFill>
-                  <a:srgbClr val="FFFF99"/>
-                </a:solidFill>
-              </a:rPr>
-              <a:t>      Fossil </a:t>
-            </a:r>
-            <a:r>
-              <a:rPr lang="en-GB" sz="2400" dirty="0">
-                <a:solidFill>
-                  <a:srgbClr val="FFFF99"/>
-                </a:solidFill>
-              </a:rPr>
-              <a:t>type (species A, species </a:t>
-            </a:r>
-            <a:r>
-              <a:rPr lang="en-GB" sz="2400" dirty="0" smtClean="0">
-                <a:solidFill>
-                  <a:srgbClr val="FFFF99"/>
-                </a:solidFill>
-              </a:rPr>
-              <a:t>B, …</a:t>
-            </a:r>
-            <a:r>
-              <a:rPr lang="en-GB" sz="2400" dirty="0" smtClean="0">
-                <a:solidFill>
-                  <a:srgbClr val="FFFF99"/>
-                </a:solidFill>
-              </a:rPr>
-              <a:t>).</a:t>
-            </a:r>
-            <a:endParaRPr lang="en-GB" sz="2400" dirty="0">
-              <a:solidFill>
-                <a:srgbClr val="FFFF99"/>
-              </a:solidFill>
-            </a:endParaRPr>
-          </a:p>
-          <a:p>
-            <a:pPr marL="85725" lvl="1" indent="-85725" eaLnBrk="0" hangingPunct="0">
-              <a:lnSpc>
-                <a:spcPct val="110000"/>
-              </a:lnSpc>
-              <a:spcBef>
-                <a:spcPct val="20000"/>
-              </a:spcBef>
-              <a:defRPr/>
-            </a:pPr>
-            <a:r>
-              <a:rPr lang="en-GB" sz="2400" dirty="0">
-                <a:solidFill>
-                  <a:srgbClr val="FFFF99"/>
-                </a:solidFill>
-              </a:rPr>
-              <a:t>	</a:t>
-            </a:r>
-            <a:r>
-              <a:rPr lang="en-GB" sz="2400" dirty="0" smtClean="0">
-                <a:solidFill>
-                  <a:srgbClr val="FFFF99"/>
-                </a:solidFill>
-              </a:rPr>
-              <a:t>       Rock </a:t>
-            </a:r>
-            <a:r>
-              <a:rPr lang="en-GB" sz="2400" dirty="0">
-                <a:solidFill>
-                  <a:srgbClr val="FFFF99"/>
-                </a:solidFill>
-              </a:rPr>
-              <a:t>classification (sandstone, limestone, </a:t>
-            </a:r>
-            <a:r>
-              <a:rPr lang="en-GB" sz="2400" dirty="0" smtClean="0">
-                <a:solidFill>
-                  <a:srgbClr val="FFFF99"/>
-                </a:solidFill>
-              </a:rPr>
-              <a:t>mudstone…)</a:t>
-            </a:r>
-            <a:endParaRPr lang="en-GB" sz="2400" dirty="0">
-              <a:solidFill>
-                <a:srgbClr val="FFFF99"/>
-              </a:solidFill>
-            </a:endParaRPr>
-          </a:p>
-          <a:p>
-            <a:pPr marL="85725" lvl="1" indent="-85725" eaLnBrk="0" hangingPunct="0">
-              <a:lnSpc>
-                <a:spcPct val="110000"/>
-              </a:lnSpc>
-              <a:spcBef>
-                <a:spcPct val="20000"/>
-              </a:spcBef>
-              <a:defRPr/>
-            </a:pPr>
-            <a:r>
-              <a:rPr lang="en-GB" sz="2400" dirty="0">
-                <a:solidFill>
-                  <a:srgbClr val="FFFF99"/>
-                </a:solidFill>
-              </a:rPr>
-              <a:t>		Fault type (normal, thrust, strike-slip </a:t>
-            </a:r>
-            <a:r>
-              <a:rPr lang="en-GB" sz="2400" dirty="0" smtClean="0">
-                <a:solidFill>
-                  <a:srgbClr val="FFFF99"/>
-                </a:solidFill>
-              </a:rPr>
-              <a:t>…</a:t>
-            </a:r>
-            <a:r>
-              <a:rPr lang="en-GB" sz="2400" dirty="0" smtClean="0">
-                <a:solidFill>
-                  <a:srgbClr val="FFFF99"/>
-                </a:solidFill>
-              </a:rPr>
-              <a:t>).</a:t>
-            </a:r>
-            <a:endParaRPr lang="en-GB" sz="2400" dirty="0">
-              <a:solidFill>
-                <a:srgbClr val="FFFF99"/>
-              </a:solidFill>
-            </a:endParaRPr>
-          </a:p>
-          <a:p>
-            <a:pPr marL="85725" indent="-85725" eaLnBrk="0" hangingPunct="0">
-              <a:lnSpc>
-                <a:spcPct val="110000"/>
-              </a:lnSpc>
-              <a:spcBef>
-                <a:spcPct val="20000"/>
-              </a:spcBef>
-              <a:defRPr/>
-            </a:pPr>
-            <a:r>
-              <a:rPr lang="en-GB" sz="2800" dirty="0"/>
-              <a:t>Chi-squared test provides a way of assessing how likely it is that counts of discrete data fit some expected pattern.</a:t>
-            </a:r>
-            <a:endParaRPr lang="en-GB" sz="2400" dirty="0"/>
-          </a:p>
-          <a:p>
-            <a:pPr marL="85725" lvl="1" indent="-85725" eaLnBrk="0" hangingPunct="0">
-              <a:lnSpc>
-                <a:spcPct val="110000"/>
-              </a:lnSpc>
-              <a:spcBef>
-                <a:spcPct val="20000"/>
-              </a:spcBef>
-              <a:defRPr/>
-            </a:pPr>
-            <a:endParaRPr lang="en-GB" sz="2000" dirty="0">
-              <a:solidFill>
-                <a:srgbClr val="FFFF99"/>
-              </a:solidFill>
-            </a:endParaRPr>
-          </a:p>
-          <a:p>
-            <a:pPr marL="85725" indent="-85725" eaLnBrk="0" hangingPunct="0">
-              <a:lnSpc>
-                <a:spcPct val="110000"/>
-              </a:lnSpc>
-              <a:spcBef>
-                <a:spcPct val="20000"/>
-              </a:spcBef>
-              <a:defRPr/>
-            </a:pPr>
-            <a:endParaRPr lang="en-GB" sz="2400" dirty="0"/>
-          </a:p>
-          <a:p>
-            <a:pPr marL="542925" lvl="1" indent="-85725" eaLnBrk="0" hangingPunct="0">
-              <a:lnSpc>
-                <a:spcPct val="110000"/>
-              </a:lnSpc>
-              <a:spcBef>
-                <a:spcPct val="20000"/>
-              </a:spcBef>
-              <a:defRPr/>
-            </a:pPr>
-            <a:endParaRPr lang="en-GB" sz="2400" dirty="0"/>
-          </a:p>
-          <a:p>
-            <a:pPr marL="542925" lvl="1" indent="-85725" eaLnBrk="0" hangingPunct="0">
-              <a:lnSpc>
-                <a:spcPct val="110000"/>
-              </a:lnSpc>
-              <a:spcBef>
-                <a:spcPct val="20000"/>
-              </a:spcBef>
-              <a:defRPr/>
-            </a:pPr>
-            <a:endParaRPr lang="en-GB" sz="2400" dirty="0"/>
-          </a:p>
-          <a:p>
-            <a:pPr marL="542925" lvl="1" indent="-85725" eaLnBrk="0" hangingPunct="0">
-              <a:lnSpc>
-                <a:spcPct val="110000"/>
-              </a:lnSpc>
-              <a:spcBef>
-                <a:spcPct val="20000"/>
-              </a:spcBef>
-              <a:defRPr/>
-            </a:pPr>
-            <a:endParaRPr lang="en-GB" sz="2400" baseline="-25000" dirty="0">
-              <a:solidFill>
-                <a:srgbClr val="FFFF00"/>
-              </a:solidFill>
-            </a:endParaRPr>
-          </a:p>
-        </p:txBody>
-      </p:sp>
-      <p:sp>
-        <p:nvSpPr>
-          <p:cNvPr id="4099" name="Rectangle 3"/>
-          <p:cNvSpPr>
-            <a:spLocks noChangeArrowheads="1"/>
-          </p:cNvSpPr>
-          <p:nvPr/>
-        </p:nvSpPr>
-        <p:spPr bwMode="auto">
-          <a:xfrm>
-            <a:off x="0" y="0"/>
-            <a:ext cx="9151938" cy="692150"/>
-          </a:xfrm>
-          <a:prstGeom prst="rect">
-            <a:avLst/>
-          </a:prstGeom>
-          <a:gradFill rotWithShape="1">
-            <a:gsLst>
-              <a:gs pos="0">
-                <a:srgbClr val="006600"/>
-              </a:gs>
-              <a:gs pos="100000">
-                <a:srgbClr val="000000"/>
-              </a:gs>
-            </a:gsLst>
-            <a:lin ang="2700000" scaled="1"/>
-          </a:gradFill>
-          <a:ln w="19050" algn="ctr">
-            <a:solidFill>
-              <a:schemeClr val="tx1"/>
-            </a:solidFill>
-            <a:miter lim="800000"/>
-            <a:headEnd/>
-            <a:tailEnd/>
-          </a:ln>
-        </p:spPr>
-        <p:txBody>
-          <a:bodyPr wrap="none" anchor="ctr"/>
-          <a:lstStyle/>
-          <a:p>
-            <a:pPr algn="ctr" eaLnBrk="0" hangingPunct="0"/>
-            <a:endParaRPr lang="en-GB" sz="2400" b="0">
-              <a:solidFill>
-                <a:schemeClr val="tx1"/>
-              </a:solidFill>
-              <a:latin typeface="Times New Roman" pitchFamily="18" charset="0"/>
-            </a:endParaRPr>
-          </a:p>
-        </p:txBody>
-      </p:sp>
-      <p:sp>
-        <p:nvSpPr>
-          <p:cNvPr id="1377284" name="Rectangle 4"/>
-          <p:cNvSpPr>
-            <a:spLocks noChangeArrowheads="1"/>
-          </p:cNvSpPr>
-          <p:nvPr/>
-        </p:nvSpPr>
-        <p:spPr bwMode="auto">
-          <a:xfrm>
-            <a:off x="0" y="0"/>
-            <a:ext cx="9144000" cy="692150"/>
-          </a:xfrm>
-          <a:prstGeom prst="rect">
-            <a:avLst/>
-          </a:prstGeom>
-          <a:noFill/>
-          <a:ln w="9525">
-            <a:noFill/>
-            <a:miter lim="800000"/>
-            <a:headEnd/>
-            <a:tailEnd/>
-          </a:ln>
-          <a:effectLst/>
-        </p:spPr>
-        <p:txBody>
-          <a:bodyPr/>
-          <a:lstStyle/>
-          <a:p>
-            <a:pPr algn="ctr" eaLnBrk="0" hangingPunct="0">
-              <a:spcBef>
-                <a:spcPct val="20000"/>
-              </a:spcBef>
-              <a:defRPr/>
-            </a:pPr>
-            <a:r>
-              <a:rPr lang="en-GB" sz="3600" b="0" dirty="0">
-                <a:solidFill>
-                  <a:srgbClr val="FFFF00"/>
-                </a:solidFill>
-                <a:effectLst>
-                  <a:outerShdw blurRad="38100" dist="38100" dir="2700000" algn="tl">
-                    <a:srgbClr val="FFFFFF"/>
-                  </a:outerShdw>
-                </a:effectLst>
-                <a:latin typeface="Cooper Black" pitchFamily="18" charset="0"/>
-                <a:cs typeface="+mn-cs"/>
-              </a:rPr>
-              <a:t>THE CHI-SQUARED TEST</a:t>
-            </a:r>
-            <a:endParaRPr lang="en-US" sz="3600" b="0" dirty="0">
-              <a:effectLst>
-                <a:outerShdw blurRad="38100" dist="38100" dir="2700000" algn="tl">
-                  <a:srgbClr val="808080"/>
-                </a:outerShdw>
-              </a:effectLst>
-              <a:latin typeface="Cooper Black" pitchFamily="18" charset="0"/>
-              <a:cs typeface="+mn-cs"/>
-            </a:endParaRPr>
-          </a:p>
-        </p:txBody>
-      </p:sp>
-    </p:spTree>
-  </p:cSld>
-  <p:clrMapOvr>
-    <a:masterClrMapping/>
-  </p:clrMapOvr>
-  <p:transition xmlns:p14="http://schemas.microsoft.com/office/powerpoint/2010/main">
-    <p:fade/>
-  </p:transition>
-  <p:timing>
-    <p:tnLst>
-      <p:par>
-        <p:cTn xmlns:p14="http://schemas.microsoft.com/office/powerpoint/2010/main" id="1" dur="indefinite" restart="never" nodeType="tmRoot">
-          <p:childTnLst>
-            <p:seq concurrent="1" nextAc="seek">
-              <p:cTn id="2" dur="indefinite" nodeType="mainSeq">
-                <p:childTnLst>
-                  <p:par>
-                    <p:cTn id="3" fill="hold" nodeType="clickPar">
-                      <p:stCondLst>
-                        <p:cond delay="indefinite"/>
-                      </p:stCondLst>
-                      <p:childTnLst>
-                        <p:par>
-                          <p:cTn id="4" fill="hold" nodeType="withGroup">
-                            <p:stCondLst>
-                              <p:cond delay="0"/>
-                            </p:stCondLst>
-                            <p:childTnLst>
-                              <p:par>
-                                <p:cTn id="5" presetID="10" presetClass="entr" presetSubtype="0" fill="hold" grpId="0" nodeType="clickEffect">
-                                  <p:stCondLst>
-                                    <p:cond delay="0"/>
-                                  </p:stCondLst>
-                                  <p:childTnLst>
-                                    <p:set>
-                                      <p:cBhvr>
-                                        <p:cTn id="6" dur="1" fill="hold">
-                                          <p:stCondLst>
-                                            <p:cond delay="0"/>
-                                          </p:stCondLst>
-                                        </p:cTn>
-                                        <p:tgtEl>
-                                          <p:spTgt spid="1377282">
-                                            <p:txEl>
-                                              <p:pRg st="0" end="0"/>
-                                            </p:txEl>
-                                          </p:spTgt>
-                                        </p:tgtEl>
-                                        <p:attrNameLst>
-                                          <p:attrName>style.visibility</p:attrName>
-                                        </p:attrNameLst>
-                                      </p:cBhvr>
-                                      <p:to>
-                                        <p:strVal val="visible"/>
-                                      </p:to>
-                                    </p:set>
-                                    <p:animEffect transition="in" filter="fade">
-                                      <p:cBhvr>
-                                        <p:cTn id="7" dur="500"/>
-                                        <p:tgtEl>
-                                          <p:spTgt spid="1377282">
-                                            <p:txEl>
-                                              <p:pRg st="0" end="0"/>
-                                            </p:txEl>
-                                          </p:spTgt>
-                                        </p:tgtEl>
-                                      </p:cBhvr>
-                                    </p:animEffect>
-                                  </p:childTnLst>
-                                </p:cTn>
-                              </p:par>
-                            </p:childTnLst>
-                          </p:cTn>
-                        </p:par>
-                      </p:childTnLst>
-                    </p:cTn>
-                  </p:par>
-                  <p:par>
-                    <p:cTn id="8" fill="hold" nodeType="clickPar">
-                      <p:stCondLst>
-                        <p:cond delay="indefinite"/>
-                      </p:stCondLst>
-                      <p:childTnLst>
-                        <p:par>
-                          <p:cTn id="9" fill="hold" nodeType="withGroup">
-                            <p:stCondLst>
-                              <p:cond delay="0"/>
-                            </p:stCondLst>
-                            <p:childTnLst>
-                              <p:par>
-                                <p:cTn id="10" presetID="10" presetClass="entr" presetSubtype="0" fill="hold" grpId="0" nodeType="clickEffect">
-                                  <p:stCondLst>
-                                    <p:cond delay="0"/>
-                                  </p:stCondLst>
-                                  <p:childTnLst>
-                                    <p:set>
-                                      <p:cBhvr>
-                                        <p:cTn id="11" dur="1" fill="hold">
-                                          <p:stCondLst>
-                                            <p:cond delay="0"/>
-                                          </p:stCondLst>
-                                        </p:cTn>
-                                        <p:tgtEl>
-                                          <p:spTgt spid="1377282">
-                                            <p:txEl>
-                                              <p:pRg st="1" end="1"/>
-                                            </p:txEl>
-                                          </p:spTgt>
-                                        </p:tgtEl>
-                                        <p:attrNameLst>
-                                          <p:attrName>style.visibility</p:attrName>
-                                        </p:attrNameLst>
-                                      </p:cBhvr>
-                                      <p:to>
-                                        <p:strVal val="visible"/>
-                                      </p:to>
-                                    </p:set>
-                                    <p:animEffect transition="in" filter="fade">
-                                      <p:cBhvr>
-                                        <p:cTn id="12" dur="500"/>
-                                        <p:tgtEl>
-                                          <p:spTgt spid="1377282">
-                                            <p:txEl>
-                                              <p:pRg st="1" end="1"/>
-                                            </p:txEl>
-                                          </p:spTgt>
-                                        </p:tgtEl>
-                                      </p:cBhvr>
-                                    </p:animEffect>
-                                  </p:childTnLst>
-                                </p:cTn>
-                              </p:par>
-                            </p:childTnLst>
-                          </p:cTn>
-                        </p:par>
-                      </p:childTnLst>
-                    </p:cTn>
-                  </p:par>
-                  <p:par>
-                    <p:cTn id="13" fill="hold" nodeType="clickPar">
-                      <p:stCondLst>
-                        <p:cond delay="indefinite"/>
-                      </p:stCondLst>
-                      <p:childTnLst>
-                        <p:par>
-                          <p:cTn id="14" fill="hold" nodeType="withGroup">
-                            <p:stCondLst>
-                              <p:cond delay="0"/>
-                            </p:stCondLst>
-                            <p:childTnLst>
-                              <p:par>
-                                <p:cTn id="15" presetID="10" presetClass="entr" presetSubtype="0" fill="hold" grpId="0" nodeType="clickEffect">
-                                  <p:stCondLst>
-                                    <p:cond delay="0"/>
-                                  </p:stCondLst>
-                                  <p:childTnLst>
-                                    <p:set>
-                                      <p:cBhvr>
-                                        <p:cTn id="16" dur="1" fill="hold">
-                                          <p:stCondLst>
-                                            <p:cond delay="0"/>
-                                          </p:stCondLst>
-                                        </p:cTn>
-                                        <p:tgtEl>
-                                          <p:spTgt spid="1377282">
-                                            <p:txEl>
-                                              <p:pRg st="2" end="2"/>
-                                            </p:txEl>
-                                          </p:spTgt>
-                                        </p:tgtEl>
-                                        <p:attrNameLst>
-                                          <p:attrName>style.visibility</p:attrName>
-                                        </p:attrNameLst>
-                                      </p:cBhvr>
-                                      <p:to>
-                                        <p:strVal val="visible"/>
-                                      </p:to>
-                                    </p:set>
-                                    <p:animEffect transition="in" filter="fade">
-                                      <p:cBhvr>
-                                        <p:cTn id="17" dur="500"/>
-                                        <p:tgtEl>
-                                          <p:spTgt spid="1377282">
-                                            <p:txEl>
-                                              <p:pRg st="2" end="2"/>
-                                            </p:txEl>
-                                          </p:spTgt>
-                                        </p:tgtEl>
-                                      </p:cBhvr>
-                                    </p:animEffect>
-                                  </p:childTnLst>
-                                </p:cTn>
-                              </p:par>
-                            </p:childTnLst>
-                          </p:cTn>
-                        </p:par>
-                      </p:childTnLst>
-                    </p:cTn>
-                  </p:par>
-                  <p:par>
-                    <p:cTn id="18" fill="hold" nodeType="clickPar">
-                      <p:stCondLst>
-                        <p:cond delay="indefinite"/>
-                      </p:stCondLst>
-                      <p:childTnLst>
-                        <p:par>
-                          <p:cTn id="19" fill="hold" nodeType="withGroup">
-                            <p:stCondLst>
-                              <p:cond delay="0"/>
-                            </p:stCondLst>
-                            <p:childTnLst>
-                              <p:par>
-                                <p:cTn id="20" presetID="10" presetClass="entr" presetSubtype="0" fill="hold" grpId="0" nodeType="clickEffect">
-                                  <p:stCondLst>
-                                    <p:cond delay="0"/>
-                                  </p:stCondLst>
-                                  <p:childTnLst>
-                                    <p:set>
-                                      <p:cBhvr>
-                                        <p:cTn id="21" dur="1" fill="hold">
-                                          <p:stCondLst>
-                                            <p:cond delay="0"/>
-                                          </p:stCondLst>
-                                        </p:cTn>
-                                        <p:tgtEl>
-                                          <p:spTgt spid="1377282">
-                                            <p:txEl>
-                                              <p:pRg st="3" end="3"/>
-                                            </p:txEl>
-                                          </p:spTgt>
-                                        </p:tgtEl>
-                                        <p:attrNameLst>
-                                          <p:attrName>style.visibility</p:attrName>
-                                        </p:attrNameLst>
-                                      </p:cBhvr>
-                                      <p:to>
-                                        <p:strVal val="visible"/>
-                                      </p:to>
-                                    </p:set>
-                                    <p:animEffect transition="in" filter="fade">
-                                      <p:cBhvr>
-                                        <p:cTn id="22" dur="500"/>
-                                        <p:tgtEl>
-                                          <p:spTgt spid="1377282">
-                                            <p:txEl>
-                                              <p:pRg st="3" end="3"/>
-                                            </p:txEl>
-                                          </p:spTgt>
-                                        </p:tgtEl>
-                                      </p:cBhvr>
-                                    </p:animEffect>
-                                  </p:childTnLst>
-                                </p:cTn>
-                              </p:par>
-                            </p:childTnLst>
-                          </p:cTn>
-                        </p:par>
-                      </p:childTnLst>
-                    </p:cTn>
-                  </p:par>
-                  <p:par>
-                    <p:cTn id="23" fill="hold" nodeType="clickPar">
-                      <p:stCondLst>
-                        <p:cond delay="indefinite"/>
-                      </p:stCondLst>
-                      <p:childTnLst>
-                        <p:par>
-                          <p:cTn id="24" fill="hold" nodeType="withGroup">
+                          <p:cTn id="24" fill="hold">
                             <p:stCondLst>
                               <p:cond delay="0"/>
                             </p:stCondLst>
@@ -12872,13 +10598,13 @@
                     </p:cTn>
                   </p:par>
                   <p:par>
-                    <p:cTn id="28" fill="hold" nodeType="clickPar">
+                    <p:cTn id="28" fill="hold">
                       <p:stCondLst>
                         <p:cond delay="indefinite"/>
                       </p:stCondLst>
                       <p:childTnLst>
                         <p:par>
-                          <p:cTn id="29" fill="hold" nodeType="withGroup">
+                          <p:cTn id="29" fill="hold">
                             <p:stCondLst>
                               <p:cond delay="0"/>
                             </p:stCondLst>
@@ -12933,13 +10659,13 @@
                     </p:cTn>
                   </p:par>
                   <p:par>
-                    <p:cTn id="33" fill="hold" nodeType="clickPar">
+                    <p:cTn id="33" fill="hold">
                       <p:stCondLst>
                         <p:cond delay="indefinite"/>
                       </p:stCondLst>
                       <p:childTnLst>
                         <p:par>
-                          <p:cTn id="34" fill="hold" nodeType="withGroup">
+                          <p:cTn id="34" fill="hold">
                             <p:stCondLst>
                               <p:cond delay="0"/>
                             </p:stCondLst>
@@ -13082,7 +10808,7 @@
 </p:sld>
 </file>
 
-<file path=ppt/slides/slide4.xml><?xml version="1.0" encoding="utf-8"?>
+<file path=ppt/slides/slide3.xml><?xml version="1.0" encoding="utf-8"?>
 <p:sld xmlns:a="http://schemas.openxmlformats.org/drawingml/2006/main" xmlns:r="http://schemas.openxmlformats.org/officeDocument/2006/relationships" xmlns:p="http://schemas.openxmlformats.org/presentationml/2006/main">
   <p:cSld>
     <p:spTree>
@@ -14067,7 +11793,7 @@
 </p:sld>
 </file>
 
-<file path=ppt/slides/slide5.xml><?xml version="1.0" encoding="utf-8"?>
+<file path=ppt/slides/slide4.xml><?xml version="1.0" encoding="utf-8"?>
 <p:sld xmlns:a="http://schemas.openxmlformats.org/drawingml/2006/main" xmlns:r="http://schemas.openxmlformats.org/officeDocument/2006/relationships" xmlns:p="http://schemas.openxmlformats.org/presentationml/2006/main">
   <p:cSld>
     <p:spTree>
@@ -14985,7 +12711,7 @@
 </p:sld>
 </file>
 
-<file path=ppt/slides/slide6.xml><?xml version="1.0" encoding="utf-8"?>
+<file path=ppt/slides/slide5.xml><?xml version="1.0" encoding="utf-8"?>
 <p:sld xmlns:a="http://schemas.openxmlformats.org/drawingml/2006/main" xmlns:r="http://schemas.openxmlformats.org/officeDocument/2006/relationships" xmlns:p="http://schemas.openxmlformats.org/presentationml/2006/main">
   <p:cSld>
     <p:spTree>
@@ -16362,7 +14088,7 @@
 </p:sld>
 </file>
 
-<file path=ppt/slides/slide7.xml><?xml version="1.0" encoding="utf-8"?>
+<file path=ppt/slides/slide6.xml><?xml version="1.0" encoding="utf-8"?>
 <p:sld xmlns:a="http://schemas.openxmlformats.org/drawingml/2006/main" xmlns:r="http://schemas.openxmlformats.org/officeDocument/2006/relationships" xmlns:p="http://schemas.openxmlformats.org/presentationml/2006/main">
   <p:cSld>
     <p:spTree>
@@ -16806,7 +14532,7 @@
 </p:sld>
 </file>
 
-<file path=ppt/slides/slide8.xml><?xml version="1.0" encoding="utf-8"?>
+<file path=ppt/slides/slide7.xml><?xml version="1.0" encoding="utf-8"?>
 <p:sld xmlns:a="http://schemas.openxmlformats.org/drawingml/2006/main" xmlns:r="http://schemas.openxmlformats.org/officeDocument/2006/relationships" xmlns:p="http://schemas.openxmlformats.org/presentationml/2006/main">
   <p:cSld>
     <p:spTree>
@@ -17377,7 +15103,7 @@
 </p:sld>
 </file>
 
-<file path=ppt/slides/slide9.xml><?xml version="1.0" encoding="utf-8"?>
+<file path=ppt/slides/slide8.xml><?xml version="1.0" encoding="utf-8"?>
 <p:sld xmlns:a="http://schemas.openxmlformats.org/drawingml/2006/main" xmlns:r="http://schemas.openxmlformats.org/officeDocument/2006/relationships" xmlns:p="http://schemas.openxmlformats.org/presentationml/2006/main">
   <p:cSld>
     <p:spTree>
@@ -17456,11 +15182,7 @@
             </a:r>
             <a:r>
               <a:rPr lang="en-GB" dirty="0" smtClean="0"/>
-              <a:t> </a:t>
-            </a:r>
-            <a:r>
-              <a:rPr lang="en-GB" dirty="0" smtClean="0"/>
-              <a:t>statistics.</a:t>
+              <a:t> statistics.</a:t>
             </a:r>
             <a:endParaRPr lang="en-GB" dirty="0"/>
           </a:p>
@@ -18348,6 +16070,875 @@
     </p:tnLst>
     <p:bldLst>
       <p:bldP spid="10242" grpId="0" build="p" bldLvl="4"/>
+    </p:bldLst>
+  </p:timing>
+</p:sld>
+</file>
+
+<file path=ppt/slides/slide9.xml><?xml version="1.0" encoding="utf-8"?>
+<p:sld xmlns:a="http://schemas.openxmlformats.org/drawingml/2006/main" xmlns:r="http://schemas.openxmlformats.org/officeDocument/2006/relationships" xmlns:p="http://schemas.openxmlformats.org/presentationml/2006/main">
+  <p:cSld>
+    <p:spTree>
+      <p:nvGrpSpPr>
+        <p:cNvPr id="1" name=""/>
+        <p:cNvGrpSpPr/>
+        <p:nvPr/>
+      </p:nvGrpSpPr>
+      <p:grpSpPr>
+        <a:xfrm>
+          <a:off x="0" y="0"/>
+          <a:ext cx="0" cy="0"/>
+          <a:chOff x="0" y="0"/>
+          <a:chExt cx="0" cy="0"/>
+        </a:xfrm>
+      </p:grpSpPr>
+      <p:sp>
+        <p:nvSpPr>
+          <p:cNvPr id="14338" name="Rectangle 2"/>
+          <p:cNvSpPr>
+            <a:spLocks noChangeArrowheads="1"/>
+          </p:cNvSpPr>
+          <p:nvPr/>
+        </p:nvSpPr>
+        <p:spPr bwMode="auto">
+          <a:xfrm>
+            <a:off x="36513" y="620713"/>
+            <a:ext cx="9107487" cy="6137275"/>
+          </a:xfrm>
+          <a:prstGeom prst="rect">
+            <a:avLst/>
+          </a:prstGeom>
+          <a:noFill/>
+          <a:ln>
+            <a:noFill/>
+          </a:ln>
+          <a:extLst>
+            <a:ext uri="{909E8E84-426E-40dd-AFC4-6F175D3DCCD1}">
+              <a14:hiddenFill xmlns:a14="http://schemas.microsoft.com/office/drawing/2010/main">
+                <a:solidFill>
+                  <a:srgbClr val="FFFFFF"/>
+                </a:solidFill>
+              </a14:hiddenFill>
+            </a:ext>
+            <a:ext uri="{91240B29-F687-4f45-9708-019B960494DF}">
+              <a14:hiddenLine xmlns:a14="http://schemas.microsoft.com/office/drawing/2010/main" w="9525">
+                <a:solidFill>
+                  <a:srgbClr val="000000"/>
+                </a:solidFill>
+                <a:miter lim="800000"/>
+                <a:headEnd/>
+                <a:tailEnd/>
+              </a14:hiddenLine>
+            </a:ext>
+          </a:extLst>
+        </p:spPr>
+        <p:txBody>
+          <a:bodyPr/>
+          <a:lstStyle/>
+          <a:p>
+            <a:pPr marL="85725" indent="-85725" eaLnBrk="0" hangingPunct="0">
+              <a:lnSpc>
+                <a:spcPct val="110000"/>
+              </a:lnSpc>
+              <a:spcBef>
+                <a:spcPct val="20000"/>
+              </a:spcBef>
+            </a:pPr>
+            <a:r>
+              <a:rPr lang="en-GB" dirty="0" smtClean="0"/>
+              <a:t>Class </a:t>
+            </a:r>
+            <a:r>
+              <a:rPr lang="en-GB" dirty="0" smtClean="0"/>
+              <a:t>test is tomorrow </a:t>
+            </a:r>
+            <a:r>
+              <a:rPr lang="en-GB" dirty="0" smtClean="0"/>
+              <a:t>afternoon</a:t>
+            </a:r>
+            <a:r>
+              <a:rPr lang="en-GB" dirty="0" smtClean="0"/>
+              <a:t>.</a:t>
+            </a:r>
+          </a:p>
+          <a:p>
+            <a:pPr marL="85725" indent="-85725" eaLnBrk="0" hangingPunct="0">
+              <a:lnSpc>
+                <a:spcPct val="110000"/>
+              </a:lnSpc>
+              <a:spcBef>
+                <a:spcPct val="20000"/>
+              </a:spcBef>
+            </a:pPr>
+            <a:r>
+              <a:rPr lang="en-GB" dirty="0" smtClean="0"/>
+              <a:t>Will </a:t>
+            </a:r>
+            <a:r>
+              <a:rPr lang="en-GB" dirty="0"/>
+              <a:t>be based around exercises similar to </a:t>
+            </a:r>
+            <a:r>
+              <a:rPr lang="en-GB" dirty="0" smtClean="0"/>
+              <a:t>our practical sessions.</a:t>
+            </a:r>
+            <a:endParaRPr lang="en-GB" dirty="0"/>
+          </a:p>
+          <a:p>
+            <a:pPr eaLnBrk="0" hangingPunct="0">
+              <a:lnSpc>
+                <a:spcPct val="110000"/>
+              </a:lnSpc>
+              <a:spcBef>
+                <a:spcPct val="20000"/>
+              </a:spcBef>
+            </a:pPr>
+            <a:r>
+              <a:rPr lang="en-GB" sz="2800" dirty="0" smtClean="0"/>
+              <a:t>You </a:t>
+            </a:r>
+            <a:r>
+              <a:rPr lang="en-GB" sz="2800" dirty="0"/>
+              <a:t>will be given CSV data, and asked to write a program </a:t>
+            </a:r>
+            <a:r>
+              <a:rPr lang="en-GB" sz="2800" dirty="0" smtClean="0"/>
+              <a:t>to:</a:t>
+            </a:r>
+          </a:p>
+          <a:p>
+            <a:pPr marL="914400" lvl="1" indent="-457200" eaLnBrk="0" hangingPunct="0">
+              <a:lnSpc>
+                <a:spcPct val="110000"/>
+              </a:lnSpc>
+              <a:spcBef>
+                <a:spcPct val="20000"/>
+              </a:spcBef>
+              <a:buFont typeface="Arial"/>
+              <a:buChar char="•"/>
+            </a:pPr>
+            <a:r>
+              <a:rPr lang="en-GB" sz="2800" dirty="0" smtClean="0">
+                <a:solidFill>
+                  <a:srgbClr val="FFFF99"/>
+                </a:solidFill>
+              </a:rPr>
+              <a:t>Read </a:t>
+            </a:r>
+            <a:r>
+              <a:rPr lang="en-GB" sz="2800" dirty="0">
+                <a:solidFill>
+                  <a:srgbClr val="FFFF99"/>
+                </a:solidFill>
+              </a:rPr>
+              <a:t>it </a:t>
+            </a:r>
+            <a:r>
+              <a:rPr lang="en-GB" sz="2800" dirty="0" smtClean="0">
+                <a:solidFill>
+                  <a:srgbClr val="FFFF99"/>
+                </a:solidFill>
+              </a:rPr>
+              <a:t>in.</a:t>
+            </a:r>
+          </a:p>
+          <a:p>
+            <a:pPr marL="914400" lvl="1" indent="-457200" eaLnBrk="0" hangingPunct="0">
+              <a:lnSpc>
+                <a:spcPct val="110000"/>
+              </a:lnSpc>
+              <a:spcBef>
+                <a:spcPct val="20000"/>
+              </a:spcBef>
+              <a:buFont typeface="Arial"/>
+              <a:buChar char="•"/>
+            </a:pPr>
+            <a:r>
+              <a:rPr lang="en-GB" sz="2800" dirty="0">
+                <a:solidFill>
+                  <a:srgbClr val="FFFF99"/>
+                </a:solidFill>
+              </a:rPr>
+              <a:t>P</a:t>
+            </a:r>
+            <a:r>
+              <a:rPr lang="en-GB" sz="2800" dirty="0" smtClean="0">
+                <a:solidFill>
+                  <a:srgbClr val="FFFF99"/>
+                </a:solidFill>
+              </a:rPr>
+              <a:t>rovide </a:t>
+            </a:r>
+            <a:r>
+              <a:rPr lang="en-GB" sz="2800" dirty="0">
+                <a:solidFill>
+                  <a:srgbClr val="FFFF99"/>
+                </a:solidFill>
+              </a:rPr>
+              <a:t>descriptive statistics on </a:t>
+            </a:r>
+            <a:r>
+              <a:rPr lang="en-GB" sz="2800" dirty="0" smtClean="0">
+                <a:solidFill>
+                  <a:srgbClr val="FFFF99"/>
+                </a:solidFill>
+              </a:rPr>
+              <a:t>it.</a:t>
+            </a:r>
+          </a:p>
+          <a:p>
+            <a:pPr marL="914400" lvl="1" indent="-457200" eaLnBrk="0" hangingPunct="0">
+              <a:lnSpc>
+                <a:spcPct val="110000"/>
+              </a:lnSpc>
+              <a:spcBef>
+                <a:spcPct val="20000"/>
+              </a:spcBef>
+              <a:buFont typeface="Arial"/>
+              <a:buChar char="•"/>
+            </a:pPr>
+            <a:r>
+              <a:rPr lang="en-GB" sz="2800" dirty="0" smtClean="0">
+                <a:solidFill>
+                  <a:srgbClr val="FFFF99"/>
+                </a:solidFill>
+              </a:rPr>
+              <a:t>Generate </a:t>
+            </a:r>
+            <a:r>
+              <a:rPr lang="en-GB" sz="2800" dirty="0">
+                <a:solidFill>
+                  <a:srgbClr val="FFFF99"/>
+                </a:solidFill>
+              </a:rPr>
+              <a:t>one or more plots from </a:t>
+            </a:r>
+            <a:r>
+              <a:rPr lang="en-GB" sz="2800" dirty="0" smtClean="0">
+                <a:solidFill>
+                  <a:srgbClr val="FFFF99"/>
+                </a:solidFill>
+              </a:rPr>
+              <a:t>it.</a:t>
+            </a:r>
+          </a:p>
+          <a:p>
+            <a:pPr marL="914400" lvl="1" indent="-457200" eaLnBrk="0" hangingPunct="0">
+              <a:lnSpc>
+                <a:spcPct val="110000"/>
+              </a:lnSpc>
+              <a:spcBef>
+                <a:spcPct val="20000"/>
+              </a:spcBef>
+              <a:buFont typeface="Arial"/>
+              <a:buChar char="•"/>
+            </a:pPr>
+            <a:r>
+              <a:rPr lang="en-GB" sz="2800" dirty="0" smtClean="0">
+                <a:solidFill>
+                  <a:srgbClr val="FFFF99"/>
+                </a:solidFill>
+              </a:rPr>
+              <a:t>Undertake </a:t>
+            </a:r>
+            <a:r>
+              <a:rPr lang="en-GB" sz="2800" dirty="0">
+                <a:solidFill>
+                  <a:srgbClr val="FFFF99"/>
+                </a:solidFill>
+              </a:rPr>
+              <a:t>one or more hypothesis </a:t>
+            </a:r>
+            <a:r>
+              <a:rPr lang="en-GB" sz="2800" dirty="0" smtClean="0">
+                <a:solidFill>
+                  <a:srgbClr val="FFFF99"/>
+                </a:solidFill>
+              </a:rPr>
+              <a:t>tests.</a:t>
+            </a:r>
+            <a:endParaRPr lang="en-GB" sz="2400" dirty="0"/>
+          </a:p>
+        </p:txBody>
+      </p:sp>
+      <p:sp>
+        <p:nvSpPr>
+          <p:cNvPr id="14339" name="Rectangle 3"/>
+          <p:cNvSpPr>
+            <a:spLocks noChangeArrowheads="1"/>
+          </p:cNvSpPr>
+          <p:nvPr/>
+        </p:nvSpPr>
+        <p:spPr bwMode="auto">
+          <a:xfrm>
+            <a:off x="0" y="0"/>
+            <a:ext cx="9151938" cy="692150"/>
+          </a:xfrm>
+          <a:prstGeom prst="rect">
+            <a:avLst/>
+          </a:prstGeom>
+          <a:gradFill rotWithShape="1">
+            <a:gsLst>
+              <a:gs pos="0">
+                <a:srgbClr val="006600"/>
+              </a:gs>
+              <a:gs pos="100000">
+                <a:srgbClr val="000000"/>
+              </a:gs>
+            </a:gsLst>
+            <a:lin ang="2700000" scaled="1"/>
+          </a:gradFill>
+          <a:ln w="19050" algn="ctr">
+            <a:solidFill>
+              <a:schemeClr val="tx1"/>
+            </a:solidFill>
+            <a:miter lim="800000"/>
+            <a:headEnd/>
+            <a:tailEnd/>
+          </a:ln>
+        </p:spPr>
+        <p:txBody>
+          <a:bodyPr wrap="none" anchor="ctr"/>
+          <a:lstStyle/>
+          <a:p>
+            <a:pPr algn="ctr" eaLnBrk="0" hangingPunct="0"/>
+            <a:endParaRPr lang="en-GB" sz="2400" b="0">
+              <a:solidFill>
+                <a:schemeClr val="tx1"/>
+              </a:solidFill>
+              <a:latin typeface="Times New Roman" pitchFamily="18" charset="0"/>
+            </a:endParaRPr>
+          </a:p>
+        </p:txBody>
+      </p:sp>
+      <p:sp>
+        <p:nvSpPr>
+          <p:cNvPr id="1377284" name="Rectangle 4"/>
+          <p:cNvSpPr>
+            <a:spLocks noChangeArrowheads="1"/>
+          </p:cNvSpPr>
+          <p:nvPr/>
+        </p:nvSpPr>
+        <p:spPr bwMode="auto">
+          <a:xfrm>
+            <a:off x="0" y="0"/>
+            <a:ext cx="9144000" cy="692150"/>
+          </a:xfrm>
+          <a:prstGeom prst="rect">
+            <a:avLst/>
+          </a:prstGeom>
+          <a:noFill/>
+          <a:ln w="9525">
+            <a:noFill/>
+            <a:miter lim="800000"/>
+            <a:headEnd/>
+            <a:tailEnd/>
+          </a:ln>
+          <a:effectLst/>
+        </p:spPr>
+        <p:txBody>
+          <a:bodyPr/>
+          <a:lstStyle/>
+          <a:p>
+            <a:pPr algn="ctr" eaLnBrk="0" hangingPunct="0">
+              <a:spcBef>
+                <a:spcPct val="20000"/>
+              </a:spcBef>
+              <a:defRPr/>
+            </a:pPr>
+            <a:r>
+              <a:rPr lang="en-GB" sz="3600" b="0" dirty="0">
+                <a:solidFill>
+                  <a:srgbClr val="FFFF00"/>
+                </a:solidFill>
+                <a:effectLst>
+                  <a:outerShdw blurRad="38100" dist="38100" dir="2700000" algn="tl">
+                    <a:srgbClr val="FFFFFF"/>
+                  </a:outerShdw>
+                </a:effectLst>
+                <a:latin typeface="Cooper Black" pitchFamily="18" charset="0"/>
+                <a:cs typeface="+mn-cs"/>
+              </a:rPr>
+              <a:t>THE CLASS TEST</a:t>
+            </a:r>
+            <a:endParaRPr lang="en-US" sz="3600" b="0" dirty="0">
+              <a:effectLst>
+                <a:outerShdw blurRad="38100" dist="38100" dir="2700000" algn="tl">
+                  <a:srgbClr val="808080"/>
+                </a:outerShdw>
+              </a:effectLst>
+              <a:latin typeface="Cooper Black" pitchFamily="18" charset="0"/>
+              <a:cs typeface="+mn-cs"/>
+            </a:endParaRPr>
+          </a:p>
+        </p:txBody>
+      </p:sp>
+    </p:spTree>
+  </p:cSld>
+  <p:clrMapOvr>
+    <a:masterClrMapping/>
+  </p:clrMapOvr>
+  <p:transition xmlns:p14="http://schemas.microsoft.com/office/powerpoint/2010/main">
+    <p:fade/>
+  </p:transition>
+  <p:timing>
+    <p:tnLst>
+      <p:par>
+        <p:cTn xmlns:p14="http://schemas.microsoft.com/office/powerpoint/2010/main" id="1" dur="indefinite" restart="never" nodeType="tmRoot">
+          <p:childTnLst>
+            <p:seq concurrent="1" nextAc="seek">
+              <p:cTn id="2" dur="indefinite" nodeType="mainSeq">
+                <p:childTnLst>
+                  <p:par>
+                    <p:cTn id="3" fill="hold" nodeType="clickPar">
+                      <p:stCondLst>
+                        <p:cond delay="indefinite"/>
+                      </p:stCondLst>
+                      <p:childTnLst>
+                        <p:par>
+                          <p:cTn id="4" fill="hold" nodeType="withGroup">
+                            <p:stCondLst>
+                              <p:cond delay="0"/>
+                            </p:stCondLst>
+                            <p:childTnLst>
+                              <p:par>
+                                <p:cTn id="5" presetID="10" presetClass="entr" presetSubtype="0" fill="hold" grpId="0" nodeType="clickEffect">
+                                  <p:stCondLst>
+                                    <p:cond delay="0"/>
+                                  </p:stCondLst>
+                                  <p:childTnLst>
+                                    <p:set>
+                                      <p:cBhvr>
+                                        <p:cTn id="6" dur="1" fill="hold">
+                                          <p:stCondLst>
+                                            <p:cond delay="0"/>
+                                          </p:stCondLst>
+                                        </p:cTn>
+                                        <p:tgtEl>
+                                          <p:spTgt spid="14338">
+                                            <p:txEl>
+                                              <p:pRg st="0" end="0"/>
+                                            </p:txEl>
+                                          </p:spTgt>
+                                        </p:tgtEl>
+                                        <p:attrNameLst>
+                                          <p:attrName>style.visibility</p:attrName>
+                                        </p:attrNameLst>
+                                      </p:cBhvr>
+                                      <p:to>
+                                        <p:strVal val="visible"/>
+                                      </p:to>
+                                    </p:set>
+                                    <p:animEffect transition="in" filter="fade">
+                                      <p:cBhvr>
+                                        <p:cTn id="7" dur="500"/>
+                                        <p:tgtEl>
+                                          <p:spTgt spid="14338">
+                                            <p:txEl>
+                                              <p:pRg st="0" end="0"/>
+                                            </p:txEl>
+                                          </p:spTgt>
+                                        </p:tgtEl>
+                                      </p:cBhvr>
+                                    </p:animEffect>
+                                  </p:childTnLst>
+                                </p:cTn>
+                              </p:par>
+                            </p:childTnLst>
+                          </p:cTn>
+                        </p:par>
+                      </p:childTnLst>
+                    </p:cTn>
+                  </p:par>
+                  <p:par>
+                    <p:cTn id="8" fill="hold">
+                      <p:stCondLst>
+                        <p:cond delay="indefinite"/>
+                      </p:stCondLst>
+                      <p:childTnLst>
+                        <p:par>
+                          <p:cTn id="9" fill="hold">
+                            <p:stCondLst>
+                              <p:cond delay="0"/>
+                            </p:stCondLst>
+                            <p:childTnLst>
+                              <p:par>
+                                <p:cTn id="10" presetID="10" presetClass="entr" presetSubtype="0" fill="hold" grpId="0" nodeType="clickEffect">
+                                  <p:stCondLst>
+                                    <p:cond delay="0"/>
+                                  </p:stCondLst>
+                                  <p:childTnLst>
+                                    <p:set>
+                                      <p:cBhvr>
+                                        <p:cTn id="11" dur="1" fill="hold">
+                                          <p:stCondLst>
+                                            <p:cond delay="0"/>
+                                          </p:stCondLst>
+                                        </p:cTn>
+                                        <p:tgtEl>
+                                          <p:spTgt spid="14338">
+                                            <p:txEl>
+                                              <p:pRg st="1" end="1"/>
+                                            </p:txEl>
+                                          </p:spTgt>
+                                        </p:tgtEl>
+                                        <p:attrNameLst>
+                                          <p:attrName>style.visibility</p:attrName>
+                                        </p:attrNameLst>
+                                      </p:cBhvr>
+                                      <p:to>
+                                        <p:strVal val="visible"/>
+                                      </p:to>
+                                    </p:set>
+                                    <p:animEffect transition="in" filter="fade">
+                                      <p:cBhvr>
+                                        <p:cTn id="12" dur="500"/>
+                                        <p:tgtEl>
+                                          <p:spTgt spid="14338">
+                                            <p:txEl>
+                                              <p:pRg st="1" end="1"/>
+                                            </p:txEl>
+                                          </p:spTgt>
+                                        </p:tgtEl>
+                                      </p:cBhvr>
+                                    </p:animEffect>
+                                  </p:childTnLst>
+                                </p:cTn>
+                              </p:par>
+                            </p:childTnLst>
+                          </p:cTn>
+                        </p:par>
+                      </p:childTnLst>
+                    </p:cTn>
+                  </p:par>
+                  <p:par>
+                    <p:cTn id="13" fill="hold">
+                      <p:stCondLst>
+                        <p:cond delay="indefinite"/>
+                      </p:stCondLst>
+                      <p:childTnLst>
+                        <p:par>
+                          <p:cTn id="14" fill="hold">
+                            <p:stCondLst>
+                              <p:cond delay="0"/>
+                            </p:stCondLst>
+                            <p:childTnLst>
+                              <p:par>
+                                <p:cTn id="15" presetID="10" presetClass="entr" presetSubtype="0" fill="hold" grpId="0" nodeType="clickEffect">
+                                  <p:stCondLst>
+                                    <p:cond delay="0"/>
+                                  </p:stCondLst>
+                                  <p:childTnLst>
+                                    <p:set>
+                                      <p:cBhvr>
+                                        <p:cTn id="16" dur="1" fill="hold">
+                                          <p:stCondLst>
+                                            <p:cond delay="0"/>
+                                          </p:stCondLst>
+                                        </p:cTn>
+                                        <p:tgtEl>
+                                          <p:spTgt spid="14338">
+                                            <p:txEl>
+                                              <p:pRg st="2" end="2"/>
+                                            </p:txEl>
+                                          </p:spTgt>
+                                        </p:tgtEl>
+                                        <p:attrNameLst>
+                                          <p:attrName>style.visibility</p:attrName>
+                                        </p:attrNameLst>
+                                      </p:cBhvr>
+                                      <p:to>
+                                        <p:strVal val="visible"/>
+                                      </p:to>
+                                    </p:set>
+                                    <p:animEffect transition="in" filter="fade">
+                                      <p:cBhvr>
+                                        <p:cTn id="17" dur="500"/>
+                                        <p:tgtEl>
+                                          <p:spTgt spid="14338">
+                                            <p:txEl>
+                                              <p:pRg st="2" end="2"/>
+                                            </p:txEl>
+                                          </p:spTgt>
+                                        </p:tgtEl>
+                                      </p:cBhvr>
+                                    </p:animEffect>
+                                  </p:childTnLst>
+                                </p:cTn>
+                              </p:par>
+                            </p:childTnLst>
+                          </p:cTn>
+                        </p:par>
+                      </p:childTnLst>
+                    </p:cTn>
+                  </p:par>
+                  <p:par>
+                    <p:cTn id="18" fill="hold">
+                      <p:stCondLst>
+                        <p:cond delay="indefinite"/>
+                      </p:stCondLst>
+                      <p:childTnLst>
+                        <p:par>
+                          <p:cTn id="19" fill="hold">
+                            <p:stCondLst>
+                              <p:cond delay="0"/>
+                            </p:stCondLst>
+                            <p:childTnLst>
+                              <p:par>
+                                <p:cTn id="20" presetID="10" presetClass="entr" presetSubtype="0" fill="hold" grpId="0" nodeType="clickEffect">
+                                  <p:stCondLst>
+                                    <p:cond delay="0"/>
+                                  </p:stCondLst>
+                                  <p:childTnLst>
+                                    <p:set>
+                                      <p:cBhvr>
+                                        <p:cTn id="21" dur="1" fill="hold">
+                                          <p:stCondLst>
+                                            <p:cond delay="0"/>
+                                          </p:stCondLst>
+                                        </p:cTn>
+                                        <p:tgtEl>
+                                          <p:spTgt spid="14338">
+                                            <p:txEl>
+                                              <p:pRg st="3" end="3"/>
+                                            </p:txEl>
+                                          </p:spTgt>
+                                        </p:tgtEl>
+                                        <p:attrNameLst>
+                                          <p:attrName>style.visibility</p:attrName>
+                                        </p:attrNameLst>
+                                      </p:cBhvr>
+                                      <p:to>
+                                        <p:strVal val="visible"/>
+                                      </p:to>
+                                    </p:set>
+                                    <p:animEffect transition="in" filter="fade">
+                                      <p:cBhvr>
+                                        <p:cTn id="22" dur="500"/>
+                                        <p:tgtEl>
+                                          <p:spTgt spid="14338">
+                                            <p:txEl>
+                                              <p:pRg st="3" end="3"/>
+                                            </p:txEl>
+                                          </p:spTgt>
+                                        </p:tgtEl>
+                                      </p:cBhvr>
+                                    </p:animEffect>
+                                  </p:childTnLst>
+                                </p:cTn>
+                              </p:par>
+                            </p:childTnLst>
+                          </p:cTn>
+                        </p:par>
+                      </p:childTnLst>
+                    </p:cTn>
+                  </p:par>
+                  <p:par>
+                    <p:cTn id="23" fill="hold">
+                      <p:stCondLst>
+                        <p:cond delay="indefinite"/>
+                      </p:stCondLst>
+                      <p:childTnLst>
+                        <p:par>
+                          <p:cTn id="24" fill="hold">
+                            <p:stCondLst>
+                              <p:cond delay="0"/>
+                            </p:stCondLst>
+                            <p:childTnLst>
+                              <p:par>
+                                <p:cTn id="25" presetID="10" presetClass="entr" presetSubtype="0" fill="hold" grpId="0" nodeType="clickEffect">
+                                  <p:stCondLst>
+                                    <p:cond delay="0"/>
+                                  </p:stCondLst>
+                                  <p:childTnLst>
+                                    <p:set>
+                                      <p:cBhvr>
+                                        <p:cTn id="26" dur="1" fill="hold">
+                                          <p:stCondLst>
+                                            <p:cond delay="0"/>
+                                          </p:stCondLst>
+                                        </p:cTn>
+                                        <p:tgtEl>
+                                          <p:spTgt spid="14338">
+                                            <p:txEl>
+                                              <p:pRg st="4" end="4"/>
+                                            </p:txEl>
+                                          </p:spTgt>
+                                        </p:tgtEl>
+                                        <p:attrNameLst>
+                                          <p:attrName>style.visibility</p:attrName>
+                                        </p:attrNameLst>
+                                      </p:cBhvr>
+                                      <p:to>
+                                        <p:strVal val="visible"/>
+                                      </p:to>
+                                    </p:set>
+                                    <p:animEffect transition="in" filter="fade">
+                                      <p:cBhvr>
+                                        <p:cTn id="27" dur="500"/>
+                                        <p:tgtEl>
+                                          <p:spTgt spid="14338">
+                                            <p:txEl>
+                                              <p:pRg st="4" end="4"/>
+                                            </p:txEl>
+                                          </p:spTgt>
+                                        </p:tgtEl>
+                                      </p:cBhvr>
+                                    </p:animEffect>
+                                  </p:childTnLst>
+                                </p:cTn>
+                              </p:par>
+                            </p:childTnLst>
+                          </p:cTn>
+                        </p:par>
+                      </p:childTnLst>
+                    </p:cTn>
+                  </p:par>
+                  <p:par>
+                    <p:cTn id="28" fill="hold">
+                      <p:stCondLst>
+                        <p:cond delay="indefinite"/>
+                      </p:stCondLst>
+                      <p:childTnLst>
+                        <p:par>
+                          <p:cTn id="29" fill="hold">
+                            <p:stCondLst>
+                              <p:cond delay="0"/>
+                            </p:stCondLst>
+                            <p:childTnLst>
+                              <p:par>
+                                <p:cTn id="30" presetID="10" presetClass="entr" presetSubtype="0" fill="hold" grpId="0" nodeType="clickEffect">
+                                  <p:stCondLst>
+                                    <p:cond delay="0"/>
+                                  </p:stCondLst>
+                                  <p:childTnLst>
+                                    <p:set>
+                                      <p:cBhvr>
+                                        <p:cTn id="31" dur="1" fill="hold">
+                                          <p:stCondLst>
+                                            <p:cond delay="0"/>
+                                          </p:stCondLst>
+                                        </p:cTn>
+                                        <p:tgtEl>
+                                          <p:spTgt spid="14338">
+                                            <p:txEl>
+                                              <p:pRg st="5" end="5"/>
+                                            </p:txEl>
+                                          </p:spTgt>
+                                        </p:tgtEl>
+                                        <p:attrNameLst>
+                                          <p:attrName>style.visibility</p:attrName>
+                                        </p:attrNameLst>
+                                      </p:cBhvr>
+                                      <p:to>
+                                        <p:strVal val="visible"/>
+                                      </p:to>
+                                    </p:set>
+                                    <p:animEffect transition="in" filter="fade">
+                                      <p:cBhvr>
+                                        <p:cTn id="32" dur="500"/>
+                                        <p:tgtEl>
+                                          <p:spTgt spid="14338">
+                                            <p:txEl>
+                                              <p:pRg st="5" end="5"/>
+                                            </p:txEl>
+                                          </p:spTgt>
+                                        </p:tgtEl>
+                                      </p:cBhvr>
+                                    </p:animEffect>
+                                  </p:childTnLst>
+                                </p:cTn>
+                              </p:par>
+                            </p:childTnLst>
+                          </p:cTn>
+                        </p:par>
+                      </p:childTnLst>
+                    </p:cTn>
+                  </p:par>
+                  <p:par>
+                    <p:cTn id="33" fill="hold">
+                      <p:stCondLst>
+                        <p:cond delay="indefinite"/>
+                      </p:stCondLst>
+                      <p:childTnLst>
+                        <p:par>
+                          <p:cTn id="34" fill="hold">
+                            <p:stCondLst>
+                              <p:cond delay="0"/>
+                            </p:stCondLst>
+                            <p:childTnLst>
+                              <p:par>
+                                <p:cTn id="35" presetID="10" presetClass="entr" presetSubtype="0" fill="hold" grpId="0" nodeType="clickEffect">
+                                  <p:stCondLst>
+                                    <p:cond delay="0"/>
+                                  </p:stCondLst>
+                                  <p:childTnLst>
+                                    <p:set>
+                                      <p:cBhvr>
+                                        <p:cTn id="36" dur="1" fill="hold">
+                                          <p:stCondLst>
+                                            <p:cond delay="0"/>
+                                          </p:stCondLst>
+                                        </p:cTn>
+                                        <p:tgtEl>
+                                          <p:spTgt spid="14338">
+                                            <p:txEl>
+                                              <p:pRg st="6" end="6"/>
+                                            </p:txEl>
+                                          </p:spTgt>
+                                        </p:tgtEl>
+                                        <p:attrNameLst>
+                                          <p:attrName>style.visibility</p:attrName>
+                                        </p:attrNameLst>
+                                      </p:cBhvr>
+                                      <p:to>
+                                        <p:strVal val="visible"/>
+                                      </p:to>
+                                    </p:set>
+                                    <p:animEffect transition="in" filter="fade">
+                                      <p:cBhvr>
+                                        <p:cTn id="37" dur="500"/>
+                                        <p:tgtEl>
+                                          <p:spTgt spid="14338">
+                                            <p:txEl>
+                                              <p:pRg st="6" end="6"/>
+                                            </p:txEl>
+                                          </p:spTgt>
+                                        </p:tgtEl>
+                                      </p:cBhvr>
+                                    </p:animEffect>
+                                  </p:childTnLst>
+                                </p:cTn>
+                              </p:par>
+                            </p:childTnLst>
+                          </p:cTn>
+                        </p:par>
+                      </p:childTnLst>
+                    </p:cTn>
+                  </p:par>
+                </p:childTnLst>
+              </p:cTn>
+              <p:prevCondLst>
+                <p:cond evt="onPrev" delay="0">
+                  <p:tgtEl>
+                    <p:sldTgt/>
+                  </p:tgtEl>
+                </p:cond>
+              </p:prevCondLst>
+              <p:nextCondLst>
+                <p:cond evt="onNext" delay="0">
+                  <p:tgtEl>
+                    <p:sldTgt/>
+                  </p:tgtEl>
+                </p:cond>
+              </p:nextCondLst>
+            </p:seq>
+          </p:childTnLst>
+        </p:cTn>
+      </p:par>
+    </p:tnLst>
+    <p:bldLst>
+      <p:bldP spid="14338" grpId="0" build="p" bldLvl="3"/>
     </p:bldLst>
   </p:timing>
 </p:sld>
